--- a/javaPPT.pptx
+++ b/javaPPT.pptx
@@ -8,7 +8,7 @@
     <p:notesMasterId r:id="rId4"/>
   </p:notesMasterIdLst>
   <p:handoutMasterIdLst>
-    <p:handoutMasterId r:id="rId21"/>
+    <p:handoutMasterId r:id="rId23"/>
   </p:handoutMasterIdLst>
   <p:sldIdLst>
     <p:sldId id="4249" r:id="rId3"/>
@@ -21,13 +21,15 @@
     <p:sldId id="4245" r:id="rId11"/>
     <p:sldId id="4273" r:id="rId12"/>
     <p:sldId id="4274" r:id="rId13"/>
-    <p:sldId id="4275" r:id="rId14"/>
-    <p:sldId id="4277" r:id="rId15"/>
-    <p:sldId id="4299" r:id="rId16"/>
-    <p:sldId id="4279" r:id="rId17"/>
-    <p:sldId id="4276" r:id="rId18"/>
-    <p:sldId id="4298" r:id="rId19"/>
-    <p:sldId id="4280" r:id="rId20"/>
+    <p:sldId id="4317" r:id="rId14"/>
+    <p:sldId id="4275" r:id="rId15"/>
+    <p:sldId id="4316" r:id="rId16"/>
+    <p:sldId id="4277" r:id="rId17"/>
+    <p:sldId id="4299" r:id="rId18"/>
+    <p:sldId id="4279" r:id="rId19"/>
+    <p:sldId id="4276" r:id="rId20"/>
+    <p:sldId id="4298" r:id="rId21"/>
+    <p:sldId id="4280" r:id="rId22"/>
   </p:sldIdLst>
   <p:sldSz cx="12858750" cy="7232650"/>
   <p:notesSz cx="6858000" cy="9144000"/>
@@ -1406,6 +1408,162 @@
 </p:notes>
 </file>
 
+<file path=ppt/notesSlides/notesSlide18.xml><?xml version="1.0" encoding="utf-8"?>
+<p:notes xmlns:a="http://schemas.openxmlformats.org/drawingml/2006/main" xmlns:r="http://schemas.openxmlformats.org/officeDocument/2006/relationships" xmlns:p="http://schemas.openxmlformats.org/presentationml/2006/main">
+  <p:cSld>
+    <p:spTree>
+      <p:nvGrpSpPr>
+        <p:cNvPr id="1" name=""/>
+        <p:cNvGrpSpPr/>
+        <p:nvPr/>
+      </p:nvGrpSpPr>
+      <p:grpSpPr>
+        <a:xfrm>
+          <a:off x="0" y="0"/>
+          <a:ext cx="0" cy="0"/>
+          <a:chOff x="0" y="0"/>
+          <a:chExt cx="0" cy="0"/>
+        </a:xfrm>
+      </p:grpSpPr>
+      <p:sp>
+        <p:nvSpPr>
+          <p:cNvPr id="2" name="幻灯片图像占位符 1"/>
+          <p:cNvSpPr>
+            <a:spLocks noGrp="1" noRot="1" noChangeAspect="1"/>
+          </p:cNvSpPr>
+          <p:nvPr>
+            <p:ph type="sldImg"/>
+          </p:nvPr>
+        </p:nvSpPr>
+        <p:spPr/>
+      </p:sp>
+      <p:sp>
+        <p:nvSpPr>
+          <p:cNvPr id="3" name="备注占位符 2"/>
+          <p:cNvSpPr>
+            <a:spLocks noGrp="1"/>
+          </p:cNvSpPr>
+          <p:nvPr>
+            <p:ph type="body" idx="1"/>
+          </p:nvPr>
+        </p:nvSpPr>
+        <p:spPr/>
+        <p:txBody>
+          <a:bodyPr/>
+          <a:lstStyle/>
+          <a:p>
+            <a:endParaRPr lang="zh-CN" altLang="en-US"/>
+          </a:p>
+        </p:txBody>
+      </p:sp>
+      <p:sp>
+        <p:nvSpPr>
+          <p:cNvPr id="4" name="灯片编号占位符 3"/>
+          <p:cNvSpPr>
+            <a:spLocks noGrp="1"/>
+          </p:cNvSpPr>
+          <p:nvPr>
+            <p:ph type="sldNum" sz="quarter" idx="10"/>
+          </p:nvPr>
+        </p:nvSpPr>
+        <p:spPr/>
+        <p:txBody>
+          <a:bodyPr/>
+          <a:lstStyle/>
+          <a:p>
+            <a:fld id="{418F03C3-53C1-4F10-8DAF-D1F318E96C6E}" type="slidenum">
+              <a:rPr lang="zh-CN" altLang="en-US" smtClean="0"/>
+            </a:fld>
+            <a:endParaRPr lang="zh-CN" altLang="en-US"/>
+          </a:p>
+        </p:txBody>
+      </p:sp>
+    </p:spTree>
+  </p:cSld>
+  <p:clrMapOvr>
+    <a:masterClrMapping/>
+  </p:clrMapOvr>
+</p:notes>
+</file>
+
+<file path=ppt/notesSlides/notesSlide19.xml><?xml version="1.0" encoding="utf-8"?>
+<p:notes xmlns:a="http://schemas.openxmlformats.org/drawingml/2006/main" xmlns:r="http://schemas.openxmlformats.org/officeDocument/2006/relationships" xmlns:p="http://schemas.openxmlformats.org/presentationml/2006/main">
+  <p:cSld>
+    <p:spTree>
+      <p:nvGrpSpPr>
+        <p:cNvPr id="1" name=""/>
+        <p:cNvGrpSpPr/>
+        <p:nvPr/>
+      </p:nvGrpSpPr>
+      <p:grpSpPr>
+        <a:xfrm>
+          <a:off x="0" y="0"/>
+          <a:ext cx="0" cy="0"/>
+          <a:chOff x="0" y="0"/>
+          <a:chExt cx="0" cy="0"/>
+        </a:xfrm>
+      </p:grpSpPr>
+      <p:sp>
+        <p:nvSpPr>
+          <p:cNvPr id="2" name="幻灯片图像占位符 1"/>
+          <p:cNvSpPr>
+            <a:spLocks noGrp="1" noRot="1" noChangeAspect="1"/>
+          </p:cNvSpPr>
+          <p:nvPr>
+            <p:ph type="sldImg"/>
+          </p:nvPr>
+        </p:nvSpPr>
+        <p:spPr/>
+      </p:sp>
+      <p:sp>
+        <p:nvSpPr>
+          <p:cNvPr id="3" name="备注占位符 2"/>
+          <p:cNvSpPr>
+            <a:spLocks noGrp="1"/>
+          </p:cNvSpPr>
+          <p:nvPr>
+            <p:ph type="body" idx="1"/>
+          </p:nvPr>
+        </p:nvSpPr>
+        <p:spPr/>
+        <p:txBody>
+          <a:bodyPr/>
+          <a:lstStyle/>
+          <a:p>
+            <a:endParaRPr lang="zh-CN" altLang="en-US"/>
+          </a:p>
+        </p:txBody>
+      </p:sp>
+      <p:sp>
+        <p:nvSpPr>
+          <p:cNvPr id="4" name="灯片编号占位符 3"/>
+          <p:cNvSpPr>
+            <a:spLocks noGrp="1"/>
+          </p:cNvSpPr>
+          <p:nvPr>
+            <p:ph type="sldNum" sz="quarter" idx="10"/>
+          </p:nvPr>
+        </p:nvSpPr>
+        <p:spPr/>
+        <p:txBody>
+          <a:bodyPr/>
+          <a:lstStyle/>
+          <a:p>
+            <a:fld id="{418F03C3-53C1-4F10-8DAF-D1F318E96C6E}" type="slidenum">
+              <a:rPr lang="zh-CN" altLang="en-US" smtClean="0"/>
+            </a:fld>
+            <a:endParaRPr lang="zh-CN" altLang="en-US"/>
+          </a:p>
+        </p:txBody>
+      </p:sp>
+    </p:spTree>
+  </p:cSld>
+  <p:clrMapOvr>
+    <a:masterClrMapping/>
+  </p:clrMapOvr>
+</p:notes>
+</file>
+
 <file path=ppt/notesSlides/notesSlide2.xml><?xml version="1.0" encoding="utf-8"?>
 <p:notes xmlns:a="http://schemas.openxmlformats.org/drawingml/2006/main" xmlns:r="http://schemas.openxmlformats.org/officeDocument/2006/relationships" xmlns:p="http://schemas.openxmlformats.org/presentationml/2006/main">
   <p:cSld>
@@ -8525,6 +8683,1621 @@
       </p:grpSpPr>
       <p:grpSp>
         <p:nvGrpSpPr>
+          <p:cNvPr id="15" name="Group 4"/>
+          <p:cNvGrpSpPr>
+            <a:grpSpLocks noChangeAspect="1"/>
+          </p:cNvGrpSpPr>
+          <p:nvPr/>
+        </p:nvGrpSpPr>
+        <p:grpSpPr bwMode="auto">
+          <a:xfrm>
+            <a:off x="4316280" y="2793515"/>
+            <a:ext cx="4249756" cy="3300520"/>
+            <a:chOff x="2329" y="786"/>
+            <a:chExt cx="3022" cy="2347"/>
+          </a:xfrm>
+        </p:grpSpPr>
+        <p:sp>
+          <p:nvSpPr>
+            <p:cNvPr id="16" name="Freeform 5"/>
+            <p:cNvSpPr/>
+            <p:nvPr/>
+          </p:nvSpPr>
+          <p:spPr bwMode="auto">
+            <a:xfrm>
+              <a:off x="3462" y="1393"/>
+              <a:ext cx="389" cy="1740"/>
+            </a:xfrm>
+            <a:custGeom>
+              <a:avLst/>
+              <a:gdLst>
+                <a:gd name="T0" fmla="*/ 0 w 164"/>
+                <a:gd name="T1" fmla="*/ 1140 h 1222"/>
+                <a:gd name="T2" fmla="*/ 0 w 164"/>
+                <a:gd name="T3" fmla="*/ 1140 h 1222"/>
+                <a:gd name="T4" fmla="*/ 82 w 164"/>
+                <a:gd name="T5" fmla="*/ 1222 h 1222"/>
+                <a:gd name="T6" fmla="*/ 82 w 164"/>
+                <a:gd name="T7" fmla="*/ 1222 h 1222"/>
+                <a:gd name="T8" fmla="*/ 164 w 164"/>
+                <a:gd name="T9" fmla="*/ 1140 h 1222"/>
+                <a:gd name="T10" fmla="*/ 164 w 164"/>
+                <a:gd name="T11" fmla="*/ 1140 h 1222"/>
+                <a:gd name="T12" fmla="*/ 164 w 164"/>
+                <a:gd name="T13" fmla="*/ 0 h 1222"/>
+                <a:gd name="connsiteX0" fmla="*/ 0 w 10000"/>
+                <a:gd name="connsiteY0" fmla="*/ 9830 h 10501"/>
+                <a:gd name="connsiteX1" fmla="*/ 0 w 10000"/>
+                <a:gd name="connsiteY1" fmla="*/ 9830 h 10501"/>
+                <a:gd name="connsiteX2" fmla="*/ 5000 w 10000"/>
+                <a:gd name="connsiteY2" fmla="*/ 10501 h 10501"/>
+                <a:gd name="connsiteX3" fmla="*/ 5000 w 10000"/>
+                <a:gd name="connsiteY3" fmla="*/ 10501 h 10501"/>
+                <a:gd name="connsiteX4" fmla="*/ 10000 w 10000"/>
+                <a:gd name="connsiteY4" fmla="*/ 9830 h 10501"/>
+                <a:gd name="connsiteX5" fmla="*/ 10000 w 10000"/>
+                <a:gd name="connsiteY5" fmla="*/ 9830 h 10501"/>
+                <a:gd name="connsiteX6" fmla="*/ 10000 w 10000"/>
+                <a:gd name="connsiteY6" fmla="*/ 0 h 10501"/>
+                <a:gd name="connsiteX0-1" fmla="*/ 0 w 10000"/>
+                <a:gd name="connsiteY0-2" fmla="*/ 5342 h 6013"/>
+                <a:gd name="connsiteX1-3" fmla="*/ 0 w 10000"/>
+                <a:gd name="connsiteY1-4" fmla="*/ 5342 h 6013"/>
+                <a:gd name="connsiteX2-5" fmla="*/ 5000 w 10000"/>
+                <a:gd name="connsiteY2-6" fmla="*/ 6013 h 6013"/>
+                <a:gd name="connsiteX3-7" fmla="*/ 5000 w 10000"/>
+                <a:gd name="connsiteY3-8" fmla="*/ 6013 h 6013"/>
+                <a:gd name="connsiteX4-9" fmla="*/ 10000 w 10000"/>
+                <a:gd name="connsiteY4-10" fmla="*/ 5342 h 6013"/>
+                <a:gd name="connsiteX5-11" fmla="*/ 10000 w 10000"/>
+                <a:gd name="connsiteY5-12" fmla="*/ 5342 h 6013"/>
+                <a:gd name="connsiteX6-13" fmla="*/ 10000 w 10000"/>
+                <a:gd name="connsiteY6-14" fmla="*/ 0 h 6013"/>
+              </a:gdLst>
+              <a:ahLst/>
+              <a:cxnLst>
+                <a:cxn ang="0">
+                  <a:pos x="connsiteX0-1" y="connsiteY0-2"/>
+                </a:cxn>
+                <a:cxn ang="0">
+                  <a:pos x="connsiteX1-3" y="connsiteY1-4"/>
+                </a:cxn>
+                <a:cxn ang="0">
+                  <a:pos x="connsiteX2-5" y="connsiteY2-6"/>
+                </a:cxn>
+                <a:cxn ang="0">
+                  <a:pos x="connsiteX3-7" y="connsiteY3-8"/>
+                </a:cxn>
+                <a:cxn ang="0">
+                  <a:pos x="connsiteX4-9" y="connsiteY4-10"/>
+                </a:cxn>
+                <a:cxn ang="0">
+                  <a:pos x="connsiteX5-11" y="connsiteY5-12"/>
+                </a:cxn>
+                <a:cxn ang="0">
+                  <a:pos x="connsiteX6-13" y="connsiteY6-14"/>
+                </a:cxn>
+              </a:cxnLst>
+              <a:rect l="l" t="t" r="r" b="b"/>
+              <a:pathLst>
+                <a:path w="10000" h="6013">
+                  <a:moveTo>
+                    <a:pt x="0" y="5342"/>
+                  </a:moveTo>
+                  <a:lnTo>
+                    <a:pt x="0" y="5342"/>
+                  </a:lnTo>
+                  <a:cubicBezTo>
+                    <a:pt x="0" y="5710"/>
+                    <a:pt x="2256" y="6013"/>
+                    <a:pt x="5000" y="6013"/>
+                  </a:cubicBezTo>
+                  <a:lnTo>
+                    <a:pt x="5000" y="6013"/>
+                  </a:lnTo>
+                  <a:cubicBezTo>
+                    <a:pt x="7805" y="6013"/>
+                    <a:pt x="10000" y="5710"/>
+                    <a:pt x="10000" y="5342"/>
+                  </a:cubicBezTo>
+                  <a:lnTo>
+                    <a:pt x="10000" y="5342"/>
+                  </a:lnTo>
+                  <a:lnTo>
+                    <a:pt x="10000" y="0"/>
+                  </a:lnTo>
+                </a:path>
+              </a:pathLst>
+            </a:custGeom>
+            <a:noFill/>
+            <a:ln w="101600" cap="rnd">
+              <a:solidFill>
+                <a:srgbClr val="B3B3B3"/>
+              </a:solidFill>
+              <a:prstDash val="solid"/>
+              <a:round/>
+            </a:ln>
+          </p:spPr>
+          <p:txBody>
+            <a:bodyPr vert="horz" wrap="square" lIns="36159" tIns="18080" rIns="36159" bIns="18080" numCol="1" anchor="t" anchorCtr="0" compatLnSpc="1"/>
+            <a:lstStyle/>
+            <a:p>
+              <a:pPr>
+                <a:lnSpc>
+                  <a:spcPct val="120000"/>
+                </a:lnSpc>
+              </a:pPr>
+              <a:endParaRPr lang="en-US" sz="1580">
+                <a:latin typeface="Arial" panose="020B0604020202090204" pitchFamily="34" charset="0"/>
+                <a:ea typeface="微软雅黑" panose="020B0503020204020204" pitchFamily="34" charset="-122"/>
+                <a:sym typeface="Arial" panose="020B0604020202090204" pitchFamily="34" charset="0"/>
+              </a:endParaRPr>
+            </a:p>
+          </p:txBody>
+        </p:sp>
+        <p:sp>
+          <p:nvSpPr>
+            <p:cNvPr id="17" name="Freeform 6"/>
+            <p:cNvSpPr/>
+            <p:nvPr/>
+          </p:nvSpPr>
+          <p:spPr bwMode="auto">
+            <a:xfrm>
+              <a:off x="3841" y="786"/>
+              <a:ext cx="1510" cy="1346"/>
+            </a:xfrm>
+            <a:custGeom>
+              <a:avLst/>
+              <a:gdLst>
+                <a:gd name="T0" fmla="*/ 0 w 638"/>
+                <a:gd name="T1" fmla="*/ 0 h 568"/>
+                <a:gd name="T2" fmla="*/ 0 w 638"/>
+                <a:gd name="T3" fmla="*/ 568 h 568"/>
+                <a:gd name="T4" fmla="*/ 159 w 638"/>
+                <a:gd name="T5" fmla="*/ 484 h 568"/>
+                <a:gd name="T6" fmla="*/ 319 w 638"/>
+                <a:gd name="T7" fmla="*/ 568 h 568"/>
+                <a:gd name="T8" fmla="*/ 479 w 638"/>
+                <a:gd name="T9" fmla="*/ 484 h 568"/>
+                <a:gd name="T10" fmla="*/ 638 w 638"/>
+                <a:gd name="T11" fmla="*/ 567 h 568"/>
+                <a:gd name="T12" fmla="*/ 0 w 638"/>
+                <a:gd name="T13" fmla="*/ 0 h 568"/>
+              </a:gdLst>
+              <a:ahLst/>
+              <a:cxnLst>
+                <a:cxn ang="0">
+                  <a:pos x="T0" y="T1"/>
+                </a:cxn>
+                <a:cxn ang="0">
+                  <a:pos x="T2" y="T3"/>
+                </a:cxn>
+                <a:cxn ang="0">
+                  <a:pos x="T4" y="T5"/>
+                </a:cxn>
+                <a:cxn ang="0">
+                  <a:pos x="T6" y="T7"/>
+                </a:cxn>
+                <a:cxn ang="0">
+                  <a:pos x="T8" y="T9"/>
+                </a:cxn>
+                <a:cxn ang="0">
+                  <a:pos x="T10" y="T11"/>
+                </a:cxn>
+                <a:cxn ang="0">
+                  <a:pos x="T12" y="T13"/>
+                </a:cxn>
+              </a:cxnLst>
+              <a:rect l="0" t="0" r="r" b="b"/>
+              <a:pathLst>
+                <a:path w="638" h="568">
+                  <a:moveTo>
+                    <a:pt x="0" y="0"/>
+                  </a:moveTo>
+                  <a:cubicBezTo>
+                    <a:pt x="0" y="568"/>
+                    <a:pt x="0" y="568"/>
+                    <a:pt x="0" y="568"/>
+                  </a:cubicBezTo>
+                  <a:cubicBezTo>
+                    <a:pt x="35" y="517"/>
+                    <a:pt x="93" y="484"/>
+                    <a:pt x="159" y="484"/>
+                  </a:cubicBezTo>
+                  <a:cubicBezTo>
+                    <a:pt x="226" y="484"/>
+                    <a:pt x="284" y="517"/>
+                    <a:pt x="319" y="568"/>
+                  </a:cubicBezTo>
+                  <a:cubicBezTo>
+                    <a:pt x="354" y="517"/>
+                    <a:pt x="412" y="484"/>
+                    <a:pt x="479" y="484"/>
+                  </a:cubicBezTo>
+                  <a:cubicBezTo>
+                    <a:pt x="545" y="484"/>
+                    <a:pt x="603" y="517"/>
+                    <a:pt x="638" y="567"/>
+                  </a:cubicBezTo>
+                  <a:cubicBezTo>
+                    <a:pt x="601" y="248"/>
+                    <a:pt x="329" y="0"/>
+                    <a:pt x="0" y="0"/>
+                  </a:cubicBezTo>
+                  <a:close/>
+                </a:path>
+              </a:pathLst>
+            </a:custGeom>
+            <a:solidFill>
+              <a:schemeClr val="accent4"/>
+            </a:solidFill>
+            <a:ln>
+              <a:noFill/>
+            </a:ln>
+          </p:spPr>
+          <p:txBody>
+            <a:bodyPr vert="horz" wrap="square" lIns="36159" tIns="18080" rIns="36159" bIns="18080" numCol="1" anchor="t" anchorCtr="0" compatLnSpc="1"/>
+            <a:lstStyle/>
+            <a:p>
+              <a:pPr>
+                <a:lnSpc>
+                  <a:spcPct val="120000"/>
+                </a:lnSpc>
+              </a:pPr>
+              <a:endParaRPr lang="en-US" sz="1580">
+                <a:latin typeface="Arial" panose="020B0604020202090204" pitchFamily="34" charset="0"/>
+                <a:ea typeface="微软雅黑" panose="020B0503020204020204" pitchFamily="34" charset="-122"/>
+                <a:sym typeface="Arial" panose="020B0604020202090204" pitchFamily="34" charset="0"/>
+              </a:endParaRPr>
+            </a:p>
+          </p:txBody>
+        </p:sp>
+        <p:sp>
+          <p:nvSpPr>
+            <p:cNvPr id="18" name="Freeform 7"/>
+            <p:cNvSpPr/>
+            <p:nvPr/>
+          </p:nvSpPr>
+          <p:spPr bwMode="auto">
+            <a:xfrm>
+              <a:off x="2329" y="786"/>
+              <a:ext cx="1512" cy="1346"/>
+            </a:xfrm>
+            <a:custGeom>
+              <a:avLst/>
+              <a:gdLst>
+                <a:gd name="T0" fmla="*/ 639 w 639"/>
+                <a:gd name="T1" fmla="*/ 0 h 568"/>
+                <a:gd name="T2" fmla="*/ 639 w 639"/>
+                <a:gd name="T3" fmla="*/ 0 h 568"/>
+                <a:gd name="T4" fmla="*/ 0 w 639"/>
+                <a:gd name="T5" fmla="*/ 568 h 568"/>
+                <a:gd name="T6" fmla="*/ 160 w 639"/>
+                <a:gd name="T7" fmla="*/ 484 h 568"/>
+                <a:gd name="T8" fmla="*/ 320 w 639"/>
+                <a:gd name="T9" fmla="*/ 568 h 568"/>
+                <a:gd name="T10" fmla="*/ 479 w 639"/>
+                <a:gd name="T11" fmla="*/ 484 h 568"/>
+                <a:gd name="T12" fmla="*/ 639 w 639"/>
+                <a:gd name="T13" fmla="*/ 568 h 568"/>
+                <a:gd name="T14" fmla="*/ 639 w 639"/>
+                <a:gd name="T15" fmla="*/ 0 h 568"/>
+              </a:gdLst>
+              <a:ahLst/>
+              <a:cxnLst>
+                <a:cxn ang="0">
+                  <a:pos x="T0" y="T1"/>
+                </a:cxn>
+                <a:cxn ang="0">
+                  <a:pos x="T2" y="T3"/>
+                </a:cxn>
+                <a:cxn ang="0">
+                  <a:pos x="T4" y="T5"/>
+                </a:cxn>
+                <a:cxn ang="0">
+                  <a:pos x="T6" y="T7"/>
+                </a:cxn>
+                <a:cxn ang="0">
+                  <a:pos x="T8" y="T9"/>
+                </a:cxn>
+                <a:cxn ang="0">
+                  <a:pos x="T10" y="T11"/>
+                </a:cxn>
+                <a:cxn ang="0">
+                  <a:pos x="T12" y="T13"/>
+                </a:cxn>
+                <a:cxn ang="0">
+                  <a:pos x="T14" y="T15"/>
+                </a:cxn>
+              </a:cxnLst>
+              <a:rect l="0" t="0" r="r" b="b"/>
+              <a:pathLst>
+                <a:path w="639" h="568">
+                  <a:moveTo>
+                    <a:pt x="639" y="0"/>
+                  </a:moveTo>
+                  <a:cubicBezTo>
+                    <a:pt x="639" y="0"/>
+                    <a:pt x="639" y="0"/>
+                    <a:pt x="639" y="0"/>
+                  </a:cubicBezTo>
+                  <a:cubicBezTo>
+                    <a:pt x="309" y="0"/>
+                    <a:pt x="37" y="248"/>
+                    <a:pt x="0" y="568"/>
+                  </a:cubicBezTo>
+                  <a:cubicBezTo>
+                    <a:pt x="35" y="517"/>
+                    <a:pt x="94" y="484"/>
+                    <a:pt x="160" y="484"/>
+                  </a:cubicBezTo>
+                  <a:cubicBezTo>
+                    <a:pt x="226" y="484"/>
+                    <a:pt x="285" y="517"/>
+                    <a:pt x="320" y="568"/>
+                  </a:cubicBezTo>
+                  <a:cubicBezTo>
+                    <a:pt x="355" y="517"/>
+                    <a:pt x="413" y="484"/>
+                    <a:pt x="479" y="484"/>
+                  </a:cubicBezTo>
+                  <a:cubicBezTo>
+                    <a:pt x="545" y="484"/>
+                    <a:pt x="604" y="517"/>
+                    <a:pt x="639" y="568"/>
+                  </a:cubicBezTo>
+                  <a:lnTo>
+                    <a:pt x="639" y="0"/>
+                  </a:lnTo>
+                  <a:close/>
+                </a:path>
+              </a:pathLst>
+            </a:custGeom>
+            <a:solidFill>
+              <a:schemeClr val="accent1"/>
+            </a:solidFill>
+            <a:ln>
+              <a:noFill/>
+            </a:ln>
+          </p:spPr>
+          <p:txBody>
+            <a:bodyPr vert="horz" wrap="square" lIns="36159" tIns="18080" rIns="36159" bIns="18080" numCol="1" anchor="t" anchorCtr="0" compatLnSpc="1"/>
+            <a:lstStyle/>
+            <a:p>
+              <a:pPr>
+                <a:lnSpc>
+                  <a:spcPct val="120000"/>
+                </a:lnSpc>
+              </a:pPr>
+              <a:endParaRPr lang="en-US" sz="1580">
+                <a:latin typeface="Arial" panose="020B0604020202090204" pitchFamily="34" charset="0"/>
+                <a:ea typeface="微软雅黑" panose="020B0503020204020204" pitchFamily="34" charset="-122"/>
+                <a:sym typeface="Arial" panose="020B0604020202090204" pitchFamily="34" charset="0"/>
+              </a:endParaRPr>
+            </a:p>
+          </p:txBody>
+        </p:sp>
+        <p:sp>
+          <p:nvSpPr>
+            <p:cNvPr id="19" name="Freeform 8"/>
+            <p:cNvSpPr/>
+            <p:nvPr/>
+          </p:nvSpPr>
+          <p:spPr bwMode="auto">
+            <a:xfrm>
+              <a:off x="3083" y="786"/>
+              <a:ext cx="755" cy="1341"/>
+            </a:xfrm>
+            <a:custGeom>
+              <a:avLst/>
+              <a:gdLst>
+                <a:gd name="T0" fmla="*/ 161 w 319"/>
+                <a:gd name="T1" fmla="*/ 484 h 566"/>
+                <a:gd name="T2" fmla="*/ 319 w 319"/>
+                <a:gd name="T3" fmla="*/ 565 h 566"/>
+                <a:gd name="T4" fmla="*/ 319 w 319"/>
+                <a:gd name="T5" fmla="*/ 0 h 566"/>
+                <a:gd name="T6" fmla="*/ 317 w 319"/>
+                <a:gd name="T7" fmla="*/ 0 h 566"/>
+                <a:gd name="T8" fmla="*/ 0 w 319"/>
+                <a:gd name="T9" fmla="*/ 565 h 566"/>
+                <a:gd name="T10" fmla="*/ 0 w 319"/>
+                <a:gd name="T11" fmla="*/ 566 h 566"/>
+                <a:gd name="T12" fmla="*/ 5 w 319"/>
+                <a:gd name="T13" fmla="*/ 564 h 566"/>
+                <a:gd name="T14" fmla="*/ 161 w 319"/>
+                <a:gd name="T15" fmla="*/ 484 h 566"/>
+              </a:gdLst>
+              <a:ahLst/>
+              <a:cxnLst>
+                <a:cxn ang="0">
+                  <a:pos x="T0" y="T1"/>
+                </a:cxn>
+                <a:cxn ang="0">
+                  <a:pos x="T2" y="T3"/>
+                </a:cxn>
+                <a:cxn ang="0">
+                  <a:pos x="T4" y="T5"/>
+                </a:cxn>
+                <a:cxn ang="0">
+                  <a:pos x="T6" y="T7"/>
+                </a:cxn>
+                <a:cxn ang="0">
+                  <a:pos x="T8" y="T9"/>
+                </a:cxn>
+                <a:cxn ang="0">
+                  <a:pos x="T10" y="T11"/>
+                </a:cxn>
+                <a:cxn ang="0">
+                  <a:pos x="T12" y="T13"/>
+                </a:cxn>
+                <a:cxn ang="0">
+                  <a:pos x="T14" y="T15"/>
+                </a:cxn>
+              </a:cxnLst>
+              <a:rect l="0" t="0" r="r" b="b"/>
+              <a:pathLst>
+                <a:path w="319" h="566">
+                  <a:moveTo>
+                    <a:pt x="161" y="484"/>
+                  </a:moveTo>
+                  <a:cubicBezTo>
+                    <a:pt x="226" y="484"/>
+                    <a:pt x="284" y="516"/>
+                    <a:pt x="319" y="565"/>
+                  </a:cubicBezTo>
+                  <a:cubicBezTo>
+                    <a:pt x="319" y="0"/>
+                    <a:pt x="319" y="0"/>
+                    <a:pt x="319" y="0"/>
+                  </a:cubicBezTo>
+                  <a:cubicBezTo>
+                    <a:pt x="318" y="0"/>
+                    <a:pt x="318" y="0"/>
+                    <a:pt x="317" y="0"/>
+                  </a:cubicBezTo>
+                  <a:cubicBezTo>
+                    <a:pt x="153" y="2"/>
+                    <a:pt x="19" y="248"/>
+                    <a:pt x="0" y="565"/>
+                  </a:cubicBezTo>
+                  <a:cubicBezTo>
+                    <a:pt x="0" y="566"/>
+                    <a:pt x="0" y="566"/>
+                    <a:pt x="0" y="566"/>
+                  </a:cubicBezTo>
+                  <a:cubicBezTo>
+                    <a:pt x="2" y="563"/>
+                    <a:pt x="3" y="563"/>
+                    <a:pt x="5" y="564"/>
+                  </a:cubicBezTo>
+                  <a:cubicBezTo>
+                    <a:pt x="40" y="515"/>
+                    <a:pt x="97" y="484"/>
+                    <a:pt x="161" y="484"/>
+                  </a:cubicBezTo>
+                  <a:close/>
+                </a:path>
+              </a:pathLst>
+            </a:custGeom>
+            <a:solidFill>
+              <a:schemeClr val="accent2"/>
+            </a:solidFill>
+            <a:ln>
+              <a:noFill/>
+            </a:ln>
+          </p:spPr>
+          <p:txBody>
+            <a:bodyPr vert="horz" wrap="square" lIns="36159" tIns="18080" rIns="36159" bIns="18080" numCol="1" anchor="t" anchorCtr="0" compatLnSpc="1"/>
+            <a:lstStyle/>
+            <a:p>
+              <a:pPr>
+                <a:lnSpc>
+                  <a:spcPct val="120000"/>
+                </a:lnSpc>
+              </a:pPr>
+              <a:endParaRPr lang="en-US" sz="1580">
+                <a:latin typeface="Arial" panose="020B0604020202090204" pitchFamily="34" charset="0"/>
+                <a:ea typeface="微软雅黑" panose="020B0503020204020204" pitchFamily="34" charset="-122"/>
+                <a:sym typeface="Arial" panose="020B0604020202090204" pitchFamily="34" charset="0"/>
+              </a:endParaRPr>
+            </a:p>
+          </p:txBody>
+        </p:sp>
+        <p:sp>
+          <p:nvSpPr>
+            <p:cNvPr id="20" name="Freeform 9"/>
+            <p:cNvSpPr/>
+            <p:nvPr/>
+          </p:nvSpPr>
+          <p:spPr bwMode="auto">
+            <a:xfrm>
+              <a:off x="3838" y="786"/>
+              <a:ext cx="755" cy="1346"/>
+            </a:xfrm>
+            <a:custGeom>
+              <a:avLst/>
+              <a:gdLst>
+                <a:gd name="T0" fmla="*/ 0 w 319"/>
+                <a:gd name="T1" fmla="*/ 568 h 568"/>
+                <a:gd name="T2" fmla="*/ 5 w 319"/>
+                <a:gd name="T3" fmla="*/ 561 h 568"/>
+                <a:gd name="T4" fmla="*/ 159 w 319"/>
+                <a:gd name="T5" fmla="*/ 484 h 568"/>
+                <a:gd name="T6" fmla="*/ 316 w 319"/>
+                <a:gd name="T7" fmla="*/ 563 h 568"/>
+                <a:gd name="T8" fmla="*/ 319 w 319"/>
+                <a:gd name="T9" fmla="*/ 568 h 568"/>
+                <a:gd name="T10" fmla="*/ 319 w 319"/>
+                <a:gd name="T11" fmla="*/ 568 h 568"/>
+                <a:gd name="T12" fmla="*/ 0 w 319"/>
+                <a:gd name="T13" fmla="*/ 0 h 568"/>
+                <a:gd name="T14" fmla="*/ 0 w 319"/>
+                <a:gd name="T15" fmla="*/ 0 h 568"/>
+                <a:gd name="T16" fmla="*/ 0 w 319"/>
+                <a:gd name="T17" fmla="*/ 568 h 568"/>
+              </a:gdLst>
+              <a:ahLst/>
+              <a:cxnLst>
+                <a:cxn ang="0">
+                  <a:pos x="T0" y="T1"/>
+                </a:cxn>
+                <a:cxn ang="0">
+                  <a:pos x="T2" y="T3"/>
+                </a:cxn>
+                <a:cxn ang="0">
+                  <a:pos x="T4" y="T5"/>
+                </a:cxn>
+                <a:cxn ang="0">
+                  <a:pos x="T6" y="T7"/>
+                </a:cxn>
+                <a:cxn ang="0">
+                  <a:pos x="T8" y="T9"/>
+                </a:cxn>
+                <a:cxn ang="0">
+                  <a:pos x="T10" y="T11"/>
+                </a:cxn>
+                <a:cxn ang="0">
+                  <a:pos x="T12" y="T13"/>
+                </a:cxn>
+                <a:cxn ang="0">
+                  <a:pos x="T14" y="T15"/>
+                </a:cxn>
+                <a:cxn ang="0">
+                  <a:pos x="T16" y="T17"/>
+                </a:cxn>
+              </a:cxnLst>
+              <a:rect l="0" t="0" r="r" b="b"/>
+              <a:pathLst>
+                <a:path w="319" h="568">
+                  <a:moveTo>
+                    <a:pt x="0" y="568"/>
+                  </a:moveTo>
+                  <a:cubicBezTo>
+                    <a:pt x="1" y="563"/>
+                    <a:pt x="3" y="561"/>
+                    <a:pt x="5" y="561"/>
+                  </a:cubicBezTo>
+                  <a:cubicBezTo>
+                    <a:pt x="40" y="514"/>
+                    <a:pt x="96" y="484"/>
+                    <a:pt x="159" y="484"/>
+                  </a:cubicBezTo>
+                  <a:cubicBezTo>
+                    <a:pt x="224" y="484"/>
+                    <a:pt x="280" y="515"/>
+                    <a:pt x="316" y="563"/>
+                  </a:cubicBezTo>
+                  <a:cubicBezTo>
+                    <a:pt x="317" y="564"/>
+                    <a:pt x="318" y="565"/>
+                    <a:pt x="319" y="568"/>
+                  </a:cubicBezTo>
+                  <a:cubicBezTo>
+                    <a:pt x="319" y="568"/>
+                    <a:pt x="319" y="568"/>
+                    <a:pt x="319" y="568"/>
+                  </a:cubicBezTo>
+                  <a:cubicBezTo>
+                    <a:pt x="300" y="248"/>
+                    <a:pt x="165" y="0"/>
+                    <a:pt x="0" y="0"/>
+                  </a:cubicBezTo>
+                  <a:cubicBezTo>
+                    <a:pt x="0" y="0"/>
+                    <a:pt x="0" y="0"/>
+                    <a:pt x="0" y="0"/>
+                  </a:cubicBezTo>
+                  <a:lnTo>
+                    <a:pt x="0" y="568"/>
+                  </a:lnTo>
+                  <a:close/>
+                </a:path>
+              </a:pathLst>
+            </a:custGeom>
+            <a:solidFill>
+              <a:schemeClr val="accent3"/>
+            </a:solidFill>
+            <a:ln>
+              <a:noFill/>
+            </a:ln>
+          </p:spPr>
+          <p:txBody>
+            <a:bodyPr vert="horz" wrap="square" lIns="36159" tIns="18080" rIns="36159" bIns="18080" numCol="1" anchor="t" anchorCtr="0" compatLnSpc="1"/>
+            <a:lstStyle/>
+            <a:p>
+              <a:pPr>
+                <a:lnSpc>
+                  <a:spcPct val="120000"/>
+                </a:lnSpc>
+              </a:pPr>
+              <a:endParaRPr lang="en-US" sz="1580">
+                <a:latin typeface="Arial" panose="020B0604020202090204" pitchFamily="34" charset="0"/>
+                <a:ea typeface="微软雅黑" panose="020B0503020204020204" pitchFamily="34" charset="-122"/>
+                <a:sym typeface="Arial" panose="020B0604020202090204" pitchFamily="34" charset="0"/>
+              </a:endParaRPr>
+            </a:p>
+          </p:txBody>
+        </p:sp>
+      </p:grpSp>
+      <p:sp>
+        <p:nvSpPr>
+          <p:cNvPr id="21" name="Text Placeholder 7"/>
+          <p:cNvSpPr txBox="1"/>
+          <p:nvPr/>
+        </p:nvSpPr>
+        <p:spPr>
+          <a:xfrm>
+            <a:off x="1216660" y="1628140"/>
+            <a:ext cx="2971165" cy="521335"/>
+          </a:xfrm>
+          <a:prstGeom prst="rect">
+            <a:avLst/>
+          </a:prstGeom>
+        </p:spPr>
+        <p:txBody>
+          <a:bodyPr vert="horz" lIns="0" tIns="103884" rIns="0" bIns="103884" anchor="t">
+            <a:scene3d>
+              <a:camera prst="orthographicFront"/>
+              <a:lightRig rig="threePt" dir="t"/>
+            </a:scene3d>
+          </a:bodyPr>
+          <a:lstStyle>
+            <a:lvl1pPr marL="0" indent="0" algn="r" defTabSz="914400" rtl="0" eaLnBrk="1" latinLnBrk="0" hangingPunct="1">
+              <a:lnSpc>
+                <a:spcPct val="100000"/>
+              </a:lnSpc>
+              <a:spcBef>
+                <a:spcPts val="0"/>
+              </a:spcBef>
+              <a:spcAft>
+                <a:spcPts val="0"/>
+              </a:spcAft>
+              <a:buFont typeface="Arial" panose="020B0604020202090204" pitchFamily="34" charset="0"/>
+              <a:buNone/>
+              <a:defRPr sz="1385" b="1" kern="1200" baseline="0">
+                <a:solidFill>
+                  <a:schemeClr val="accent1"/>
+                </a:solidFill>
+                <a:latin typeface="Lato Regular"/>
+                <a:ea typeface="+mn-ea"/>
+                <a:cs typeface="Lato Regular"/>
+              </a:defRPr>
+            </a:lvl1pPr>
+            <a:lvl2pPr marL="685800" indent="-228600" algn="l" defTabSz="914400" rtl="0" eaLnBrk="1" latinLnBrk="0" hangingPunct="1">
+              <a:lnSpc>
+                <a:spcPct val="90000"/>
+              </a:lnSpc>
+              <a:spcBef>
+                <a:spcPts val="500"/>
+              </a:spcBef>
+              <a:buFont typeface="Arial" panose="020B0604020202090204" pitchFamily="34" charset="0"/>
+              <a:buChar char="•"/>
+              <a:defRPr sz="2400" kern="1200">
+                <a:solidFill>
+                  <a:schemeClr val="tx1"/>
+                </a:solidFill>
+                <a:latin typeface="+mn-lt"/>
+                <a:ea typeface="+mn-ea"/>
+                <a:cs typeface="+mn-cs"/>
+              </a:defRPr>
+            </a:lvl2pPr>
+            <a:lvl3pPr marL="1143000" indent="-228600" algn="l" defTabSz="914400" rtl="0" eaLnBrk="1" latinLnBrk="0" hangingPunct="1">
+              <a:lnSpc>
+                <a:spcPct val="90000"/>
+              </a:lnSpc>
+              <a:spcBef>
+                <a:spcPts val="500"/>
+              </a:spcBef>
+              <a:buFont typeface="Arial" panose="020B0604020202090204" pitchFamily="34" charset="0"/>
+              <a:buChar char="•"/>
+              <a:defRPr sz="2000" kern="1200">
+                <a:solidFill>
+                  <a:schemeClr val="tx1"/>
+                </a:solidFill>
+                <a:latin typeface="+mn-lt"/>
+                <a:ea typeface="+mn-ea"/>
+                <a:cs typeface="+mn-cs"/>
+              </a:defRPr>
+            </a:lvl3pPr>
+            <a:lvl4pPr marL="1600200" indent="-228600" algn="l" defTabSz="914400" rtl="0" eaLnBrk="1" latinLnBrk="0" hangingPunct="1">
+              <a:lnSpc>
+                <a:spcPct val="90000"/>
+              </a:lnSpc>
+              <a:spcBef>
+                <a:spcPts val="500"/>
+              </a:spcBef>
+              <a:buFont typeface="Arial" panose="020B0604020202090204" pitchFamily="34" charset="0"/>
+              <a:buChar char="•"/>
+              <a:defRPr sz="1800" kern="1200">
+                <a:solidFill>
+                  <a:schemeClr val="tx1"/>
+                </a:solidFill>
+                <a:latin typeface="+mn-lt"/>
+                <a:ea typeface="+mn-ea"/>
+                <a:cs typeface="+mn-cs"/>
+              </a:defRPr>
+            </a:lvl4pPr>
+            <a:lvl5pPr marL="2057400" indent="-228600" algn="l" defTabSz="914400" rtl="0" eaLnBrk="1" latinLnBrk="0" hangingPunct="1">
+              <a:lnSpc>
+                <a:spcPct val="90000"/>
+              </a:lnSpc>
+              <a:spcBef>
+                <a:spcPts val="500"/>
+              </a:spcBef>
+              <a:buFont typeface="Arial" panose="020B0604020202090204" pitchFamily="34" charset="0"/>
+              <a:buChar char="•"/>
+              <a:defRPr sz="1800" kern="1200">
+                <a:solidFill>
+                  <a:schemeClr val="tx1"/>
+                </a:solidFill>
+                <a:latin typeface="+mn-lt"/>
+                <a:ea typeface="+mn-ea"/>
+                <a:cs typeface="+mn-cs"/>
+              </a:defRPr>
+            </a:lvl5pPr>
+            <a:lvl6pPr marL="2514600" indent="-228600" algn="l" defTabSz="914400" rtl="0" eaLnBrk="1" latinLnBrk="0" hangingPunct="1">
+              <a:lnSpc>
+                <a:spcPct val="90000"/>
+              </a:lnSpc>
+              <a:spcBef>
+                <a:spcPts val="500"/>
+              </a:spcBef>
+              <a:buFont typeface="Arial" panose="020B0604020202090204" pitchFamily="34" charset="0"/>
+              <a:buChar char="•"/>
+              <a:defRPr sz="1800" kern="1200">
+                <a:solidFill>
+                  <a:schemeClr val="tx1"/>
+                </a:solidFill>
+                <a:latin typeface="+mn-lt"/>
+                <a:ea typeface="+mn-ea"/>
+                <a:cs typeface="+mn-cs"/>
+              </a:defRPr>
+            </a:lvl6pPr>
+            <a:lvl7pPr marL="2971800" indent="-228600" algn="l" defTabSz="914400" rtl="0" eaLnBrk="1" latinLnBrk="0" hangingPunct="1">
+              <a:lnSpc>
+                <a:spcPct val="90000"/>
+              </a:lnSpc>
+              <a:spcBef>
+                <a:spcPts val="500"/>
+              </a:spcBef>
+              <a:buFont typeface="Arial" panose="020B0604020202090204" pitchFamily="34" charset="0"/>
+              <a:buChar char="•"/>
+              <a:defRPr sz="1800" kern="1200">
+                <a:solidFill>
+                  <a:schemeClr val="tx1"/>
+                </a:solidFill>
+                <a:latin typeface="+mn-lt"/>
+                <a:ea typeface="+mn-ea"/>
+                <a:cs typeface="+mn-cs"/>
+              </a:defRPr>
+            </a:lvl7pPr>
+            <a:lvl8pPr marL="3429000" indent="-228600" algn="l" defTabSz="914400" rtl="0" eaLnBrk="1" latinLnBrk="0" hangingPunct="1">
+              <a:lnSpc>
+                <a:spcPct val="90000"/>
+              </a:lnSpc>
+              <a:spcBef>
+                <a:spcPts val="500"/>
+              </a:spcBef>
+              <a:buFont typeface="Arial" panose="020B0604020202090204" pitchFamily="34" charset="0"/>
+              <a:buChar char="•"/>
+              <a:defRPr sz="1800" kern="1200">
+                <a:solidFill>
+                  <a:schemeClr val="tx1"/>
+                </a:solidFill>
+                <a:latin typeface="+mn-lt"/>
+                <a:ea typeface="+mn-ea"/>
+                <a:cs typeface="+mn-cs"/>
+              </a:defRPr>
+            </a:lvl8pPr>
+            <a:lvl9pPr marL="3886835" indent="-228600" algn="l" defTabSz="914400" rtl="0" eaLnBrk="1" latinLnBrk="0" hangingPunct="1">
+              <a:lnSpc>
+                <a:spcPct val="90000"/>
+              </a:lnSpc>
+              <a:spcBef>
+                <a:spcPts val="500"/>
+              </a:spcBef>
+              <a:buFont typeface="Arial" panose="020B0604020202090204" pitchFamily="34" charset="0"/>
+              <a:buChar char="•"/>
+              <a:defRPr sz="1800" kern="1200">
+                <a:solidFill>
+                  <a:schemeClr val="tx1"/>
+                </a:solidFill>
+                <a:latin typeface="+mn-lt"/>
+                <a:ea typeface="+mn-ea"/>
+                <a:cs typeface="+mn-cs"/>
+              </a:defRPr>
+            </a:lvl9pPr>
+          </a:lstStyle>
+          <a:p>
+            <a:pPr fontAlgn="auto">
+              <a:lnSpc>
+                <a:spcPct val="120000"/>
+              </a:lnSpc>
+            </a:pPr>
+            <a:r>
+              <a:rPr lang="en-US" altLang="zh-CN" sz="2800">
+                <a:solidFill>
+                  <a:schemeClr val="accent1"/>
+                </a:solidFill>
+                <a:effectLst>
+                  <a:outerShdw blurRad="38100" dist="25400" dir="5400000" algn="ctr" rotWithShape="0">
+                    <a:srgbClr val="6E747A">
+                      <a:alpha val="43000"/>
+                    </a:srgbClr>
+                  </a:outerShdw>
+                </a:effectLst>
+                <a:latin typeface="Arial" panose="020B0604020202090204" pitchFamily="34" charset="0"/>
+                <a:ea typeface="微软雅黑" panose="020B0503020204020204" pitchFamily="34" charset="-122"/>
+                <a:sym typeface="Arial" panose="020B0604020202090204" pitchFamily="34" charset="0"/>
+              </a:rPr>
+              <a:t>Java JDBC</a:t>
+            </a:r>
+            <a:endParaRPr lang="en-US" altLang="zh-CN" sz="2800">
+              <a:solidFill>
+                <a:schemeClr val="accent1"/>
+              </a:solidFill>
+              <a:effectLst>
+                <a:outerShdw blurRad="38100" dist="25400" dir="5400000" algn="ctr" rotWithShape="0">
+                  <a:srgbClr val="6E747A">
+                    <a:alpha val="43000"/>
+                  </a:srgbClr>
+                </a:outerShdw>
+              </a:effectLst>
+              <a:latin typeface="Arial" panose="020B0604020202090204" pitchFamily="34" charset="0"/>
+              <a:ea typeface="微软雅黑" panose="020B0503020204020204" pitchFamily="34" charset="-122"/>
+              <a:sym typeface="Arial" panose="020B0604020202090204" pitchFamily="34" charset="0"/>
+            </a:endParaRPr>
+          </a:p>
+        </p:txBody>
+      </p:sp>
+      <p:sp>
+        <p:nvSpPr>
+          <p:cNvPr id="22" name="Text Placeholder 2"/>
+          <p:cNvSpPr txBox="1"/>
+          <p:nvPr/>
+        </p:nvSpPr>
+        <p:spPr>
+          <a:xfrm>
+            <a:off x="187325" y="2443480"/>
+            <a:ext cx="4000500" cy="1457325"/>
+          </a:xfrm>
+          <a:prstGeom prst="rect">
+            <a:avLst/>
+          </a:prstGeom>
+        </p:spPr>
+        <p:txBody>
+          <a:bodyPr vert="horz" lIns="0" tIns="0" rIns="0" bIns="0">
+            <a:scene3d>
+              <a:camera prst="orthographicFront"/>
+              <a:lightRig rig="threePt" dir="t"/>
+            </a:scene3d>
+          </a:bodyPr>
+          <a:lstStyle>
+            <a:lvl1pPr marL="0" indent="0" algn="r" defTabSz="914400" rtl="0" eaLnBrk="1" latinLnBrk="0" hangingPunct="1">
+              <a:lnSpc>
+                <a:spcPct val="120000"/>
+              </a:lnSpc>
+              <a:spcBef>
+                <a:spcPts val="0"/>
+              </a:spcBef>
+              <a:buFont typeface="Arial" panose="020B0604020202090204" pitchFamily="34" charset="0"/>
+              <a:buNone/>
+              <a:defRPr sz="1185" b="0" kern="1200" baseline="0">
+                <a:solidFill>
+                  <a:schemeClr val="tx1">
+                    <a:lumMod val="50000"/>
+                    <a:lumOff val="50000"/>
+                  </a:schemeClr>
+                </a:solidFill>
+                <a:latin typeface="Lato Regular"/>
+                <a:ea typeface="+mn-ea"/>
+                <a:cs typeface="Lato Regular"/>
+              </a:defRPr>
+            </a:lvl1pPr>
+            <a:lvl2pPr marL="685800" indent="-228600" algn="l" defTabSz="914400" rtl="0" eaLnBrk="1" latinLnBrk="0" hangingPunct="1">
+              <a:lnSpc>
+                <a:spcPct val="90000"/>
+              </a:lnSpc>
+              <a:spcBef>
+                <a:spcPts val="500"/>
+              </a:spcBef>
+              <a:buFont typeface="Arial" panose="020B0604020202090204" pitchFamily="34" charset="0"/>
+              <a:buChar char="•"/>
+              <a:defRPr sz="2400" kern="1200">
+                <a:solidFill>
+                  <a:schemeClr val="tx1"/>
+                </a:solidFill>
+                <a:latin typeface="+mn-lt"/>
+                <a:ea typeface="+mn-ea"/>
+                <a:cs typeface="+mn-cs"/>
+              </a:defRPr>
+            </a:lvl2pPr>
+            <a:lvl3pPr marL="1143000" indent="-228600" algn="l" defTabSz="914400" rtl="0" eaLnBrk="1" latinLnBrk="0" hangingPunct="1">
+              <a:lnSpc>
+                <a:spcPct val="90000"/>
+              </a:lnSpc>
+              <a:spcBef>
+                <a:spcPts val="500"/>
+              </a:spcBef>
+              <a:buFont typeface="Arial" panose="020B0604020202090204" pitchFamily="34" charset="0"/>
+              <a:buChar char="•"/>
+              <a:defRPr sz="2000" kern="1200">
+                <a:solidFill>
+                  <a:schemeClr val="tx1"/>
+                </a:solidFill>
+                <a:latin typeface="+mn-lt"/>
+                <a:ea typeface="+mn-ea"/>
+                <a:cs typeface="+mn-cs"/>
+              </a:defRPr>
+            </a:lvl3pPr>
+            <a:lvl4pPr marL="1600200" indent="-228600" algn="l" defTabSz="914400" rtl="0" eaLnBrk="1" latinLnBrk="0" hangingPunct="1">
+              <a:lnSpc>
+                <a:spcPct val="90000"/>
+              </a:lnSpc>
+              <a:spcBef>
+                <a:spcPts val="500"/>
+              </a:spcBef>
+              <a:buFont typeface="Arial" panose="020B0604020202090204" pitchFamily="34" charset="0"/>
+              <a:buChar char="•"/>
+              <a:defRPr sz="1800" kern="1200">
+                <a:solidFill>
+                  <a:schemeClr val="tx1"/>
+                </a:solidFill>
+                <a:latin typeface="+mn-lt"/>
+                <a:ea typeface="+mn-ea"/>
+                <a:cs typeface="+mn-cs"/>
+              </a:defRPr>
+            </a:lvl4pPr>
+            <a:lvl5pPr marL="2057400" indent="-228600" algn="l" defTabSz="914400" rtl="0" eaLnBrk="1" latinLnBrk="0" hangingPunct="1">
+              <a:lnSpc>
+                <a:spcPct val="90000"/>
+              </a:lnSpc>
+              <a:spcBef>
+                <a:spcPts val="500"/>
+              </a:spcBef>
+              <a:buFont typeface="Arial" panose="020B0604020202090204" pitchFamily="34" charset="0"/>
+              <a:buChar char="•"/>
+              <a:defRPr sz="1800" kern="1200">
+                <a:solidFill>
+                  <a:schemeClr val="tx1"/>
+                </a:solidFill>
+                <a:latin typeface="+mn-lt"/>
+                <a:ea typeface="+mn-ea"/>
+                <a:cs typeface="+mn-cs"/>
+              </a:defRPr>
+            </a:lvl5pPr>
+            <a:lvl6pPr marL="2514600" indent="-228600" algn="l" defTabSz="914400" rtl="0" eaLnBrk="1" latinLnBrk="0" hangingPunct="1">
+              <a:lnSpc>
+                <a:spcPct val="90000"/>
+              </a:lnSpc>
+              <a:spcBef>
+                <a:spcPts val="500"/>
+              </a:spcBef>
+              <a:buFont typeface="Arial" panose="020B0604020202090204" pitchFamily="34" charset="0"/>
+              <a:buChar char="•"/>
+              <a:defRPr sz="1800" kern="1200">
+                <a:solidFill>
+                  <a:schemeClr val="tx1"/>
+                </a:solidFill>
+                <a:latin typeface="+mn-lt"/>
+                <a:ea typeface="+mn-ea"/>
+                <a:cs typeface="+mn-cs"/>
+              </a:defRPr>
+            </a:lvl6pPr>
+            <a:lvl7pPr marL="2971800" indent="-228600" algn="l" defTabSz="914400" rtl="0" eaLnBrk="1" latinLnBrk="0" hangingPunct="1">
+              <a:lnSpc>
+                <a:spcPct val="90000"/>
+              </a:lnSpc>
+              <a:spcBef>
+                <a:spcPts val="500"/>
+              </a:spcBef>
+              <a:buFont typeface="Arial" panose="020B0604020202090204" pitchFamily="34" charset="0"/>
+              <a:buChar char="•"/>
+              <a:defRPr sz="1800" kern="1200">
+                <a:solidFill>
+                  <a:schemeClr val="tx1"/>
+                </a:solidFill>
+                <a:latin typeface="+mn-lt"/>
+                <a:ea typeface="+mn-ea"/>
+                <a:cs typeface="+mn-cs"/>
+              </a:defRPr>
+            </a:lvl7pPr>
+            <a:lvl8pPr marL="3429000" indent="-228600" algn="l" defTabSz="914400" rtl="0" eaLnBrk="1" latinLnBrk="0" hangingPunct="1">
+              <a:lnSpc>
+                <a:spcPct val="90000"/>
+              </a:lnSpc>
+              <a:spcBef>
+                <a:spcPts val="500"/>
+              </a:spcBef>
+              <a:buFont typeface="Arial" panose="020B0604020202090204" pitchFamily="34" charset="0"/>
+              <a:buChar char="•"/>
+              <a:defRPr sz="1800" kern="1200">
+                <a:solidFill>
+                  <a:schemeClr val="tx1"/>
+                </a:solidFill>
+                <a:latin typeface="+mn-lt"/>
+                <a:ea typeface="+mn-ea"/>
+                <a:cs typeface="+mn-cs"/>
+              </a:defRPr>
+            </a:lvl8pPr>
+            <a:lvl9pPr marL="3886835" indent="-228600" algn="l" defTabSz="914400" rtl="0" eaLnBrk="1" latinLnBrk="0" hangingPunct="1">
+              <a:lnSpc>
+                <a:spcPct val="90000"/>
+              </a:lnSpc>
+              <a:spcBef>
+                <a:spcPts val="500"/>
+              </a:spcBef>
+              <a:buFont typeface="Arial" panose="020B0604020202090204" pitchFamily="34" charset="0"/>
+              <a:buChar char="•"/>
+              <a:defRPr sz="1800" kern="1200">
+                <a:solidFill>
+                  <a:schemeClr val="tx1"/>
+                </a:solidFill>
+                <a:latin typeface="+mn-lt"/>
+                <a:ea typeface="+mn-ea"/>
+                <a:cs typeface="+mn-cs"/>
+              </a:defRPr>
+            </a:lvl9pPr>
+          </a:lstStyle>
+          <a:p>
+            <a:pPr marL="285750" lvl="0" indent="-285750" algn="l">
+              <a:buFont typeface="Wingdings" panose="05000000000000000000" charset="0"/>
+              <a:buChar char=""/>
+            </a:pPr>
+            <a:r>
+              <a:rPr lang="en-US" altLang="zh-CN" sz="1800" dirty="0">
+                <a:solidFill>
+                  <a:schemeClr val="tx1"/>
+                </a:solidFill>
+                <a:effectLst>
+                  <a:outerShdw blurRad="38100" dist="19050" dir="2700000" algn="tl" rotWithShape="0">
+                    <a:schemeClr val="dk1">
+                      <a:alpha val="40000"/>
+                    </a:schemeClr>
+                  </a:outerShdw>
+                </a:effectLst>
+                <a:latin typeface="Arial" panose="020B0604020202090204" pitchFamily="34" charset="0"/>
+                <a:ea typeface="微软雅黑" panose="020B0503020204020204" pitchFamily="34" charset="-122"/>
+                <a:sym typeface="Arial" panose="020B0604020202090204" pitchFamily="34" charset="0"/>
+              </a:rPr>
+              <a:t>采用了Mysql数据库进行对用户的数据管理和存储，可在代码里面看出。 </a:t>
+            </a:r>
+            <a:endParaRPr lang="en-US" altLang="zh-CN" sz="1800" dirty="0">
+              <a:solidFill>
+                <a:schemeClr val="tx1"/>
+              </a:solidFill>
+              <a:effectLst>
+                <a:outerShdw blurRad="38100" dist="19050" dir="2700000" algn="tl" rotWithShape="0">
+                  <a:schemeClr val="dk1">
+                    <a:alpha val="40000"/>
+                  </a:schemeClr>
+                </a:outerShdw>
+              </a:effectLst>
+              <a:latin typeface="Arial" panose="020B0604020202090204" pitchFamily="34" charset="0"/>
+              <a:ea typeface="微软雅黑" panose="020B0503020204020204" pitchFamily="34" charset="-122"/>
+              <a:sym typeface="Arial" panose="020B0604020202090204" pitchFamily="34" charset="0"/>
+            </a:endParaRPr>
+          </a:p>
+        </p:txBody>
+      </p:sp>
+      <p:sp>
+        <p:nvSpPr>
+          <p:cNvPr id="23" name="Rounded Rectangle 11"/>
+          <p:cNvSpPr>
+            <a:spLocks noChangeAspect="1"/>
+          </p:cNvSpPr>
+          <p:nvPr/>
+        </p:nvSpPr>
+        <p:spPr>
+          <a:xfrm>
+            <a:off x="4388846" y="2149280"/>
+            <a:ext cx="759275" cy="760014"/>
+          </a:xfrm>
+          <a:prstGeom prst="roundRect">
+            <a:avLst>
+              <a:gd name="adj" fmla="val 0"/>
+            </a:avLst>
+          </a:prstGeom>
+          <a:solidFill>
+            <a:schemeClr val="accent1"/>
+          </a:solidFill>
+          <a:ln>
+            <a:noFill/>
+          </a:ln>
+          <a:effectLst/>
+        </p:spPr>
+        <p:style>
+          <a:lnRef idx="2">
+            <a:schemeClr val="accent1">
+              <a:shade val="50000"/>
+            </a:schemeClr>
+          </a:lnRef>
+          <a:fillRef idx="1">
+            <a:schemeClr val="accent1"/>
+          </a:fillRef>
+          <a:effectRef idx="0">
+            <a:schemeClr val="accent1"/>
+          </a:effectRef>
+          <a:fontRef idx="minor">
+            <a:schemeClr val="lt1"/>
+          </a:fontRef>
+        </p:style>
+        <p:txBody>
+          <a:bodyPr rtlCol="0" anchor="ctr"/>
+          <a:lstStyle/>
+          <a:p>
+            <a:pPr algn="ctr">
+              <a:lnSpc>
+                <a:spcPct val="120000"/>
+              </a:lnSpc>
+            </a:pPr>
+            <a:endParaRPr lang="en-US" sz="950">
+              <a:solidFill>
+                <a:schemeClr val="tx1"/>
+              </a:solidFill>
+              <a:latin typeface="Arial" panose="020B0604020202090204" pitchFamily="34" charset="0"/>
+              <a:ea typeface="微软雅黑" panose="020B0503020204020204" pitchFamily="34" charset="-122"/>
+              <a:sym typeface="Arial" panose="020B0604020202090204" pitchFamily="34" charset="0"/>
+            </a:endParaRPr>
+          </a:p>
+        </p:txBody>
+      </p:sp>
+      <p:sp>
+        <p:nvSpPr>
+          <p:cNvPr id="24" name="Text Placeholder 7"/>
+          <p:cNvSpPr txBox="1"/>
+          <p:nvPr/>
+        </p:nvSpPr>
+        <p:spPr>
+          <a:xfrm>
+            <a:off x="4449727" y="2245549"/>
+            <a:ext cx="614632" cy="507229"/>
+          </a:xfrm>
+          <a:prstGeom prst="rect">
+            <a:avLst/>
+          </a:prstGeom>
+        </p:spPr>
+        <p:txBody>
+          <a:bodyPr vert="horz" lIns="0" tIns="103884" rIns="0" bIns="103884" anchor="ctr"/>
+          <a:lstStyle>
+            <a:lvl1pPr marL="0" indent="0" algn="ctr" defTabSz="914400" rtl="0" eaLnBrk="1" latinLnBrk="0" hangingPunct="1">
+              <a:lnSpc>
+                <a:spcPct val="100000"/>
+              </a:lnSpc>
+              <a:spcBef>
+                <a:spcPts val="0"/>
+              </a:spcBef>
+              <a:buFont typeface="Arial" panose="020B0604020202090204" pitchFamily="34" charset="0"/>
+              <a:buNone/>
+              <a:defRPr sz="1580" b="1" kern="1200">
+                <a:solidFill>
+                  <a:schemeClr val="bg1"/>
+                </a:solidFill>
+                <a:latin typeface="FontAwesome"/>
+                <a:ea typeface="+mn-ea"/>
+                <a:cs typeface="FontAwesome"/>
+              </a:defRPr>
+            </a:lvl1pPr>
+            <a:lvl2pPr marL="685800" indent="-228600" algn="l" defTabSz="914400" rtl="0" eaLnBrk="1" latinLnBrk="0" hangingPunct="1">
+              <a:lnSpc>
+                <a:spcPct val="90000"/>
+              </a:lnSpc>
+              <a:spcBef>
+                <a:spcPts val="500"/>
+              </a:spcBef>
+              <a:buFont typeface="Arial" panose="020B0604020202090204" pitchFamily="34" charset="0"/>
+              <a:buChar char="•"/>
+              <a:defRPr sz="2400" kern="1200">
+                <a:solidFill>
+                  <a:schemeClr val="tx1"/>
+                </a:solidFill>
+                <a:latin typeface="+mn-lt"/>
+                <a:ea typeface="+mn-ea"/>
+                <a:cs typeface="+mn-cs"/>
+              </a:defRPr>
+            </a:lvl2pPr>
+            <a:lvl3pPr marL="1143000" indent="-228600" algn="l" defTabSz="914400" rtl="0" eaLnBrk="1" latinLnBrk="0" hangingPunct="1">
+              <a:lnSpc>
+                <a:spcPct val="90000"/>
+              </a:lnSpc>
+              <a:spcBef>
+                <a:spcPts val="500"/>
+              </a:spcBef>
+              <a:buFont typeface="Arial" panose="020B0604020202090204" pitchFamily="34" charset="0"/>
+              <a:buChar char="•"/>
+              <a:defRPr sz="2000" kern="1200">
+                <a:solidFill>
+                  <a:schemeClr val="tx1"/>
+                </a:solidFill>
+                <a:latin typeface="+mn-lt"/>
+                <a:ea typeface="+mn-ea"/>
+                <a:cs typeface="+mn-cs"/>
+              </a:defRPr>
+            </a:lvl3pPr>
+            <a:lvl4pPr marL="1600200" indent="-228600" algn="l" defTabSz="914400" rtl="0" eaLnBrk="1" latinLnBrk="0" hangingPunct="1">
+              <a:lnSpc>
+                <a:spcPct val="90000"/>
+              </a:lnSpc>
+              <a:spcBef>
+                <a:spcPts val="500"/>
+              </a:spcBef>
+              <a:buFont typeface="Arial" panose="020B0604020202090204" pitchFamily="34" charset="0"/>
+              <a:buChar char="•"/>
+              <a:defRPr sz="1800" kern="1200">
+                <a:solidFill>
+                  <a:schemeClr val="tx1"/>
+                </a:solidFill>
+                <a:latin typeface="+mn-lt"/>
+                <a:ea typeface="+mn-ea"/>
+                <a:cs typeface="+mn-cs"/>
+              </a:defRPr>
+            </a:lvl4pPr>
+            <a:lvl5pPr marL="2057400" indent="-228600" algn="l" defTabSz="914400" rtl="0" eaLnBrk="1" latinLnBrk="0" hangingPunct="1">
+              <a:lnSpc>
+                <a:spcPct val="90000"/>
+              </a:lnSpc>
+              <a:spcBef>
+                <a:spcPts val="500"/>
+              </a:spcBef>
+              <a:buFont typeface="Arial" panose="020B0604020202090204" pitchFamily="34" charset="0"/>
+              <a:buChar char="•"/>
+              <a:defRPr sz="1800" kern="1200">
+                <a:solidFill>
+                  <a:schemeClr val="tx1"/>
+                </a:solidFill>
+                <a:latin typeface="+mn-lt"/>
+                <a:ea typeface="+mn-ea"/>
+                <a:cs typeface="+mn-cs"/>
+              </a:defRPr>
+            </a:lvl5pPr>
+            <a:lvl6pPr marL="2514600" indent="-228600" algn="l" defTabSz="914400" rtl="0" eaLnBrk="1" latinLnBrk="0" hangingPunct="1">
+              <a:lnSpc>
+                <a:spcPct val="90000"/>
+              </a:lnSpc>
+              <a:spcBef>
+                <a:spcPts val="500"/>
+              </a:spcBef>
+              <a:buFont typeface="Arial" panose="020B0604020202090204" pitchFamily="34" charset="0"/>
+              <a:buChar char="•"/>
+              <a:defRPr sz="1800" kern="1200">
+                <a:solidFill>
+                  <a:schemeClr val="tx1"/>
+                </a:solidFill>
+                <a:latin typeface="+mn-lt"/>
+                <a:ea typeface="+mn-ea"/>
+                <a:cs typeface="+mn-cs"/>
+              </a:defRPr>
+            </a:lvl6pPr>
+            <a:lvl7pPr marL="2971800" indent="-228600" algn="l" defTabSz="914400" rtl="0" eaLnBrk="1" latinLnBrk="0" hangingPunct="1">
+              <a:lnSpc>
+                <a:spcPct val="90000"/>
+              </a:lnSpc>
+              <a:spcBef>
+                <a:spcPts val="500"/>
+              </a:spcBef>
+              <a:buFont typeface="Arial" panose="020B0604020202090204" pitchFamily="34" charset="0"/>
+              <a:buChar char="•"/>
+              <a:defRPr sz="1800" kern="1200">
+                <a:solidFill>
+                  <a:schemeClr val="tx1"/>
+                </a:solidFill>
+                <a:latin typeface="+mn-lt"/>
+                <a:ea typeface="+mn-ea"/>
+                <a:cs typeface="+mn-cs"/>
+              </a:defRPr>
+            </a:lvl7pPr>
+            <a:lvl8pPr marL="3429000" indent="-228600" algn="l" defTabSz="914400" rtl="0" eaLnBrk="1" latinLnBrk="0" hangingPunct="1">
+              <a:lnSpc>
+                <a:spcPct val="90000"/>
+              </a:lnSpc>
+              <a:spcBef>
+                <a:spcPts val="500"/>
+              </a:spcBef>
+              <a:buFont typeface="Arial" panose="020B0604020202090204" pitchFamily="34" charset="0"/>
+              <a:buChar char="•"/>
+              <a:defRPr sz="1800" kern="1200">
+                <a:solidFill>
+                  <a:schemeClr val="tx1"/>
+                </a:solidFill>
+                <a:latin typeface="+mn-lt"/>
+                <a:ea typeface="+mn-ea"/>
+                <a:cs typeface="+mn-cs"/>
+              </a:defRPr>
+            </a:lvl8pPr>
+            <a:lvl9pPr marL="3886835" indent="-228600" algn="l" defTabSz="914400" rtl="0" eaLnBrk="1" latinLnBrk="0" hangingPunct="1">
+              <a:lnSpc>
+                <a:spcPct val="90000"/>
+              </a:lnSpc>
+              <a:spcBef>
+                <a:spcPts val="500"/>
+              </a:spcBef>
+              <a:buFont typeface="Arial" panose="020B0604020202090204" pitchFamily="34" charset="0"/>
+              <a:buChar char="•"/>
+              <a:defRPr sz="1800" kern="1200">
+                <a:solidFill>
+                  <a:schemeClr val="tx1"/>
+                </a:solidFill>
+                <a:latin typeface="+mn-lt"/>
+                <a:ea typeface="+mn-ea"/>
+                <a:cs typeface="+mn-cs"/>
+              </a:defRPr>
+            </a:lvl9pPr>
+          </a:lstStyle>
+          <a:p>
+            <a:pPr fontAlgn="auto">
+              <a:lnSpc>
+                <a:spcPct val="120000"/>
+              </a:lnSpc>
+              <a:spcAft>
+                <a:spcPts val="0"/>
+              </a:spcAft>
+            </a:pPr>
+            <a:r>
+              <a:rPr lang="es-ES_tradnl" dirty="0">
+                <a:latin typeface="Arial" panose="020B0604020202090204" pitchFamily="34" charset="0"/>
+                <a:ea typeface="微软雅黑" panose="020B0503020204020204" pitchFamily="34" charset="-122"/>
+                <a:sym typeface="Arial" panose="020B0604020202090204" pitchFamily="34" charset="0"/>
+              </a:rPr>
+              <a:t>0</a:t>
+            </a:r>
+            <a:r>
+              <a:rPr lang="en-US" altLang="es-ES_tradnl" dirty="0">
+                <a:latin typeface="Arial" panose="020B0604020202090204" pitchFamily="34" charset="0"/>
+                <a:ea typeface="微软雅黑" panose="020B0503020204020204" pitchFamily="34" charset="-122"/>
+                <a:sym typeface="Arial" panose="020B0604020202090204" pitchFamily="34" charset="0"/>
+              </a:rPr>
+              <a:t>9</a:t>
+            </a:r>
+            <a:endParaRPr lang="en-US" altLang="es-ES_tradnl" dirty="0">
+              <a:latin typeface="Arial" panose="020B0604020202090204" pitchFamily="34" charset="0"/>
+              <a:ea typeface="微软雅黑" panose="020B0503020204020204" pitchFamily="34" charset="-122"/>
+              <a:sym typeface="Arial" panose="020B0604020202090204" pitchFamily="34" charset="0"/>
+            </a:endParaRPr>
+          </a:p>
+        </p:txBody>
+      </p:sp>
+      <p:pic>
+        <p:nvPicPr>
+          <p:cNvPr id="4" name="图片 3" descr="中山大学logo"/>
+          <p:cNvPicPr>
+            <a:picLocks noChangeAspect="1"/>
+          </p:cNvPicPr>
+          <p:nvPr/>
+        </p:nvPicPr>
+        <p:blipFill>
+          <a:blip r:embed="rId1"/>
+          <a:stretch>
+            <a:fillRect/>
+          </a:stretch>
+        </p:blipFill>
+        <p:spPr>
+          <a:xfrm>
+            <a:off x="11608435" y="243205"/>
+            <a:ext cx="793750" cy="793750"/>
+          </a:xfrm>
+          <a:prstGeom prst="rect">
+            <a:avLst/>
+          </a:prstGeom>
+        </p:spPr>
+      </p:pic>
+      <p:sp>
+        <p:nvSpPr>
+          <p:cNvPr id="3" name="TextBox 8"/>
+          <p:cNvSpPr txBox="1"/>
+          <p:nvPr/>
+        </p:nvSpPr>
+        <p:spPr>
+          <a:xfrm>
+            <a:off x="2021205" y="318770"/>
+            <a:ext cx="6644005" cy="1015365"/>
+          </a:xfrm>
+          <a:prstGeom prst="rect">
+            <a:avLst/>
+          </a:prstGeom>
+          <a:noFill/>
+        </p:spPr>
+        <p:txBody>
+          <a:bodyPr wrap="square" lIns="0" tIns="0" rIns="0" bIns="0" rtlCol="0" anchor="ctr">
+            <a:spAutoFit/>
+            <a:scene3d>
+              <a:camera prst="orthographicFront"/>
+              <a:lightRig rig="threePt" dir="t"/>
+            </a:scene3d>
+          </a:bodyPr>
+          <a:p>
+            <a:pPr algn="l"/>
+            <a:r>
+              <a:rPr lang="en-US" sz="6600" dirty="0">
+                <a:solidFill>
+                  <a:schemeClr val="accent1"/>
+                </a:solidFill>
+                <a:effectLst>
+                  <a:outerShdw blurRad="38100" dist="25400" dir="5400000" algn="ctr" rotWithShape="0">
+                    <a:srgbClr val="6E747A">
+                      <a:alpha val="43000"/>
+                    </a:srgbClr>
+                  </a:outerShdw>
+                </a:effectLst>
+                <a:latin typeface="Arial" panose="020B0604020202090204" pitchFamily="34" charset="0"/>
+                <a:ea typeface="微软雅黑" panose="020B0503020204020204" pitchFamily="34" charset="-122"/>
+                <a:cs typeface="+mn-ea"/>
+                <a:sym typeface="Arial" panose="020B0604020202090204" pitchFamily="34" charset="0"/>
+              </a:rPr>
+              <a:t> </a:t>
+            </a:r>
+            <a:r>
+              <a:rPr lang="zh-CN" altLang="en-US" sz="6600" dirty="0">
+                <a:solidFill>
+                  <a:schemeClr val="accent1"/>
+                </a:solidFill>
+                <a:effectLst>
+                  <a:outerShdw blurRad="38100" dist="25400" dir="5400000" algn="ctr" rotWithShape="0">
+                    <a:srgbClr val="6E747A">
+                      <a:alpha val="43000"/>
+                    </a:srgbClr>
+                  </a:outerShdw>
+                </a:effectLst>
+                <a:latin typeface="Arial" panose="020B0604020202090204" pitchFamily="34" charset="0"/>
+                <a:ea typeface="微软雅黑" panose="020B0503020204020204" pitchFamily="34" charset="-122"/>
+                <a:cs typeface="+mn-ea"/>
+                <a:sym typeface="Arial" panose="020B0604020202090204" pitchFamily="34" charset="0"/>
+              </a:rPr>
+              <a:t>知识点应用</a:t>
+            </a:r>
+            <a:endParaRPr lang="zh-CN" altLang="en-US" sz="6600" dirty="0">
+              <a:solidFill>
+                <a:schemeClr val="accent1"/>
+              </a:solidFill>
+              <a:effectLst>
+                <a:outerShdw blurRad="38100" dist="25400" dir="5400000" algn="ctr" rotWithShape="0">
+                  <a:srgbClr val="6E747A">
+                    <a:alpha val="43000"/>
+                  </a:srgbClr>
+                </a:outerShdw>
+              </a:effectLst>
+              <a:latin typeface="Arial" panose="020B0604020202090204" pitchFamily="34" charset="0"/>
+              <a:ea typeface="微软雅黑" panose="020B0503020204020204" pitchFamily="34" charset="-122"/>
+              <a:cs typeface="+mn-ea"/>
+              <a:sym typeface="Arial" panose="020B0604020202090204" pitchFamily="34" charset="0"/>
+            </a:endParaRPr>
+          </a:p>
+        </p:txBody>
+      </p:sp>
+      <p:pic>
+        <p:nvPicPr>
+          <p:cNvPr id="5" name="图片 4" descr="Chat"/>
+          <p:cNvPicPr>
+            <a:picLocks noChangeAspect="1"/>
+          </p:cNvPicPr>
+          <p:nvPr/>
+        </p:nvPicPr>
+        <p:blipFill>
+          <a:blip r:embed="rId2"/>
+          <a:stretch>
+            <a:fillRect/>
+          </a:stretch>
+        </p:blipFill>
+        <p:spPr>
+          <a:xfrm>
+            <a:off x="699770" y="353695"/>
+            <a:ext cx="1178560" cy="980440"/>
+          </a:xfrm>
+          <a:prstGeom prst="rect">
+            <a:avLst/>
+          </a:prstGeom>
+        </p:spPr>
+      </p:pic>
+      <p:pic>
+        <p:nvPicPr>
+          <p:cNvPr id="2" name="图片 1" descr="截屏2021-01-04 下午2.24.20"/>
+          <p:cNvPicPr>
+            <a:picLocks noChangeAspect="1"/>
+          </p:cNvPicPr>
+          <p:nvPr/>
+        </p:nvPicPr>
+        <p:blipFill>
+          <a:blip r:embed="rId3"/>
+          <a:stretch>
+            <a:fillRect/>
+          </a:stretch>
+        </p:blipFill>
+        <p:spPr>
+          <a:xfrm>
+            <a:off x="699770" y="3646805"/>
+            <a:ext cx="2082800" cy="1739900"/>
+          </a:xfrm>
+          <a:prstGeom prst="rect">
+            <a:avLst/>
+          </a:prstGeom>
+        </p:spPr>
+      </p:pic>
+      <p:pic>
+        <p:nvPicPr>
+          <p:cNvPr id="6" name="图片 5" descr="截屏2021-01-04 下午2.24.01"/>
+          <p:cNvPicPr>
+            <a:picLocks noChangeAspect="1"/>
+          </p:cNvPicPr>
+          <p:nvPr/>
+        </p:nvPicPr>
+        <p:blipFill>
+          <a:blip r:embed="rId4"/>
+          <a:stretch>
+            <a:fillRect/>
+          </a:stretch>
+        </p:blipFill>
+        <p:spPr>
+          <a:xfrm>
+            <a:off x="5778500" y="1628140"/>
+            <a:ext cx="6124575" cy="5104130"/>
+          </a:xfrm>
+          <a:prstGeom prst="rect">
+            <a:avLst/>
+          </a:prstGeom>
+        </p:spPr>
+      </p:pic>
+    </p:spTree>
+  </p:cSld>
+  <p:clrMapOvr>
+    <a:masterClrMapping/>
+  </p:clrMapOvr>
+  <mc:AlternateContent xmlns:mc="http://schemas.openxmlformats.org/markup-compatibility/2006">
+    <mc:Choice xmlns:p14="http://schemas.microsoft.com/office/powerpoint/2010/main" Requires="p14">
+      <p:transition spd="slow" p14:dur="1200"/>
+    </mc:Choice>
+    <mc:Fallback>
+      <p:transition spd="slow"/>
+    </mc:Fallback>
+  </mc:AlternateContent>
+  <p:timing>
+    <p:tnLst>
+      <p:par>
+        <p:cTn id="1" dur="indefinite" restart="never" nodeType="tmRoot"/>
+      </p:par>
+    </p:tnLst>
+  </p:timing>
+</p:sld>
+</file>
+
+<file path=ppt/slides/slide12.xml><?xml version="1.0" encoding="utf-8"?>
+<p:sld xmlns:a="http://schemas.openxmlformats.org/drawingml/2006/main" xmlns:r="http://schemas.openxmlformats.org/officeDocument/2006/relationships" xmlns:p="http://schemas.openxmlformats.org/presentationml/2006/main">
+  <p:cSld>
+    <p:spTree>
+      <p:nvGrpSpPr>
+        <p:cNvPr id="1" name=""/>
+        <p:cNvGrpSpPr/>
+        <p:nvPr/>
+      </p:nvGrpSpPr>
+      <p:grpSpPr>
+        <a:xfrm>
+          <a:off x="0" y="0"/>
+          <a:ext cx="0" cy="0"/>
+          <a:chOff x="0" y="0"/>
+          <a:chExt cx="0" cy="0"/>
+        </a:xfrm>
+      </p:grpSpPr>
+      <p:grpSp>
+        <p:nvGrpSpPr>
           <p:cNvPr id="6" name="Group 5"/>
           <p:cNvGrpSpPr/>
           <p:nvPr/>
@@ -10295,7 +12068,271 @@
 </p:sld>
 </file>
 
-<file path=ppt/slides/slide12.xml><?xml version="1.0" encoding="utf-8"?>
+<file path=ppt/slides/slide13.xml><?xml version="1.0" encoding="utf-8"?>
+<p:sld xmlns:a="http://schemas.openxmlformats.org/drawingml/2006/main" xmlns:r="http://schemas.openxmlformats.org/officeDocument/2006/relationships" xmlns:p="http://schemas.openxmlformats.org/presentationml/2006/main">
+  <p:cSld>
+    <p:spTree>
+      <p:nvGrpSpPr>
+        <p:cNvPr id="1" name=""/>
+        <p:cNvGrpSpPr/>
+        <p:nvPr/>
+      </p:nvGrpSpPr>
+      <p:grpSpPr>
+        <a:xfrm>
+          <a:off x="0" y="0"/>
+          <a:ext cx="0" cy="0"/>
+          <a:chOff x="0" y="0"/>
+          <a:chExt cx="0" cy="0"/>
+        </a:xfrm>
+      </p:grpSpPr>
+      <p:sp>
+        <p:nvSpPr>
+          <p:cNvPr id="59" name="TextBox 78"/>
+          <p:cNvSpPr txBox="1"/>
+          <p:nvPr/>
+        </p:nvSpPr>
+        <p:spPr>
+          <a:xfrm>
+            <a:off x="5102860" y="494030"/>
+            <a:ext cx="3562985" cy="332105"/>
+          </a:xfrm>
+          <a:prstGeom prst="rect">
+            <a:avLst/>
+          </a:prstGeom>
+          <a:noFill/>
+        </p:spPr>
+        <p:txBody>
+          <a:bodyPr wrap="square" lIns="0" tIns="0" rIns="0" bIns="0" rtlCol="0">
+            <a:spAutoFit/>
+            <a:scene3d>
+              <a:camera prst="orthographicFront"/>
+              <a:lightRig rig="threePt" dir="t"/>
+            </a:scene3d>
+          </a:bodyPr>
+          <a:lstStyle/>
+          <a:p>
+            <a:pPr marL="285750" indent="-285750" algn="just">
+              <a:lnSpc>
+                <a:spcPct val="120000"/>
+              </a:lnSpc>
+              <a:buFont typeface="Wingdings" panose="05000000000000000000" charset="0"/>
+              <a:buChar char=""/>
+            </a:pPr>
+            <a:r>
+              <a:rPr lang="zh-CN" altLang="en-US" sz="1800" dirty="0">
+                <a:solidFill>
+                  <a:schemeClr val="tx1"/>
+                </a:solidFill>
+                <a:effectLst>
+                  <a:outerShdw blurRad="38100" dist="19050" dir="2700000" algn="tl" rotWithShape="0">
+                    <a:schemeClr val="dk1">
+                      <a:alpha val="40000"/>
+                    </a:schemeClr>
+                  </a:outerShdw>
+                </a:effectLst>
+                <a:latin typeface="Arial" panose="020B0604020202090204" pitchFamily="34" charset="0"/>
+                <a:ea typeface="微软雅黑" panose="020B0503020204020204" pitchFamily="34" charset="-122"/>
+                <a:sym typeface="Arial" panose="020B0604020202090204" pitchFamily="34" charset="0"/>
+              </a:rPr>
+              <a:t>使用git进行版本管理</a:t>
+            </a:r>
+            <a:endParaRPr lang="zh-CN" altLang="en-US" sz="1800" dirty="0">
+              <a:solidFill>
+                <a:schemeClr val="tx1"/>
+              </a:solidFill>
+              <a:effectLst>
+                <a:outerShdw blurRad="38100" dist="19050" dir="2700000" algn="tl" rotWithShape="0">
+                  <a:schemeClr val="dk1">
+                    <a:alpha val="40000"/>
+                  </a:schemeClr>
+                </a:outerShdw>
+              </a:effectLst>
+              <a:latin typeface="Arial" panose="020B0604020202090204" pitchFamily="34" charset="0"/>
+              <a:ea typeface="微软雅黑" panose="020B0503020204020204" pitchFamily="34" charset="-122"/>
+              <a:sym typeface="Arial" panose="020B0604020202090204" pitchFamily="34" charset="0"/>
+            </a:endParaRPr>
+          </a:p>
+        </p:txBody>
+      </p:sp>
+      <p:pic>
+        <p:nvPicPr>
+          <p:cNvPr id="4" name="图片 3" descr="中山大学logo"/>
+          <p:cNvPicPr>
+            <a:picLocks noChangeAspect="1"/>
+          </p:cNvPicPr>
+          <p:nvPr/>
+        </p:nvPicPr>
+        <p:blipFill>
+          <a:blip r:embed="rId1"/>
+          <a:stretch>
+            <a:fillRect/>
+          </a:stretch>
+        </p:blipFill>
+        <p:spPr>
+          <a:xfrm>
+            <a:off x="11608435" y="243205"/>
+            <a:ext cx="793750" cy="793750"/>
+          </a:xfrm>
+          <a:prstGeom prst="rect">
+            <a:avLst/>
+          </a:prstGeom>
+        </p:spPr>
+      </p:pic>
+      <p:sp>
+        <p:nvSpPr>
+          <p:cNvPr id="3" name="TextBox 8"/>
+          <p:cNvSpPr txBox="1"/>
+          <p:nvPr/>
+        </p:nvSpPr>
+        <p:spPr>
+          <a:xfrm>
+            <a:off x="2021205" y="318770"/>
+            <a:ext cx="6644005" cy="1015365"/>
+          </a:xfrm>
+          <a:prstGeom prst="rect">
+            <a:avLst/>
+          </a:prstGeom>
+          <a:noFill/>
+        </p:spPr>
+        <p:txBody>
+          <a:bodyPr wrap="square" lIns="0" tIns="0" rIns="0" bIns="0" rtlCol="0" anchor="ctr">
+            <a:spAutoFit/>
+            <a:scene3d>
+              <a:camera prst="orthographicFront"/>
+              <a:lightRig rig="threePt" dir="t"/>
+            </a:scene3d>
+          </a:bodyPr>
+          <a:p>
+            <a:pPr algn="l"/>
+            <a:r>
+              <a:rPr lang="en-US" sz="6600" dirty="0">
+                <a:solidFill>
+                  <a:schemeClr val="accent1"/>
+                </a:solidFill>
+                <a:effectLst>
+                  <a:outerShdw blurRad="38100" dist="25400" dir="5400000" algn="ctr" rotWithShape="0">
+                    <a:srgbClr val="6E747A">
+                      <a:alpha val="43000"/>
+                    </a:srgbClr>
+                  </a:outerShdw>
+                </a:effectLst>
+                <a:latin typeface="Arial" panose="020B0604020202090204" pitchFamily="34" charset="0"/>
+                <a:ea typeface="微软雅黑" panose="020B0503020204020204" pitchFamily="34" charset="-122"/>
+                <a:cs typeface="+mn-ea"/>
+                <a:sym typeface="Arial" panose="020B0604020202090204" pitchFamily="34" charset="0"/>
+              </a:rPr>
+              <a:t> </a:t>
+            </a:r>
+            <a:r>
+              <a:rPr lang="zh-CN" altLang="en-US" sz="6600" dirty="0">
+                <a:solidFill>
+                  <a:schemeClr val="accent1"/>
+                </a:solidFill>
+                <a:effectLst>
+                  <a:outerShdw blurRad="38100" dist="25400" dir="5400000" algn="ctr" rotWithShape="0">
+                    <a:srgbClr val="6E747A">
+                      <a:alpha val="43000"/>
+                    </a:srgbClr>
+                  </a:outerShdw>
+                </a:effectLst>
+                <a:latin typeface="Arial" panose="020B0604020202090204" pitchFamily="34" charset="0"/>
+                <a:ea typeface="微软雅黑" panose="020B0503020204020204" pitchFamily="34" charset="-122"/>
+                <a:cs typeface="+mn-ea"/>
+                <a:sym typeface="Arial" panose="020B0604020202090204" pitchFamily="34" charset="0"/>
+              </a:rPr>
+              <a:t>创新点</a:t>
+            </a:r>
+            <a:endParaRPr lang="zh-CN" altLang="en-US" sz="6600" dirty="0">
+              <a:solidFill>
+                <a:schemeClr val="accent1"/>
+              </a:solidFill>
+              <a:effectLst>
+                <a:outerShdw blurRad="38100" dist="25400" dir="5400000" algn="ctr" rotWithShape="0">
+                  <a:srgbClr val="6E747A">
+                    <a:alpha val="43000"/>
+                  </a:srgbClr>
+                </a:outerShdw>
+              </a:effectLst>
+              <a:latin typeface="Arial" panose="020B0604020202090204" pitchFamily="34" charset="0"/>
+              <a:ea typeface="微软雅黑" panose="020B0503020204020204" pitchFamily="34" charset="-122"/>
+              <a:cs typeface="+mn-ea"/>
+              <a:sym typeface="Arial" panose="020B0604020202090204" pitchFamily="34" charset="0"/>
+            </a:endParaRPr>
+          </a:p>
+        </p:txBody>
+      </p:sp>
+      <p:pic>
+        <p:nvPicPr>
+          <p:cNvPr id="5" name="图片 4" descr="Chat"/>
+          <p:cNvPicPr>
+            <a:picLocks noChangeAspect="1"/>
+          </p:cNvPicPr>
+          <p:nvPr/>
+        </p:nvPicPr>
+        <p:blipFill>
+          <a:blip r:embed="rId2"/>
+          <a:stretch>
+            <a:fillRect/>
+          </a:stretch>
+        </p:blipFill>
+        <p:spPr>
+          <a:xfrm>
+            <a:off x="699770" y="353695"/>
+            <a:ext cx="1178560" cy="980440"/>
+          </a:xfrm>
+          <a:prstGeom prst="rect">
+            <a:avLst/>
+          </a:prstGeom>
+        </p:spPr>
+      </p:pic>
+      <p:pic>
+        <p:nvPicPr>
+          <p:cNvPr id="20" name="图片 19" descr="github"/>
+          <p:cNvPicPr>
+            <a:picLocks noChangeAspect="1"/>
+          </p:cNvPicPr>
+          <p:nvPr/>
+        </p:nvPicPr>
+        <p:blipFill>
+          <a:blip r:embed="rId3"/>
+          <a:stretch>
+            <a:fillRect/>
+          </a:stretch>
+        </p:blipFill>
+        <p:spPr>
+          <a:xfrm>
+            <a:off x="699770" y="1334135"/>
+            <a:ext cx="11427460" cy="5691505"/>
+          </a:xfrm>
+          <a:prstGeom prst="rect">
+            <a:avLst/>
+          </a:prstGeom>
+        </p:spPr>
+      </p:pic>
+    </p:spTree>
+  </p:cSld>
+  <p:clrMapOvr>
+    <a:masterClrMapping/>
+  </p:clrMapOvr>
+  <mc:AlternateContent xmlns:mc="http://schemas.openxmlformats.org/markup-compatibility/2006">
+    <mc:Choice xmlns:p14="http://schemas.microsoft.com/office/powerpoint/2010/main" Requires="p14">
+      <p:transition spd="slow" p14:dur="1200"/>
+    </mc:Choice>
+    <mc:Fallback>
+      <p:transition spd="slow"/>
+    </mc:Fallback>
+  </mc:AlternateContent>
+  <p:timing>
+    <p:tnLst>
+      <p:par>
+        <p:cTn id="1" dur="indefinite" restart="never" nodeType="tmRoot"/>
+      </p:par>
+    </p:tnLst>
+  </p:timing>
+</p:sld>
+</file>
+
+<file path=ppt/slides/slide14.xml><?xml version="1.0" encoding="utf-8"?>
 <p:sld xmlns:a="http://schemas.openxmlformats.org/drawingml/2006/main" xmlns:r="http://schemas.openxmlformats.org/officeDocument/2006/relationships" xmlns:p="http://schemas.openxmlformats.org/presentationml/2006/main">
   <p:cSld>
     <p:spTree>
@@ -10735,7 +12772,7 @@
 </p:sld>
 </file>
 
-<file path=ppt/slides/slide13.xml><?xml version="1.0" encoding="utf-8"?>
+<file path=ppt/slides/slide15.xml><?xml version="1.0" encoding="utf-8"?>
 <p:sld xmlns:a="http://schemas.openxmlformats.org/drawingml/2006/main" xmlns:r="http://schemas.openxmlformats.org/officeDocument/2006/relationships" xmlns:p="http://schemas.openxmlformats.org/presentationml/2006/main">
   <p:cSld>
     <p:spTree>
@@ -10752,153 +12789,6 @@
           <a:chExt cx="0" cy="0"/>
         </a:xfrm>
       </p:grpSpPr>
-      <p:sp>
-        <p:nvSpPr>
-          <p:cNvPr id="31" name="Shape 1869"/>
-          <p:cNvSpPr/>
-          <p:nvPr/>
-        </p:nvSpPr>
-        <p:spPr>
-          <a:xfrm rot="10800000">
-            <a:off x="4127124" y="1803500"/>
-            <a:ext cx="4604502" cy="2296838"/>
-          </a:xfrm>
-          <a:custGeom>
-            <a:avLst/>
-            <a:gdLst/>
-            <a:ahLst/>
-            <a:cxnLst>
-              <a:cxn ang="0">
-                <a:pos x="wd2" y="hd2"/>
-              </a:cxn>
-              <a:cxn ang="5400000">
-                <a:pos x="wd2" y="hd2"/>
-              </a:cxn>
-              <a:cxn ang="10800000">
-                <a:pos x="wd2" y="hd2"/>
-              </a:cxn>
-              <a:cxn ang="16200000">
-                <a:pos x="wd2" y="hd2"/>
-              </a:cxn>
-            </a:cxnLst>
-            <a:rect l="0" t="0" r="r" b="b"/>
-            <a:pathLst>
-              <a:path w="21600" h="21600" extrusionOk="0">
-                <a:moveTo>
-                  <a:pt x="10800" y="0"/>
-                </a:moveTo>
-                <a:cubicBezTo>
-                  <a:pt x="8036" y="0"/>
-                  <a:pt x="5272" y="2114"/>
-                  <a:pt x="3163" y="6342"/>
-                </a:cubicBezTo>
-                <a:cubicBezTo>
-                  <a:pt x="1060" y="10557"/>
-                  <a:pt x="7" y="16076"/>
-                  <a:pt x="0" y="21600"/>
-                </a:cubicBezTo>
-                <a:lnTo>
-                  <a:pt x="21600" y="21600"/>
-                </a:lnTo>
-                <a:cubicBezTo>
-                  <a:pt x="21593" y="16076"/>
-                  <a:pt x="20540" y="10557"/>
-                  <a:pt x="18437" y="6342"/>
-                </a:cubicBezTo>
-                <a:cubicBezTo>
-                  <a:pt x="16328" y="2114"/>
-                  <a:pt x="13564" y="0"/>
-                  <a:pt x="10800" y="0"/>
-                </a:cubicBezTo>
-                <a:close/>
-              </a:path>
-            </a:pathLst>
-          </a:custGeom>
-          <a:solidFill>
-            <a:schemeClr val="accent5"/>
-          </a:solidFill>
-          <a:ln w="12700">
-            <a:miter lim="400000"/>
-          </a:ln>
-        </p:spPr>
-        <p:txBody>
-          <a:bodyPr lIns="20091" tIns="20091" rIns="20091" bIns="20091" anchor="ctr"/>
-          <a:lstStyle/>
-          <a:p>
-            <a:pPr>
-              <a:lnSpc>
-                <a:spcPct val="120000"/>
-              </a:lnSpc>
-            </a:pPr>
-            <a:endParaRPr sz="1845">
-              <a:solidFill>
-                <a:srgbClr val="53585F"/>
-              </a:solidFill>
-              <a:latin typeface="微软雅黑" panose="020B0503020204020204" pitchFamily="34" charset="-122"/>
-              <a:ea typeface="微软雅黑" panose="020B0503020204020204" pitchFamily="34" charset="-122"/>
-              <a:sym typeface="Arial" panose="020B0604020202090204" pitchFamily="34" charset="0"/>
-            </a:endParaRPr>
-          </a:p>
-        </p:txBody>
-      </p:sp>
-      <p:sp>
-        <p:nvSpPr>
-          <p:cNvPr id="4" name="Text Placeholder 3"/>
-          <p:cNvSpPr>
-            <a:spLocks noGrp="1"/>
-          </p:cNvSpPr>
-          <p:nvPr>
-            <p:ph type="body" sz="quarter" idx="4294967295"/>
-          </p:nvPr>
-        </p:nvSpPr>
-        <p:spPr>
-          <a:xfrm>
-            <a:off x="5475216" y="2257044"/>
-            <a:ext cx="1973262" cy="1181862"/>
-          </a:xfrm>
-          <a:prstGeom prst="rect">
-            <a:avLst/>
-          </a:prstGeom>
-        </p:spPr>
-        <p:txBody>
-          <a:bodyPr lIns="0" tIns="0" rIns="0" bIns="0" anchor="ctr">
-            <a:spAutoFit/>
-          </a:bodyPr>
-          <a:lstStyle/>
-          <a:p>
-            <a:pPr marL="0" indent="0" algn="ctr">
-              <a:lnSpc>
-                <a:spcPct val="120000"/>
-              </a:lnSpc>
-              <a:spcBef>
-                <a:spcPts val="635"/>
-              </a:spcBef>
-              <a:buNone/>
-            </a:pPr>
-            <a:r>
-              <a:rPr lang="zh-CN" altLang="en-US" sz="3200">
-                <a:solidFill>
-                  <a:srgbClr val="FFFFFF"/>
-                </a:solidFill>
-                <a:latin typeface="微软雅黑" panose="020B0503020204020204" pitchFamily="34" charset="-122"/>
-                <a:ea typeface="微软雅黑" panose="020B0503020204020204" pitchFamily="34" charset="-122"/>
-                <a:cs typeface="Open Sans Light" panose="020B0306030504020204" pitchFamily="34" charset="0"/>
-                <a:sym typeface="Arial" panose="020B0604020202090204" pitchFamily="34" charset="0"/>
-              </a:rPr>
-              <a:t>请替换文字内容</a:t>
-            </a:r>
-            <a:endParaRPr lang="id-ID" sz="3200" dirty="0">
-              <a:solidFill>
-                <a:srgbClr val="FFFFFF"/>
-              </a:solidFill>
-              <a:latin typeface="微软雅黑" panose="020B0503020204020204" pitchFamily="34" charset="-122"/>
-              <a:ea typeface="微软雅黑" panose="020B0503020204020204" pitchFamily="34" charset="-122"/>
-              <a:cs typeface="Open Sans Light" panose="020B0306030504020204" pitchFamily="34" charset="0"/>
-              <a:sym typeface="Arial" panose="020B0604020202090204" pitchFamily="34" charset="0"/>
-            </a:endParaRPr>
-          </a:p>
-        </p:txBody>
-      </p:sp>
       <p:sp>
         <p:nvSpPr>
           <p:cNvPr id="11" name="Shape 1852"/>
@@ -10997,7 +12887,7 @@
         </p:nvSpPr>
         <p:spPr>
           <a:xfrm>
-            <a:off x="8196543" y="4222218"/>
+            <a:off x="6478868" y="4112998"/>
             <a:ext cx="363260" cy="324924"/>
           </a:xfrm>
           <a:custGeom>
@@ -11125,7 +13015,7 @@
         </p:nvSpPr>
         <p:spPr>
           <a:xfrm>
-            <a:off x="9611121" y="1791952"/>
+            <a:off x="7893446" y="1682732"/>
             <a:ext cx="949693" cy="949693"/>
           </a:xfrm>
           <a:custGeom>
@@ -11584,9 +13474,9 @@
         <p:grpSpPr bwMode="auto">
           <a:xfrm>
             <a:off x="1878330" y="3261360"/>
-            <a:ext cx="2123440" cy="1957076"/>
+            <a:ext cx="3336925" cy="2031366"/>
             <a:chOff x="7045224" y="2078155"/>
-            <a:chExt cx="4137667" cy="1856726"/>
+            <a:chExt cx="4137667" cy="1927213"/>
           </a:xfrm>
         </p:grpSpPr>
         <p:sp>
@@ -11600,7 +13490,7 @@
           <p:spPr bwMode="auto">
             <a:xfrm>
               <a:off x="7045224" y="2078155"/>
-              <a:ext cx="4137667" cy="559667"/>
+              <a:ext cx="4137667" cy="700640"/>
             </a:xfrm>
             <a:prstGeom prst="rect">
               <a:avLst/>
@@ -11744,7 +13634,7 @@
                 </a:spcAft>
               </a:pPr>
               <a:r>
-                <a:rPr lang="zh-CN" altLang="en-US" sz="1600" dirty="0">
+                <a:rPr lang="zh-CN" altLang="en-US" sz="2000" dirty="0">
                   <a:solidFill>
                     <a:schemeClr val="tx1"/>
                   </a:solidFill>
@@ -11762,7 +13652,7 @@
                 </a:rPr>
                 <a:t>消息队列过多时，无法自动定位到最新的消息。</a:t>
               </a:r>
-              <a:endParaRPr lang="zh-CN" altLang="en-US" sz="1600" dirty="0">
+              <a:endParaRPr lang="zh-CN" altLang="en-US" sz="2000" dirty="0">
                 <a:solidFill>
                   <a:schemeClr val="tx1"/>
                 </a:solidFill>
@@ -11792,7 +13682,7 @@
           <p:spPr bwMode="auto">
             <a:xfrm>
               <a:off x="7045224" y="3655349"/>
-              <a:ext cx="4137667" cy="279532"/>
+              <a:ext cx="4137667" cy="350019"/>
             </a:xfrm>
             <a:prstGeom prst="rect">
               <a:avLst/>
@@ -11940,7 +13830,7 @@
                 </a:spcAft>
               </a:pPr>
               <a:r>
-                <a:rPr lang="zh-CN" altLang="en-US" sz="1600" dirty="0">
+                <a:rPr lang="zh-CN" altLang="en-US" sz="2000" dirty="0">
                   <a:solidFill>
                     <a:schemeClr val="tx1"/>
                   </a:solidFill>
@@ -11958,7 +13848,7 @@
                 </a:rPr>
                 <a:t>服务端无页面</a:t>
               </a:r>
-              <a:endParaRPr lang="zh-CN" altLang="en-US" sz="1600" dirty="0">
+              <a:endParaRPr lang="zh-CN" altLang="en-US" sz="2000" dirty="0">
                 <a:solidFill>
                   <a:schemeClr val="tx1"/>
                 </a:solidFill>
@@ -11988,7 +13878,7 @@
           <p:spPr bwMode="auto">
             <a:xfrm>
               <a:off x="7045224" y="2954153"/>
-              <a:ext cx="4137667" cy="279532"/>
+              <a:ext cx="4137667" cy="350019"/>
             </a:xfrm>
             <a:prstGeom prst="rect">
               <a:avLst/>
@@ -12136,7 +14026,7 @@
                 </a:spcAft>
               </a:pPr>
               <a:r>
-                <a:rPr lang="zh-CN" altLang="en-US" sz="1600" dirty="0">
+                <a:rPr lang="zh-CN" altLang="en-US" sz="2000" dirty="0">
                   <a:solidFill>
                     <a:schemeClr val="tx1"/>
                   </a:solidFill>
@@ -12154,7 +14044,7 @@
                 </a:rPr>
                 <a:t>文件群发功能无法实现</a:t>
               </a:r>
-              <a:endParaRPr lang="zh-CN" altLang="en-US" sz="1600" dirty="0">
+              <a:endParaRPr lang="zh-CN" altLang="en-US" sz="2000" dirty="0">
                 <a:solidFill>
                   <a:schemeClr val="tx1"/>
                 </a:solidFill>
@@ -12184,7 +14074,7 @@
         </p:nvSpPr>
         <p:spPr>
           <a:xfrm>
-            <a:off x="8608978" y="4049033"/>
+            <a:off x="6902733" y="4332878"/>
             <a:ext cx="592675" cy="591002"/>
           </a:xfrm>
           <a:prstGeom prst="roundRect">
@@ -12239,86 +14129,7 @@
                 <a:cs typeface="+mn-ea"/>
                 <a:sym typeface="Arial" panose="020B0604020202090204" pitchFamily="34" charset="0"/>
               </a:rPr>
-              <a:t>05</a:t>
-            </a:r>
-            <a:endParaRPr lang="zh-CN" altLang="zh-CN" sz="1400" dirty="0">
-              <a:solidFill>
-                <a:srgbClr val="FFFFFF"/>
-              </a:solidFill>
-              <a:latin typeface="Arial" panose="020B0604020202090204" pitchFamily="34" charset="0"/>
-              <a:ea typeface="微软雅黑" panose="020B0503020204020204" pitchFamily="34" charset="-122"/>
-              <a:cs typeface="+mn-ea"/>
-              <a:sym typeface="Arial" panose="020B0604020202090204" pitchFamily="34" charset="0"/>
-            </a:endParaRPr>
-          </a:p>
-        </p:txBody>
-      </p:sp>
-      <p:sp>
-        <p:nvSpPr>
-          <p:cNvPr id="47" name="Rounded Rectangle 17"/>
-          <p:cNvSpPr>
-            <a:spLocks noChangeAspect="1"/>
-          </p:cNvSpPr>
-          <p:nvPr/>
-        </p:nvSpPr>
-        <p:spPr>
-          <a:xfrm>
-            <a:off x="8607304" y="4802435"/>
-            <a:ext cx="592675" cy="592675"/>
-          </a:xfrm>
-          <a:prstGeom prst="roundRect">
-            <a:avLst/>
-          </a:prstGeom>
-          <a:solidFill>
-            <a:schemeClr val="accent6"/>
-          </a:solidFill>
-          <a:ln w="50800">
-            <a:noFill/>
-          </a:ln>
-        </p:spPr>
-        <p:style>
-          <a:lnRef idx="2">
-            <a:schemeClr val="accent1">
-              <a:shade val="50000"/>
-            </a:schemeClr>
-          </a:lnRef>
-          <a:fillRef idx="1">
-            <a:schemeClr val="accent1"/>
-          </a:fillRef>
-          <a:effectRef idx="0">
-            <a:schemeClr val="accent1"/>
-          </a:effectRef>
-          <a:fontRef idx="minor">
-            <a:schemeClr val="lt1"/>
-          </a:fontRef>
-        </p:style>
-        <p:txBody>
-          <a:bodyPr lIns="0" tIns="0" rIns="0" bIns="0" anchor="ctr"/>
-          <a:lstStyle/>
-          <a:p>
-            <a:pPr algn="ctr" eaLnBrk="1" hangingPunct="1">
-              <a:lnSpc>
-                <a:spcPct val="120000"/>
-              </a:lnSpc>
-              <a:spcBef>
-                <a:spcPts val="0"/>
-              </a:spcBef>
-              <a:spcAft>
-                <a:spcPts val="0"/>
-              </a:spcAft>
-              <a:defRPr/>
-            </a:pPr>
-            <a:r>
-              <a:rPr lang="en-US" altLang="zh-CN" sz="1400" dirty="0">
-                <a:solidFill>
-                  <a:srgbClr val="FFFFFF"/>
-                </a:solidFill>
-                <a:latin typeface="Arial" panose="020B0604020202090204" pitchFamily="34" charset="0"/>
-                <a:ea typeface="微软雅黑" panose="020B0503020204020204" pitchFamily="34" charset="-122"/>
-                <a:cs typeface="+mn-ea"/>
-                <a:sym typeface="Arial" panose="020B0604020202090204" pitchFamily="34" charset="0"/>
-              </a:rPr>
-              <a:t>06</a:t>
+              <a:t>02</a:t>
             </a:r>
             <a:endParaRPr lang="zh-CN" altLang="zh-CN" sz="1400" dirty="0">
               <a:solidFill>
@@ -12342,7 +14153,7 @@
         </p:nvSpPr>
         <p:spPr>
           <a:xfrm>
-            <a:off x="8620698" y="3288936"/>
+            <a:off x="6903023" y="3261631"/>
             <a:ext cx="592675" cy="592675"/>
           </a:xfrm>
           <a:prstGeom prst="roundRect">
@@ -12397,7 +14208,7 @@
                 <a:cs typeface="+mn-ea"/>
                 <a:sym typeface="Arial" panose="020B0604020202090204" pitchFamily="34" charset="0"/>
               </a:rPr>
-              <a:t>04</a:t>
+              <a:t>01</a:t>
             </a:r>
             <a:endParaRPr lang="zh-CN" altLang="zh-CN" sz="1400" dirty="0">
               <a:solidFill>
@@ -12419,10 +14230,10 @@
         </p:nvGrpSpPr>
         <p:grpSpPr bwMode="auto">
           <a:xfrm>
-            <a:off x="9270296" y="3276911"/>
-            <a:ext cx="2142559" cy="2236662"/>
+            <a:off x="7552621" y="3167691"/>
+            <a:ext cx="4479290" cy="2599055"/>
             <a:chOff x="7045224" y="2078155"/>
-            <a:chExt cx="4137667" cy="2121798"/>
+            <a:chExt cx="8650315" cy="2465580"/>
           </a:xfrm>
         </p:grpSpPr>
         <p:sp>
@@ -12436,7 +14247,7 @@
           <p:spPr bwMode="auto">
             <a:xfrm>
               <a:off x="7045224" y="2078155"/>
-              <a:ext cx="4137667" cy="665694"/>
+              <a:ext cx="8650315" cy="945149"/>
             </a:xfrm>
             <a:prstGeom prst="rect">
               <a:avLst/>
@@ -12466,8 +14277,12 @@
             </a:extLst>
           </p:spPr>
           <p:txBody>
-            <a:bodyPr lIns="0" tIns="0" rIns="0" bIns="0">
+            <a:bodyPr wrap="square" lIns="0" tIns="0" rIns="0" bIns="0">
               <a:spAutoFit/>
+              <a:scene3d>
+                <a:camera prst="orthographicFront"/>
+                <a:lightRig rig="threePt" dir="t"/>
+              </a:scene3d>
             </a:bodyPr>
             <a:lstStyle>
               <a:lvl1pPr>
@@ -12580,25 +14395,37 @@
                 </a:spcAft>
               </a:pPr>
               <a:r>
-                <a:rPr lang="zh-CN" altLang="en-US" sz="1400" dirty="0">
+                <a:rPr lang="zh-CN" altLang="en-US" sz="1800" dirty="0">
+                  <a:ln/>
                   <a:solidFill>
-                    <a:schemeClr val="bg1">
-                      <a:lumMod val="65000"/>
-                    </a:schemeClr>
+                    <a:schemeClr val="tx1"/>
                   </a:solidFill>
+                  <a:effectLst>
+                    <a:outerShdw blurRad="38100" dist="19050" dir="2700000" algn="tl" rotWithShape="0">
+                      <a:schemeClr val="dk1">
+                        <a:alpha val="40000"/>
+                      </a:schemeClr>
+                    </a:outerShdw>
+                  </a:effectLst>
                   <a:latin typeface="Arial" panose="020B0604020202090204" pitchFamily="34" charset="0"/>
                   <a:ea typeface="微软雅黑" panose="020B0503020204020204" pitchFamily="34" charset="-122"/>
                   <a:cs typeface="+mn-ea"/>
                   <a:sym typeface="Arial" panose="020B0604020202090204" pitchFamily="34" charset="0"/>
                 </a:rPr>
-                <a:t>请替换文字内容</a:t>
+                <a:t>无法显示他人头像</a:t>
               </a:r>
-              <a:endParaRPr lang="id-ID" altLang="zh-CN" sz="1400" dirty="0">
-                <a:solidFill>
-                  <a:schemeClr val="bg1">
-                    <a:lumMod val="65000"/>
-                  </a:schemeClr>
-                </a:solidFill>
+              <a:endParaRPr lang="zh-CN" altLang="en-US" sz="1800" dirty="0">
+                <a:ln/>
+                <a:solidFill>
+                  <a:schemeClr val="tx1"/>
+                </a:solidFill>
+                <a:effectLst>
+                  <a:outerShdw blurRad="38100" dist="19050" dir="2700000" algn="tl" rotWithShape="0">
+                    <a:schemeClr val="dk1">
+                      <a:alpha val="40000"/>
+                    </a:schemeClr>
+                  </a:outerShdw>
+                </a:effectLst>
                 <a:latin typeface="Arial" panose="020B0604020202090204" pitchFamily="34" charset="0"/>
                 <a:ea typeface="微软雅黑" panose="020B0503020204020204" pitchFamily="34" charset="-122"/>
                 <a:cs typeface="+mn-ea"/>
@@ -12618,25 +14445,37 @@
                 </a:spcAft>
               </a:pPr>
               <a:r>
-                <a:rPr lang="en-US" altLang="zh-CN" sz="800" dirty="0">
+                <a:rPr lang="zh-CN" altLang="en-US" sz="1800" dirty="0">
+                  <a:ln/>
                   <a:solidFill>
-                    <a:schemeClr val="bg1">
-                      <a:lumMod val="65000"/>
-                    </a:schemeClr>
+                    <a:schemeClr val="tx1"/>
                   </a:solidFill>
+                  <a:effectLst>
+                    <a:outerShdw blurRad="38100" dist="19050" dir="2700000" algn="tl" rotWithShape="0">
+                      <a:schemeClr val="dk1">
+                        <a:alpha val="40000"/>
+                      </a:schemeClr>
+                    </a:outerShdw>
+                  </a:effectLst>
                   <a:latin typeface="Arial" panose="020B0604020202090204" pitchFamily="34" charset="0"/>
                   <a:ea typeface="微软雅黑" panose="020B0503020204020204" pitchFamily="34" charset="-122"/>
                   <a:cs typeface="+mn-ea"/>
                   <a:sym typeface="Arial" panose="020B0604020202090204" pitchFamily="34" charset="0"/>
                 </a:rPr>
-                <a:t>Please replace text, click add relevant headline, modify the text content, also can copy your content to this directly.</a:t>
+                <a:t>解决方案：需要在 User Model 加入头像类 ImageView</a:t>
               </a:r>
-              <a:endParaRPr lang="id-ID" altLang="zh-CN" sz="800" dirty="0">
-                <a:solidFill>
-                  <a:schemeClr val="bg1">
-                    <a:lumMod val="65000"/>
-                  </a:schemeClr>
-                </a:solidFill>
+              <a:endParaRPr lang="zh-CN" altLang="en-US" sz="1800" dirty="0">
+                <a:ln/>
+                <a:solidFill>
+                  <a:schemeClr val="tx1"/>
+                </a:solidFill>
+                <a:effectLst>
+                  <a:outerShdw blurRad="38100" dist="19050" dir="2700000" algn="tl" rotWithShape="0">
+                    <a:schemeClr val="dk1">
+                      <a:alpha val="40000"/>
+                    </a:schemeClr>
+                  </a:outerShdw>
+                </a:effectLst>
                 <a:latin typeface="Arial" panose="020B0604020202090204" pitchFamily="34" charset="0"/>
                 <a:ea typeface="微软雅黑" panose="020B0503020204020204" pitchFamily="34" charset="-122"/>
                 <a:cs typeface="+mn-ea"/>
@@ -12655,8 +14494,8 @@
           </p:nvSpPr>
           <p:spPr bwMode="auto">
             <a:xfrm>
-              <a:off x="7045224" y="3534259"/>
-              <a:ext cx="4137667" cy="665694"/>
+              <a:off x="7045224" y="3283536"/>
+              <a:ext cx="8650315" cy="1260199"/>
             </a:xfrm>
             <a:prstGeom prst="rect">
               <a:avLst/>
@@ -12686,8 +14525,12 @@
             </a:extLst>
           </p:spPr>
           <p:txBody>
-            <a:bodyPr lIns="0" tIns="0" rIns="0" bIns="0">
+            <a:bodyPr wrap="square" lIns="0" tIns="0" rIns="0" bIns="0">
               <a:spAutoFit/>
+              <a:scene3d>
+                <a:camera prst="orthographicFront"/>
+                <a:lightRig rig="threePt" dir="t"/>
+              </a:scene3d>
             </a:bodyPr>
             <a:lstStyle>
               <a:lvl1pPr>
@@ -12800,25 +14643,37 @@
                 </a:spcAft>
               </a:pPr>
               <a:r>
-                <a:rPr lang="zh-CN" altLang="en-US" sz="1400" dirty="0">
+                <a:rPr lang="zh-CN" altLang="en-US" sz="1800" dirty="0">
+                  <a:ln/>
                   <a:solidFill>
-                    <a:schemeClr val="bg1">
-                      <a:lumMod val="65000"/>
-                    </a:schemeClr>
+                    <a:schemeClr val="tx1"/>
                   </a:solidFill>
+                  <a:effectLst>
+                    <a:outerShdw blurRad="38100" dist="19050" dir="2700000" algn="tl" rotWithShape="0">
+                      <a:schemeClr val="dk1">
+                        <a:alpha val="40000"/>
+                      </a:schemeClr>
+                    </a:outerShdw>
+                  </a:effectLst>
                   <a:latin typeface="Arial" panose="020B0604020202090204" pitchFamily="34" charset="0"/>
                   <a:ea typeface="微软雅黑" panose="020B0503020204020204" pitchFamily="34" charset="-122"/>
                   <a:cs typeface="+mn-ea"/>
                   <a:sym typeface="Arial" panose="020B0604020202090204" pitchFamily="34" charset="0"/>
                 </a:rPr>
-                <a:t>请替换文字内容</a:t>
+                <a:t>full name 只在简介出现而非用户界面与聊天室，登录实际上用的 username</a:t>
               </a:r>
-              <a:endParaRPr lang="id-ID" altLang="zh-CN" sz="1400" dirty="0">
-                <a:solidFill>
-                  <a:schemeClr val="bg1">
-                    <a:lumMod val="65000"/>
-                  </a:schemeClr>
-                </a:solidFill>
+              <a:endParaRPr lang="zh-CN" altLang="en-US" sz="1800" dirty="0">
+                <a:ln/>
+                <a:solidFill>
+                  <a:schemeClr val="tx1"/>
+                </a:solidFill>
+                <a:effectLst>
+                  <a:outerShdw blurRad="38100" dist="19050" dir="2700000" algn="tl" rotWithShape="0">
+                    <a:schemeClr val="dk1">
+                      <a:alpha val="40000"/>
+                    </a:schemeClr>
+                  </a:outerShdw>
+                </a:effectLst>
                 <a:latin typeface="Arial" panose="020B0604020202090204" pitchFamily="34" charset="0"/>
                 <a:ea typeface="微软雅黑" panose="020B0503020204020204" pitchFamily="34" charset="-122"/>
                 <a:cs typeface="+mn-ea"/>
@@ -12838,245 +14693,37 @@
                 </a:spcAft>
               </a:pPr>
               <a:r>
-                <a:rPr lang="en-US" altLang="zh-CN" sz="800" dirty="0">
+                <a:rPr lang="zh-CN" altLang="en-US" sz="1800" dirty="0">
+                  <a:ln/>
                   <a:solidFill>
-                    <a:schemeClr val="bg1">
-                      <a:lumMod val="65000"/>
-                    </a:schemeClr>
+                    <a:schemeClr val="tx1"/>
                   </a:solidFill>
+                  <a:effectLst>
+                    <a:outerShdw blurRad="38100" dist="19050" dir="2700000" algn="tl" rotWithShape="0">
+                      <a:schemeClr val="dk1">
+                        <a:alpha val="40000"/>
+                      </a:schemeClr>
+                    </a:outerShdw>
+                  </a:effectLst>
                   <a:latin typeface="Arial" panose="020B0604020202090204" pitchFamily="34" charset="0"/>
                   <a:ea typeface="微软雅黑" panose="020B0503020204020204" pitchFamily="34" charset="-122"/>
                   <a:cs typeface="+mn-ea"/>
                   <a:sym typeface="Arial" panose="020B0604020202090204" pitchFamily="34" charset="0"/>
                 </a:rPr>
-                <a:t>Please replace text, click add relevant headline, modify the text content, also can copy your content to this directly.</a:t>
+                <a:t>解决后：聊天界面标题显示 username，头像下方为 nickname，聊天均采用 nickname</a:t>
               </a:r>
-              <a:endParaRPr lang="id-ID" altLang="zh-CN" sz="800" dirty="0">
-                <a:solidFill>
-                  <a:schemeClr val="bg1">
-                    <a:lumMod val="65000"/>
-                  </a:schemeClr>
-                </a:solidFill>
-                <a:latin typeface="Arial" panose="020B0604020202090204" pitchFamily="34" charset="0"/>
-                <a:ea typeface="微软雅黑" panose="020B0503020204020204" pitchFamily="34" charset="-122"/>
-                <a:cs typeface="+mn-ea"/>
-                <a:sym typeface="Arial" panose="020B0604020202090204" pitchFamily="34" charset="0"/>
-              </a:endParaRPr>
-            </a:p>
-          </p:txBody>
-        </p:sp>
-        <p:sp>
-          <p:nvSpPr>
-            <p:cNvPr id="52" name="TextBox 34"/>
-            <p:cNvSpPr txBox="1">
-              <a:spLocks noChangeArrowheads="1"/>
-            </p:cNvSpPr>
-            <p:nvPr/>
-          </p:nvSpPr>
-          <p:spPr bwMode="auto">
-            <a:xfrm>
-              <a:off x="7045224" y="2827643"/>
-              <a:ext cx="4137667" cy="665694"/>
-            </a:xfrm>
-            <a:prstGeom prst="rect">
-              <a:avLst/>
-            </a:prstGeom>
-            <a:noFill/>
-            <a:ln>
-              <a:noFill/>
-            </a:ln>
-            <a:extLst>
-              <a:ext uri="{909E8E84-426E-40DD-AFC4-6F175D3DCCD1}">
-                <a14:hiddenFill xmlns:a14="http://schemas.microsoft.com/office/drawing/2010/main">
-                  <a:solidFill>
-                    <a:srgbClr val="FFFFFF"/>
-                  </a:solidFill>
-                </a14:hiddenFill>
-              </a:ext>
-              <a:ext uri="{91240B29-F687-4F45-9708-019B960494DF}">
-                <a14:hiddenLine xmlns:a14="http://schemas.microsoft.com/office/drawing/2010/main" w="9525">
-                  <a:solidFill>
-                    <a:srgbClr val="000000"/>
-                  </a:solidFill>
-                  <a:miter lim="800000"/>
-                  <a:headEnd/>
-                  <a:tailEnd/>
-                </a14:hiddenLine>
-              </a:ext>
-            </a:extLst>
-          </p:spPr>
-          <p:txBody>
-            <a:bodyPr lIns="0" tIns="0" rIns="0" bIns="0">
-              <a:spAutoFit/>
-            </a:bodyPr>
-            <a:lstStyle>
-              <a:lvl1pPr>
-                <a:defRPr>
-                  <a:solidFill>
-                    <a:schemeClr val="tx1"/>
-                  </a:solidFill>
-                  <a:latin typeface="Calibri" panose="020F0502020204030204" pitchFamily="34" charset="0"/>
-                </a:defRPr>
-              </a:lvl1pPr>
-              <a:lvl2pPr marL="742950" indent="-285750">
-                <a:defRPr>
-                  <a:solidFill>
-                    <a:schemeClr val="tx1"/>
-                  </a:solidFill>
-                  <a:latin typeface="Calibri" panose="020F0502020204030204" pitchFamily="34" charset="0"/>
-                </a:defRPr>
-              </a:lvl2pPr>
-              <a:lvl3pPr marL="1143000" indent="-228600">
-                <a:defRPr>
-                  <a:solidFill>
-                    <a:schemeClr val="tx1"/>
-                  </a:solidFill>
-                  <a:latin typeface="Calibri" panose="020F0502020204030204" pitchFamily="34" charset="0"/>
-                </a:defRPr>
-              </a:lvl3pPr>
-              <a:lvl4pPr marL="1600200" indent="-228600">
-                <a:defRPr>
-                  <a:solidFill>
-                    <a:schemeClr val="tx1"/>
-                  </a:solidFill>
-                  <a:latin typeface="Calibri" panose="020F0502020204030204" pitchFamily="34" charset="0"/>
-                </a:defRPr>
-              </a:lvl4pPr>
-              <a:lvl5pPr marL="2057400" indent="-228600">
-                <a:defRPr>
-                  <a:solidFill>
-                    <a:schemeClr val="tx1"/>
-                  </a:solidFill>
-                  <a:latin typeface="Calibri" panose="020F0502020204030204" pitchFamily="34" charset="0"/>
-                </a:defRPr>
-              </a:lvl5pPr>
-              <a:lvl6pPr marL="2514600" indent="-228600" eaLnBrk="0" fontAlgn="base" hangingPunct="0">
-                <a:spcBef>
-                  <a:spcPct val="0"/>
-                </a:spcBef>
-                <a:spcAft>
-                  <a:spcPct val="0"/>
-                </a:spcAft>
-                <a:defRPr>
-                  <a:solidFill>
-                    <a:schemeClr val="tx1"/>
-                  </a:solidFill>
-                  <a:latin typeface="Calibri" panose="020F0502020204030204" pitchFamily="34" charset="0"/>
-                </a:defRPr>
-              </a:lvl6pPr>
-              <a:lvl7pPr marL="2971800" indent="-228600" eaLnBrk="0" fontAlgn="base" hangingPunct="0">
-                <a:spcBef>
-                  <a:spcPct val="0"/>
-                </a:spcBef>
-                <a:spcAft>
-                  <a:spcPct val="0"/>
-                </a:spcAft>
-                <a:defRPr>
-                  <a:solidFill>
-                    <a:schemeClr val="tx1"/>
-                  </a:solidFill>
-                  <a:latin typeface="Calibri" panose="020F0502020204030204" pitchFamily="34" charset="0"/>
-                </a:defRPr>
-              </a:lvl7pPr>
-              <a:lvl8pPr marL="3429000" indent="-228600" eaLnBrk="0" fontAlgn="base" hangingPunct="0">
-                <a:spcBef>
-                  <a:spcPct val="0"/>
-                </a:spcBef>
-                <a:spcAft>
-                  <a:spcPct val="0"/>
-                </a:spcAft>
-                <a:defRPr>
-                  <a:solidFill>
-                    <a:schemeClr val="tx1"/>
-                  </a:solidFill>
-                  <a:latin typeface="Calibri" panose="020F0502020204030204" pitchFamily="34" charset="0"/>
-                </a:defRPr>
-              </a:lvl8pPr>
-              <a:lvl9pPr marL="3886200" indent="-228600" eaLnBrk="0" fontAlgn="base" hangingPunct="0">
-                <a:spcBef>
-                  <a:spcPct val="0"/>
-                </a:spcBef>
-                <a:spcAft>
-                  <a:spcPct val="0"/>
-                </a:spcAft>
-                <a:defRPr>
-                  <a:solidFill>
-                    <a:schemeClr val="tx1"/>
-                  </a:solidFill>
-                  <a:latin typeface="Calibri" panose="020F0502020204030204" pitchFamily="34" charset="0"/>
-                </a:defRPr>
-              </a:lvl9pPr>
-            </a:lstStyle>
-            <a:p>
-              <a:pPr algn="just" eaLnBrk="1" hangingPunct="1">
-                <a:lnSpc>
-                  <a:spcPct val="120000"/>
-                </a:lnSpc>
-                <a:spcBef>
-                  <a:spcPts val="0"/>
-                </a:spcBef>
-                <a:spcAft>
-                  <a:spcPts val="0"/>
-                </a:spcAft>
-              </a:pPr>
-              <a:r>
-                <a:rPr lang="zh-CN" altLang="en-US" sz="1400" dirty="0">
-                  <a:solidFill>
-                    <a:schemeClr val="bg1">
-                      <a:lumMod val="65000"/>
+              <a:endParaRPr lang="zh-CN" altLang="en-US" sz="1800" dirty="0">
+                <a:ln/>
+                <a:solidFill>
+                  <a:schemeClr val="tx1"/>
+                </a:solidFill>
+                <a:effectLst>
+                  <a:outerShdw blurRad="38100" dist="19050" dir="2700000" algn="tl" rotWithShape="0">
+                    <a:schemeClr val="dk1">
+                      <a:alpha val="40000"/>
                     </a:schemeClr>
-                  </a:solidFill>
-                  <a:latin typeface="Arial" panose="020B0604020202090204" pitchFamily="34" charset="0"/>
-                  <a:ea typeface="微软雅黑" panose="020B0503020204020204" pitchFamily="34" charset="-122"/>
-                  <a:cs typeface="+mn-ea"/>
-                  <a:sym typeface="Arial" panose="020B0604020202090204" pitchFamily="34" charset="0"/>
-                </a:rPr>
-                <a:t>请替换文字内容</a:t>
-              </a:r>
-              <a:endParaRPr lang="id-ID" altLang="zh-CN" sz="1400" dirty="0">
-                <a:solidFill>
-                  <a:schemeClr val="bg1">
-                    <a:lumMod val="65000"/>
-                  </a:schemeClr>
-                </a:solidFill>
-                <a:latin typeface="Arial" panose="020B0604020202090204" pitchFamily="34" charset="0"/>
-                <a:ea typeface="微软雅黑" panose="020B0503020204020204" pitchFamily="34" charset="-122"/>
-                <a:cs typeface="+mn-ea"/>
-                <a:sym typeface="Arial" panose="020B0604020202090204" pitchFamily="34" charset="0"/>
-              </a:endParaRPr>
-            </a:p>
-            <a:p>
-              <a:pPr algn="just" eaLnBrk="1" hangingPunct="1">
-                <a:lnSpc>
-                  <a:spcPct val="120000"/>
-                </a:lnSpc>
-                <a:spcBef>
-                  <a:spcPts val="0"/>
-                </a:spcBef>
-                <a:spcAft>
-                  <a:spcPts val="0"/>
-                </a:spcAft>
-              </a:pPr>
-              <a:r>
-                <a:rPr lang="en-US" altLang="zh-CN" sz="800" dirty="0">
-                  <a:solidFill>
-                    <a:schemeClr val="bg1">
-                      <a:lumMod val="65000"/>
-                    </a:schemeClr>
-                  </a:solidFill>
-                  <a:latin typeface="Arial" panose="020B0604020202090204" pitchFamily="34" charset="0"/>
-                  <a:ea typeface="微软雅黑" panose="020B0503020204020204" pitchFamily="34" charset="-122"/>
-                  <a:cs typeface="+mn-ea"/>
-                  <a:sym typeface="Arial" panose="020B0604020202090204" pitchFamily="34" charset="0"/>
-                </a:rPr>
-                <a:t>Please replace text, click add relevant headline, modify the text content, also can copy your content to this directly.</a:t>
-              </a:r>
-              <a:endParaRPr lang="id-ID" altLang="zh-CN" sz="800" dirty="0">
-                <a:solidFill>
-                  <a:schemeClr val="bg1">
-                    <a:lumMod val="65000"/>
-                  </a:schemeClr>
-                </a:solidFill>
+                  </a:outerShdw>
+                </a:effectLst>
                 <a:latin typeface="Arial" panose="020B0604020202090204" pitchFamily="34" charset="0"/>
                 <a:ea typeface="微软雅黑" panose="020B0503020204020204" pitchFamily="34" charset="-122"/>
                 <a:cs typeface="+mn-ea"/>
@@ -13108,7 +14755,7 @@
         </p:blipFill>
         <p:spPr>
           <a:xfrm>
-            <a:off x="9720580" y="1901190"/>
+            <a:off x="8002905" y="1791970"/>
             <a:ext cx="731520" cy="731520"/>
           </a:xfrm>
           <a:prstGeom prst="rect">
@@ -13146,6 +14793,118 @@
           </a:prstGeom>
         </p:spPr>
       </p:pic>
+      <p:sp>
+        <p:nvSpPr>
+          <p:cNvPr id="5" name="文本框 4"/>
+          <p:cNvSpPr txBox="1"/>
+          <p:nvPr/>
+        </p:nvSpPr>
+        <p:spPr>
+          <a:xfrm>
+            <a:off x="3383915" y="1974850"/>
+            <a:ext cx="3821430" cy="583565"/>
+          </a:xfrm>
+          <a:prstGeom prst="rect">
+            <a:avLst/>
+          </a:prstGeom>
+          <a:noFill/>
+        </p:spPr>
+        <p:txBody>
+          <a:bodyPr wrap="square" rtlCol="0">
+            <a:spAutoFit/>
+            <a:scene3d>
+              <a:camera prst="orthographicFront"/>
+              <a:lightRig rig="threePt" dir="t"/>
+            </a:scene3d>
+          </a:bodyPr>
+          <a:p>
+            <a:r>
+              <a:rPr lang="zh-CN" altLang="en-US" sz="3200">
+                <a:ln/>
+                <a:solidFill>
+                  <a:schemeClr val="tx1"/>
+                </a:solidFill>
+                <a:effectLst>
+                  <a:outerShdw blurRad="38100" dist="19050" dir="2700000" algn="tl" rotWithShape="0">
+                    <a:schemeClr val="dk1">
+                      <a:alpha val="40000"/>
+                    </a:schemeClr>
+                  </a:outerShdw>
+                </a:effectLst>
+              </a:rPr>
+              <a:t>未解决的难点</a:t>
+            </a:r>
+            <a:endParaRPr lang="zh-CN" altLang="en-US" sz="3200">
+              <a:ln/>
+              <a:solidFill>
+                <a:schemeClr val="tx1"/>
+              </a:solidFill>
+              <a:effectLst>
+                <a:outerShdw blurRad="38100" dist="19050" dir="2700000" algn="tl" rotWithShape="0">
+                  <a:schemeClr val="dk1">
+                    <a:alpha val="40000"/>
+                  </a:schemeClr>
+                </a:outerShdw>
+              </a:effectLst>
+            </a:endParaRPr>
+          </a:p>
+        </p:txBody>
+      </p:sp>
+      <p:sp>
+        <p:nvSpPr>
+          <p:cNvPr id="8" name="文本框 7"/>
+          <p:cNvSpPr txBox="1"/>
+          <p:nvPr/>
+        </p:nvSpPr>
+        <p:spPr>
+          <a:xfrm>
+            <a:off x="9008745" y="1901190"/>
+            <a:ext cx="4753610" cy="583565"/>
+          </a:xfrm>
+          <a:prstGeom prst="rect">
+            <a:avLst/>
+          </a:prstGeom>
+          <a:noFill/>
+        </p:spPr>
+        <p:txBody>
+          <a:bodyPr wrap="square" rtlCol="0">
+            <a:spAutoFit/>
+            <a:scene3d>
+              <a:camera prst="orthographicFront"/>
+              <a:lightRig rig="threePt" dir="t"/>
+            </a:scene3d>
+          </a:bodyPr>
+          <a:p>
+            <a:r>
+              <a:rPr lang="zh-CN" altLang="en-US" sz="3200">
+                <a:solidFill>
+                  <a:schemeClr val="tx1"/>
+                </a:solidFill>
+                <a:effectLst>
+                  <a:outerShdw blurRad="38100" dist="19050" dir="2700000" algn="tl" rotWithShape="0">
+                    <a:schemeClr val="dk1">
+                      <a:alpha val="40000"/>
+                    </a:schemeClr>
+                  </a:outerShdw>
+                </a:effectLst>
+              </a:rPr>
+              <a:t>已解决的难点</a:t>
+            </a:r>
+            <a:endParaRPr lang="zh-CN" altLang="en-US" sz="3200">
+              <a:solidFill>
+                <a:schemeClr val="tx1"/>
+              </a:solidFill>
+              <a:effectLst>
+                <a:outerShdw blurRad="38100" dist="19050" dir="2700000" algn="tl" rotWithShape="0">
+                  <a:schemeClr val="dk1">
+                    <a:alpha val="40000"/>
+                  </a:schemeClr>
+                </a:outerShdw>
+              </a:effectLst>
+            </a:endParaRPr>
+          </a:p>
+        </p:txBody>
+      </p:sp>
     </p:spTree>
   </p:cSld>
   <p:clrMapOvr>
@@ -13169,7 +14928,7 @@
 </p:sld>
 </file>
 
-<file path=ppt/slides/slide14.xml><?xml version="1.0" encoding="utf-8"?>
+<file path=ppt/slides/slide16.xml><?xml version="1.0" encoding="utf-8"?>
 <p:sld xmlns:a="http://schemas.openxmlformats.org/drawingml/2006/main" xmlns:r="http://schemas.openxmlformats.org/officeDocument/2006/relationships" xmlns:p="http://schemas.openxmlformats.org/presentationml/2006/main">
   <p:cSld>
     <p:spTree>
@@ -13609,7 +15368,7 @@
 </p:sld>
 </file>
 
-<file path=ppt/slides/slide15.xml><?xml version="1.0" encoding="utf-8"?>
+<file path=ppt/slides/slide17.xml><?xml version="1.0" encoding="utf-8"?>
 <p:sld xmlns:a="http://schemas.openxmlformats.org/drawingml/2006/main" xmlns:r="http://schemas.openxmlformats.org/officeDocument/2006/relationships" xmlns:p="http://schemas.openxmlformats.org/presentationml/2006/main">
   <p:cSld>
     <p:spTree>
@@ -13867,7 +15626,7 @@
 </p:sld>
 </file>
 
-<file path=ppt/slides/slide16.xml><?xml version="1.0" encoding="utf-8"?>
+<file path=ppt/slides/slide18.xml><?xml version="1.0" encoding="utf-8"?>
 <p:sld xmlns:a="http://schemas.openxmlformats.org/drawingml/2006/main" xmlns:r="http://schemas.openxmlformats.org/officeDocument/2006/relationships" xmlns:p="http://schemas.openxmlformats.org/presentationml/2006/main">
   <p:cSld>
     <p:spTree>
@@ -14113,7 +15872,7 @@
 </p:sld>
 </file>
 
-<file path=ppt/slides/slide17.xml><?xml version="1.0" encoding="utf-8"?>
+<file path=ppt/slides/slide19.xml><?xml version="1.0" encoding="utf-8"?>
 <p:sld xmlns:a="http://schemas.openxmlformats.org/drawingml/2006/main" xmlns:r="http://schemas.openxmlformats.org/officeDocument/2006/relationships" xmlns:p="http://schemas.openxmlformats.org/presentationml/2006/main">
   <p:cSld>
     <p:spTree>
@@ -28450,6 +30209,31 @@
           </a:prstGeom>
         </p:spPr>
       </p:pic>
+      <p:pic>
+        <p:nvPicPr>
+          <p:cNvPr id="3" name="图片 2" descr="UML"/>
+          <p:cNvPicPr>
+            <a:picLocks noChangeAspect="1"/>
+          </p:cNvPicPr>
+          <p:nvPr/>
+        </p:nvPicPr>
+        <p:blipFill>
+          <a:blip r:embed="rId3"/>
+          <a:srcRect b="54944"/>
+          <a:stretch>
+            <a:fillRect/>
+          </a:stretch>
+        </p:blipFill>
+        <p:spPr>
+          <a:xfrm>
+            <a:off x="1400175" y="1583690"/>
+            <a:ext cx="10058400" cy="4288155"/>
+          </a:xfrm>
+          <a:prstGeom prst="rect">
+            <a:avLst/>
+          </a:prstGeom>
+        </p:spPr>
+      </p:pic>
     </p:spTree>
   </p:cSld>
   <p:clrMapOvr>
@@ -28913,6 +30697,31 @@
           <a:xfrm>
             <a:off x="699770" y="353695"/>
             <a:ext cx="1178560" cy="980440"/>
+          </a:xfrm>
+          <a:prstGeom prst="rect">
+            <a:avLst/>
+          </a:prstGeom>
+        </p:spPr>
+      </p:pic>
+      <p:pic>
+        <p:nvPicPr>
+          <p:cNvPr id="3" name="图片 2" descr="UML"/>
+          <p:cNvPicPr>
+            <a:picLocks noChangeAspect="1"/>
+          </p:cNvPicPr>
+          <p:nvPr/>
+        </p:nvPicPr>
+        <p:blipFill>
+          <a:blip r:embed="rId3"/>
+          <a:srcRect t="33934"/>
+          <a:stretch>
+            <a:fillRect/>
+          </a:stretch>
+        </p:blipFill>
+        <p:spPr>
+          <a:xfrm>
+            <a:off x="1878330" y="1036955"/>
+            <a:ext cx="10058400" cy="6287770"/>
           </a:xfrm>
           <a:prstGeom prst="rect">
             <a:avLst/>

--- a/javaPPT.pptx
+++ b/javaPPT.pptx
@@ -8,7 +8,7 @@
     <p:notesMasterId r:id="rId4"/>
   </p:notesMasterIdLst>
   <p:handoutMasterIdLst>
-    <p:handoutMasterId r:id="rId23"/>
+    <p:handoutMasterId r:id="rId24"/>
   </p:handoutMasterIdLst>
   <p:sldIdLst>
     <p:sldId id="4249" r:id="rId3"/>
@@ -26,10 +26,11 @@
     <p:sldId id="4316" r:id="rId16"/>
     <p:sldId id="4277" r:id="rId17"/>
     <p:sldId id="4299" r:id="rId18"/>
-    <p:sldId id="4279" r:id="rId19"/>
-    <p:sldId id="4276" r:id="rId20"/>
-    <p:sldId id="4298" r:id="rId21"/>
-    <p:sldId id="4280" r:id="rId22"/>
+    <p:sldId id="4326" r:id="rId19"/>
+    <p:sldId id="4279" r:id="rId20"/>
+    <p:sldId id="4276" r:id="rId21"/>
+    <p:sldId id="4298" r:id="rId22"/>
+    <p:sldId id="4280" r:id="rId23"/>
   </p:sldIdLst>
   <p:sldSz cx="12858750" cy="7232650"/>
   <p:notesSz cx="6858000" cy="9144000"/>
@@ -1642,6 +1643,84 @@
 </p:notes>
 </file>
 
+<file path=ppt/notesSlides/notesSlide20.xml><?xml version="1.0" encoding="utf-8"?>
+<p:notes xmlns:a="http://schemas.openxmlformats.org/drawingml/2006/main" xmlns:r="http://schemas.openxmlformats.org/officeDocument/2006/relationships" xmlns:p="http://schemas.openxmlformats.org/presentationml/2006/main">
+  <p:cSld>
+    <p:spTree>
+      <p:nvGrpSpPr>
+        <p:cNvPr id="1" name=""/>
+        <p:cNvGrpSpPr/>
+        <p:nvPr/>
+      </p:nvGrpSpPr>
+      <p:grpSpPr>
+        <a:xfrm>
+          <a:off x="0" y="0"/>
+          <a:ext cx="0" cy="0"/>
+          <a:chOff x="0" y="0"/>
+          <a:chExt cx="0" cy="0"/>
+        </a:xfrm>
+      </p:grpSpPr>
+      <p:sp>
+        <p:nvSpPr>
+          <p:cNvPr id="2" name="幻灯片图像占位符 1"/>
+          <p:cNvSpPr>
+            <a:spLocks noGrp="1" noRot="1" noChangeAspect="1"/>
+          </p:cNvSpPr>
+          <p:nvPr>
+            <p:ph type="sldImg"/>
+          </p:nvPr>
+        </p:nvSpPr>
+        <p:spPr/>
+      </p:sp>
+      <p:sp>
+        <p:nvSpPr>
+          <p:cNvPr id="3" name="备注占位符 2"/>
+          <p:cNvSpPr>
+            <a:spLocks noGrp="1"/>
+          </p:cNvSpPr>
+          <p:nvPr>
+            <p:ph type="body" idx="1"/>
+          </p:nvPr>
+        </p:nvSpPr>
+        <p:spPr/>
+        <p:txBody>
+          <a:bodyPr/>
+          <a:lstStyle/>
+          <a:p>
+            <a:endParaRPr lang="zh-CN" altLang="en-US"/>
+          </a:p>
+        </p:txBody>
+      </p:sp>
+      <p:sp>
+        <p:nvSpPr>
+          <p:cNvPr id="4" name="灯片编号占位符 3"/>
+          <p:cNvSpPr>
+            <a:spLocks noGrp="1"/>
+          </p:cNvSpPr>
+          <p:nvPr>
+            <p:ph type="sldNum" sz="quarter" idx="10"/>
+          </p:nvPr>
+        </p:nvSpPr>
+        <p:spPr/>
+        <p:txBody>
+          <a:bodyPr/>
+          <a:lstStyle/>
+          <a:p>
+            <a:fld id="{418F03C3-53C1-4F10-8DAF-D1F318E96C6E}" type="slidenum">
+              <a:rPr lang="zh-CN" altLang="en-US" smtClean="0"/>
+            </a:fld>
+            <a:endParaRPr lang="zh-CN" altLang="en-US"/>
+          </a:p>
+        </p:txBody>
+      </p:sp>
+    </p:spTree>
+  </p:cSld>
+  <p:clrMapOvr>
+    <a:masterClrMapping/>
+  </p:clrMapOvr>
+</p:notes>
+</file>
+
 <file path=ppt/notesSlides/notesSlide3.xml><?xml version="1.0" encoding="utf-8"?>
 <p:notes xmlns:a="http://schemas.openxmlformats.org/drawingml/2006/main" xmlns:r="http://schemas.openxmlformats.org/officeDocument/2006/relationships" xmlns:p="http://schemas.openxmlformats.org/presentationml/2006/main">
   <p:cSld>
@@ -14396,7 +14475,6 @@
               </a:pPr>
               <a:r>
                 <a:rPr lang="zh-CN" altLang="en-US" sz="1800" dirty="0">
-                  <a:ln/>
                   <a:solidFill>
                     <a:schemeClr val="tx1"/>
                   </a:solidFill>
@@ -14415,7 +14493,6 @@
                 <a:t>无法显示他人头像</a:t>
               </a:r>
               <a:endParaRPr lang="zh-CN" altLang="en-US" sz="1800" dirty="0">
-                <a:ln/>
                 <a:solidFill>
                   <a:schemeClr val="tx1"/>
                 </a:solidFill>
@@ -14446,7 +14523,6 @@
               </a:pPr>
               <a:r>
                 <a:rPr lang="zh-CN" altLang="en-US" sz="1800" dirty="0">
-                  <a:ln/>
                   <a:solidFill>
                     <a:schemeClr val="tx1"/>
                   </a:solidFill>
@@ -14465,7 +14541,6 @@
                 <a:t>解决方案：需要在 User Model 加入头像类 ImageView</a:t>
               </a:r>
               <a:endParaRPr lang="zh-CN" altLang="en-US" sz="1800" dirty="0">
-                <a:ln/>
                 <a:solidFill>
                   <a:schemeClr val="tx1"/>
                 </a:solidFill>
@@ -14644,7 +14719,6 @@
               </a:pPr>
               <a:r>
                 <a:rPr lang="zh-CN" altLang="en-US" sz="1800" dirty="0">
-                  <a:ln/>
                   <a:solidFill>
                     <a:schemeClr val="tx1"/>
                   </a:solidFill>
@@ -14663,7 +14737,6 @@
                 <a:t>full name 只在简介出现而非用户界面与聊天室，登录实际上用的 username</a:t>
               </a:r>
               <a:endParaRPr lang="zh-CN" altLang="en-US" sz="1800" dirty="0">
-                <a:ln/>
                 <a:solidFill>
                   <a:schemeClr val="tx1"/>
                 </a:solidFill>
@@ -14694,7 +14767,6 @@
               </a:pPr>
               <a:r>
                 <a:rPr lang="zh-CN" altLang="en-US" sz="1800" dirty="0">
-                  <a:ln/>
                   <a:solidFill>
                     <a:schemeClr val="tx1"/>
                   </a:solidFill>
@@ -14713,7 +14785,6 @@
                 <a:t>解决后：聊天界面标题显示 username，头像下方为 nickname，聊天均采用 nickname</a:t>
               </a:r>
               <a:endParaRPr lang="zh-CN" altLang="en-US" sz="1800" dirty="0">
-                <a:ln/>
                 <a:solidFill>
                   <a:schemeClr val="tx1"/>
                 </a:solidFill>
@@ -14820,7 +14891,6 @@
           <a:p>
             <a:r>
               <a:rPr lang="zh-CN" altLang="en-US" sz="3200">
-                <a:ln/>
                 <a:solidFill>
                   <a:schemeClr val="tx1"/>
                 </a:solidFill>
@@ -14835,7 +14905,6 @@
               <a:t>未解决的难点</a:t>
             </a:r>
             <a:endParaRPr lang="zh-CN" altLang="en-US" sz="3200">
-              <a:ln/>
               <a:solidFill>
                 <a:schemeClr val="tx1"/>
               </a:solidFill>
@@ -14929,6 +14998,951 @@
 </file>
 
 <file path=ppt/slides/slide16.xml><?xml version="1.0" encoding="utf-8"?>
+<p:sld xmlns:a="http://schemas.openxmlformats.org/drawingml/2006/main" xmlns:r="http://schemas.openxmlformats.org/officeDocument/2006/relationships" xmlns:p="http://schemas.openxmlformats.org/presentationml/2006/main">
+  <p:cSld>
+    <p:spTree>
+      <p:nvGrpSpPr>
+        <p:cNvPr id="1" name=""/>
+        <p:cNvGrpSpPr/>
+        <p:nvPr/>
+      </p:nvGrpSpPr>
+      <p:grpSpPr>
+        <a:xfrm>
+          <a:off x="0" y="0"/>
+          <a:ext cx="0" cy="0"/>
+          <a:chOff x="0" y="0"/>
+          <a:chExt cx="0" cy="0"/>
+        </a:xfrm>
+      </p:grpSpPr>
+      <p:sp>
+        <p:nvSpPr>
+          <p:cNvPr id="11" name="Shape 1852"/>
+          <p:cNvSpPr/>
+          <p:nvPr/>
+        </p:nvSpPr>
+        <p:spPr>
+          <a:xfrm>
+            <a:off x="5359181" y="1955513"/>
+            <a:ext cx="947691" cy="947691"/>
+          </a:xfrm>
+          <a:custGeom>
+            <a:avLst/>
+            <a:gdLst/>
+            <a:ahLst/>
+            <a:cxnLst>
+              <a:cxn ang="0">
+                <a:pos x="wd2" y="hd2"/>
+              </a:cxn>
+              <a:cxn ang="5400000">
+                <a:pos x="wd2" y="hd2"/>
+              </a:cxn>
+              <a:cxn ang="10800000">
+                <a:pos x="wd2" y="hd2"/>
+              </a:cxn>
+              <a:cxn ang="16200000">
+                <a:pos x="wd2" y="hd2"/>
+              </a:cxn>
+            </a:cxnLst>
+            <a:rect l="0" t="0" r="r" b="b"/>
+            <a:pathLst>
+              <a:path w="19679" h="19679" extrusionOk="0">
+                <a:moveTo>
+                  <a:pt x="16796" y="2882"/>
+                </a:moveTo>
+                <a:cubicBezTo>
+                  <a:pt x="20639" y="6724"/>
+                  <a:pt x="20639" y="12954"/>
+                  <a:pt x="16796" y="16796"/>
+                </a:cubicBezTo>
+                <a:cubicBezTo>
+                  <a:pt x="12954" y="20639"/>
+                  <a:pt x="6724" y="20639"/>
+                  <a:pt x="2882" y="16796"/>
+                </a:cubicBezTo>
+                <a:cubicBezTo>
+                  <a:pt x="-961" y="12954"/>
+                  <a:pt x="-961" y="6724"/>
+                  <a:pt x="2882" y="2882"/>
+                </a:cubicBezTo>
+                <a:cubicBezTo>
+                  <a:pt x="6724" y="-961"/>
+                  <a:pt x="12954" y="-961"/>
+                  <a:pt x="16796" y="2882"/>
+                </a:cubicBezTo>
+                <a:close/>
+              </a:path>
+            </a:pathLst>
+          </a:custGeom>
+          <a:solidFill>
+            <a:schemeClr val="accent1"/>
+          </a:solidFill>
+          <a:ln w="12700" cap="flat">
+            <a:noFill/>
+            <a:miter lim="400000"/>
+          </a:ln>
+          <a:effectLst/>
+        </p:spPr>
+        <p:txBody>
+          <a:bodyPr wrap="square" lIns="26788" tIns="26788" rIns="26788" bIns="26788" numCol="1" anchor="ctr">
+            <a:noAutofit/>
+          </a:bodyPr>
+          <a:lstStyle/>
+          <a:p>
+            <a:pPr>
+              <a:lnSpc>
+                <a:spcPct val="120000"/>
+              </a:lnSpc>
+            </a:pPr>
+            <a:endParaRPr sz="1845">
+              <a:solidFill>
+                <a:srgbClr val="53585F"/>
+              </a:solidFill>
+              <a:latin typeface="微软雅黑" panose="020B0503020204020204" pitchFamily="34" charset="-122"/>
+              <a:ea typeface="微软雅黑" panose="020B0503020204020204" pitchFamily="34" charset="-122"/>
+              <a:sym typeface="Arial" panose="020B0604020202090204" pitchFamily="34" charset="0"/>
+            </a:endParaRPr>
+          </a:p>
+        </p:txBody>
+      </p:sp>
+      <p:pic>
+        <p:nvPicPr>
+          <p:cNvPr id="2" name="图片 1" descr="中山大学logo"/>
+          <p:cNvPicPr>
+            <a:picLocks noChangeAspect="1"/>
+          </p:cNvPicPr>
+          <p:nvPr/>
+        </p:nvPicPr>
+        <p:blipFill>
+          <a:blip r:embed="rId1"/>
+          <a:stretch>
+            <a:fillRect/>
+          </a:stretch>
+        </p:blipFill>
+        <p:spPr>
+          <a:xfrm>
+            <a:off x="11608435" y="243205"/>
+            <a:ext cx="793750" cy="793750"/>
+          </a:xfrm>
+          <a:prstGeom prst="rect">
+            <a:avLst/>
+          </a:prstGeom>
+        </p:spPr>
+      </p:pic>
+      <p:sp>
+        <p:nvSpPr>
+          <p:cNvPr id="3" name="TextBox 8"/>
+          <p:cNvSpPr txBox="1"/>
+          <p:nvPr/>
+        </p:nvSpPr>
+        <p:spPr>
+          <a:xfrm>
+            <a:off x="2021205" y="318770"/>
+            <a:ext cx="8232140" cy="1015365"/>
+          </a:xfrm>
+          <a:prstGeom prst="rect">
+            <a:avLst/>
+          </a:prstGeom>
+          <a:noFill/>
+        </p:spPr>
+        <p:txBody>
+          <a:bodyPr wrap="square" lIns="0" tIns="0" rIns="0" bIns="0" rtlCol="0" anchor="ctr">
+            <a:spAutoFit/>
+            <a:scene3d>
+              <a:camera prst="orthographicFront"/>
+              <a:lightRig rig="threePt" dir="t"/>
+            </a:scene3d>
+          </a:bodyPr>
+          <a:p>
+            <a:pPr algn="l"/>
+            <a:r>
+              <a:rPr lang="en-US" sz="6600" dirty="0">
+                <a:solidFill>
+                  <a:schemeClr val="accent1"/>
+                </a:solidFill>
+                <a:effectLst>
+                  <a:outerShdw blurRad="38100" dist="25400" dir="5400000" algn="ctr" rotWithShape="0">
+                    <a:srgbClr val="6E747A">
+                      <a:alpha val="43000"/>
+                    </a:srgbClr>
+                  </a:outerShdw>
+                </a:effectLst>
+                <a:latin typeface="Arial" panose="020B0604020202090204" pitchFamily="34" charset="0"/>
+                <a:ea typeface="微软雅黑" panose="020B0503020204020204" pitchFamily="34" charset="-122"/>
+                <a:cs typeface="+mn-ea"/>
+                <a:sym typeface="Arial" panose="020B0604020202090204" pitchFamily="34" charset="0"/>
+              </a:rPr>
+              <a:t> </a:t>
+            </a:r>
+            <a:r>
+              <a:rPr lang="zh-CN" altLang="en-US" sz="6600" dirty="0">
+                <a:solidFill>
+                  <a:schemeClr val="accent1"/>
+                </a:solidFill>
+                <a:effectLst>
+                  <a:outerShdw blurRad="38100" dist="25400" dir="5400000" algn="ctr" rotWithShape="0">
+                    <a:srgbClr val="6E747A">
+                      <a:alpha val="43000"/>
+                    </a:srgbClr>
+                  </a:outerShdw>
+                </a:effectLst>
+                <a:latin typeface="Arial" panose="020B0604020202090204" pitchFamily="34" charset="0"/>
+                <a:ea typeface="微软雅黑" panose="020B0503020204020204" pitchFamily="34" charset="-122"/>
+                <a:cs typeface="+mn-ea"/>
+                <a:sym typeface="Arial" panose="020B0604020202090204" pitchFamily="34" charset="0"/>
+              </a:rPr>
+              <a:t>存在的不足与展望</a:t>
+            </a:r>
+            <a:endParaRPr lang="zh-CN" altLang="en-US" sz="6600" dirty="0">
+              <a:solidFill>
+                <a:schemeClr val="accent1"/>
+              </a:solidFill>
+              <a:effectLst>
+                <a:outerShdw blurRad="38100" dist="25400" dir="5400000" algn="ctr" rotWithShape="0">
+                  <a:srgbClr val="6E747A">
+                    <a:alpha val="43000"/>
+                  </a:srgbClr>
+                </a:outerShdw>
+              </a:effectLst>
+              <a:latin typeface="Arial" panose="020B0604020202090204" pitchFamily="34" charset="0"/>
+              <a:ea typeface="微软雅黑" panose="020B0503020204020204" pitchFamily="34" charset="-122"/>
+              <a:cs typeface="+mn-ea"/>
+              <a:sym typeface="Arial" panose="020B0604020202090204" pitchFamily="34" charset="0"/>
+            </a:endParaRPr>
+          </a:p>
+        </p:txBody>
+      </p:sp>
+      <p:pic>
+        <p:nvPicPr>
+          <p:cNvPr id="7" name="图片 6" descr="Chat"/>
+          <p:cNvPicPr>
+            <a:picLocks noChangeAspect="1"/>
+          </p:cNvPicPr>
+          <p:nvPr/>
+        </p:nvPicPr>
+        <p:blipFill>
+          <a:blip r:embed="rId2"/>
+          <a:stretch>
+            <a:fillRect/>
+          </a:stretch>
+        </p:blipFill>
+        <p:spPr>
+          <a:xfrm>
+            <a:off x="699770" y="353695"/>
+            <a:ext cx="1178560" cy="980440"/>
+          </a:xfrm>
+          <a:prstGeom prst="rect">
+            <a:avLst/>
+          </a:prstGeom>
+        </p:spPr>
+      </p:pic>
+      <p:sp>
+        <p:nvSpPr>
+          <p:cNvPr id="35" name="Rounded Rectangle 10"/>
+          <p:cNvSpPr>
+            <a:spLocks noChangeAspect="1"/>
+          </p:cNvSpPr>
+          <p:nvPr/>
+        </p:nvSpPr>
+        <p:spPr>
+          <a:xfrm>
+            <a:off x="4272750" y="4199355"/>
+            <a:ext cx="591001" cy="591002"/>
+          </a:xfrm>
+          <a:prstGeom prst="roundRect">
+            <a:avLst/>
+          </a:prstGeom>
+          <a:solidFill>
+            <a:schemeClr val="accent2"/>
+          </a:solidFill>
+          <a:ln w="50800">
+            <a:noFill/>
+          </a:ln>
+        </p:spPr>
+        <p:style>
+          <a:lnRef idx="2">
+            <a:schemeClr val="accent1">
+              <a:shade val="50000"/>
+            </a:schemeClr>
+          </a:lnRef>
+          <a:fillRef idx="1">
+            <a:schemeClr val="accent1"/>
+          </a:fillRef>
+          <a:effectRef idx="0">
+            <a:schemeClr val="accent1"/>
+          </a:effectRef>
+          <a:fontRef idx="minor">
+            <a:schemeClr val="lt1"/>
+          </a:fontRef>
+        </p:style>
+        <p:txBody>
+          <a:bodyPr lIns="0" tIns="0" rIns="0" bIns="0" anchor="ctr"/>
+          <a:lstStyle/>
+          <a:p>
+            <a:pPr algn="ctr" eaLnBrk="1" hangingPunct="1">
+              <a:lnSpc>
+                <a:spcPct val="120000"/>
+              </a:lnSpc>
+              <a:spcBef>
+                <a:spcPts val="0"/>
+              </a:spcBef>
+              <a:spcAft>
+                <a:spcPts val="0"/>
+              </a:spcAft>
+              <a:defRPr/>
+            </a:pPr>
+            <a:r>
+              <a:rPr lang="en-US" altLang="zh-CN" sz="1400" dirty="0">
+                <a:solidFill>
+                  <a:srgbClr val="FFFFFF"/>
+                </a:solidFill>
+                <a:latin typeface="Arial" panose="020B0604020202090204" pitchFamily="34" charset="0"/>
+                <a:ea typeface="微软雅黑" panose="020B0503020204020204" pitchFamily="34" charset="-122"/>
+                <a:cs typeface="+mn-ea"/>
+                <a:sym typeface="Arial" panose="020B0604020202090204" pitchFamily="34" charset="0"/>
+              </a:rPr>
+              <a:t>02</a:t>
+            </a:r>
+            <a:endParaRPr lang="zh-CN" altLang="zh-CN" sz="1400" dirty="0">
+              <a:solidFill>
+                <a:srgbClr val="FFFFFF"/>
+              </a:solidFill>
+              <a:latin typeface="Arial" panose="020B0604020202090204" pitchFamily="34" charset="0"/>
+              <a:ea typeface="微软雅黑" panose="020B0503020204020204" pitchFamily="34" charset="-122"/>
+              <a:cs typeface="+mn-ea"/>
+              <a:sym typeface="Arial" panose="020B0604020202090204" pitchFamily="34" charset="0"/>
+            </a:endParaRPr>
+          </a:p>
+        </p:txBody>
+      </p:sp>
+      <p:sp>
+        <p:nvSpPr>
+          <p:cNvPr id="37" name="Rounded Rectangle 14"/>
+          <p:cNvSpPr>
+            <a:spLocks noChangeAspect="1"/>
+          </p:cNvSpPr>
+          <p:nvPr/>
+        </p:nvSpPr>
+        <p:spPr>
+          <a:xfrm>
+            <a:off x="4284469" y="3439258"/>
+            <a:ext cx="592675" cy="592675"/>
+          </a:xfrm>
+          <a:prstGeom prst="roundRect">
+            <a:avLst/>
+          </a:prstGeom>
+          <a:solidFill>
+            <a:schemeClr val="accent1"/>
+          </a:solidFill>
+          <a:ln w="50800">
+            <a:noFill/>
+          </a:ln>
+        </p:spPr>
+        <p:style>
+          <a:lnRef idx="2">
+            <a:schemeClr val="accent1">
+              <a:shade val="50000"/>
+            </a:schemeClr>
+          </a:lnRef>
+          <a:fillRef idx="1">
+            <a:schemeClr val="accent1"/>
+          </a:fillRef>
+          <a:effectRef idx="0">
+            <a:schemeClr val="accent1"/>
+          </a:effectRef>
+          <a:fontRef idx="minor">
+            <a:schemeClr val="lt1"/>
+          </a:fontRef>
+        </p:style>
+        <p:txBody>
+          <a:bodyPr lIns="0" tIns="0" rIns="0" bIns="0" anchor="ctr"/>
+          <a:lstStyle/>
+          <a:p>
+            <a:pPr algn="ctr" eaLnBrk="1" hangingPunct="1">
+              <a:lnSpc>
+                <a:spcPct val="120000"/>
+              </a:lnSpc>
+              <a:spcBef>
+                <a:spcPts val="0"/>
+              </a:spcBef>
+              <a:spcAft>
+                <a:spcPts val="0"/>
+              </a:spcAft>
+              <a:defRPr/>
+            </a:pPr>
+            <a:r>
+              <a:rPr lang="en-US" altLang="zh-CN" sz="1400" dirty="0">
+                <a:solidFill>
+                  <a:srgbClr val="FFFFFF"/>
+                </a:solidFill>
+                <a:latin typeface="Arial" panose="020B0604020202090204" pitchFamily="34" charset="0"/>
+                <a:ea typeface="微软雅黑" panose="020B0503020204020204" pitchFamily="34" charset="-122"/>
+                <a:cs typeface="+mn-ea"/>
+                <a:sym typeface="Arial" panose="020B0604020202090204" pitchFamily="34" charset="0"/>
+              </a:rPr>
+              <a:t>01</a:t>
+            </a:r>
+            <a:endParaRPr lang="zh-CN" altLang="zh-CN" sz="1400" dirty="0">
+              <a:solidFill>
+                <a:srgbClr val="FFFFFF"/>
+              </a:solidFill>
+              <a:latin typeface="Arial" panose="020B0604020202090204" pitchFamily="34" charset="0"/>
+              <a:ea typeface="微软雅黑" panose="020B0503020204020204" pitchFamily="34" charset="-122"/>
+              <a:cs typeface="+mn-ea"/>
+              <a:sym typeface="Arial" panose="020B0604020202090204" pitchFamily="34" charset="0"/>
+            </a:endParaRPr>
+          </a:p>
+        </p:txBody>
+      </p:sp>
+      <p:grpSp>
+        <p:nvGrpSpPr>
+          <p:cNvPr id="38" name="Group 25"/>
+          <p:cNvGrpSpPr/>
+          <p:nvPr/>
+        </p:nvGrpSpPr>
+        <p:grpSpPr bwMode="auto">
+          <a:xfrm>
+            <a:off x="4944110" y="3423920"/>
+            <a:ext cx="3336925" cy="1365935"/>
+            <a:chOff x="7045224" y="2078155"/>
+            <a:chExt cx="4137667" cy="1295900"/>
+          </a:xfrm>
+        </p:grpSpPr>
+        <p:sp>
+          <p:nvSpPr>
+            <p:cNvPr id="39" name="TextBox 26"/>
+            <p:cNvSpPr txBox="1">
+              <a:spLocks noChangeArrowheads="1"/>
+            </p:cNvSpPr>
+            <p:nvPr/>
+          </p:nvSpPr>
+          <p:spPr bwMode="auto">
+            <a:xfrm>
+              <a:off x="7045224" y="2078155"/>
+              <a:ext cx="4137667" cy="419902"/>
+            </a:xfrm>
+            <a:prstGeom prst="rect">
+              <a:avLst/>
+            </a:prstGeom>
+            <a:noFill/>
+            <a:ln>
+              <a:noFill/>
+            </a:ln>
+            <a:extLst>
+              <a:ext uri="{909E8E84-426E-40DD-AFC4-6F175D3DCCD1}">
+                <a14:hiddenFill xmlns:a14="http://schemas.microsoft.com/office/drawing/2010/main">
+                  <a:solidFill>
+                    <a:srgbClr val="FFFFFF"/>
+                  </a:solidFill>
+                </a14:hiddenFill>
+              </a:ext>
+              <a:ext uri="{91240B29-F687-4F45-9708-019B960494DF}">
+                <a14:hiddenLine xmlns:a14="http://schemas.microsoft.com/office/drawing/2010/main" w="9525">
+                  <a:solidFill>
+                    <a:srgbClr val="000000"/>
+                  </a:solidFill>
+                  <a:miter lim="800000"/>
+                  <a:headEnd/>
+                  <a:tailEnd/>
+                </a14:hiddenLine>
+              </a:ext>
+            </a:extLst>
+          </p:spPr>
+          <p:txBody>
+            <a:bodyPr lIns="0" tIns="0" rIns="0" bIns="0">
+              <a:spAutoFit/>
+            </a:bodyPr>
+            <a:lstStyle>
+              <a:lvl1pPr>
+                <a:defRPr>
+                  <a:solidFill>
+                    <a:schemeClr val="tx1"/>
+                  </a:solidFill>
+                  <a:latin typeface="Calibri" panose="020F0502020204030204" pitchFamily="34" charset="0"/>
+                </a:defRPr>
+              </a:lvl1pPr>
+              <a:lvl2pPr marL="742950" indent="-285750">
+                <a:defRPr>
+                  <a:solidFill>
+                    <a:schemeClr val="tx1"/>
+                  </a:solidFill>
+                  <a:latin typeface="Calibri" panose="020F0502020204030204" pitchFamily="34" charset="0"/>
+                </a:defRPr>
+              </a:lvl2pPr>
+              <a:lvl3pPr marL="1143000" indent="-228600">
+                <a:defRPr>
+                  <a:solidFill>
+                    <a:schemeClr val="tx1"/>
+                  </a:solidFill>
+                  <a:latin typeface="Calibri" panose="020F0502020204030204" pitchFamily="34" charset="0"/>
+                </a:defRPr>
+              </a:lvl3pPr>
+              <a:lvl4pPr marL="1600200" indent="-228600">
+                <a:defRPr>
+                  <a:solidFill>
+                    <a:schemeClr val="tx1"/>
+                  </a:solidFill>
+                  <a:latin typeface="Calibri" panose="020F0502020204030204" pitchFamily="34" charset="0"/>
+                </a:defRPr>
+              </a:lvl4pPr>
+              <a:lvl5pPr marL="2057400" indent="-228600">
+                <a:defRPr>
+                  <a:solidFill>
+                    <a:schemeClr val="tx1"/>
+                  </a:solidFill>
+                  <a:latin typeface="Calibri" panose="020F0502020204030204" pitchFamily="34" charset="0"/>
+                </a:defRPr>
+              </a:lvl5pPr>
+              <a:lvl6pPr marL="2514600" indent="-228600" eaLnBrk="0" fontAlgn="base" hangingPunct="0">
+                <a:spcBef>
+                  <a:spcPct val="0"/>
+                </a:spcBef>
+                <a:spcAft>
+                  <a:spcPct val="0"/>
+                </a:spcAft>
+                <a:defRPr>
+                  <a:solidFill>
+                    <a:schemeClr val="tx1"/>
+                  </a:solidFill>
+                  <a:latin typeface="Calibri" panose="020F0502020204030204" pitchFamily="34" charset="0"/>
+                </a:defRPr>
+              </a:lvl6pPr>
+              <a:lvl7pPr marL="2971800" indent="-228600" eaLnBrk="0" fontAlgn="base" hangingPunct="0">
+                <a:spcBef>
+                  <a:spcPct val="0"/>
+                </a:spcBef>
+                <a:spcAft>
+                  <a:spcPct val="0"/>
+                </a:spcAft>
+                <a:defRPr>
+                  <a:solidFill>
+                    <a:schemeClr val="tx1"/>
+                  </a:solidFill>
+                  <a:latin typeface="Calibri" panose="020F0502020204030204" pitchFamily="34" charset="0"/>
+                </a:defRPr>
+              </a:lvl7pPr>
+              <a:lvl8pPr marL="3429000" indent="-228600" eaLnBrk="0" fontAlgn="base" hangingPunct="0">
+                <a:spcBef>
+                  <a:spcPct val="0"/>
+                </a:spcBef>
+                <a:spcAft>
+                  <a:spcPct val="0"/>
+                </a:spcAft>
+                <a:defRPr>
+                  <a:solidFill>
+                    <a:schemeClr val="tx1"/>
+                  </a:solidFill>
+                  <a:latin typeface="Calibri" panose="020F0502020204030204" pitchFamily="34" charset="0"/>
+                </a:defRPr>
+              </a:lvl8pPr>
+              <a:lvl9pPr marL="3886200" indent="-228600" eaLnBrk="0" fontAlgn="base" hangingPunct="0">
+                <a:spcBef>
+                  <a:spcPct val="0"/>
+                </a:spcBef>
+                <a:spcAft>
+                  <a:spcPct val="0"/>
+                </a:spcAft>
+                <a:defRPr>
+                  <a:solidFill>
+                    <a:schemeClr val="tx1"/>
+                  </a:solidFill>
+                  <a:latin typeface="Calibri" panose="020F0502020204030204" pitchFamily="34" charset="0"/>
+                </a:defRPr>
+              </a:lvl9pPr>
+            </a:lstStyle>
+            <a:p>
+              <a:pPr algn="just" eaLnBrk="1" hangingPunct="1">
+                <a:lnSpc>
+                  <a:spcPct val="120000"/>
+                </a:lnSpc>
+                <a:spcBef>
+                  <a:spcPts val="0"/>
+                </a:spcBef>
+                <a:spcAft>
+                  <a:spcPts val="0"/>
+                </a:spcAft>
+              </a:pPr>
+              <a:r>
+                <a:rPr lang="zh-CN" altLang="en-US" sz="2400" dirty="0">
+                  <a:solidFill>
+                    <a:schemeClr val="tx1"/>
+                  </a:solidFill>
+                  <a:effectLst>
+                    <a:outerShdw blurRad="38100" dist="19050" dir="2700000" algn="tl" rotWithShape="0">
+                      <a:schemeClr val="dk1">
+                        <a:alpha val="40000"/>
+                      </a:schemeClr>
+                    </a:outerShdw>
+                  </a:effectLst>
+                  <a:latin typeface="Arial" panose="020B0604020202090204" pitchFamily="34" charset="0"/>
+                  <a:ea typeface="微软雅黑" panose="020B0503020204020204" pitchFamily="34" charset="-122"/>
+                  <a:cs typeface="+mn-ea"/>
+                  <a:sym typeface="Arial" panose="020B0604020202090204" pitchFamily="34" charset="0"/>
+                </a:rPr>
+                <a:t>加入</a:t>
+              </a:r>
+              <a:r>
+                <a:rPr lang="en-US" altLang="zh-CN" sz="2400" dirty="0">
+                  <a:solidFill>
+                    <a:schemeClr val="tx1"/>
+                  </a:solidFill>
+                  <a:effectLst>
+                    <a:outerShdw blurRad="38100" dist="19050" dir="2700000" algn="tl" rotWithShape="0">
+                      <a:schemeClr val="dk1">
+                        <a:alpha val="40000"/>
+                      </a:schemeClr>
+                    </a:outerShdw>
+                  </a:effectLst>
+                  <a:latin typeface="Arial" panose="020B0604020202090204" pitchFamily="34" charset="0"/>
+                  <a:ea typeface="微软雅黑" panose="020B0503020204020204" pitchFamily="34" charset="-122"/>
+                  <a:cs typeface="+mn-ea"/>
+                  <a:sym typeface="Arial" panose="020B0604020202090204" pitchFamily="34" charset="0"/>
+                </a:rPr>
+                <a:t>Emoji</a:t>
+              </a:r>
+              <a:r>
+                <a:rPr lang="zh-CN" altLang="en-US" sz="2400" dirty="0">
+                  <a:solidFill>
+                    <a:schemeClr val="tx1"/>
+                  </a:solidFill>
+                  <a:effectLst>
+                    <a:outerShdw blurRad="38100" dist="19050" dir="2700000" algn="tl" rotWithShape="0">
+                      <a:schemeClr val="dk1">
+                        <a:alpha val="40000"/>
+                      </a:schemeClr>
+                    </a:outerShdw>
+                  </a:effectLst>
+                  <a:latin typeface="Arial" panose="020B0604020202090204" pitchFamily="34" charset="0"/>
+                  <a:ea typeface="微软雅黑" panose="020B0503020204020204" pitchFamily="34" charset="-122"/>
+                  <a:cs typeface="+mn-ea"/>
+                  <a:sym typeface="Arial" panose="020B0604020202090204" pitchFamily="34" charset="0"/>
+                </a:rPr>
+                <a:t>表情</a:t>
+              </a:r>
+              <a:endParaRPr lang="zh-CN" altLang="en-US" sz="2400" dirty="0">
+                <a:solidFill>
+                  <a:schemeClr val="tx1"/>
+                </a:solidFill>
+                <a:effectLst>
+                  <a:outerShdw blurRad="38100" dist="19050" dir="2700000" algn="tl" rotWithShape="0">
+                    <a:schemeClr val="dk1">
+                      <a:alpha val="40000"/>
+                    </a:schemeClr>
+                  </a:outerShdw>
+                </a:effectLst>
+                <a:latin typeface="Arial" panose="020B0604020202090204" pitchFamily="34" charset="0"/>
+                <a:ea typeface="微软雅黑" panose="020B0503020204020204" pitchFamily="34" charset="-122"/>
+                <a:cs typeface="+mn-ea"/>
+                <a:sym typeface="Arial" panose="020B0604020202090204" pitchFamily="34" charset="0"/>
+              </a:endParaRPr>
+            </a:p>
+          </p:txBody>
+        </p:sp>
+        <p:sp>
+          <p:nvSpPr>
+            <p:cNvPr id="41" name="TextBox 29"/>
+            <p:cNvSpPr txBox="1">
+              <a:spLocks noChangeArrowheads="1"/>
+            </p:cNvSpPr>
+            <p:nvPr/>
+          </p:nvSpPr>
+          <p:spPr bwMode="auto">
+            <a:xfrm>
+              <a:off x="7045224" y="2954153"/>
+              <a:ext cx="4137667" cy="419902"/>
+            </a:xfrm>
+            <a:prstGeom prst="rect">
+              <a:avLst/>
+            </a:prstGeom>
+            <a:noFill/>
+            <a:ln>
+              <a:noFill/>
+            </a:ln>
+            <a:extLst>
+              <a:ext uri="{909E8E84-426E-40DD-AFC4-6F175D3DCCD1}">
+                <a14:hiddenFill xmlns:a14="http://schemas.microsoft.com/office/drawing/2010/main">
+                  <a:solidFill>
+                    <a:srgbClr val="FFFFFF"/>
+                  </a:solidFill>
+                </a14:hiddenFill>
+              </a:ext>
+              <a:ext uri="{91240B29-F687-4F45-9708-019B960494DF}">
+                <a14:hiddenLine xmlns:a14="http://schemas.microsoft.com/office/drawing/2010/main" w="9525">
+                  <a:solidFill>
+                    <a:srgbClr val="000000"/>
+                  </a:solidFill>
+                  <a:miter lim="800000"/>
+                  <a:headEnd/>
+                  <a:tailEnd/>
+                </a14:hiddenLine>
+              </a:ext>
+            </a:extLst>
+          </p:spPr>
+          <p:txBody>
+            <a:bodyPr lIns="0" tIns="0" rIns="0" bIns="0">
+              <a:spAutoFit/>
+              <a:scene3d>
+                <a:camera prst="orthographicFront"/>
+                <a:lightRig rig="threePt" dir="t"/>
+              </a:scene3d>
+            </a:bodyPr>
+            <a:lstStyle>
+              <a:lvl1pPr>
+                <a:defRPr>
+                  <a:solidFill>
+                    <a:schemeClr val="tx1"/>
+                  </a:solidFill>
+                  <a:latin typeface="Calibri" panose="020F0502020204030204" pitchFamily="34" charset="0"/>
+                </a:defRPr>
+              </a:lvl1pPr>
+              <a:lvl2pPr marL="742950" indent="-285750">
+                <a:defRPr>
+                  <a:solidFill>
+                    <a:schemeClr val="tx1"/>
+                  </a:solidFill>
+                  <a:latin typeface="Calibri" panose="020F0502020204030204" pitchFamily="34" charset="0"/>
+                </a:defRPr>
+              </a:lvl2pPr>
+              <a:lvl3pPr marL="1143000" indent="-228600">
+                <a:defRPr>
+                  <a:solidFill>
+                    <a:schemeClr val="tx1"/>
+                  </a:solidFill>
+                  <a:latin typeface="Calibri" panose="020F0502020204030204" pitchFamily="34" charset="0"/>
+                </a:defRPr>
+              </a:lvl3pPr>
+              <a:lvl4pPr marL="1600200" indent="-228600">
+                <a:defRPr>
+                  <a:solidFill>
+                    <a:schemeClr val="tx1"/>
+                  </a:solidFill>
+                  <a:latin typeface="Calibri" panose="020F0502020204030204" pitchFamily="34" charset="0"/>
+                </a:defRPr>
+              </a:lvl4pPr>
+              <a:lvl5pPr marL="2057400" indent="-228600">
+                <a:defRPr>
+                  <a:solidFill>
+                    <a:schemeClr val="tx1"/>
+                  </a:solidFill>
+                  <a:latin typeface="Calibri" panose="020F0502020204030204" pitchFamily="34" charset="0"/>
+                </a:defRPr>
+              </a:lvl5pPr>
+              <a:lvl6pPr marL="2514600" indent="-228600" eaLnBrk="0" fontAlgn="base" hangingPunct="0">
+                <a:spcBef>
+                  <a:spcPct val="0"/>
+                </a:spcBef>
+                <a:spcAft>
+                  <a:spcPct val="0"/>
+                </a:spcAft>
+                <a:defRPr>
+                  <a:solidFill>
+                    <a:schemeClr val="tx1"/>
+                  </a:solidFill>
+                  <a:latin typeface="Calibri" panose="020F0502020204030204" pitchFamily="34" charset="0"/>
+                </a:defRPr>
+              </a:lvl6pPr>
+              <a:lvl7pPr marL="2971800" indent="-228600" eaLnBrk="0" fontAlgn="base" hangingPunct="0">
+                <a:spcBef>
+                  <a:spcPct val="0"/>
+                </a:spcBef>
+                <a:spcAft>
+                  <a:spcPct val="0"/>
+                </a:spcAft>
+                <a:defRPr>
+                  <a:solidFill>
+                    <a:schemeClr val="tx1"/>
+                  </a:solidFill>
+                  <a:latin typeface="Calibri" panose="020F0502020204030204" pitchFamily="34" charset="0"/>
+                </a:defRPr>
+              </a:lvl7pPr>
+              <a:lvl8pPr marL="3429000" indent="-228600" eaLnBrk="0" fontAlgn="base" hangingPunct="0">
+                <a:spcBef>
+                  <a:spcPct val="0"/>
+                </a:spcBef>
+                <a:spcAft>
+                  <a:spcPct val="0"/>
+                </a:spcAft>
+                <a:defRPr>
+                  <a:solidFill>
+                    <a:schemeClr val="tx1"/>
+                  </a:solidFill>
+                  <a:latin typeface="Calibri" panose="020F0502020204030204" pitchFamily="34" charset="0"/>
+                </a:defRPr>
+              </a:lvl8pPr>
+              <a:lvl9pPr marL="3886200" indent="-228600" eaLnBrk="0" fontAlgn="base" hangingPunct="0">
+                <a:spcBef>
+                  <a:spcPct val="0"/>
+                </a:spcBef>
+                <a:spcAft>
+                  <a:spcPct val="0"/>
+                </a:spcAft>
+                <a:defRPr>
+                  <a:solidFill>
+                    <a:schemeClr val="tx1"/>
+                  </a:solidFill>
+                  <a:latin typeface="Calibri" panose="020F0502020204030204" pitchFamily="34" charset="0"/>
+                </a:defRPr>
+              </a:lvl9pPr>
+            </a:lstStyle>
+            <a:p>
+              <a:pPr algn="just" eaLnBrk="1" hangingPunct="1">
+                <a:lnSpc>
+                  <a:spcPct val="120000"/>
+                </a:lnSpc>
+                <a:spcBef>
+                  <a:spcPts val="0"/>
+                </a:spcBef>
+                <a:spcAft>
+                  <a:spcPts val="0"/>
+                </a:spcAft>
+              </a:pPr>
+              <a:r>
+                <a:rPr lang="zh-CN" altLang="en-US" sz="2400" dirty="0">
+                  <a:solidFill>
+                    <a:schemeClr val="tx1"/>
+                  </a:solidFill>
+                  <a:effectLst>
+                    <a:outerShdw blurRad="38100" dist="19050" dir="2700000" algn="tl" rotWithShape="0">
+                      <a:schemeClr val="dk1">
+                        <a:alpha val="40000"/>
+                      </a:schemeClr>
+                    </a:outerShdw>
+                  </a:effectLst>
+                  <a:latin typeface="Arial" panose="020B0604020202090204" pitchFamily="34" charset="0"/>
+                  <a:ea typeface="微软雅黑" panose="020B0503020204020204" pitchFamily="34" charset="-122"/>
+                  <a:cs typeface="+mn-ea"/>
+                  <a:sym typeface="Arial" panose="020B0604020202090204" pitchFamily="34" charset="0"/>
+                </a:rPr>
+                <a:t>实现文件传送功能</a:t>
+              </a:r>
+              <a:endParaRPr lang="zh-CN" altLang="en-US" sz="2400" dirty="0">
+                <a:solidFill>
+                  <a:schemeClr val="tx1"/>
+                </a:solidFill>
+                <a:effectLst>
+                  <a:outerShdw blurRad="38100" dist="19050" dir="2700000" algn="tl" rotWithShape="0">
+                    <a:schemeClr val="dk1">
+                      <a:alpha val="40000"/>
+                    </a:schemeClr>
+                  </a:outerShdw>
+                </a:effectLst>
+                <a:latin typeface="Arial" panose="020B0604020202090204" pitchFamily="34" charset="0"/>
+                <a:ea typeface="微软雅黑" panose="020B0503020204020204" pitchFamily="34" charset="-122"/>
+                <a:cs typeface="+mn-ea"/>
+                <a:sym typeface="Arial" panose="020B0604020202090204" pitchFamily="34" charset="0"/>
+              </a:endParaRPr>
+            </a:p>
+          </p:txBody>
+        </p:sp>
+      </p:grpSp>
+      <p:pic>
+        <p:nvPicPr>
+          <p:cNvPr id="55" name="图片 54" descr="3477372"/>
+          <p:cNvPicPr>
+            <a:picLocks noChangeAspect="1"/>
+          </p:cNvPicPr>
+          <p:nvPr/>
+        </p:nvPicPr>
+        <p:blipFill>
+          <a:blip r:embed="rId3">
+            <a:extLst>
+              <a:ext uri="{96DAC541-7B7A-43D3-8B79-37D633B846F1}">
+                <asvg:svgBlip xmlns:asvg="http://schemas.microsoft.com/office/drawing/2016/SVG/main" r:embed="rId4"/>
+              </a:ext>
+            </a:extLst>
+          </a:blip>
+          <a:stretch>
+            <a:fillRect/>
+          </a:stretch>
+        </p:blipFill>
+        <p:spPr>
+          <a:xfrm>
+            <a:off x="5473700" y="2063750"/>
+            <a:ext cx="719455" cy="719455"/>
+          </a:xfrm>
+          <a:prstGeom prst="rect">
+            <a:avLst/>
+          </a:prstGeom>
+        </p:spPr>
+      </p:pic>
+      <p:sp>
+        <p:nvSpPr>
+          <p:cNvPr id="5" name="文本框 4"/>
+          <p:cNvSpPr txBox="1"/>
+          <p:nvPr/>
+        </p:nvSpPr>
+        <p:spPr>
+          <a:xfrm>
+            <a:off x="6431915" y="2138045"/>
+            <a:ext cx="3821430" cy="583565"/>
+          </a:xfrm>
+          <a:prstGeom prst="rect">
+            <a:avLst/>
+          </a:prstGeom>
+          <a:noFill/>
+        </p:spPr>
+        <p:txBody>
+          <a:bodyPr wrap="square" rtlCol="0">
+            <a:spAutoFit/>
+            <a:scene3d>
+              <a:camera prst="orthographicFront"/>
+              <a:lightRig rig="threePt" dir="t"/>
+            </a:scene3d>
+          </a:bodyPr>
+          <a:p>
+            <a:r>
+              <a:rPr lang="zh-CN" altLang="en-US" sz="3200">
+                <a:solidFill>
+                  <a:schemeClr val="tx1"/>
+                </a:solidFill>
+                <a:effectLst>
+                  <a:outerShdw blurRad="38100" dist="19050" dir="2700000" algn="tl" rotWithShape="0">
+                    <a:schemeClr val="dk1">
+                      <a:alpha val="40000"/>
+                    </a:schemeClr>
+                  </a:outerShdw>
+                </a:effectLst>
+              </a:rPr>
+              <a:t>展望</a:t>
+            </a:r>
+            <a:endParaRPr lang="zh-CN" altLang="en-US" sz="3200">
+              <a:solidFill>
+                <a:schemeClr val="tx1"/>
+              </a:solidFill>
+              <a:effectLst>
+                <a:outerShdw blurRad="38100" dist="19050" dir="2700000" algn="tl" rotWithShape="0">
+                  <a:schemeClr val="dk1">
+                    <a:alpha val="40000"/>
+                  </a:schemeClr>
+                </a:outerShdw>
+              </a:effectLst>
+            </a:endParaRPr>
+          </a:p>
+        </p:txBody>
+      </p:sp>
+    </p:spTree>
+  </p:cSld>
+  <p:clrMapOvr>
+    <a:masterClrMapping/>
+  </p:clrMapOvr>
+  <mc:AlternateContent xmlns:mc="http://schemas.openxmlformats.org/markup-compatibility/2006">
+    <mc:Choice xmlns:p14="http://schemas.microsoft.com/office/powerpoint/2010/main" Requires="p14">
+      <p:transition spd="slow" p14:dur="1250"/>
+    </mc:Choice>
+    <mc:Fallback>
+      <p:transition spd="slow"/>
+    </mc:Fallback>
+  </mc:AlternateContent>
+  <p:timing>
+    <p:tnLst>
+      <p:par>
+        <p:cTn id="1" dur="indefinite" restart="never" nodeType="tmRoot"/>
+      </p:par>
+    </p:tnLst>
+  </p:timing>
+</p:sld>
+</file>
+
+<file path=ppt/slides/slide17.xml><?xml version="1.0" encoding="utf-8"?>
 <p:sld xmlns:a="http://schemas.openxmlformats.org/drawingml/2006/main" xmlns:r="http://schemas.openxmlformats.org/officeDocument/2006/relationships" xmlns:p="http://schemas.openxmlformats.org/presentationml/2006/main">
   <p:cSld>
     <p:spTree>
@@ -15368,7 +16382,7 @@
 </p:sld>
 </file>
 
-<file path=ppt/slides/slide17.xml><?xml version="1.0" encoding="utf-8"?>
+<file path=ppt/slides/slide18.xml><?xml version="1.0" encoding="utf-8"?>
 <p:sld xmlns:a="http://schemas.openxmlformats.org/drawingml/2006/main" xmlns:r="http://schemas.openxmlformats.org/officeDocument/2006/relationships" xmlns:p="http://schemas.openxmlformats.org/presentationml/2006/main">
   <p:cSld>
     <p:spTree>
@@ -15626,7 +16640,7 @@
 </p:sld>
 </file>
 
-<file path=ppt/slides/slide18.xml><?xml version="1.0" encoding="utf-8"?>
+<file path=ppt/slides/slide19.xml><?xml version="1.0" encoding="utf-8"?>
 <p:sld xmlns:a="http://schemas.openxmlformats.org/drawingml/2006/main" xmlns:r="http://schemas.openxmlformats.org/officeDocument/2006/relationships" xmlns:p="http://schemas.openxmlformats.org/presentationml/2006/main">
   <p:cSld>
     <p:spTree>
@@ -15872,7 +16886,1450 @@
 </p:sld>
 </file>
 
-<file path=ppt/slides/slide19.xml><?xml version="1.0" encoding="utf-8"?>
+<file path=ppt/slides/slide2.xml><?xml version="1.0" encoding="utf-8"?>
+<p:sld xmlns:a="http://schemas.openxmlformats.org/drawingml/2006/main" xmlns:r="http://schemas.openxmlformats.org/officeDocument/2006/relationships" xmlns:p="http://schemas.openxmlformats.org/presentationml/2006/main">
+  <p:cSld>
+    <p:spTree>
+      <p:nvGrpSpPr>
+        <p:cNvPr id="1" name=""/>
+        <p:cNvGrpSpPr/>
+        <p:nvPr/>
+      </p:nvGrpSpPr>
+      <p:grpSpPr>
+        <a:xfrm>
+          <a:off x="0" y="0"/>
+          <a:ext cx="0" cy="0"/>
+          <a:chOff x="0" y="0"/>
+          <a:chExt cx="0" cy="0"/>
+        </a:xfrm>
+      </p:grpSpPr>
+      <p:sp>
+        <p:nvSpPr>
+          <p:cNvPr id="3" name="MH_SubTitle_4"/>
+          <p:cNvSpPr>
+            <a:spLocks noChangeArrowheads="1"/>
+          </p:cNvSpPr>
+          <p:nvPr>
+            <p:custDataLst>
+              <p:tags r:id="rId1"/>
+            </p:custDataLst>
+          </p:nvPr>
+        </p:nvSpPr>
+        <p:spPr bwMode="gray">
+          <a:xfrm>
+            <a:off x="6506239" y="4869707"/>
+            <a:ext cx="4395530" cy="681372"/>
+          </a:xfrm>
+          <a:prstGeom prst="roundRect">
+            <a:avLst>
+              <a:gd name="adj" fmla="val 50000"/>
+            </a:avLst>
+          </a:prstGeom>
+          <a:solidFill>
+            <a:schemeClr val="accent5"/>
+          </a:solidFill>
+          <a:ln>
+            <a:noFill/>
+          </a:ln>
+        </p:spPr>
+        <p:txBody>
+          <a:bodyPr lIns="0" tIns="0" rIns="0" bIns="0" anchor="ctr" anchorCtr="1">
+            <a:noAutofit/>
+          </a:bodyPr>
+          <a:lstStyle>
+            <a:lvl1pPr eaLnBrk="0" hangingPunct="0">
+              <a:spcBef>
+                <a:spcPct val="20000"/>
+              </a:spcBef>
+              <a:buChar char="•"/>
+              <a:defRPr kumimoji="1" sz="2800" b="1">
+                <a:solidFill>
+                  <a:schemeClr val="tx1"/>
+                </a:solidFill>
+                <a:latin typeface="微軟正黑體" panose="020B0604030504040204" pitchFamily="34" charset="-120"/>
+                <a:ea typeface="微軟正黑體" panose="020B0604030504040204" pitchFamily="34" charset="-120"/>
+              </a:defRPr>
+            </a:lvl1pPr>
+            <a:lvl2pPr marL="742950" indent="-285750" eaLnBrk="0" hangingPunct="0">
+              <a:spcBef>
+                <a:spcPct val="20000"/>
+              </a:spcBef>
+              <a:buChar char="–"/>
+              <a:defRPr kumimoji="1" sz="2400" b="1">
+                <a:solidFill>
+                  <a:schemeClr val="tx1"/>
+                </a:solidFill>
+                <a:latin typeface="微軟正黑體" panose="020B0604030504040204" pitchFamily="34" charset="-120"/>
+                <a:ea typeface="微軟正黑體" panose="020B0604030504040204" pitchFamily="34" charset="-120"/>
+              </a:defRPr>
+            </a:lvl2pPr>
+            <a:lvl3pPr marL="1143000" indent="-228600" eaLnBrk="0" hangingPunct="0">
+              <a:spcBef>
+                <a:spcPct val="20000"/>
+              </a:spcBef>
+              <a:buChar char="•"/>
+              <a:defRPr kumimoji="1" sz="2000" b="1">
+                <a:solidFill>
+                  <a:schemeClr val="tx1"/>
+                </a:solidFill>
+                <a:latin typeface="微軟正黑體" panose="020B0604030504040204" pitchFamily="34" charset="-120"/>
+                <a:ea typeface="微軟正黑體" panose="020B0604030504040204" pitchFamily="34" charset="-120"/>
+              </a:defRPr>
+            </a:lvl3pPr>
+            <a:lvl4pPr marL="1600200" indent="-228600" eaLnBrk="0" hangingPunct="0">
+              <a:spcBef>
+                <a:spcPct val="20000"/>
+              </a:spcBef>
+              <a:buChar char="–"/>
+              <a:defRPr kumimoji="1" b="1">
+                <a:solidFill>
+                  <a:schemeClr val="tx1"/>
+                </a:solidFill>
+                <a:latin typeface="微軟正黑體" panose="020B0604030504040204" pitchFamily="34" charset="-120"/>
+                <a:ea typeface="微軟正黑體" panose="020B0604030504040204" pitchFamily="34" charset="-120"/>
+              </a:defRPr>
+            </a:lvl4pPr>
+            <a:lvl5pPr marL="2057400" indent="-228600" eaLnBrk="0" hangingPunct="0">
+              <a:spcBef>
+                <a:spcPct val="20000"/>
+              </a:spcBef>
+              <a:buChar char="»"/>
+              <a:defRPr kumimoji="1" sz="2000">
+                <a:solidFill>
+                  <a:schemeClr val="bg1"/>
+                </a:solidFill>
+                <a:latin typeface="Arial" panose="020B0604020202090204" pitchFamily="34" charset="0"/>
+                <a:ea typeface="PMingLiU" panose="02020500000000000000" pitchFamily="18" charset="-120"/>
+              </a:defRPr>
+            </a:lvl5pPr>
+            <a:lvl6pPr marL="2514600" indent="-228600" eaLnBrk="0" fontAlgn="base" hangingPunct="0">
+              <a:spcBef>
+                <a:spcPct val="20000"/>
+              </a:spcBef>
+              <a:spcAft>
+                <a:spcPct val="0"/>
+              </a:spcAft>
+              <a:buChar char="»"/>
+              <a:defRPr kumimoji="1" sz="2000">
+                <a:solidFill>
+                  <a:schemeClr val="bg1"/>
+                </a:solidFill>
+                <a:latin typeface="Arial" panose="020B0604020202090204" pitchFamily="34" charset="0"/>
+                <a:ea typeface="PMingLiU" panose="02020500000000000000" pitchFamily="18" charset="-120"/>
+              </a:defRPr>
+            </a:lvl6pPr>
+            <a:lvl7pPr marL="2971800" indent="-228600" eaLnBrk="0" fontAlgn="base" hangingPunct="0">
+              <a:spcBef>
+                <a:spcPct val="20000"/>
+              </a:spcBef>
+              <a:spcAft>
+                <a:spcPct val="0"/>
+              </a:spcAft>
+              <a:buChar char="»"/>
+              <a:defRPr kumimoji="1" sz="2000">
+                <a:solidFill>
+                  <a:schemeClr val="bg1"/>
+                </a:solidFill>
+                <a:latin typeface="Arial" panose="020B0604020202090204" pitchFamily="34" charset="0"/>
+                <a:ea typeface="PMingLiU" panose="02020500000000000000" pitchFamily="18" charset="-120"/>
+              </a:defRPr>
+            </a:lvl7pPr>
+            <a:lvl8pPr marL="3429000" indent="-228600" eaLnBrk="0" fontAlgn="base" hangingPunct="0">
+              <a:spcBef>
+                <a:spcPct val="20000"/>
+              </a:spcBef>
+              <a:spcAft>
+                <a:spcPct val="0"/>
+              </a:spcAft>
+              <a:buChar char="»"/>
+              <a:defRPr kumimoji="1" sz="2000">
+                <a:solidFill>
+                  <a:schemeClr val="bg1"/>
+                </a:solidFill>
+                <a:latin typeface="Arial" panose="020B0604020202090204" pitchFamily="34" charset="0"/>
+                <a:ea typeface="PMingLiU" panose="02020500000000000000" pitchFamily="18" charset="-120"/>
+              </a:defRPr>
+            </a:lvl8pPr>
+            <a:lvl9pPr marL="3886200" indent="-228600" eaLnBrk="0" fontAlgn="base" hangingPunct="0">
+              <a:spcBef>
+                <a:spcPct val="20000"/>
+              </a:spcBef>
+              <a:spcAft>
+                <a:spcPct val="0"/>
+              </a:spcAft>
+              <a:buChar char="»"/>
+              <a:defRPr kumimoji="1" sz="2000">
+                <a:solidFill>
+                  <a:schemeClr val="bg1"/>
+                </a:solidFill>
+                <a:latin typeface="Arial" panose="020B0604020202090204" pitchFamily="34" charset="0"/>
+                <a:ea typeface="PMingLiU" panose="02020500000000000000" pitchFamily="18" charset="-120"/>
+              </a:defRPr>
+            </a:lvl9pPr>
+          </a:lstStyle>
+          <a:p>
+            <a:pPr lvl="0" algn="ctr">
+              <a:buNone/>
+            </a:pPr>
+            <a:r>
+              <a:rPr lang="zh-CN" altLang="en-US" sz="2000" dirty="0">
+                <a:solidFill>
+                  <a:schemeClr val="bg1"/>
+                </a:solidFill>
+                <a:latin typeface="Arial" panose="020B0604020202090204" pitchFamily="34" charset="0"/>
+                <a:ea typeface="微软雅黑" panose="020B0503020204020204" pitchFamily="34" charset="-122"/>
+                <a:sym typeface="Arial" panose="020B0604020202090204" pitchFamily="34" charset="0"/>
+              </a:rPr>
+              <a:t>代码和运行情况展示</a:t>
+            </a:r>
+            <a:endParaRPr lang="en-US" altLang="zh-CN" sz="2000" dirty="0">
+              <a:solidFill>
+                <a:schemeClr val="bg1"/>
+              </a:solidFill>
+              <a:latin typeface="Arial" panose="020B0604020202090204" pitchFamily="34" charset="0"/>
+              <a:ea typeface="微软雅黑" panose="020B0503020204020204" pitchFamily="34" charset="-122"/>
+              <a:sym typeface="Arial" panose="020B0604020202090204" pitchFamily="34" charset="0"/>
+            </a:endParaRPr>
+          </a:p>
+          <a:p>
+            <a:pPr lvl="0" algn="ctr">
+              <a:buNone/>
+            </a:pPr>
+            <a:r>
+              <a:rPr lang="en-US" altLang="zh-CN" sz="1050" dirty="0">
+                <a:solidFill>
+                  <a:schemeClr val="bg1"/>
+                </a:solidFill>
+                <a:latin typeface="Arial" panose="020B0604020202090204" pitchFamily="34" charset="0"/>
+                <a:ea typeface="微软雅黑" panose="020B0503020204020204" pitchFamily="34" charset="-122"/>
+                <a:sym typeface="Arial" panose="020B0604020202090204" pitchFamily="34" charset="0"/>
+              </a:rPr>
+              <a:t>CODE AND SUCCESSFUL PROJECT</a:t>
+            </a:r>
+            <a:endParaRPr lang="en-US" altLang="zh-CN" sz="1050" dirty="0">
+              <a:solidFill>
+                <a:schemeClr val="bg1"/>
+              </a:solidFill>
+              <a:latin typeface="Arial" panose="020B0604020202090204" pitchFamily="34" charset="0"/>
+              <a:ea typeface="微软雅黑" panose="020B0503020204020204" pitchFamily="34" charset="-122"/>
+              <a:sym typeface="Arial" panose="020B0604020202090204" pitchFamily="34" charset="0"/>
+            </a:endParaRPr>
+          </a:p>
+        </p:txBody>
+      </p:sp>
+      <p:sp>
+        <p:nvSpPr>
+          <p:cNvPr id="5" name="MH_Other_1"/>
+          <p:cNvSpPr>
+            <a:spLocks noChangeShapeType="1"/>
+          </p:cNvSpPr>
+          <p:nvPr>
+            <p:custDataLst>
+              <p:tags r:id="rId2"/>
+            </p:custDataLst>
+          </p:nvPr>
+        </p:nvSpPr>
+        <p:spPr bwMode="auto">
+          <a:xfrm flipV="1">
+            <a:off x="3847718" y="2147567"/>
+            <a:ext cx="2467672" cy="1299127"/>
+          </a:xfrm>
+          <a:prstGeom prst="line">
+            <a:avLst/>
+          </a:prstGeom>
+          <a:noFill/>
+          <a:ln w="38100" cap="rnd">
+            <a:solidFill>
+              <a:schemeClr val="accent1">
+                <a:lumMod val="40000"/>
+                <a:lumOff val="60000"/>
+              </a:schemeClr>
+            </a:solidFill>
+            <a:prstDash val="sysDot"/>
+            <a:round/>
+            <a:tailEnd type="triangle" w="med" len="med"/>
+          </a:ln>
+          <a:extLst>
+            <a:ext uri="{909E8E84-426E-40DD-AFC4-6F175D3DCCD1}">
+              <a14:hiddenFill xmlns:a14="http://schemas.microsoft.com/office/drawing/2010/main">
+                <a:noFill/>
+              </a14:hiddenFill>
+            </a:ext>
+          </a:extLst>
+        </p:spPr>
+        <p:txBody>
+          <a:bodyPr lIns="0" tIns="0" rIns="0" bIns="0">
+            <a:normAutofit/>
+          </a:bodyPr>
+          <a:lstStyle/>
+          <a:p>
+            <a:pPr>
+              <a:defRPr/>
+            </a:pPr>
+            <a:endParaRPr lang="zh-CN" altLang="en-US" sz="2000">
+              <a:solidFill>
+                <a:srgbClr val="FFFFFF"/>
+              </a:solidFill>
+              <a:latin typeface="Arial" panose="020B0604020202090204" pitchFamily="34" charset="0"/>
+              <a:ea typeface="微软雅黑" panose="020B0503020204020204" pitchFamily="34" charset="-122"/>
+              <a:sym typeface="Arial" panose="020B0604020202090204" pitchFamily="34" charset="0"/>
+            </a:endParaRPr>
+          </a:p>
+        </p:txBody>
+      </p:sp>
+      <p:sp>
+        <p:nvSpPr>
+          <p:cNvPr id="6" name="MH_Other_2"/>
+          <p:cNvSpPr>
+            <a:spLocks noChangeShapeType="1"/>
+          </p:cNvSpPr>
+          <p:nvPr>
+            <p:custDataLst>
+              <p:tags r:id="rId3"/>
+            </p:custDataLst>
+          </p:nvPr>
+        </p:nvSpPr>
+        <p:spPr bwMode="auto">
+          <a:xfrm flipV="1">
+            <a:off x="3847718" y="3150373"/>
+            <a:ext cx="2482740" cy="385051"/>
+          </a:xfrm>
+          <a:prstGeom prst="line">
+            <a:avLst/>
+          </a:prstGeom>
+          <a:noFill/>
+          <a:ln w="38100" cap="rnd">
+            <a:solidFill>
+              <a:schemeClr val="accent1">
+                <a:lumMod val="40000"/>
+                <a:lumOff val="60000"/>
+              </a:schemeClr>
+            </a:solidFill>
+            <a:prstDash val="sysDot"/>
+            <a:round/>
+            <a:tailEnd type="triangle" w="med" len="med"/>
+          </a:ln>
+          <a:extLst>
+            <a:ext uri="{909E8E84-426E-40DD-AFC4-6F175D3DCCD1}">
+              <a14:hiddenFill xmlns:a14="http://schemas.microsoft.com/office/drawing/2010/main">
+                <a:noFill/>
+              </a14:hiddenFill>
+            </a:ext>
+          </a:extLst>
+        </p:spPr>
+        <p:txBody>
+          <a:bodyPr lIns="0" tIns="0" rIns="0" bIns="0">
+            <a:normAutofit/>
+          </a:bodyPr>
+          <a:lstStyle/>
+          <a:p>
+            <a:pPr>
+              <a:defRPr/>
+            </a:pPr>
+            <a:endParaRPr lang="zh-CN" altLang="en-US" sz="2000">
+              <a:solidFill>
+                <a:srgbClr val="FFFFFF"/>
+              </a:solidFill>
+              <a:latin typeface="Arial" panose="020B0604020202090204" pitchFamily="34" charset="0"/>
+              <a:ea typeface="微软雅黑" panose="020B0503020204020204" pitchFamily="34" charset="-122"/>
+              <a:sym typeface="Arial" panose="020B0604020202090204" pitchFamily="34" charset="0"/>
+            </a:endParaRPr>
+          </a:p>
+        </p:txBody>
+      </p:sp>
+      <p:sp>
+        <p:nvSpPr>
+          <p:cNvPr id="7" name="MH_Other_3"/>
+          <p:cNvSpPr>
+            <a:spLocks noChangeShapeType="1"/>
+          </p:cNvSpPr>
+          <p:nvPr>
+            <p:custDataLst>
+              <p:tags r:id="rId4"/>
+            </p:custDataLst>
+          </p:nvPr>
+        </p:nvSpPr>
+        <p:spPr bwMode="auto">
+          <a:xfrm>
+            <a:off x="3944817" y="3669353"/>
+            <a:ext cx="2370573" cy="369984"/>
+          </a:xfrm>
+          <a:prstGeom prst="line">
+            <a:avLst/>
+          </a:prstGeom>
+          <a:noFill/>
+          <a:ln w="38100" cap="rnd">
+            <a:solidFill>
+              <a:schemeClr val="accent1">
+                <a:lumMod val="40000"/>
+                <a:lumOff val="60000"/>
+              </a:schemeClr>
+            </a:solidFill>
+            <a:prstDash val="sysDot"/>
+            <a:round/>
+            <a:tailEnd type="triangle" w="med" len="med"/>
+          </a:ln>
+          <a:extLst>
+            <a:ext uri="{909E8E84-426E-40DD-AFC4-6F175D3DCCD1}">
+              <a14:hiddenFill xmlns:a14="http://schemas.microsoft.com/office/drawing/2010/main">
+                <a:noFill/>
+              </a14:hiddenFill>
+            </a:ext>
+          </a:extLst>
+        </p:spPr>
+        <p:txBody>
+          <a:bodyPr lIns="0" tIns="0" rIns="0" bIns="0">
+            <a:normAutofit/>
+          </a:bodyPr>
+          <a:lstStyle/>
+          <a:p>
+            <a:pPr>
+              <a:defRPr/>
+            </a:pPr>
+            <a:endParaRPr lang="zh-CN" altLang="en-US" sz="2000">
+              <a:solidFill>
+                <a:srgbClr val="FFFFFF"/>
+              </a:solidFill>
+              <a:latin typeface="Arial" panose="020B0604020202090204" pitchFamily="34" charset="0"/>
+              <a:ea typeface="微软雅黑" panose="020B0503020204020204" pitchFamily="34" charset="-122"/>
+              <a:sym typeface="Arial" panose="020B0604020202090204" pitchFamily="34" charset="0"/>
+            </a:endParaRPr>
+          </a:p>
+        </p:txBody>
+      </p:sp>
+      <p:sp>
+        <p:nvSpPr>
+          <p:cNvPr id="8" name="MH_Other_4"/>
+          <p:cNvSpPr>
+            <a:spLocks noChangeShapeType="1"/>
+          </p:cNvSpPr>
+          <p:nvPr>
+            <p:custDataLst>
+              <p:tags r:id="rId5"/>
+            </p:custDataLst>
+          </p:nvPr>
+        </p:nvSpPr>
+        <p:spPr bwMode="auto">
+          <a:xfrm>
+            <a:off x="4075399" y="3855184"/>
+            <a:ext cx="2271799" cy="1325913"/>
+          </a:xfrm>
+          <a:prstGeom prst="line">
+            <a:avLst/>
+          </a:prstGeom>
+          <a:noFill/>
+          <a:ln w="38100" cap="rnd">
+            <a:solidFill>
+              <a:schemeClr val="accent1">
+                <a:lumMod val="40000"/>
+                <a:lumOff val="60000"/>
+              </a:schemeClr>
+            </a:solidFill>
+            <a:prstDash val="sysDot"/>
+            <a:round/>
+            <a:tailEnd type="triangle" w="med" len="med"/>
+          </a:ln>
+          <a:extLst>
+            <a:ext uri="{909E8E84-426E-40DD-AFC4-6F175D3DCCD1}">
+              <a14:hiddenFill xmlns:a14="http://schemas.microsoft.com/office/drawing/2010/main">
+                <a:noFill/>
+              </a14:hiddenFill>
+            </a:ext>
+          </a:extLst>
+        </p:spPr>
+        <p:txBody>
+          <a:bodyPr lIns="0" tIns="0" rIns="0" bIns="0">
+            <a:normAutofit/>
+          </a:bodyPr>
+          <a:lstStyle/>
+          <a:p>
+            <a:pPr>
+              <a:defRPr/>
+            </a:pPr>
+            <a:endParaRPr lang="zh-CN" altLang="en-US" sz="2000">
+              <a:solidFill>
+                <a:srgbClr val="FFFFFF"/>
+              </a:solidFill>
+              <a:latin typeface="Arial" panose="020B0604020202090204" pitchFamily="34" charset="0"/>
+              <a:ea typeface="微软雅黑" panose="020B0503020204020204" pitchFamily="34" charset="-122"/>
+              <a:sym typeface="Arial" panose="020B0604020202090204" pitchFamily="34" charset="0"/>
+            </a:endParaRPr>
+          </a:p>
+        </p:txBody>
+      </p:sp>
+      <p:sp>
+        <p:nvSpPr>
+          <p:cNvPr id="9" name="MH_SubTitle_1"/>
+          <p:cNvSpPr>
+            <a:spLocks noChangeArrowheads="1"/>
+          </p:cNvSpPr>
+          <p:nvPr>
+            <p:custDataLst>
+              <p:tags r:id="rId6"/>
+            </p:custDataLst>
+          </p:nvPr>
+        </p:nvSpPr>
+        <p:spPr bwMode="gray">
+          <a:xfrm>
+            <a:off x="6506239" y="1774813"/>
+            <a:ext cx="4395530" cy="683047"/>
+          </a:xfrm>
+          <a:prstGeom prst="roundRect">
+            <a:avLst>
+              <a:gd name="adj" fmla="val 50000"/>
+            </a:avLst>
+          </a:prstGeom>
+          <a:solidFill>
+            <a:schemeClr val="accent2"/>
+          </a:solidFill>
+          <a:ln>
+            <a:noFill/>
+          </a:ln>
+        </p:spPr>
+        <p:txBody>
+          <a:bodyPr lIns="0" tIns="0" rIns="0" bIns="0" anchor="ctr" anchorCtr="1">
+            <a:noAutofit/>
+          </a:bodyPr>
+          <a:lstStyle>
+            <a:lvl1pPr eaLnBrk="0" hangingPunct="0">
+              <a:spcBef>
+                <a:spcPct val="20000"/>
+              </a:spcBef>
+              <a:buChar char="•"/>
+              <a:defRPr kumimoji="1" sz="2800" b="1">
+                <a:solidFill>
+                  <a:schemeClr val="tx1"/>
+                </a:solidFill>
+                <a:latin typeface="微軟正黑體" panose="020B0604030504040204" pitchFamily="34" charset="-120"/>
+                <a:ea typeface="微軟正黑體" panose="020B0604030504040204" pitchFamily="34" charset="-120"/>
+              </a:defRPr>
+            </a:lvl1pPr>
+            <a:lvl2pPr marL="742950" indent="-285750" eaLnBrk="0" hangingPunct="0">
+              <a:spcBef>
+                <a:spcPct val="20000"/>
+              </a:spcBef>
+              <a:buChar char="–"/>
+              <a:defRPr kumimoji="1" sz="2400" b="1">
+                <a:solidFill>
+                  <a:schemeClr val="tx1"/>
+                </a:solidFill>
+                <a:latin typeface="微軟正黑體" panose="020B0604030504040204" pitchFamily="34" charset="-120"/>
+                <a:ea typeface="微軟正黑體" panose="020B0604030504040204" pitchFamily="34" charset="-120"/>
+              </a:defRPr>
+            </a:lvl2pPr>
+            <a:lvl3pPr marL="1143000" indent="-228600" eaLnBrk="0" hangingPunct="0">
+              <a:spcBef>
+                <a:spcPct val="20000"/>
+              </a:spcBef>
+              <a:buChar char="•"/>
+              <a:defRPr kumimoji="1" sz="2000" b="1">
+                <a:solidFill>
+                  <a:schemeClr val="tx1"/>
+                </a:solidFill>
+                <a:latin typeface="微軟正黑體" panose="020B0604030504040204" pitchFamily="34" charset="-120"/>
+                <a:ea typeface="微軟正黑體" panose="020B0604030504040204" pitchFamily="34" charset="-120"/>
+              </a:defRPr>
+            </a:lvl3pPr>
+            <a:lvl4pPr marL="1600200" indent="-228600" eaLnBrk="0" hangingPunct="0">
+              <a:spcBef>
+                <a:spcPct val="20000"/>
+              </a:spcBef>
+              <a:buChar char="–"/>
+              <a:defRPr kumimoji="1" b="1">
+                <a:solidFill>
+                  <a:schemeClr val="tx1"/>
+                </a:solidFill>
+                <a:latin typeface="微軟正黑體" panose="020B0604030504040204" pitchFamily="34" charset="-120"/>
+                <a:ea typeface="微軟正黑體" panose="020B0604030504040204" pitchFamily="34" charset="-120"/>
+              </a:defRPr>
+            </a:lvl4pPr>
+            <a:lvl5pPr marL="2057400" indent="-228600" eaLnBrk="0" hangingPunct="0">
+              <a:spcBef>
+                <a:spcPct val="20000"/>
+              </a:spcBef>
+              <a:buChar char="»"/>
+              <a:defRPr kumimoji="1" sz="2000">
+                <a:solidFill>
+                  <a:schemeClr val="bg1"/>
+                </a:solidFill>
+                <a:latin typeface="Arial" panose="020B0604020202090204" pitchFamily="34" charset="0"/>
+                <a:ea typeface="PMingLiU" panose="02020500000000000000" pitchFamily="18" charset="-120"/>
+              </a:defRPr>
+            </a:lvl5pPr>
+            <a:lvl6pPr marL="2514600" indent="-228600" eaLnBrk="0" fontAlgn="base" hangingPunct="0">
+              <a:spcBef>
+                <a:spcPct val="20000"/>
+              </a:spcBef>
+              <a:spcAft>
+                <a:spcPct val="0"/>
+              </a:spcAft>
+              <a:buChar char="»"/>
+              <a:defRPr kumimoji="1" sz="2000">
+                <a:solidFill>
+                  <a:schemeClr val="bg1"/>
+                </a:solidFill>
+                <a:latin typeface="Arial" panose="020B0604020202090204" pitchFamily="34" charset="0"/>
+                <a:ea typeface="PMingLiU" panose="02020500000000000000" pitchFamily="18" charset="-120"/>
+              </a:defRPr>
+            </a:lvl6pPr>
+            <a:lvl7pPr marL="2971800" indent="-228600" eaLnBrk="0" fontAlgn="base" hangingPunct="0">
+              <a:spcBef>
+                <a:spcPct val="20000"/>
+              </a:spcBef>
+              <a:spcAft>
+                <a:spcPct val="0"/>
+              </a:spcAft>
+              <a:buChar char="»"/>
+              <a:defRPr kumimoji="1" sz="2000">
+                <a:solidFill>
+                  <a:schemeClr val="bg1"/>
+                </a:solidFill>
+                <a:latin typeface="Arial" panose="020B0604020202090204" pitchFamily="34" charset="0"/>
+                <a:ea typeface="PMingLiU" panose="02020500000000000000" pitchFamily="18" charset="-120"/>
+              </a:defRPr>
+            </a:lvl7pPr>
+            <a:lvl8pPr marL="3429000" indent="-228600" eaLnBrk="0" fontAlgn="base" hangingPunct="0">
+              <a:spcBef>
+                <a:spcPct val="20000"/>
+              </a:spcBef>
+              <a:spcAft>
+                <a:spcPct val="0"/>
+              </a:spcAft>
+              <a:buChar char="»"/>
+              <a:defRPr kumimoji="1" sz="2000">
+                <a:solidFill>
+                  <a:schemeClr val="bg1"/>
+                </a:solidFill>
+                <a:latin typeface="Arial" panose="020B0604020202090204" pitchFamily="34" charset="0"/>
+                <a:ea typeface="PMingLiU" panose="02020500000000000000" pitchFamily="18" charset="-120"/>
+              </a:defRPr>
+            </a:lvl8pPr>
+            <a:lvl9pPr marL="3886200" indent="-228600" eaLnBrk="0" fontAlgn="base" hangingPunct="0">
+              <a:spcBef>
+                <a:spcPct val="20000"/>
+              </a:spcBef>
+              <a:spcAft>
+                <a:spcPct val="0"/>
+              </a:spcAft>
+              <a:buChar char="»"/>
+              <a:defRPr kumimoji="1" sz="2000">
+                <a:solidFill>
+                  <a:schemeClr val="bg1"/>
+                </a:solidFill>
+                <a:latin typeface="Arial" panose="020B0604020202090204" pitchFamily="34" charset="0"/>
+                <a:ea typeface="PMingLiU" panose="02020500000000000000" pitchFamily="18" charset="-120"/>
+              </a:defRPr>
+            </a:lvl9pPr>
+          </a:lstStyle>
+          <a:p>
+            <a:pPr algn="ctr">
+              <a:buNone/>
+            </a:pPr>
+            <a:r>
+              <a:rPr lang="zh-CN" altLang="en-US" sz="2000" dirty="0">
+                <a:solidFill>
+                  <a:schemeClr val="bg1"/>
+                </a:solidFill>
+                <a:latin typeface="Arial" panose="020B0604020202090204" pitchFamily="34" charset="0"/>
+                <a:ea typeface="微软雅黑" panose="020B0503020204020204" pitchFamily="34" charset="-122"/>
+                <a:sym typeface="Arial" panose="020B0604020202090204" pitchFamily="34" charset="0"/>
+              </a:rPr>
+              <a:t>介绍</a:t>
+            </a:r>
+            <a:endParaRPr lang="en-US" altLang="zh-CN" sz="2000" dirty="0">
+              <a:solidFill>
+                <a:schemeClr val="bg1"/>
+              </a:solidFill>
+              <a:latin typeface="Arial" panose="020B0604020202090204" pitchFamily="34" charset="0"/>
+              <a:ea typeface="微软雅黑" panose="020B0503020204020204" pitchFamily="34" charset="-122"/>
+              <a:sym typeface="Arial" panose="020B0604020202090204" pitchFamily="34" charset="0"/>
+            </a:endParaRPr>
+          </a:p>
+          <a:p>
+            <a:pPr algn="ctr">
+              <a:buNone/>
+            </a:pPr>
+            <a:r>
+              <a:rPr lang="en-US" altLang="zh-CN" sz="1050" dirty="0">
+                <a:solidFill>
+                  <a:schemeClr val="bg1"/>
+                </a:solidFill>
+                <a:latin typeface="Arial" panose="020B0604020202090204" pitchFamily="34" charset="0"/>
+                <a:ea typeface="微软雅黑" panose="020B0503020204020204" pitchFamily="34" charset="-122"/>
+                <a:sym typeface="Arial" panose="020B0604020202090204" pitchFamily="34" charset="0"/>
+              </a:rPr>
+              <a:t>INTRODUCTION </a:t>
+            </a:r>
+            <a:endParaRPr lang="zh-CN" altLang="en-US" sz="1050" dirty="0">
+              <a:solidFill>
+                <a:schemeClr val="bg1"/>
+              </a:solidFill>
+              <a:latin typeface="Arial" panose="020B0604020202090204" pitchFamily="34" charset="0"/>
+              <a:ea typeface="微软雅黑" panose="020B0503020204020204" pitchFamily="34" charset="-122"/>
+              <a:sym typeface="Arial" panose="020B0604020202090204" pitchFamily="34" charset="0"/>
+            </a:endParaRPr>
+          </a:p>
+        </p:txBody>
+      </p:sp>
+      <p:sp>
+        <p:nvSpPr>
+          <p:cNvPr id="10" name="MH_SubTitle_2"/>
+          <p:cNvSpPr>
+            <a:spLocks noChangeArrowheads="1"/>
+          </p:cNvSpPr>
+          <p:nvPr>
+            <p:custDataLst>
+              <p:tags r:id="rId7"/>
+            </p:custDataLst>
+          </p:nvPr>
+        </p:nvSpPr>
+        <p:spPr bwMode="gray">
+          <a:xfrm>
+            <a:off x="6506239" y="2797132"/>
+            <a:ext cx="4395530" cy="683047"/>
+          </a:xfrm>
+          <a:prstGeom prst="roundRect">
+            <a:avLst>
+              <a:gd name="adj" fmla="val 50000"/>
+            </a:avLst>
+          </a:prstGeom>
+          <a:solidFill>
+            <a:schemeClr val="accent3"/>
+          </a:solidFill>
+          <a:ln>
+            <a:noFill/>
+          </a:ln>
+        </p:spPr>
+        <p:txBody>
+          <a:bodyPr lIns="0" tIns="0" rIns="0" bIns="0" anchor="ctr" anchorCtr="1">
+            <a:noAutofit/>
+          </a:bodyPr>
+          <a:lstStyle>
+            <a:lvl1pPr eaLnBrk="0" hangingPunct="0">
+              <a:spcBef>
+                <a:spcPct val="20000"/>
+              </a:spcBef>
+              <a:buChar char="•"/>
+              <a:defRPr kumimoji="1" sz="2800" b="1">
+                <a:solidFill>
+                  <a:schemeClr val="tx1"/>
+                </a:solidFill>
+                <a:latin typeface="微軟正黑體" panose="020B0604030504040204" pitchFamily="34" charset="-120"/>
+                <a:ea typeface="微軟正黑體" panose="020B0604030504040204" pitchFamily="34" charset="-120"/>
+              </a:defRPr>
+            </a:lvl1pPr>
+            <a:lvl2pPr marL="742950" indent="-285750" eaLnBrk="0" hangingPunct="0">
+              <a:spcBef>
+                <a:spcPct val="20000"/>
+              </a:spcBef>
+              <a:buChar char="–"/>
+              <a:defRPr kumimoji="1" sz="2400" b="1">
+                <a:solidFill>
+                  <a:schemeClr val="tx1"/>
+                </a:solidFill>
+                <a:latin typeface="微軟正黑體" panose="020B0604030504040204" pitchFamily="34" charset="-120"/>
+                <a:ea typeface="微軟正黑體" panose="020B0604030504040204" pitchFamily="34" charset="-120"/>
+              </a:defRPr>
+            </a:lvl2pPr>
+            <a:lvl3pPr marL="1143000" indent="-228600" eaLnBrk="0" hangingPunct="0">
+              <a:spcBef>
+                <a:spcPct val="20000"/>
+              </a:spcBef>
+              <a:buChar char="•"/>
+              <a:defRPr kumimoji="1" sz="2000" b="1">
+                <a:solidFill>
+                  <a:schemeClr val="tx1"/>
+                </a:solidFill>
+                <a:latin typeface="微軟正黑體" panose="020B0604030504040204" pitchFamily="34" charset="-120"/>
+                <a:ea typeface="微軟正黑體" panose="020B0604030504040204" pitchFamily="34" charset="-120"/>
+              </a:defRPr>
+            </a:lvl3pPr>
+            <a:lvl4pPr marL="1600200" indent="-228600" eaLnBrk="0" hangingPunct="0">
+              <a:spcBef>
+                <a:spcPct val="20000"/>
+              </a:spcBef>
+              <a:buChar char="–"/>
+              <a:defRPr kumimoji="1" b="1">
+                <a:solidFill>
+                  <a:schemeClr val="tx1"/>
+                </a:solidFill>
+                <a:latin typeface="微軟正黑體" panose="020B0604030504040204" pitchFamily="34" charset="-120"/>
+                <a:ea typeface="微軟正黑體" panose="020B0604030504040204" pitchFamily="34" charset="-120"/>
+              </a:defRPr>
+            </a:lvl4pPr>
+            <a:lvl5pPr marL="2057400" indent="-228600" eaLnBrk="0" hangingPunct="0">
+              <a:spcBef>
+                <a:spcPct val="20000"/>
+              </a:spcBef>
+              <a:buChar char="»"/>
+              <a:defRPr kumimoji="1" sz="2000">
+                <a:solidFill>
+                  <a:schemeClr val="bg1"/>
+                </a:solidFill>
+                <a:latin typeface="Arial" panose="020B0604020202090204" pitchFamily="34" charset="0"/>
+                <a:ea typeface="PMingLiU" panose="02020500000000000000" pitchFamily="18" charset="-120"/>
+              </a:defRPr>
+            </a:lvl5pPr>
+            <a:lvl6pPr marL="2514600" indent="-228600" eaLnBrk="0" fontAlgn="base" hangingPunct="0">
+              <a:spcBef>
+                <a:spcPct val="20000"/>
+              </a:spcBef>
+              <a:spcAft>
+                <a:spcPct val="0"/>
+              </a:spcAft>
+              <a:buChar char="»"/>
+              <a:defRPr kumimoji="1" sz="2000">
+                <a:solidFill>
+                  <a:schemeClr val="bg1"/>
+                </a:solidFill>
+                <a:latin typeface="Arial" panose="020B0604020202090204" pitchFamily="34" charset="0"/>
+                <a:ea typeface="PMingLiU" panose="02020500000000000000" pitchFamily="18" charset="-120"/>
+              </a:defRPr>
+            </a:lvl6pPr>
+            <a:lvl7pPr marL="2971800" indent="-228600" eaLnBrk="0" fontAlgn="base" hangingPunct="0">
+              <a:spcBef>
+                <a:spcPct val="20000"/>
+              </a:spcBef>
+              <a:spcAft>
+                <a:spcPct val="0"/>
+              </a:spcAft>
+              <a:buChar char="»"/>
+              <a:defRPr kumimoji="1" sz="2000">
+                <a:solidFill>
+                  <a:schemeClr val="bg1"/>
+                </a:solidFill>
+                <a:latin typeface="Arial" panose="020B0604020202090204" pitchFamily="34" charset="0"/>
+                <a:ea typeface="PMingLiU" panose="02020500000000000000" pitchFamily="18" charset="-120"/>
+              </a:defRPr>
+            </a:lvl7pPr>
+            <a:lvl8pPr marL="3429000" indent="-228600" eaLnBrk="0" fontAlgn="base" hangingPunct="0">
+              <a:spcBef>
+                <a:spcPct val="20000"/>
+              </a:spcBef>
+              <a:spcAft>
+                <a:spcPct val="0"/>
+              </a:spcAft>
+              <a:buChar char="»"/>
+              <a:defRPr kumimoji="1" sz="2000">
+                <a:solidFill>
+                  <a:schemeClr val="bg1"/>
+                </a:solidFill>
+                <a:latin typeface="Arial" panose="020B0604020202090204" pitchFamily="34" charset="0"/>
+                <a:ea typeface="PMingLiU" panose="02020500000000000000" pitchFamily="18" charset="-120"/>
+              </a:defRPr>
+            </a:lvl8pPr>
+            <a:lvl9pPr marL="3886200" indent="-228600" eaLnBrk="0" fontAlgn="base" hangingPunct="0">
+              <a:spcBef>
+                <a:spcPct val="20000"/>
+              </a:spcBef>
+              <a:spcAft>
+                <a:spcPct val="0"/>
+              </a:spcAft>
+              <a:buChar char="»"/>
+              <a:defRPr kumimoji="1" sz="2000">
+                <a:solidFill>
+                  <a:schemeClr val="bg1"/>
+                </a:solidFill>
+                <a:latin typeface="Arial" panose="020B0604020202090204" pitchFamily="34" charset="0"/>
+                <a:ea typeface="PMingLiU" panose="02020500000000000000" pitchFamily="18" charset="-120"/>
+              </a:defRPr>
+            </a:lvl9pPr>
+          </a:lstStyle>
+          <a:p>
+            <a:pPr lvl="0" algn="ctr">
+              <a:buNone/>
+            </a:pPr>
+            <a:r>
+              <a:rPr lang="zh-CN" altLang="en-US" sz="2000" dirty="0">
+                <a:solidFill>
+                  <a:schemeClr val="bg1"/>
+                </a:solidFill>
+                <a:latin typeface="Arial" panose="020B0604020202090204" pitchFamily="34" charset="0"/>
+                <a:ea typeface="微软雅黑" panose="020B0503020204020204" pitchFamily="34" charset="-122"/>
+                <a:sym typeface="Arial" panose="020B0604020202090204" pitchFamily="34" charset="0"/>
+              </a:rPr>
+              <a:t>知识点应用及创新点</a:t>
+            </a:r>
+            <a:endParaRPr lang="en-US" altLang="zh-CN" sz="2000" dirty="0">
+              <a:solidFill>
+                <a:schemeClr val="bg1"/>
+              </a:solidFill>
+              <a:latin typeface="Arial" panose="020B0604020202090204" pitchFamily="34" charset="0"/>
+              <a:ea typeface="微软雅黑" panose="020B0503020204020204" pitchFamily="34" charset="-122"/>
+              <a:sym typeface="Arial" panose="020B0604020202090204" pitchFamily="34" charset="0"/>
+            </a:endParaRPr>
+          </a:p>
+          <a:p>
+            <a:pPr lvl="0" algn="ctr">
+              <a:buNone/>
+            </a:pPr>
+            <a:r>
+              <a:rPr lang="en-US" altLang="zh-CN" sz="1050" dirty="0">
+                <a:solidFill>
+                  <a:schemeClr val="bg1"/>
+                </a:solidFill>
+                <a:latin typeface="Arial" panose="020B0604020202090204" pitchFamily="34" charset="0"/>
+                <a:ea typeface="微软雅黑" panose="020B0503020204020204" pitchFamily="34" charset="-122"/>
+                <a:sym typeface="Arial" panose="020B0604020202090204" pitchFamily="34" charset="0"/>
+              </a:rPr>
+              <a:t>COMPLETION OF WORK</a:t>
+            </a:r>
+            <a:endParaRPr lang="zh-CN" altLang="en-US" sz="1050" dirty="0">
+              <a:solidFill>
+                <a:schemeClr val="bg1"/>
+              </a:solidFill>
+              <a:latin typeface="Arial" panose="020B0604020202090204" pitchFamily="34" charset="0"/>
+              <a:ea typeface="微软雅黑" panose="020B0503020204020204" pitchFamily="34" charset="-122"/>
+              <a:sym typeface="Arial" panose="020B0604020202090204" pitchFamily="34" charset="0"/>
+            </a:endParaRPr>
+          </a:p>
+        </p:txBody>
+      </p:sp>
+      <p:sp>
+        <p:nvSpPr>
+          <p:cNvPr id="11" name="MH_SubTitle_3"/>
+          <p:cNvSpPr>
+            <a:spLocks noChangeArrowheads="1"/>
+          </p:cNvSpPr>
+          <p:nvPr>
+            <p:custDataLst>
+              <p:tags r:id="rId8"/>
+            </p:custDataLst>
+          </p:nvPr>
+        </p:nvSpPr>
+        <p:spPr bwMode="gray">
+          <a:xfrm>
+            <a:off x="6506239" y="3833420"/>
+            <a:ext cx="4395530" cy="681372"/>
+          </a:xfrm>
+          <a:prstGeom prst="roundRect">
+            <a:avLst>
+              <a:gd name="adj" fmla="val 50000"/>
+            </a:avLst>
+          </a:prstGeom>
+          <a:solidFill>
+            <a:schemeClr val="accent4"/>
+          </a:solidFill>
+          <a:ln>
+            <a:noFill/>
+          </a:ln>
+        </p:spPr>
+        <p:txBody>
+          <a:bodyPr lIns="0" tIns="0" rIns="0" bIns="0" anchor="ctr" anchorCtr="1">
+            <a:noAutofit/>
+          </a:bodyPr>
+          <a:lstStyle>
+            <a:lvl1pPr eaLnBrk="0" hangingPunct="0">
+              <a:spcBef>
+                <a:spcPct val="20000"/>
+              </a:spcBef>
+              <a:buChar char="•"/>
+              <a:defRPr kumimoji="1" sz="2800" b="1">
+                <a:solidFill>
+                  <a:schemeClr val="tx1"/>
+                </a:solidFill>
+                <a:latin typeface="微軟正黑體" panose="020B0604030504040204" pitchFamily="34" charset="-120"/>
+                <a:ea typeface="微軟正黑體" panose="020B0604030504040204" pitchFamily="34" charset="-120"/>
+              </a:defRPr>
+            </a:lvl1pPr>
+            <a:lvl2pPr marL="742950" indent="-285750" eaLnBrk="0" hangingPunct="0">
+              <a:spcBef>
+                <a:spcPct val="20000"/>
+              </a:spcBef>
+              <a:buChar char="–"/>
+              <a:defRPr kumimoji="1" sz="2400" b="1">
+                <a:solidFill>
+                  <a:schemeClr val="tx1"/>
+                </a:solidFill>
+                <a:latin typeface="微軟正黑體" panose="020B0604030504040204" pitchFamily="34" charset="-120"/>
+                <a:ea typeface="微軟正黑體" panose="020B0604030504040204" pitchFamily="34" charset="-120"/>
+              </a:defRPr>
+            </a:lvl2pPr>
+            <a:lvl3pPr marL="1143000" indent="-228600" eaLnBrk="0" hangingPunct="0">
+              <a:spcBef>
+                <a:spcPct val="20000"/>
+              </a:spcBef>
+              <a:buChar char="•"/>
+              <a:defRPr kumimoji="1" sz="2000" b="1">
+                <a:solidFill>
+                  <a:schemeClr val="tx1"/>
+                </a:solidFill>
+                <a:latin typeface="微軟正黑體" panose="020B0604030504040204" pitchFamily="34" charset="-120"/>
+                <a:ea typeface="微軟正黑體" panose="020B0604030504040204" pitchFamily="34" charset="-120"/>
+              </a:defRPr>
+            </a:lvl3pPr>
+            <a:lvl4pPr marL="1600200" indent="-228600" eaLnBrk="0" hangingPunct="0">
+              <a:spcBef>
+                <a:spcPct val="20000"/>
+              </a:spcBef>
+              <a:buChar char="–"/>
+              <a:defRPr kumimoji="1" b="1">
+                <a:solidFill>
+                  <a:schemeClr val="tx1"/>
+                </a:solidFill>
+                <a:latin typeface="微軟正黑體" panose="020B0604030504040204" pitchFamily="34" charset="-120"/>
+                <a:ea typeface="微軟正黑體" panose="020B0604030504040204" pitchFamily="34" charset="-120"/>
+              </a:defRPr>
+            </a:lvl4pPr>
+            <a:lvl5pPr marL="2057400" indent="-228600" eaLnBrk="0" hangingPunct="0">
+              <a:spcBef>
+                <a:spcPct val="20000"/>
+              </a:spcBef>
+              <a:buChar char="»"/>
+              <a:defRPr kumimoji="1" sz="2000">
+                <a:solidFill>
+                  <a:schemeClr val="bg1"/>
+                </a:solidFill>
+                <a:latin typeface="Arial" panose="020B0604020202090204" pitchFamily="34" charset="0"/>
+                <a:ea typeface="PMingLiU" panose="02020500000000000000" pitchFamily="18" charset="-120"/>
+              </a:defRPr>
+            </a:lvl5pPr>
+            <a:lvl6pPr marL="2514600" indent="-228600" eaLnBrk="0" fontAlgn="base" hangingPunct="0">
+              <a:spcBef>
+                <a:spcPct val="20000"/>
+              </a:spcBef>
+              <a:spcAft>
+                <a:spcPct val="0"/>
+              </a:spcAft>
+              <a:buChar char="»"/>
+              <a:defRPr kumimoji="1" sz="2000">
+                <a:solidFill>
+                  <a:schemeClr val="bg1"/>
+                </a:solidFill>
+                <a:latin typeface="Arial" panose="020B0604020202090204" pitchFamily="34" charset="0"/>
+                <a:ea typeface="PMingLiU" panose="02020500000000000000" pitchFamily="18" charset="-120"/>
+              </a:defRPr>
+            </a:lvl6pPr>
+            <a:lvl7pPr marL="2971800" indent="-228600" eaLnBrk="0" fontAlgn="base" hangingPunct="0">
+              <a:spcBef>
+                <a:spcPct val="20000"/>
+              </a:spcBef>
+              <a:spcAft>
+                <a:spcPct val="0"/>
+              </a:spcAft>
+              <a:buChar char="»"/>
+              <a:defRPr kumimoji="1" sz="2000">
+                <a:solidFill>
+                  <a:schemeClr val="bg1"/>
+                </a:solidFill>
+                <a:latin typeface="Arial" panose="020B0604020202090204" pitchFamily="34" charset="0"/>
+                <a:ea typeface="PMingLiU" panose="02020500000000000000" pitchFamily="18" charset="-120"/>
+              </a:defRPr>
+            </a:lvl7pPr>
+            <a:lvl8pPr marL="3429000" indent="-228600" eaLnBrk="0" fontAlgn="base" hangingPunct="0">
+              <a:spcBef>
+                <a:spcPct val="20000"/>
+              </a:spcBef>
+              <a:spcAft>
+                <a:spcPct val="0"/>
+              </a:spcAft>
+              <a:buChar char="»"/>
+              <a:defRPr kumimoji="1" sz="2000">
+                <a:solidFill>
+                  <a:schemeClr val="bg1"/>
+                </a:solidFill>
+                <a:latin typeface="Arial" panose="020B0604020202090204" pitchFamily="34" charset="0"/>
+                <a:ea typeface="PMingLiU" panose="02020500000000000000" pitchFamily="18" charset="-120"/>
+              </a:defRPr>
+            </a:lvl8pPr>
+            <a:lvl9pPr marL="3886200" indent="-228600" eaLnBrk="0" fontAlgn="base" hangingPunct="0">
+              <a:spcBef>
+                <a:spcPct val="20000"/>
+              </a:spcBef>
+              <a:spcAft>
+                <a:spcPct val="0"/>
+              </a:spcAft>
+              <a:buChar char="»"/>
+              <a:defRPr kumimoji="1" sz="2000">
+                <a:solidFill>
+                  <a:schemeClr val="bg1"/>
+                </a:solidFill>
+                <a:latin typeface="Arial" panose="020B0604020202090204" pitchFamily="34" charset="0"/>
+                <a:ea typeface="PMingLiU" panose="02020500000000000000" pitchFamily="18" charset="-120"/>
+              </a:defRPr>
+            </a:lvl9pPr>
+          </a:lstStyle>
+          <a:p>
+            <a:pPr lvl="0" algn="ctr">
+              <a:buNone/>
+            </a:pPr>
+            <a:r>
+              <a:rPr lang="zh-CN" altLang="en-US" sz="2000" dirty="0">
+                <a:solidFill>
+                  <a:schemeClr val="bg1"/>
+                </a:solidFill>
+                <a:latin typeface="Arial" panose="020B0604020202090204" pitchFamily="34" charset="0"/>
+                <a:ea typeface="微软雅黑" panose="020B0503020204020204" pitchFamily="34" charset="-122"/>
+                <a:sym typeface="Arial" panose="020B0604020202090204" pitchFamily="34" charset="0"/>
+              </a:rPr>
+              <a:t>存在的不足与展望</a:t>
+            </a:r>
+            <a:endParaRPr lang="en-US" altLang="zh-CN" sz="2000" dirty="0">
+              <a:solidFill>
+                <a:schemeClr val="bg1"/>
+              </a:solidFill>
+              <a:latin typeface="Arial" panose="020B0604020202090204" pitchFamily="34" charset="0"/>
+              <a:ea typeface="微软雅黑" panose="020B0503020204020204" pitchFamily="34" charset="-122"/>
+              <a:sym typeface="Arial" panose="020B0604020202090204" pitchFamily="34" charset="0"/>
+            </a:endParaRPr>
+          </a:p>
+          <a:p>
+            <a:pPr lvl="0" algn="ctr">
+              <a:buNone/>
+            </a:pPr>
+            <a:r>
+              <a:rPr lang="en-US" altLang="zh-CN" sz="1050" dirty="0">
+                <a:solidFill>
+                  <a:schemeClr val="bg1"/>
+                </a:solidFill>
+                <a:latin typeface="Arial" panose="020B0604020202090204" pitchFamily="34" charset="0"/>
+                <a:ea typeface="微软雅黑" panose="020B0503020204020204" pitchFamily="34" charset="-122"/>
+                <a:sym typeface="Arial" panose="020B0604020202090204" pitchFamily="34" charset="0"/>
+              </a:rPr>
+              <a:t>Default And Improvement </a:t>
+            </a:r>
+            <a:endParaRPr lang="zh-CN" altLang="en-US" sz="1050" dirty="0">
+              <a:solidFill>
+                <a:schemeClr val="bg1"/>
+              </a:solidFill>
+              <a:latin typeface="Arial" panose="020B0604020202090204" pitchFamily="34" charset="0"/>
+              <a:ea typeface="微软雅黑" panose="020B0503020204020204" pitchFamily="34" charset="-122"/>
+              <a:sym typeface="Arial" panose="020B0604020202090204" pitchFamily="34" charset="0"/>
+            </a:endParaRPr>
+          </a:p>
+        </p:txBody>
+      </p:sp>
+      <p:sp>
+        <p:nvSpPr>
+          <p:cNvPr id="12" name="MH_Other_5"/>
+          <p:cNvSpPr>
+            <a:spLocks noChangeArrowheads="1"/>
+          </p:cNvSpPr>
+          <p:nvPr>
+            <p:custDataLst>
+              <p:tags r:id="rId9"/>
+            </p:custDataLst>
+          </p:nvPr>
+        </p:nvSpPr>
+        <p:spPr bwMode="gray">
+          <a:xfrm>
+            <a:off x="1758943" y="2308999"/>
+            <a:ext cx="2606465" cy="2606465"/>
+          </a:xfrm>
+          <a:prstGeom prst="ellipse">
+            <a:avLst/>
+          </a:prstGeom>
+          <a:solidFill>
+            <a:schemeClr val="accent1">
+              <a:lumMod val="40000"/>
+              <a:lumOff val="60000"/>
+            </a:schemeClr>
+          </a:solidFill>
+          <a:ln>
+            <a:noFill/>
+          </a:ln>
+        </p:spPr>
+        <p:txBody>
+          <a:bodyPr lIns="0" tIns="0" rIns="0" bIns="0" anchor="ctr" anchorCtr="1">
+            <a:normAutofit/>
+          </a:bodyPr>
+          <a:lstStyle>
+            <a:lvl1pPr eaLnBrk="0" hangingPunct="0">
+              <a:spcBef>
+                <a:spcPct val="20000"/>
+              </a:spcBef>
+              <a:buChar char="•"/>
+              <a:defRPr kumimoji="1" sz="2800" b="1">
+                <a:solidFill>
+                  <a:schemeClr val="tx1"/>
+                </a:solidFill>
+                <a:latin typeface="微軟正黑體" panose="020B0604030504040204" pitchFamily="34" charset="-120"/>
+                <a:ea typeface="微軟正黑體" panose="020B0604030504040204" pitchFamily="34" charset="-120"/>
+              </a:defRPr>
+            </a:lvl1pPr>
+            <a:lvl2pPr marL="742950" indent="-285750" eaLnBrk="0" hangingPunct="0">
+              <a:spcBef>
+                <a:spcPct val="20000"/>
+              </a:spcBef>
+              <a:buChar char="–"/>
+              <a:defRPr kumimoji="1" sz="2400" b="1">
+                <a:solidFill>
+                  <a:schemeClr val="tx1"/>
+                </a:solidFill>
+                <a:latin typeface="微軟正黑體" panose="020B0604030504040204" pitchFamily="34" charset="-120"/>
+                <a:ea typeface="微軟正黑體" panose="020B0604030504040204" pitchFamily="34" charset="-120"/>
+              </a:defRPr>
+            </a:lvl2pPr>
+            <a:lvl3pPr marL="1143000" indent="-228600" eaLnBrk="0" hangingPunct="0">
+              <a:spcBef>
+                <a:spcPct val="20000"/>
+              </a:spcBef>
+              <a:buChar char="•"/>
+              <a:defRPr kumimoji="1" sz="2000" b="1">
+                <a:solidFill>
+                  <a:schemeClr val="tx1"/>
+                </a:solidFill>
+                <a:latin typeface="微軟正黑體" panose="020B0604030504040204" pitchFamily="34" charset="-120"/>
+                <a:ea typeface="微軟正黑體" panose="020B0604030504040204" pitchFamily="34" charset="-120"/>
+              </a:defRPr>
+            </a:lvl3pPr>
+            <a:lvl4pPr marL="1600200" indent="-228600" eaLnBrk="0" hangingPunct="0">
+              <a:spcBef>
+                <a:spcPct val="20000"/>
+              </a:spcBef>
+              <a:buChar char="–"/>
+              <a:defRPr kumimoji="1" b="1">
+                <a:solidFill>
+                  <a:schemeClr val="tx1"/>
+                </a:solidFill>
+                <a:latin typeface="微軟正黑體" panose="020B0604030504040204" pitchFamily="34" charset="-120"/>
+                <a:ea typeface="微軟正黑體" panose="020B0604030504040204" pitchFamily="34" charset="-120"/>
+              </a:defRPr>
+            </a:lvl4pPr>
+            <a:lvl5pPr marL="2057400" indent="-228600" eaLnBrk="0" hangingPunct="0">
+              <a:spcBef>
+                <a:spcPct val="20000"/>
+              </a:spcBef>
+              <a:buChar char="»"/>
+              <a:defRPr kumimoji="1" sz="2000">
+                <a:solidFill>
+                  <a:schemeClr val="bg1"/>
+                </a:solidFill>
+                <a:latin typeface="Arial" panose="020B0604020202090204" pitchFamily="34" charset="0"/>
+                <a:ea typeface="PMingLiU" panose="02020500000000000000" pitchFamily="18" charset="-120"/>
+              </a:defRPr>
+            </a:lvl5pPr>
+            <a:lvl6pPr marL="2514600" indent="-228600" eaLnBrk="0" fontAlgn="base" hangingPunct="0">
+              <a:spcBef>
+                <a:spcPct val="20000"/>
+              </a:spcBef>
+              <a:spcAft>
+                <a:spcPct val="0"/>
+              </a:spcAft>
+              <a:buChar char="»"/>
+              <a:defRPr kumimoji="1" sz="2000">
+                <a:solidFill>
+                  <a:schemeClr val="bg1"/>
+                </a:solidFill>
+                <a:latin typeface="Arial" panose="020B0604020202090204" pitchFamily="34" charset="0"/>
+                <a:ea typeface="PMingLiU" panose="02020500000000000000" pitchFamily="18" charset="-120"/>
+              </a:defRPr>
+            </a:lvl6pPr>
+            <a:lvl7pPr marL="2971800" indent="-228600" eaLnBrk="0" fontAlgn="base" hangingPunct="0">
+              <a:spcBef>
+                <a:spcPct val="20000"/>
+              </a:spcBef>
+              <a:spcAft>
+                <a:spcPct val="0"/>
+              </a:spcAft>
+              <a:buChar char="»"/>
+              <a:defRPr kumimoji="1" sz="2000">
+                <a:solidFill>
+                  <a:schemeClr val="bg1"/>
+                </a:solidFill>
+                <a:latin typeface="Arial" panose="020B0604020202090204" pitchFamily="34" charset="0"/>
+                <a:ea typeface="PMingLiU" panose="02020500000000000000" pitchFamily="18" charset="-120"/>
+              </a:defRPr>
+            </a:lvl7pPr>
+            <a:lvl8pPr marL="3429000" indent="-228600" eaLnBrk="0" fontAlgn="base" hangingPunct="0">
+              <a:spcBef>
+                <a:spcPct val="20000"/>
+              </a:spcBef>
+              <a:spcAft>
+                <a:spcPct val="0"/>
+              </a:spcAft>
+              <a:buChar char="»"/>
+              <a:defRPr kumimoji="1" sz="2000">
+                <a:solidFill>
+                  <a:schemeClr val="bg1"/>
+                </a:solidFill>
+                <a:latin typeface="Arial" panose="020B0604020202090204" pitchFamily="34" charset="0"/>
+                <a:ea typeface="PMingLiU" panose="02020500000000000000" pitchFamily="18" charset="-120"/>
+              </a:defRPr>
+            </a:lvl8pPr>
+            <a:lvl9pPr marL="3886200" indent="-228600" eaLnBrk="0" fontAlgn="base" hangingPunct="0">
+              <a:spcBef>
+                <a:spcPct val="20000"/>
+              </a:spcBef>
+              <a:spcAft>
+                <a:spcPct val="0"/>
+              </a:spcAft>
+              <a:buChar char="»"/>
+              <a:defRPr kumimoji="1" sz="2000">
+                <a:solidFill>
+                  <a:schemeClr val="bg1"/>
+                </a:solidFill>
+                <a:latin typeface="Arial" panose="020B0604020202090204" pitchFamily="34" charset="0"/>
+                <a:ea typeface="PMingLiU" panose="02020500000000000000" pitchFamily="18" charset="-120"/>
+              </a:defRPr>
+            </a:lvl9pPr>
+          </a:lstStyle>
+          <a:p>
+            <a:pPr algn="ctr" eaLnBrk="1" hangingPunct="1">
+              <a:spcBef>
+                <a:spcPct val="0"/>
+              </a:spcBef>
+              <a:buNone/>
+              <a:defRPr/>
+            </a:pPr>
+            <a:endParaRPr lang="zh-TW" altLang="en-US" sz="2530" b="0" dirty="0">
+              <a:solidFill>
+                <a:srgbClr val="FFFFFF"/>
+              </a:solidFill>
+              <a:latin typeface="Arial" panose="020B0604020202090204" pitchFamily="34" charset="0"/>
+              <a:ea typeface="微软雅黑" panose="020B0503020204020204" pitchFamily="34" charset="-122"/>
+              <a:sym typeface="Arial" panose="020B0604020202090204" pitchFamily="34" charset="0"/>
+            </a:endParaRPr>
+          </a:p>
+        </p:txBody>
+      </p:sp>
+      <p:sp>
+        <p:nvSpPr>
+          <p:cNvPr id="13" name="MH_Title_1"/>
+          <p:cNvSpPr/>
+          <p:nvPr>
+            <p:custDataLst>
+              <p:tags r:id="rId10"/>
+            </p:custDataLst>
+          </p:nvPr>
+        </p:nvSpPr>
+        <p:spPr>
+          <a:xfrm>
+            <a:off x="2049357" y="2599413"/>
+            <a:ext cx="2026043" cy="2026043"/>
+          </a:xfrm>
+          <a:prstGeom prst="ellipse">
+            <a:avLst/>
+          </a:prstGeom>
+          <a:solidFill>
+            <a:schemeClr val="accent1"/>
+          </a:solidFill>
+          <a:ln>
+            <a:noFill/>
+          </a:ln>
+        </p:spPr>
+        <p:style>
+          <a:lnRef idx="2">
+            <a:schemeClr val="accent1">
+              <a:shade val="50000"/>
+            </a:schemeClr>
+          </a:lnRef>
+          <a:fillRef idx="1">
+            <a:schemeClr val="accent1"/>
+          </a:fillRef>
+          <a:effectRef idx="0">
+            <a:schemeClr val="accent1"/>
+          </a:effectRef>
+          <a:fontRef idx="minor">
+            <a:schemeClr val="lt1"/>
+          </a:fontRef>
+        </p:style>
+        <p:txBody>
+          <a:bodyPr lIns="0" tIns="0" rIns="0" bIns="0" anchor="ctr">
+            <a:noAutofit/>
+          </a:bodyPr>
+          <a:lstStyle/>
+          <a:p>
+            <a:pPr algn="ctr">
+              <a:defRPr/>
+            </a:pPr>
+            <a:r>
+              <a:rPr lang="zh-CN" altLang="en-US" sz="5400" dirty="0">
+                <a:solidFill>
+                  <a:srgbClr val="FFFFFF"/>
+                </a:solidFill>
+                <a:latin typeface="Arial" panose="020B0604020202090204" pitchFamily="34" charset="0"/>
+                <a:ea typeface="微软雅黑" panose="020B0503020204020204" pitchFamily="34" charset="-122"/>
+                <a:sym typeface="Arial" panose="020B0604020202090204" pitchFamily="34" charset="0"/>
+              </a:rPr>
+              <a:t>目录</a:t>
+            </a:r>
+            <a:endParaRPr lang="zh-TW" altLang="en-US" sz="5400" dirty="0">
+              <a:solidFill>
+                <a:srgbClr val="FFFFFF"/>
+              </a:solidFill>
+              <a:latin typeface="Arial" panose="020B0604020202090204" pitchFamily="34" charset="0"/>
+              <a:ea typeface="微软雅黑" panose="020B0503020204020204" pitchFamily="34" charset="-122"/>
+              <a:sym typeface="Arial" panose="020B0604020202090204" pitchFamily="34" charset="0"/>
+            </a:endParaRPr>
+          </a:p>
+        </p:txBody>
+      </p:sp>
+      <p:pic>
+        <p:nvPicPr>
+          <p:cNvPr id="4" name="图片 3" descr="中山大学logo"/>
+          <p:cNvPicPr>
+            <a:picLocks noChangeAspect="1"/>
+          </p:cNvPicPr>
+          <p:nvPr/>
+        </p:nvPicPr>
+        <p:blipFill>
+          <a:blip r:embed="rId11"/>
+          <a:stretch>
+            <a:fillRect/>
+          </a:stretch>
+        </p:blipFill>
+        <p:spPr>
+          <a:xfrm>
+            <a:off x="11608435" y="243205"/>
+            <a:ext cx="793750" cy="793750"/>
+          </a:xfrm>
+          <a:prstGeom prst="rect">
+            <a:avLst/>
+          </a:prstGeom>
+        </p:spPr>
+      </p:pic>
+      <p:pic>
+        <p:nvPicPr>
+          <p:cNvPr id="2" name="图片 1" descr="Chat"/>
+          <p:cNvPicPr>
+            <a:picLocks noChangeAspect="1"/>
+          </p:cNvPicPr>
+          <p:nvPr/>
+        </p:nvPicPr>
+        <p:blipFill>
+          <a:blip r:embed="rId12"/>
+          <a:stretch>
+            <a:fillRect/>
+          </a:stretch>
+        </p:blipFill>
+        <p:spPr>
+          <a:xfrm>
+            <a:off x="699770" y="353695"/>
+            <a:ext cx="1178560" cy="980440"/>
+          </a:xfrm>
+          <a:prstGeom prst="rect">
+            <a:avLst/>
+          </a:prstGeom>
+        </p:spPr>
+      </p:pic>
+    </p:spTree>
+    <p:custDataLst>
+      <p:tags r:id="rId13"/>
+    </p:custDataLst>
+  </p:cSld>
+  <p:clrMapOvr>
+    <a:masterClrMapping/>
+  </p:clrMapOvr>
+  <mc:AlternateContent xmlns:mc="http://schemas.openxmlformats.org/markup-compatibility/2006">
+    <mc:Choice xmlns:p14="http://schemas.microsoft.com/office/powerpoint/2010/main" Requires="p14">
+      <p:transition spd="slow" p14:dur="500"/>
+    </mc:Choice>
+    <mc:Fallback>
+      <p:transition spd="slow"/>
+    </mc:Fallback>
+  </mc:AlternateContent>
+  <p:timing>
+    <p:tnLst>
+      <p:par>
+        <p:cTn id="1" dur="indefinite" restart="never" nodeType="tmRoot"/>
+      </p:par>
+    </p:tnLst>
+  </p:timing>
+</p:sld>
+</file>
+
+<file path=ppt/slides/slide20.xml><?xml version="1.0" encoding="utf-8"?>
 <p:sld xmlns:a="http://schemas.openxmlformats.org/drawingml/2006/main" xmlns:r="http://schemas.openxmlformats.org/officeDocument/2006/relationships" xmlns:p="http://schemas.openxmlformats.org/presentationml/2006/main">
   <p:cSld>
     <p:spTree>
@@ -17210,1449 +19667,6 @@
   <mc:AlternateContent xmlns:mc="http://schemas.openxmlformats.org/markup-compatibility/2006">
     <mc:Choice xmlns:p14="http://schemas.microsoft.com/office/powerpoint/2010/main" Requires="p14">
       <p:transition spd="slow" p14:dur="2000"/>
-    </mc:Choice>
-    <mc:Fallback>
-      <p:transition spd="slow"/>
-    </mc:Fallback>
-  </mc:AlternateContent>
-  <p:timing>
-    <p:tnLst>
-      <p:par>
-        <p:cTn id="1" dur="indefinite" restart="never" nodeType="tmRoot"/>
-      </p:par>
-    </p:tnLst>
-  </p:timing>
-</p:sld>
-</file>
-
-<file path=ppt/slides/slide2.xml><?xml version="1.0" encoding="utf-8"?>
-<p:sld xmlns:a="http://schemas.openxmlformats.org/drawingml/2006/main" xmlns:r="http://schemas.openxmlformats.org/officeDocument/2006/relationships" xmlns:p="http://schemas.openxmlformats.org/presentationml/2006/main">
-  <p:cSld>
-    <p:spTree>
-      <p:nvGrpSpPr>
-        <p:cNvPr id="1" name=""/>
-        <p:cNvGrpSpPr/>
-        <p:nvPr/>
-      </p:nvGrpSpPr>
-      <p:grpSpPr>
-        <a:xfrm>
-          <a:off x="0" y="0"/>
-          <a:ext cx="0" cy="0"/>
-          <a:chOff x="0" y="0"/>
-          <a:chExt cx="0" cy="0"/>
-        </a:xfrm>
-      </p:grpSpPr>
-      <p:sp>
-        <p:nvSpPr>
-          <p:cNvPr id="3" name="MH_SubTitle_4"/>
-          <p:cNvSpPr>
-            <a:spLocks noChangeArrowheads="1"/>
-          </p:cNvSpPr>
-          <p:nvPr>
-            <p:custDataLst>
-              <p:tags r:id="rId1"/>
-            </p:custDataLst>
-          </p:nvPr>
-        </p:nvSpPr>
-        <p:spPr bwMode="gray">
-          <a:xfrm>
-            <a:off x="6506239" y="4869707"/>
-            <a:ext cx="4395530" cy="681372"/>
-          </a:xfrm>
-          <a:prstGeom prst="roundRect">
-            <a:avLst>
-              <a:gd name="adj" fmla="val 50000"/>
-            </a:avLst>
-          </a:prstGeom>
-          <a:solidFill>
-            <a:schemeClr val="accent5"/>
-          </a:solidFill>
-          <a:ln>
-            <a:noFill/>
-          </a:ln>
-        </p:spPr>
-        <p:txBody>
-          <a:bodyPr lIns="0" tIns="0" rIns="0" bIns="0" anchor="ctr" anchorCtr="1">
-            <a:noAutofit/>
-          </a:bodyPr>
-          <a:lstStyle>
-            <a:lvl1pPr eaLnBrk="0" hangingPunct="0">
-              <a:spcBef>
-                <a:spcPct val="20000"/>
-              </a:spcBef>
-              <a:buChar char="•"/>
-              <a:defRPr kumimoji="1" sz="2800" b="1">
-                <a:solidFill>
-                  <a:schemeClr val="tx1"/>
-                </a:solidFill>
-                <a:latin typeface="微軟正黑體" panose="020B0604030504040204" pitchFamily="34" charset="-120"/>
-                <a:ea typeface="微軟正黑體" panose="020B0604030504040204" pitchFamily="34" charset="-120"/>
-              </a:defRPr>
-            </a:lvl1pPr>
-            <a:lvl2pPr marL="742950" indent="-285750" eaLnBrk="0" hangingPunct="0">
-              <a:spcBef>
-                <a:spcPct val="20000"/>
-              </a:spcBef>
-              <a:buChar char="–"/>
-              <a:defRPr kumimoji="1" sz="2400" b="1">
-                <a:solidFill>
-                  <a:schemeClr val="tx1"/>
-                </a:solidFill>
-                <a:latin typeface="微軟正黑體" panose="020B0604030504040204" pitchFamily="34" charset="-120"/>
-                <a:ea typeface="微軟正黑體" panose="020B0604030504040204" pitchFamily="34" charset="-120"/>
-              </a:defRPr>
-            </a:lvl2pPr>
-            <a:lvl3pPr marL="1143000" indent="-228600" eaLnBrk="0" hangingPunct="0">
-              <a:spcBef>
-                <a:spcPct val="20000"/>
-              </a:spcBef>
-              <a:buChar char="•"/>
-              <a:defRPr kumimoji="1" sz="2000" b="1">
-                <a:solidFill>
-                  <a:schemeClr val="tx1"/>
-                </a:solidFill>
-                <a:latin typeface="微軟正黑體" panose="020B0604030504040204" pitchFamily="34" charset="-120"/>
-                <a:ea typeface="微軟正黑體" panose="020B0604030504040204" pitchFamily="34" charset="-120"/>
-              </a:defRPr>
-            </a:lvl3pPr>
-            <a:lvl4pPr marL="1600200" indent="-228600" eaLnBrk="0" hangingPunct="0">
-              <a:spcBef>
-                <a:spcPct val="20000"/>
-              </a:spcBef>
-              <a:buChar char="–"/>
-              <a:defRPr kumimoji="1" b="1">
-                <a:solidFill>
-                  <a:schemeClr val="tx1"/>
-                </a:solidFill>
-                <a:latin typeface="微軟正黑體" panose="020B0604030504040204" pitchFamily="34" charset="-120"/>
-                <a:ea typeface="微軟正黑體" panose="020B0604030504040204" pitchFamily="34" charset="-120"/>
-              </a:defRPr>
-            </a:lvl4pPr>
-            <a:lvl5pPr marL="2057400" indent="-228600" eaLnBrk="0" hangingPunct="0">
-              <a:spcBef>
-                <a:spcPct val="20000"/>
-              </a:spcBef>
-              <a:buChar char="»"/>
-              <a:defRPr kumimoji="1" sz="2000">
-                <a:solidFill>
-                  <a:schemeClr val="bg1"/>
-                </a:solidFill>
-                <a:latin typeface="Arial" panose="020B0604020202090204" pitchFamily="34" charset="0"/>
-                <a:ea typeface="PMingLiU" panose="02020500000000000000" pitchFamily="18" charset="-120"/>
-              </a:defRPr>
-            </a:lvl5pPr>
-            <a:lvl6pPr marL="2514600" indent="-228600" eaLnBrk="0" fontAlgn="base" hangingPunct="0">
-              <a:spcBef>
-                <a:spcPct val="20000"/>
-              </a:spcBef>
-              <a:spcAft>
-                <a:spcPct val="0"/>
-              </a:spcAft>
-              <a:buChar char="»"/>
-              <a:defRPr kumimoji="1" sz="2000">
-                <a:solidFill>
-                  <a:schemeClr val="bg1"/>
-                </a:solidFill>
-                <a:latin typeface="Arial" panose="020B0604020202090204" pitchFamily="34" charset="0"/>
-                <a:ea typeface="PMingLiU" panose="02020500000000000000" pitchFamily="18" charset="-120"/>
-              </a:defRPr>
-            </a:lvl6pPr>
-            <a:lvl7pPr marL="2971800" indent="-228600" eaLnBrk="0" fontAlgn="base" hangingPunct="0">
-              <a:spcBef>
-                <a:spcPct val="20000"/>
-              </a:spcBef>
-              <a:spcAft>
-                <a:spcPct val="0"/>
-              </a:spcAft>
-              <a:buChar char="»"/>
-              <a:defRPr kumimoji="1" sz="2000">
-                <a:solidFill>
-                  <a:schemeClr val="bg1"/>
-                </a:solidFill>
-                <a:latin typeface="Arial" panose="020B0604020202090204" pitchFamily="34" charset="0"/>
-                <a:ea typeface="PMingLiU" panose="02020500000000000000" pitchFamily="18" charset="-120"/>
-              </a:defRPr>
-            </a:lvl7pPr>
-            <a:lvl8pPr marL="3429000" indent="-228600" eaLnBrk="0" fontAlgn="base" hangingPunct="0">
-              <a:spcBef>
-                <a:spcPct val="20000"/>
-              </a:spcBef>
-              <a:spcAft>
-                <a:spcPct val="0"/>
-              </a:spcAft>
-              <a:buChar char="»"/>
-              <a:defRPr kumimoji="1" sz="2000">
-                <a:solidFill>
-                  <a:schemeClr val="bg1"/>
-                </a:solidFill>
-                <a:latin typeface="Arial" panose="020B0604020202090204" pitchFamily="34" charset="0"/>
-                <a:ea typeface="PMingLiU" panose="02020500000000000000" pitchFamily="18" charset="-120"/>
-              </a:defRPr>
-            </a:lvl8pPr>
-            <a:lvl9pPr marL="3886200" indent="-228600" eaLnBrk="0" fontAlgn="base" hangingPunct="0">
-              <a:spcBef>
-                <a:spcPct val="20000"/>
-              </a:spcBef>
-              <a:spcAft>
-                <a:spcPct val="0"/>
-              </a:spcAft>
-              <a:buChar char="»"/>
-              <a:defRPr kumimoji="1" sz="2000">
-                <a:solidFill>
-                  <a:schemeClr val="bg1"/>
-                </a:solidFill>
-                <a:latin typeface="Arial" panose="020B0604020202090204" pitchFamily="34" charset="0"/>
-                <a:ea typeface="PMingLiU" panose="02020500000000000000" pitchFamily="18" charset="-120"/>
-              </a:defRPr>
-            </a:lvl9pPr>
-          </a:lstStyle>
-          <a:p>
-            <a:pPr lvl="0" algn="ctr">
-              <a:buNone/>
-            </a:pPr>
-            <a:r>
-              <a:rPr lang="zh-CN" altLang="en-US" sz="2000" dirty="0">
-                <a:solidFill>
-                  <a:schemeClr val="bg1"/>
-                </a:solidFill>
-                <a:latin typeface="Arial" panose="020B0604020202090204" pitchFamily="34" charset="0"/>
-                <a:ea typeface="微软雅黑" panose="020B0503020204020204" pitchFamily="34" charset="-122"/>
-                <a:sym typeface="Arial" panose="020B0604020202090204" pitchFamily="34" charset="0"/>
-              </a:rPr>
-              <a:t>代码和运行情况展示</a:t>
-            </a:r>
-            <a:endParaRPr lang="en-US" altLang="zh-CN" sz="2000" dirty="0">
-              <a:solidFill>
-                <a:schemeClr val="bg1"/>
-              </a:solidFill>
-              <a:latin typeface="Arial" panose="020B0604020202090204" pitchFamily="34" charset="0"/>
-              <a:ea typeface="微软雅黑" panose="020B0503020204020204" pitchFamily="34" charset="-122"/>
-              <a:sym typeface="Arial" panose="020B0604020202090204" pitchFamily="34" charset="0"/>
-            </a:endParaRPr>
-          </a:p>
-          <a:p>
-            <a:pPr lvl="0" algn="ctr">
-              <a:buNone/>
-            </a:pPr>
-            <a:r>
-              <a:rPr lang="en-US" altLang="zh-CN" sz="1050" dirty="0">
-                <a:solidFill>
-                  <a:schemeClr val="bg1"/>
-                </a:solidFill>
-                <a:latin typeface="Arial" panose="020B0604020202090204" pitchFamily="34" charset="0"/>
-                <a:ea typeface="微软雅黑" panose="020B0503020204020204" pitchFamily="34" charset="-122"/>
-                <a:sym typeface="Arial" panose="020B0604020202090204" pitchFamily="34" charset="0"/>
-              </a:rPr>
-              <a:t>CODE AND SUCCESSFUL PROJECT</a:t>
-            </a:r>
-            <a:endParaRPr lang="en-US" altLang="zh-CN" sz="1050" dirty="0">
-              <a:solidFill>
-                <a:schemeClr val="bg1"/>
-              </a:solidFill>
-              <a:latin typeface="Arial" panose="020B0604020202090204" pitchFamily="34" charset="0"/>
-              <a:ea typeface="微软雅黑" panose="020B0503020204020204" pitchFamily="34" charset="-122"/>
-              <a:sym typeface="Arial" panose="020B0604020202090204" pitchFamily="34" charset="0"/>
-            </a:endParaRPr>
-          </a:p>
-        </p:txBody>
-      </p:sp>
-      <p:sp>
-        <p:nvSpPr>
-          <p:cNvPr id="5" name="MH_Other_1"/>
-          <p:cNvSpPr>
-            <a:spLocks noChangeShapeType="1"/>
-          </p:cNvSpPr>
-          <p:nvPr>
-            <p:custDataLst>
-              <p:tags r:id="rId2"/>
-            </p:custDataLst>
-          </p:nvPr>
-        </p:nvSpPr>
-        <p:spPr bwMode="auto">
-          <a:xfrm flipV="1">
-            <a:off x="3847718" y="2147567"/>
-            <a:ext cx="2467672" cy="1299127"/>
-          </a:xfrm>
-          <a:prstGeom prst="line">
-            <a:avLst/>
-          </a:prstGeom>
-          <a:noFill/>
-          <a:ln w="38100" cap="rnd">
-            <a:solidFill>
-              <a:schemeClr val="accent1">
-                <a:lumMod val="40000"/>
-                <a:lumOff val="60000"/>
-              </a:schemeClr>
-            </a:solidFill>
-            <a:prstDash val="sysDot"/>
-            <a:round/>
-            <a:tailEnd type="triangle" w="med" len="med"/>
-          </a:ln>
-          <a:extLst>
-            <a:ext uri="{909E8E84-426E-40DD-AFC4-6F175D3DCCD1}">
-              <a14:hiddenFill xmlns:a14="http://schemas.microsoft.com/office/drawing/2010/main">
-                <a:noFill/>
-              </a14:hiddenFill>
-            </a:ext>
-          </a:extLst>
-        </p:spPr>
-        <p:txBody>
-          <a:bodyPr lIns="0" tIns="0" rIns="0" bIns="0">
-            <a:normAutofit/>
-          </a:bodyPr>
-          <a:lstStyle/>
-          <a:p>
-            <a:pPr>
-              <a:defRPr/>
-            </a:pPr>
-            <a:endParaRPr lang="zh-CN" altLang="en-US" sz="2000">
-              <a:solidFill>
-                <a:srgbClr val="FFFFFF"/>
-              </a:solidFill>
-              <a:latin typeface="Arial" panose="020B0604020202090204" pitchFamily="34" charset="0"/>
-              <a:ea typeface="微软雅黑" panose="020B0503020204020204" pitchFamily="34" charset="-122"/>
-              <a:sym typeface="Arial" panose="020B0604020202090204" pitchFamily="34" charset="0"/>
-            </a:endParaRPr>
-          </a:p>
-        </p:txBody>
-      </p:sp>
-      <p:sp>
-        <p:nvSpPr>
-          <p:cNvPr id="6" name="MH_Other_2"/>
-          <p:cNvSpPr>
-            <a:spLocks noChangeShapeType="1"/>
-          </p:cNvSpPr>
-          <p:nvPr>
-            <p:custDataLst>
-              <p:tags r:id="rId3"/>
-            </p:custDataLst>
-          </p:nvPr>
-        </p:nvSpPr>
-        <p:spPr bwMode="auto">
-          <a:xfrm flipV="1">
-            <a:off x="3847718" y="3150373"/>
-            <a:ext cx="2482740" cy="385051"/>
-          </a:xfrm>
-          <a:prstGeom prst="line">
-            <a:avLst/>
-          </a:prstGeom>
-          <a:noFill/>
-          <a:ln w="38100" cap="rnd">
-            <a:solidFill>
-              <a:schemeClr val="accent1">
-                <a:lumMod val="40000"/>
-                <a:lumOff val="60000"/>
-              </a:schemeClr>
-            </a:solidFill>
-            <a:prstDash val="sysDot"/>
-            <a:round/>
-            <a:tailEnd type="triangle" w="med" len="med"/>
-          </a:ln>
-          <a:extLst>
-            <a:ext uri="{909E8E84-426E-40DD-AFC4-6F175D3DCCD1}">
-              <a14:hiddenFill xmlns:a14="http://schemas.microsoft.com/office/drawing/2010/main">
-                <a:noFill/>
-              </a14:hiddenFill>
-            </a:ext>
-          </a:extLst>
-        </p:spPr>
-        <p:txBody>
-          <a:bodyPr lIns="0" tIns="0" rIns="0" bIns="0">
-            <a:normAutofit/>
-          </a:bodyPr>
-          <a:lstStyle/>
-          <a:p>
-            <a:pPr>
-              <a:defRPr/>
-            </a:pPr>
-            <a:endParaRPr lang="zh-CN" altLang="en-US" sz="2000">
-              <a:solidFill>
-                <a:srgbClr val="FFFFFF"/>
-              </a:solidFill>
-              <a:latin typeface="Arial" panose="020B0604020202090204" pitchFamily="34" charset="0"/>
-              <a:ea typeface="微软雅黑" panose="020B0503020204020204" pitchFamily="34" charset="-122"/>
-              <a:sym typeface="Arial" panose="020B0604020202090204" pitchFamily="34" charset="0"/>
-            </a:endParaRPr>
-          </a:p>
-        </p:txBody>
-      </p:sp>
-      <p:sp>
-        <p:nvSpPr>
-          <p:cNvPr id="7" name="MH_Other_3"/>
-          <p:cNvSpPr>
-            <a:spLocks noChangeShapeType="1"/>
-          </p:cNvSpPr>
-          <p:nvPr>
-            <p:custDataLst>
-              <p:tags r:id="rId4"/>
-            </p:custDataLst>
-          </p:nvPr>
-        </p:nvSpPr>
-        <p:spPr bwMode="auto">
-          <a:xfrm>
-            <a:off x="3944817" y="3669353"/>
-            <a:ext cx="2370573" cy="369984"/>
-          </a:xfrm>
-          <a:prstGeom prst="line">
-            <a:avLst/>
-          </a:prstGeom>
-          <a:noFill/>
-          <a:ln w="38100" cap="rnd">
-            <a:solidFill>
-              <a:schemeClr val="accent1">
-                <a:lumMod val="40000"/>
-                <a:lumOff val="60000"/>
-              </a:schemeClr>
-            </a:solidFill>
-            <a:prstDash val="sysDot"/>
-            <a:round/>
-            <a:tailEnd type="triangle" w="med" len="med"/>
-          </a:ln>
-          <a:extLst>
-            <a:ext uri="{909E8E84-426E-40DD-AFC4-6F175D3DCCD1}">
-              <a14:hiddenFill xmlns:a14="http://schemas.microsoft.com/office/drawing/2010/main">
-                <a:noFill/>
-              </a14:hiddenFill>
-            </a:ext>
-          </a:extLst>
-        </p:spPr>
-        <p:txBody>
-          <a:bodyPr lIns="0" tIns="0" rIns="0" bIns="0">
-            <a:normAutofit/>
-          </a:bodyPr>
-          <a:lstStyle/>
-          <a:p>
-            <a:pPr>
-              <a:defRPr/>
-            </a:pPr>
-            <a:endParaRPr lang="zh-CN" altLang="en-US" sz="2000">
-              <a:solidFill>
-                <a:srgbClr val="FFFFFF"/>
-              </a:solidFill>
-              <a:latin typeface="Arial" panose="020B0604020202090204" pitchFamily="34" charset="0"/>
-              <a:ea typeface="微软雅黑" panose="020B0503020204020204" pitchFamily="34" charset="-122"/>
-              <a:sym typeface="Arial" panose="020B0604020202090204" pitchFamily="34" charset="0"/>
-            </a:endParaRPr>
-          </a:p>
-        </p:txBody>
-      </p:sp>
-      <p:sp>
-        <p:nvSpPr>
-          <p:cNvPr id="8" name="MH_Other_4"/>
-          <p:cNvSpPr>
-            <a:spLocks noChangeShapeType="1"/>
-          </p:cNvSpPr>
-          <p:nvPr>
-            <p:custDataLst>
-              <p:tags r:id="rId5"/>
-            </p:custDataLst>
-          </p:nvPr>
-        </p:nvSpPr>
-        <p:spPr bwMode="auto">
-          <a:xfrm>
-            <a:off x="4075399" y="3855184"/>
-            <a:ext cx="2271799" cy="1325913"/>
-          </a:xfrm>
-          <a:prstGeom prst="line">
-            <a:avLst/>
-          </a:prstGeom>
-          <a:noFill/>
-          <a:ln w="38100" cap="rnd">
-            <a:solidFill>
-              <a:schemeClr val="accent1">
-                <a:lumMod val="40000"/>
-                <a:lumOff val="60000"/>
-              </a:schemeClr>
-            </a:solidFill>
-            <a:prstDash val="sysDot"/>
-            <a:round/>
-            <a:tailEnd type="triangle" w="med" len="med"/>
-          </a:ln>
-          <a:extLst>
-            <a:ext uri="{909E8E84-426E-40DD-AFC4-6F175D3DCCD1}">
-              <a14:hiddenFill xmlns:a14="http://schemas.microsoft.com/office/drawing/2010/main">
-                <a:noFill/>
-              </a14:hiddenFill>
-            </a:ext>
-          </a:extLst>
-        </p:spPr>
-        <p:txBody>
-          <a:bodyPr lIns="0" tIns="0" rIns="0" bIns="0">
-            <a:normAutofit/>
-          </a:bodyPr>
-          <a:lstStyle/>
-          <a:p>
-            <a:pPr>
-              <a:defRPr/>
-            </a:pPr>
-            <a:endParaRPr lang="zh-CN" altLang="en-US" sz="2000">
-              <a:solidFill>
-                <a:srgbClr val="FFFFFF"/>
-              </a:solidFill>
-              <a:latin typeface="Arial" panose="020B0604020202090204" pitchFamily="34" charset="0"/>
-              <a:ea typeface="微软雅黑" panose="020B0503020204020204" pitchFamily="34" charset="-122"/>
-              <a:sym typeface="Arial" panose="020B0604020202090204" pitchFamily="34" charset="0"/>
-            </a:endParaRPr>
-          </a:p>
-        </p:txBody>
-      </p:sp>
-      <p:sp>
-        <p:nvSpPr>
-          <p:cNvPr id="9" name="MH_SubTitle_1"/>
-          <p:cNvSpPr>
-            <a:spLocks noChangeArrowheads="1"/>
-          </p:cNvSpPr>
-          <p:nvPr>
-            <p:custDataLst>
-              <p:tags r:id="rId6"/>
-            </p:custDataLst>
-          </p:nvPr>
-        </p:nvSpPr>
-        <p:spPr bwMode="gray">
-          <a:xfrm>
-            <a:off x="6506239" y="1774813"/>
-            <a:ext cx="4395530" cy="683047"/>
-          </a:xfrm>
-          <a:prstGeom prst="roundRect">
-            <a:avLst>
-              <a:gd name="adj" fmla="val 50000"/>
-            </a:avLst>
-          </a:prstGeom>
-          <a:solidFill>
-            <a:schemeClr val="accent2"/>
-          </a:solidFill>
-          <a:ln>
-            <a:noFill/>
-          </a:ln>
-        </p:spPr>
-        <p:txBody>
-          <a:bodyPr lIns="0" tIns="0" rIns="0" bIns="0" anchor="ctr" anchorCtr="1">
-            <a:noAutofit/>
-          </a:bodyPr>
-          <a:lstStyle>
-            <a:lvl1pPr eaLnBrk="0" hangingPunct="0">
-              <a:spcBef>
-                <a:spcPct val="20000"/>
-              </a:spcBef>
-              <a:buChar char="•"/>
-              <a:defRPr kumimoji="1" sz="2800" b="1">
-                <a:solidFill>
-                  <a:schemeClr val="tx1"/>
-                </a:solidFill>
-                <a:latin typeface="微軟正黑體" panose="020B0604030504040204" pitchFamily="34" charset="-120"/>
-                <a:ea typeface="微軟正黑體" panose="020B0604030504040204" pitchFamily="34" charset="-120"/>
-              </a:defRPr>
-            </a:lvl1pPr>
-            <a:lvl2pPr marL="742950" indent="-285750" eaLnBrk="0" hangingPunct="0">
-              <a:spcBef>
-                <a:spcPct val="20000"/>
-              </a:spcBef>
-              <a:buChar char="–"/>
-              <a:defRPr kumimoji="1" sz="2400" b="1">
-                <a:solidFill>
-                  <a:schemeClr val="tx1"/>
-                </a:solidFill>
-                <a:latin typeface="微軟正黑體" panose="020B0604030504040204" pitchFamily="34" charset="-120"/>
-                <a:ea typeface="微軟正黑體" panose="020B0604030504040204" pitchFamily="34" charset="-120"/>
-              </a:defRPr>
-            </a:lvl2pPr>
-            <a:lvl3pPr marL="1143000" indent="-228600" eaLnBrk="0" hangingPunct="0">
-              <a:spcBef>
-                <a:spcPct val="20000"/>
-              </a:spcBef>
-              <a:buChar char="•"/>
-              <a:defRPr kumimoji="1" sz="2000" b="1">
-                <a:solidFill>
-                  <a:schemeClr val="tx1"/>
-                </a:solidFill>
-                <a:latin typeface="微軟正黑體" panose="020B0604030504040204" pitchFamily="34" charset="-120"/>
-                <a:ea typeface="微軟正黑體" panose="020B0604030504040204" pitchFamily="34" charset="-120"/>
-              </a:defRPr>
-            </a:lvl3pPr>
-            <a:lvl4pPr marL="1600200" indent="-228600" eaLnBrk="0" hangingPunct="0">
-              <a:spcBef>
-                <a:spcPct val="20000"/>
-              </a:spcBef>
-              <a:buChar char="–"/>
-              <a:defRPr kumimoji="1" b="1">
-                <a:solidFill>
-                  <a:schemeClr val="tx1"/>
-                </a:solidFill>
-                <a:latin typeface="微軟正黑體" panose="020B0604030504040204" pitchFamily="34" charset="-120"/>
-                <a:ea typeface="微軟正黑體" panose="020B0604030504040204" pitchFamily="34" charset="-120"/>
-              </a:defRPr>
-            </a:lvl4pPr>
-            <a:lvl5pPr marL="2057400" indent="-228600" eaLnBrk="0" hangingPunct="0">
-              <a:spcBef>
-                <a:spcPct val="20000"/>
-              </a:spcBef>
-              <a:buChar char="»"/>
-              <a:defRPr kumimoji="1" sz="2000">
-                <a:solidFill>
-                  <a:schemeClr val="bg1"/>
-                </a:solidFill>
-                <a:latin typeface="Arial" panose="020B0604020202090204" pitchFamily="34" charset="0"/>
-                <a:ea typeface="PMingLiU" panose="02020500000000000000" pitchFamily="18" charset="-120"/>
-              </a:defRPr>
-            </a:lvl5pPr>
-            <a:lvl6pPr marL="2514600" indent="-228600" eaLnBrk="0" fontAlgn="base" hangingPunct="0">
-              <a:spcBef>
-                <a:spcPct val="20000"/>
-              </a:spcBef>
-              <a:spcAft>
-                <a:spcPct val="0"/>
-              </a:spcAft>
-              <a:buChar char="»"/>
-              <a:defRPr kumimoji="1" sz="2000">
-                <a:solidFill>
-                  <a:schemeClr val="bg1"/>
-                </a:solidFill>
-                <a:latin typeface="Arial" panose="020B0604020202090204" pitchFamily="34" charset="0"/>
-                <a:ea typeface="PMingLiU" panose="02020500000000000000" pitchFamily="18" charset="-120"/>
-              </a:defRPr>
-            </a:lvl6pPr>
-            <a:lvl7pPr marL="2971800" indent="-228600" eaLnBrk="0" fontAlgn="base" hangingPunct="0">
-              <a:spcBef>
-                <a:spcPct val="20000"/>
-              </a:spcBef>
-              <a:spcAft>
-                <a:spcPct val="0"/>
-              </a:spcAft>
-              <a:buChar char="»"/>
-              <a:defRPr kumimoji="1" sz="2000">
-                <a:solidFill>
-                  <a:schemeClr val="bg1"/>
-                </a:solidFill>
-                <a:latin typeface="Arial" panose="020B0604020202090204" pitchFamily="34" charset="0"/>
-                <a:ea typeface="PMingLiU" panose="02020500000000000000" pitchFamily="18" charset="-120"/>
-              </a:defRPr>
-            </a:lvl7pPr>
-            <a:lvl8pPr marL="3429000" indent="-228600" eaLnBrk="0" fontAlgn="base" hangingPunct="0">
-              <a:spcBef>
-                <a:spcPct val="20000"/>
-              </a:spcBef>
-              <a:spcAft>
-                <a:spcPct val="0"/>
-              </a:spcAft>
-              <a:buChar char="»"/>
-              <a:defRPr kumimoji="1" sz="2000">
-                <a:solidFill>
-                  <a:schemeClr val="bg1"/>
-                </a:solidFill>
-                <a:latin typeface="Arial" panose="020B0604020202090204" pitchFamily="34" charset="0"/>
-                <a:ea typeface="PMingLiU" panose="02020500000000000000" pitchFamily="18" charset="-120"/>
-              </a:defRPr>
-            </a:lvl8pPr>
-            <a:lvl9pPr marL="3886200" indent="-228600" eaLnBrk="0" fontAlgn="base" hangingPunct="0">
-              <a:spcBef>
-                <a:spcPct val="20000"/>
-              </a:spcBef>
-              <a:spcAft>
-                <a:spcPct val="0"/>
-              </a:spcAft>
-              <a:buChar char="»"/>
-              <a:defRPr kumimoji="1" sz="2000">
-                <a:solidFill>
-                  <a:schemeClr val="bg1"/>
-                </a:solidFill>
-                <a:latin typeface="Arial" panose="020B0604020202090204" pitchFamily="34" charset="0"/>
-                <a:ea typeface="PMingLiU" panose="02020500000000000000" pitchFamily="18" charset="-120"/>
-              </a:defRPr>
-            </a:lvl9pPr>
-          </a:lstStyle>
-          <a:p>
-            <a:pPr algn="ctr">
-              <a:buNone/>
-            </a:pPr>
-            <a:r>
-              <a:rPr lang="zh-CN" altLang="en-US" sz="2000" dirty="0">
-                <a:solidFill>
-                  <a:schemeClr val="bg1"/>
-                </a:solidFill>
-                <a:latin typeface="Arial" panose="020B0604020202090204" pitchFamily="34" charset="0"/>
-                <a:ea typeface="微软雅黑" panose="020B0503020204020204" pitchFamily="34" charset="-122"/>
-                <a:sym typeface="Arial" panose="020B0604020202090204" pitchFamily="34" charset="0"/>
-              </a:rPr>
-              <a:t>介绍</a:t>
-            </a:r>
-            <a:endParaRPr lang="en-US" altLang="zh-CN" sz="2000" dirty="0">
-              <a:solidFill>
-                <a:schemeClr val="bg1"/>
-              </a:solidFill>
-              <a:latin typeface="Arial" panose="020B0604020202090204" pitchFamily="34" charset="0"/>
-              <a:ea typeface="微软雅黑" panose="020B0503020204020204" pitchFamily="34" charset="-122"/>
-              <a:sym typeface="Arial" panose="020B0604020202090204" pitchFamily="34" charset="0"/>
-            </a:endParaRPr>
-          </a:p>
-          <a:p>
-            <a:pPr algn="ctr">
-              <a:buNone/>
-            </a:pPr>
-            <a:r>
-              <a:rPr lang="en-US" altLang="zh-CN" sz="1050" dirty="0">
-                <a:solidFill>
-                  <a:schemeClr val="bg1"/>
-                </a:solidFill>
-                <a:latin typeface="Arial" panose="020B0604020202090204" pitchFamily="34" charset="0"/>
-                <a:ea typeface="微软雅黑" panose="020B0503020204020204" pitchFamily="34" charset="-122"/>
-                <a:sym typeface="Arial" panose="020B0604020202090204" pitchFamily="34" charset="0"/>
-              </a:rPr>
-              <a:t>INTRODUCTION </a:t>
-            </a:r>
-            <a:endParaRPr lang="zh-CN" altLang="en-US" sz="1050" dirty="0">
-              <a:solidFill>
-                <a:schemeClr val="bg1"/>
-              </a:solidFill>
-              <a:latin typeface="Arial" panose="020B0604020202090204" pitchFamily="34" charset="0"/>
-              <a:ea typeface="微软雅黑" panose="020B0503020204020204" pitchFamily="34" charset="-122"/>
-              <a:sym typeface="Arial" panose="020B0604020202090204" pitchFamily="34" charset="0"/>
-            </a:endParaRPr>
-          </a:p>
-        </p:txBody>
-      </p:sp>
-      <p:sp>
-        <p:nvSpPr>
-          <p:cNvPr id="10" name="MH_SubTitle_2"/>
-          <p:cNvSpPr>
-            <a:spLocks noChangeArrowheads="1"/>
-          </p:cNvSpPr>
-          <p:nvPr>
-            <p:custDataLst>
-              <p:tags r:id="rId7"/>
-            </p:custDataLst>
-          </p:nvPr>
-        </p:nvSpPr>
-        <p:spPr bwMode="gray">
-          <a:xfrm>
-            <a:off x="6506239" y="2797132"/>
-            <a:ext cx="4395530" cy="683047"/>
-          </a:xfrm>
-          <a:prstGeom prst="roundRect">
-            <a:avLst>
-              <a:gd name="adj" fmla="val 50000"/>
-            </a:avLst>
-          </a:prstGeom>
-          <a:solidFill>
-            <a:schemeClr val="accent3"/>
-          </a:solidFill>
-          <a:ln>
-            <a:noFill/>
-          </a:ln>
-        </p:spPr>
-        <p:txBody>
-          <a:bodyPr lIns="0" tIns="0" rIns="0" bIns="0" anchor="ctr" anchorCtr="1">
-            <a:noAutofit/>
-          </a:bodyPr>
-          <a:lstStyle>
-            <a:lvl1pPr eaLnBrk="0" hangingPunct="0">
-              <a:spcBef>
-                <a:spcPct val="20000"/>
-              </a:spcBef>
-              <a:buChar char="•"/>
-              <a:defRPr kumimoji="1" sz="2800" b="1">
-                <a:solidFill>
-                  <a:schemeClr val="tx1"/>
-                </a:solidFill>
-                <a:latin typeface="微軟正黑體" panose="020B0604030504040204" pitchFamily="34" charset="-120"/>
-                <a:ea typeface="微軟正黑體" panose="020B0604030504040204" pitchFamily="34" charset="-120"/>
-              </a:defRPr>
-            </a:lvl1pPr>
-            <a:lvl2pPr marL="742950" indent="-285750" eaLnBrk="0" hangingPunct="0">
-              <a:spcBef>
-                <a:spcPct val="20000"/>
-              </a:spcBef>
-              <a:buChar char="–"/>
-              <a:defRPr kumimoji="1" sz="2400" b="1">
-                <a:solidFill>
-                  <a:schemeClr val="tx1"/>
-                </a:solidFill>
-                <a:latin typeface="微軟正黑體" panose="020B0604030504040204" pitchFamily="34" charset="-120"/>
-                <a:ea typeface="微軟正黑體" panose="020B0604030504040204" pitchFamily="34" charset="-120"/>
-              </a:defRPr>
-            </a:lvl2pPr>
-            <a:lvl3pPr marL="1143000" indent="-228600" eaLnBrk="0" hangingPunct="0">
-              <a:spcBef>
-                <a:spcPct val="20000"/>
-              </a:spcBef>
-              <a:buChar char="•"/>
-              <a:defRPr kumimoji="1" sz="2000" b="1">
-                <a:solidFill>
-                  <a:schemeClr val="tx1"/>
-                </a:solidFill>
-                <a:latin typeface="微軟正黑體" panose="020B0604030504040204" pitchFamily="34" charset="-120"/>
-                <a:ea typeface="微軟正黑體" panose="020B0604030504040204" pitchFamily="34" charset="-120"/>
-              </a:defRPr>
-            </a:lvl3pPr>
-            <a:lvl4pPr marL="1600200" indent="-228600" eaLnBrk="0" hangingPunct="0">
-              <a:spcBef>
-                <a:spcPct val="20000"/>
-              </a:spcBef>
-              <a:buChar char="–"/>
-              <a:defRPr kumimoji="1" b="1">
-                <a:solidFill>
-                  <a:schemeClr val="tx1"/>
-                </a:solidFill>
-                <a:latin typeface="微軟正黑體" panose="020B0604030504040204" pitchFamily="34" charset="-120"/>
-                <a:ea typeface="微軟正黑體" panose="020B0604030504040204" pitchFamily="34" charset="-120"/>
-              </a:defRPr>
-            </a:lvl4pPr>
-            <a:lvl5pPr marL="2057400" indent="-228600" eaLnBrk="0" hangingPunct="0">
-              <a:spcBef>
-                <a:spcPct val="20000"/>
-              </a:spcBef>
-              <a:buChar char="»"/>
-              <a:defRPr kumimoji="1" sz="2000">
-                <a:solidFill>
-                  <a:schemeClr val="bg1"/>
-                </a:solidFill>
-                <a:latin typeface="Arial" panose="020B0604020202090204" pitchFamily="34" charset="0"/>
-                <a:ea typeface="PMingLiU" panose="02020500000000000000" pitchFamily="18" charset="-120"/>
-              </a:defRPr>
-            </a:lvl5pPr>
-            <a:lvl6pPr marL="2514600" indent="-228600" eaLnBrk="0" fontAlgn="base" hangingPunct="0">
-              <a:spcBef>
-                <a:spcPct val="20000"/>
-              </a:spcBef>
-              <a:spcAft>
-                <a:spcPct val="0"/>
-              </a:spcAft>
-              <a:buChar char="»"/>
-              <a:defRPr kumimoji="1" sz="2000">
-                <a:solidFill>
-                  <a:schemeClr val="bg1"/>
-                </a:solidFill>
-                <a:latin typeface="Arial" panose="020B0604020202090204" pitchFamily="34" charset="0"/>
-                <a:ea typeface="PMingLiU" panose="02020500000000000000" pitchFamily="18" charset="-120"/>
-              </a:defRPr>
-            </a:lvl6pPr>
-            <a:lvl7pPr marL="2971800" indent="-228600" eaLnBrk="0" fontAlgn="base" hangingPunct="0">
-              <a:spcBef>
-                <a:spcPct val="20000"/>
-              </a:spcBef>
-              <a:spcAft>
-                <a:spcPct val="0"/>
-              </a:spcAft>
-              <a:buChar char="»"/>
-              <a:defRPr kumimoji="1" sz="2000">
-                <a:solidFill>
-                  <a:schemeClr val="bg1"/>
-                </a:solidFill>
-                <a:latin typeface="Arial" panose="020B0604020202090204" pitchFamily="34" charset="0"/>
-                <a:ea typeface="PMingLiU" panose="02020500000000000000" pitchFamily="18" charset="-120"/>
-              </a:defRPr>
-            </a:lvl7pPr>
-            <a:lvl8pPr marL="3429000" indent="-228600" eaLnBrk="0" fontAlgn="base" hangingPunct="0">
-              <a:spcBef>
-                <a:spcPct val="20000"/>
-              </a:spcBef>
-              <a:spcAft>
-                <a:spcPct val="0"/>
-              </a:spcAft>
-              <a:buChar char="»"/>
-              <a:defRPr kumimoji="1" sz="2000">
-                <a:solidFill>
-                  <a:schemeClr val="bg1"/>
-                </a:solidFill>
-                <a:latin typeface="Arial" panose="020B0604020202090204" pitchFamily="34" charset="0"/>
-                <a:ea typeface="PMingLiU" panose="02020500000000000000" pitchFamily="18" charset="-120"/>
-              </a:defRPr>
-            </a:lvl8pPr>
-            <a:lvl9pPr marL="3886200" indent="-228600" eaLnBrk="0" fontAlgn="base" hangingPunct="0">
-              <a:spcBef>
-                <a:spcPct val="20000"/>
-              </a:spcBef>
-              <a:spcAft>
-                <a:spcPct val="0"/>
-              </a:spcAft>
-              <a:buChar char="»"/>
-              <a:defRPr kumimoji="1" sz="2000">
-                <a:solidFill>
-                  <a:schemeClr val="bg1"/>
-                </a:solidFill>
-                <a:latin typeface="Arial" panose="020B0604020202090204" pitchFamily="34" charset="0"/>
-                <a:ea typeface="PMingLiU" panose="02020500000000000000" pitchFamily="18" charset="-120"/>
-              </a:defRPr>
-            </a:lvl9pPr>
-          </a:lstStyle>
-          <a:p>
-            <a:pPr lvl="0" algn="ctr">
-              <a:buNone/>
-            </a:pPr>
-            <a:r>
-              <a:rPr lang="zh-CN" altLang="en-US" sz="2000" dirty="0">
-                <a:solidFill>
-                  <a:schemeClr val="bg1"/>
-                </a:solidFill>
-                <a:latin typeface="Arial" panose="020B0604020202090204" pitchFamily="34" charset="0"/>
-                <a:ea typeface="微软雅黑" panose="020B0503020204020204" pitchFamily="34" charset="-122"/>
-                <a:sym typeface="Arial" panose="020B0604020202090204" pitchFamily="34" charset="0"/>
-              </a:rPr>
-              <a:t>知识点应用及创新点</a:t>
-            </a:r>
-            <a:endParaRPr lang="en-US" altLang="zh-CN" sz="2000" dirty="0">
-              <a:solidFill>
-                <a:schemeClr val="bg1"/>
-              </a:solidFill>
-              <a:latin typeface="Arial" panose="020B0604020202090204" pitchFamily="34" charset="0"/>
-              <a:ea typeface="微软雅黑" panose="020B0503020204020204" pitchFamily="34" charset="-122"/>
-              <a:sym typeface="Arial" panose="020B0604020202090204" pitchFamily="34" charset="0"/>
-            </a:endParaRPr>
-          </a:p>
-          <a:p>
-            <a:pPr lvl="0" algn="ctr">
-              <a:buNone/>
-            </a:pPr>
-            <a:r>
-              <a:rPr lang="en-US" altLang="zh-CN" sz="1050" dirty="0">
-                <a:solidFill>
-                  <a:schemeClr val="bg1"/>
-                </a:solidFill>
-                <a:latin typeface="Arial" panose="020B0604020202090204" pitchFamily="34" charset="0"/>
-                <a:ea typeface="微软雅黑" panose="020B0503020204020204" pitchFamily="34" charset="-122"/>
-                <a:sym typeface="Arial" panose="020B0604020202090204" pitchFamily="34" charset="0"/>
-              </a:rPr>
-              <a:t>COMPLETION OF WORK</a:t>
-            </a:r>
-            <a:endParaRPr lang="zh-CN" altLang="en-US" sz="1050" dirty="0">
-              <a:solidFill>
-                <a:schemeClr val="bg1"/>
-              </a:solidFill>
-              <a:latin typeface="Arial" panose="020B0604020202090204" pitchFamily="34" charset="0"/>
-              <a:ea typeface="微软雅黑" panose="020B0503020204020204" pitchFamily="34" charset="-122"/>
-              <a:sym typeface="Arial" panose="020B0604020202090204" pitchFamily="34" charset="0"/>
-            </a:endParaRPr>
-          </a:p>
-        </p:txBody>
-      </p:sp>
-      <p:sp>
-        <p:nvSpPr>
-          <p:cNvPr id="11" name="MH_SubTitle_3"/>
-          <p:cNvSpPr>
-            <a:spLocks noChangeArrowheads="1"/>
-          </p:cNvSpPr>
-          <p:nvPr>
-            <p:custDataLst>
-              <p:tags r:id="rId8"/>
-            </p:custDataLst>
-          </p:nvPr>
-        </p:nvSpPr>
-        <p:spPr bwMode="gray">
-          <a:xfrm>
-            <a:off x="6506239" y="3833420"/>
-            <a:ext cx="4395530" cy="681372"/>
-          </a:xfrm>
-          <a:prstGeom prst="roundRect">
-            <a:avLst>
-              <a:gd name="adj" fmla="val 50000"/>
-            </a:avLst>
-          </a:prstGeom>
-          <a:solidFill>
-            <a:schemeClr val="accent4"/>
-          </a:solidFill>
-          <a:ln>
-            <a:noFill/>
-          </a:ln>
-        </p:spPr>
-        <p:txBody>
-          <a:bodyPr lIns="0" tIns="0" rIns="0" bIns="0" anchor="ctr" anchorCtr="1">
-            <a:noAutofit/>
-          </a:bodyPr>
-          <a:lstStyle>
-            <a:lvl1pPr eaLnBrk="0" hangingPunct="0">
-              <a:spcBef>
-                <a:spcPct val="20000"/>
-              </a:spcBef>
-              <a:buChar char="•"/>
-              <a:defRPr kumimoji="1" sz="2800" b="1">
-                <a:solidFill>
-                  <a:schemeClr val="tx1"/>
-                </a:solidFill>
-                <a:latin typeface="微軟正黑體" panose="020B0604030504040204" pitchFamily="34" charset="-120"/>
-                <a:ea typeface="微軟正黑體" panose="020B0604030504040204" pitchFamily="34" charset="-120"/>
-              </a:defRPr>
-            </a:lvl1pPr>
-            <a:lvl2pPr marL="742950" indent="-285750" eaLnBrk="0" hangingPunct="0">
-              <a:spcBef>
-                <a:spcPct val="20000"/>
-              </a:spcBef>
-              <a:buChar char="–"/>
-              <a:defRPr kumimoji="1" sz="2400" b="1">
-                <a:solidFill>
-                  <a:schemeClr val="tx1"/>
-                </a:solidFill>
-                <a:latin typeface="微軟正黑體" panose="020B0604030504040204" pitchFamily="34" charset="-120"/>
-                <a:ea typeface="微軟正黑體" panose="020B0604030504040204" pitchFamily="34" charset="-120"/>
-              </a:defRPr>
-            </a:lvl2pPr>
-            <a:lvl3pPr marL="1143000" indent="-228600" eaLnBrk="0" hangingPunct="0">
-              <a:spcBef>
-                <a:spcPct val="20000"/>
-              </a:spcBef>
-              <a:buChar char="•"/>
-              <a:defRPr kumimoji="1" sz="2000" b="1">
-                <a:solidFill>
-                  <a:schemeClr val="tx1"/>
-                </a:solidFill>
-                <a:latin typeface="微軟正黑體" panose="020B0604030504040204" pitchFamily="34" charset="-120"/>
-                <a:ea typeface="微軟正黑體" panose="020B0604030504040204" pitchFamily="34" charset="-120"/>
-              </a:defRPr>
-            </a:lvl3pPr>
-            <a:lvl4pPr marL="1600200" indent="-228600" eaLnBrk="0" hangingPunct="0">
-              <a:spcBef>
-                <a:spcPct val="20000"/>
-              </a:spcBef>
-              <a:buChar char="–"/>
-              <a:defRPr kumimoji="1" b="1">
-                <a:solidFill>
-                  <a:schemeClr val="tx1"/>
-                </a:solidFill>
-                <a:latin typeface="微軟正黑體" panose="020B0604030504040204" pitchFamily="34" charset="-120"/>
-                <a:ea typeface="微軟正黑體" panose="020B0604030504040204" pitchFamily="34" charset="-120"/>
-              </a:defRPr>
-            </a:lvl4pPr>
-            <a:lvl5pPr marL="2057400" indent="-228600" eaLnBrk="0" hangingPunct="0">
-              <a:spcBef>
-                <a:spcPct val="20000"/>
-              </a:spcBef>
-              <a:buChar char="»"/>
-              <a:defRPr kumimoji="1" sz="2000">
-                <a:solidFill>
-                  <a:schemeClr val="bg1"/>
-                </a:solidFill>
-                <a:latin typeface="Arial" panose="020B0604020202090204" pitchFamily="34" charset="0"/>
-                <a:ea typeface="PMingLiU" panose="02020500000000000000" pitchFamily="18" charset="-120"/>
-              </a:defRPr>
-            </a:lvl5pPr>
-            <a:lvl6pPr marL="2514600" indent="-228600" eaLnBrk="0" fontAlgn="base" hangingPunct="0">
-              <a:spcBef>
-                <a:spcPct val="20000"/>
-              </a:spcBef>
-              <a:spcAft>
-                <a:spcPct val="0"/>
-              </a:spcAft>
-              <a:buChar char="»"/>
-              <a:defRPr kumimoji="1" sz="2000">
-                <a:solidFill>
-                  <a:schemeClr val="bg1"/>
-                </a:solidFill>
-                <a:latin typeface="Arial" panose="020B0604020202090204" pitchFamily="34" charset="0"/>
-                <a:ea typeface="PMingLiU" panose="02020500000000000000" pitchFamily="18" charset="-120"/>
-              </a:defRPr>
-            </a:lvl6pPr>
-            <a:lvl7pPr marL="2971800" indent="-228600" eaLnBrk="0" fontAlgn="base" hangingPunct="0">
-              <a:spcBef>
-                <a:spcPct val="20000"/>
-              </a:spcBef>
-              <a:spcAft>
-                <a:spcPct val="0"/>
-              </a:spcAft>
-              <a:buChar char="»"/>
-              <a:defRPr kumimoji="1" sz="2000">
-                <a:solidFill>
-                  <a:schemeClr val="bg1"/>
-                </a:solidFill>
-                <a:latin typeface="Arial" panose="020B0604020202090204" pitchFamily="34" charset="0"/>
-                <a:ea typeface="PMingLiU" panose="02020500000000000000" pitchFamily="18" charset="-120"/>
-              </a:defRPr>
-            </a:lvl7pPr>
-            <a:lvl8pPr marL="3429000" indent="-228600" eaLnBrk="0" fontAlgn="base" hangingPunct="0">
-              <a:spcBef>
-                <a:spcPct val="20000"/>
-              </a:spcBef>
-              <a:spcAft>
-                <a:spcPct val="0"/>
-              </a:spcAft>
-              <a:buChar char="»"/>
-              <a:defRPr kumimoji="1" sz="2000">
-                <a:solidFill>
-                  <a:schemeClr val="bg1"/>
-                </a:solidFill>
-                <a:latin typeface="Arial" panose="020B0604020202090204" pitchFamily="34" charset="0"/>
-                <a:ea typeface="PMingLiU" panose="02020500000000000000" pitchFamily="18" charset="-120"/>
-              </a:defRPr>
-            </a:lvl8pPr>
-            <a:lvl9pPr marL="3886200" indent="-228600" eaLnBrk="0" fontAlgn="base" hangingPunct="0">
-              <a:spcBef>
-                <a:spcPct val="20000"/>
-              </a:spcBef>
-              <a:spcAft>
-                <a:spcPct val="0"/>
-              </a:spcAft>
-              <a:buChar char="»"/>
-              <a:defRPr kumimoji="1" sz="2000">
-                <a:solidFill>
-                  <a:schemeClr val="bg1"/>
-                </a:solidFill>
-                <a:latin typeface="Arial" panose="020B0604020202090204" pitchFamily="34" charset="0"/>
-                <a:ea typeface="PMingLiU" panose="02020500000000000000" pitchFamily="18" charset="-120"/>
-              </a:defRPr>
-            </a:lvl9pPr>
-          </a:lstStyle>
-          <a:p>
-            <a:pPr lvl="0" algn="ctr">
-              <a:buNone/>
-            </a:pPr>
-            <a:r>
-              <a:rPr lang="zh-CN" altLang="en-US" sz="2000" dirty="0">
-                <a:solidFill>
-                  <a:schemeClr val="bg1"/>
-                </a:solidFill>
-                <a:latin typeface="Arial" panose="020B0604020202090204" pitchFamily="34" charset="0"/>
-                <a:ea typeface="微软雅黑" panose="020B0503020204020204" pitchFamily="34" charset="-122"/>
-                <a:sym typeface="Arial" panose="020B0604020202090204" pitchFamily="34" charset="0"/>
-              </a:rPr>
-              <a:t>存在的不足与展望</a:t>
-            </a:r>
-            <a:endParaRPr lang="en-US" altLang="zh-CN" sz="2000" dirty="0">
-              <a:solidFill>
-                <a:schemeClr val="bg1"/>
-              </a:solidFill>
-              <a:latin typeface="Arial" panose="020B0604020202090204" pitchFamily="34" charset="0"/>
-              <a:ea typeface="微软雅黑" panose="020B0503020204020204" pitchFamily="34" charset="-122"/>
-              <a:sym typeface="Arial" panose="020B0604020202090204" pitchFamily="34" charset="0"/>
-            </a:endParaRPr>
-          </a:p>
-          <a:p>
-            <a:pPr lvl="0" algn="ctr">
-              <a:buNone/>
-            </a:pPr>
-            <a:r>
-              <a:rPr lang="en-US" altLang="zh-CN" sz="1050" dirty="0">
-                <a:solidFill>
-                  <a:schemeClr val="bg1"/>
-                </a:solidFill>
-                <a:latin typeface="Arial" panose="020B0604020202090204" pitchFamily="34" charset="0"/>
-                <a:ea typeface="微软雅黑" panose="020B0503020204020204" pitchFamily="34" charset="-122"/>
-                <a:sym typeface="Arial" panose="020B0604020202090204" pitchFamily="34" charset="0"/>
-              </a:rPr>
-              <a:t>Default And Improvement </a:t>
-            </a:r>
-            <a:endParaRPr lang="zh-CN" altLang="en-US" sz="1050" dirty="0">
-              <a:solidFill>
-                <a:schemeClr val="bg1"/>
-              </a:solidFill>
-              <a:latin typeface="Arial" panose="020B0604020202090204" pitchFamily="34" charset="0"/>
-              <a:ea typeface="微软雅黑" panose="020B0503020204020204" pitchFamily="34" charset="-122"/>
-              <a:sym typeface="Arial" panose="020B0604020202090204" pitchFamily="34" charset="0"/>
-            </a:endParaRPr>
-          </a:p>
-        </p:txBody>
-      </p:sp>
-      <p:sp>
-        <p:nvSpPr>
-          <p:cNvPr id="12" name="MH_Other_5"/>
-          <p:cNvSpPr>
-            <a:spLocks noChangeArrowheads="1"/>
-          </p:cNvSpPr>
-          <p:nvPr>
-            <p:custDataLst>
-              <p:tags r:id="rId9"/>
-            </p:custDataLst>
-          </p:nvPr>
-        </p:nvSpPr>
-        <p:spPr bwMode="gray">
-          <a:xfrm>
-            <a:off x="1758943" y="2308999"/>
-            <a:ext cx="2606465" cy="2606465"/>
-          </a:xfrm>
-          <a:prstGeom prst="ellipse">
-            <a:avLst/>
-          </a:prstGeom>
-          <a:solidFill>
-            <a:schemeClr val="accent1">
-              <a:lumMod val="40000"/>
-              <a:lumOff val="60000"/>
-            </a:schemeClr>
-          </a:solidFill>
-          <a:ln>
-            <a:noFill/>
-          </a:ln>
-        </p:spPr>
-        <p:txBody>
-          <a:bodyPr lIns="0" tIns="0" rIns="0" bIns="0" anchor="ctr" anchorCtr="1">
-            <a:normAutofit/>
-          </a:bodyPr>
-          <a:lstStyle>
-            <a:lvl1pPr eaLnBrk="0" hangingPunct="0">
-              <a:spcBef>
-                <a:spcPct val="20000"/>
-              </a:spcBef>
-              <a:buChar char="•"/>
-              <a:defRPr kumimoji="1" sz="2800" b="1">
-                <a:solidFill>
-                  <a:schemeClr val="tx1"/>
-                </a:solidFill>
-                <a:latin typeface="微軟正黑體" panose="020B0604030504040204" pitchFamily="34" charset="-120"/>
-                <a:ea typeface="微軟正黑體" panose="020B0604030504040204" pitchFamily="34" charset="-120"/>
-              </a:defRPr>
-            </a:lvl1pPr>
-            <a:lvl2pPr marL="742950" indent="-285750" eaLnBrk="0" hangingPunct="0">
-              <a:spcBef>
-                <a:spcPct val="20000"/>
-              </a:spcBef>
-              <a:buChar char="–"/>
-              <a:defRPr kumimoji="1" sz="2400" b="1">
-                <a:solidFill>
-                  <a:schemeClr val="tx1"/>
-                </a:solidFill>
-                <a:latin typeface="微軟正黑體" panose="020B0604030504040204" pitchFamily="34" charset="-120"/>
-                <a:ea typeface="微軟正黑體" panose="020B0604030504040204" pitchFamily="34" charset="-120"/>
-              </a:defRPr>
-            </a:lvl2pPr>
-            <a:lvl3pPr marL="1143000" indent="-228600" eaLnBrk="0" hangingPunct="0">
-              <a:spcBef>
-                <a:spcPct val="20000"/>
-              </a:spcBef>
-              <a:buChar char="•"/>
-              <a:defRPr kumimoji="1" sz="2000" b="1">
-                <a:solidFill>
-                  <a:schemeClr val="tx1"/>
-                </a:solidFill>
-                <a:latin typeface="微軟正黑體" panose="020B0604030504040204" pitchFamily="34" charset="-120"/>
-                <a:ea typeface="微軟正黑體" panose="020B0604030504040204" pitchFamily="34" charset="-120"/>
-              </a:defRPr>
-            </a:lvl3pPr>
-            <a:lvl4pPr marL="1600200" indent="-228600" eaLnBrk="0" hangingPunct="0">
-              <a:spcBef>
-                <a:spcPct val="20000"/>
-              </a:spcBef>
-              <a:buChar char="–"/>
-              <a:defRPr kumimoji="1" b="1">
-                <a:solidFill>
-                  <a:schemeClr val="tx1"/>
-                </a:solidFill>
-                <a:latin typeface="微軟正黑體" panose="020B0604030504040204" pitchFamily="34" charset="-120"/>
-                <a:ea typeface="微軟正黑體" panose="020B0604030504040204" pitchFamily="34" charset="-120"/>
-              </a:defRPr>
-            </a:lvl4pPr>
-            <a:lvl5pPr marL="2057400" indent="-228600" eaLnBrk="0" hangingPunct="0">
-              <a:spcBef>
-                <a:spcPct val="20000"/>
-              </a:spcBef>
-              <a:buChar char="»"/>
-              <a:defRPr kumimoji="1" sz="2000">
-                <a:solidFill>
-                  <a:schemeClr val="bg1"/>
-                </a:solidFill>
-                <a:latin typeface="Arial" panose="020B0604020202090204" pitchFamily="34" charset="0"/>
-                <a:ea typeface="PMingLiU" panose="02020500000000000000" pitchFamily="18" charset="-120"/>
-              </a:defRPr>
-            </a:lvl5pPr>
-            <a:lvl6pPr marL="2514600" indent="-228600" eaLnBrk="0" fontAlgn="base" hangingPunct="0">
-              <a:spcBef>
-                <a:spcPct val="20000"/>
-              </a:spcBef>
-              <a:spcAft>
-                <a:spcPct val="0"/>
-              </a:spcAft>
-              <a:buChar char="»"/>
-              <a:defRPr kumimoji="1" sz="2000">
-                <a:solidFill>
-                  <a:schemeClr val="bg1"/>
-                </a:solidFill>
-                <a:latin typeface="Arial" panose="020B0604020202090204" pitchFamily="34" charset="0"/>
-                <a:ea typeface="PMingLiU" panose="02020500000000000000" pitchFamily="18" charset="-120"/>
-              </a:defRPr>
-            </a:lvl6pPr>
-            <a:lvl7pPr marL="2971800" indent="-228600" eaLnBrk="0" fontAlgn="base" hangingPunct="0">
-              <a:spcBef>
-                <a:spcPct val="20000"/>
-              </a:spcBef>
-              <a:spcAft>
-                <a:spcPct val="0"/>
-              </a:spcAft>
-              <a:buChar char="»"/>
-              <a:defRPr kumimoji="1" sz="2000">
-                <a:solidFill>
-                  <a:schemeClr val="bg1"/>
-                </a:solidFill>
-                <a:latin typeface="Arial" panose="020B0604020202090204" pitchFamily="34" charset="0"/>
-                <a:ea typeface="PMingLiU" panose="02020500000000000000" pitchFamily="18" charset="-120"/>
-              </a:defRPr>
-            </a:lvl7pPr>
-            <a:lvl8pPr marL="3429000" indent="-228600" eaLnBrk="0" fontAlgn="base" hangingPunct="0">
-              <a:spcBef>
-                <a:spcPct val="20000"/>
-              </a:spcBef>
-              <a:spcAft>
-                <a:spcPct val="0"/>
-              </a:spcAft>
-              <a:buChar char="»"/>
-              <a:defRPr kumimoji="1" sz="2000">
-                <a:solidFill>
-                  <a:schemeClr val="bg1"/>
-                </a:solidFill>
-                <a:latin typeface="Arial" panose="020B0604020202090204" pitchFamily="34" charset="0"/>
-                <a:ea typeface="PMingLiU" panose="02020500000000000000" pitchFamily="18" charset="-120"/>
-              </a:defRPr>
-            </a:lvl8pPr>
-            <a:lvl9pPr marL="3886200" indent="-228600" eaLnBrk="0" fontAlgn="base" hangingPunct="0">
-              <a:spcBef>
-                <a:spcPct val="20000"/>
-              </a:spcBef>
-              <a:spcAft>
-                <a:spcPct val="0"/>
-              </a:spcAft>
-              <a:buChar char="»"/>
-              <a:defRPr kumimoji="1" sz="2000">
-                <a:solidFill>
-                  <a:schemeClr val="bg1"/>
-                </a:solidFill>
-                <a:latin typeface="Arial" panose="020B0604020202090204" pitchFamily="34" charset="0"/>
-                <a:ea typeface="PMingLiU" panose="02020500000000000000" pitchFamily="18" charset="-120"/>
-              </a:defRPr>
-            </a:lvl9pPr>
-          </a:lstStyle>
-          <a:p>
-            <a:pPr algn="ctr" eaLnBrk="1" hangingPunct="1">
-              <a:spcBef>
-                <a:spcPct val="0"/>
-              </a:spcBef>
-              <a:buNone/>
-              <a:defRPr/>
-            </a:pPr>
-            <a:endParaRPr lang="zh-TW" altLang="en-US" sz="2530" b="0" dirty="0">
-              <a:solidFill>
-                <a:srgbClr val="FFFFFF"/>
-              </a:solidFill>
-              <a:latin typeface="Arial" panose="020B0604020202090204" pitchFamily="34" charset="0"/>
-              <a:ea typeface="微软雅黑" panose="020B0503020204020204" pitchFamily="34" charset="-122"/>
-              <a:sym typeface="Arial" panose="020B0604020202090204" pitchFamily="34" charset="0"/>
-            </a:endParaRPr>
-          </a:p>
-        </p:txBody>
-      </p:sp>
-      <p:sp>
-        <p:nvSpPr>
-          <p:cNvPr id="13" name="MH_Title_1"/>
-          <p:cNvSpPr/>
-          <p:nvPr>
-            <p:custDataLst>
-              <p:tags r:id="rId10"/>
-            </p:custDataLst>
-          </p:nvPr>
-        </p:nvSpPr>
-        <p:spPr>
-          <a:xfrm>
-            <a:off x="2049357" y="2599413"/>
-            <a:ext cx="2026043" cy="2026043"/>
-          </a:xfrm>
-          <a:prstGeom prst="ellipse">
-            <a:avLst/>
-          </a:prstGeom>
-          <a:solidFill>
-            <a:schemeClr val="accent1"/>
-          </a:solidFill>
-          <a:ln>
-            <a:noFill/>
-          </a:ln>
-        </p:spPr>
-        <p:style>
-          <a:lnRef idx="2">
-            <a:schemeClr val="accent1">
-              <a:shade val="50000"/>
-            </a:schemeClr>
-          </a:lnRef>
-          <a:fillRef idx="1">
-            <a:schemeClr val="accent1"/>
-          </a:fillRef>
-          <a:effectRef idx="0">
-            <a:schemeClr val="accent1"/>
-          </a:effectRef>
-          <a:fontRef idx="minor">
-            <a:schemeClr val="lt1"/>
-          </a:fontRef>
-        </p:style>
-        <p:txBody>
-          <a:bodyPr lIns="0" tIns="0" rIns="0" bIns="0" anchor="ctr">
-            <a:noAutofit/>
-          </a:bodyPr>
-          <a:lstStyle/>
-          <a:p>
-            <a:pPr algn="ctr">
-              <a:defRPr/>
-            </a:pPr>
-            <a:r>
-              <a:rPr lang="zh-CN" altLang="en-US" sz="5400" dirty="0">
-                <a:solidFill>
-                  <a:srgbClr val="FFFFFF"/>
-                </a:solidFill>
-                <a:latin typeface="Arial" panose="020B0604020202090204" pitchFamily="34" charset="0"/>
-                <a:ea typeface="微软雅黑" panose="020B0503020204020204" pitchFamily="34" charset="-122"/>
-                <a:sym typeface="Arial" panose="020B0604020202090204" pitchFamily="34" charset="0"/>
-              </a:rPr>
-              <a:t>目录</a:t>
-            </a:r>
-            <a:endParaRPr lang="zh-TW" altLang="en-US" sz="5400" dirty="0">
-              <a:solidFill>
-                <a:srgbClr val="FFFFFF"/>
-              </a:solidFill>
-              <a:latin typeface="Arial" panose="020B0604020202090204" pitchFamily="34" charset="0"/>
-              <a:ea typeface="微软雅黑" panose="020B0503020204020204" pitchFamily="34" charset="-122"/>
-              <a:sym typeface="Arial" panose="020B0604020202090204" pitchFamily="34" charset="0"/>
-            </a:endParaRPr>
-          </a:p>
-        </p:txBody>
-      </p:sp>
-      <p:pic>
-        <p:nvPicPr>
-          <p:cNvPr id="4" name="图片 3" descr="中山大学logo"/>
-          <p:cNvPicPr>
-            <a:picLocks noChangeAspect="1"/>
-          </p:cNvPicPr>
-          <p:nvPr/>
-        </p:nvPicPr>
-        <p:blipFill>
-          <a:blip r:embed="rId11"/>
-          <a:stretch>
-            <a:fillRect/>
-          </a:stretch>
-        </p:blipFill>
-        <p:spPr>
-          <a:xfrm>
-            <a:off x="11608435" y="243205"/>
-            <a:ext cx="793750" cy="793750"/>
-          </a:xfrm>
-          <a:prstGeom prst="rect">
-            <a:avLst/>
-          </a:prstGeom>
-        </p:spPr>
-      </p:pic>
-      <p:pic>
-        <p:nvPicPr>
-          <p:cNvPr id="2" name="图片 1" descr="Chat"/>
-          <p:cNvPicPr>
-            <a:picLocks noChangeAspect="1"/>
-          </p:cNvPicPr>
-          <p:nvPr/>
-        </p:nvPicPr>
-        <p:blipFill>
-          <a:blip r:embed="rId12"/>
-          <a:stretch>
-            <a:fillRect/>
-          </a:stretch>
-        </p:blipFill>
-        <p:spPr>
-          <a:xfrm>
-            <a:off x="699770" y="353695"/>
-            <a:ext cx="1178560" cy="980440"/>
-          </a:xfrm>
-          <a:prstGeom prst="rect">
-            <a:avLst/>
-          </a:prstGeom>
-        </p:spPr>
-      </p:pic>
-    </p:spTree>
-    <p:custDataLst>
-      <p:tags r:id="rId13"/>
-    </p:custDataLst>
-  </p:cSld>
-  <p:clrMapOvr>
-    <a:masterClrMapping/>
-  </p:clrMapOvr>
-  <mc:AlternateContent xmlns:mc="http://schemas.openxmlformats.org/markup-compatibility/2006">
-    <mc:Choice xmlns:p14="http://schemas.microsoft.com/office/powerpoint/2010/main" Requires="p14">
-      <p:transition spd="slow" p14:dur="500"/>
     </mc:Choice>
     <mc:Fallback>
       <p:transition spd="slow"/>

--- a/javaPPT.pptx
+++ b/javaPPT.pptx
@@ -5,32 +5,32 @@
     <p:sldMasterId id="2147483648" r:id="rId1"/>
   </p:sldMasterIdLst>
   <p:notesMasterIdLst>
-    <p:notesMasterId r:id="rId4"/>
+    <p:notesMasterId r:id="rId22"/>
   </p:notesMasterIdLst>
   <p:handoutMasterIdLst>
-    <p:handoutMasterId r:id="rId24"/>
+    <p:handoutMasterId r:id="rId23"/>
   </p:handoutMasterIdLst>
   <p:sldIdLst>
-    <p:sldId id="4249" r:id="rId3"/>
-    <p:sldId id="4243" r:id="rId5"/>
-    <p:sldId id="4244" r:id="rId6"/>
-    <p:sldId id="4219" r:id="rId7"/>
-    <p:sldId id="4241" r:id="rId8"/>
-    <p:sldId id="4272" r:id="rId9"/>
-    <p:sldId id="4305" r:id="rId10"/>
-    <p:sldId id="4245" r:id="rId11"/>
-    <p:sldId id="4273" r:id="rId12"/>
-    <p:sldId id="4274" r:id="rId13"/>
-    <p:sldId id="4317" r:id="rId14"/>
-    <p:sldId id="4275" r:id="rId15"/>
-    <p:sldId id="4316" r:id="rId16"/>
-    <p:sldId id="4277" r:id="rId17"/>
-    <p:sldId id="4299" r:id="rId18"/>
-    <p:sldId id="4326" r:id="rId19"/>
-    <p:sldId id="4279" r:id="rId20"/>
-    <p:sldId id="4276" r:id="rId21"/>
-    <p:sldId id="4298" r:id="rId22"/>
-    <p:sldId id="4280" r:id="rId23"/>
+    <p:sldId id="4249" r:id="rId2"/>
+    <p:sldId id="4243" r:id="rId3"/>
+    <p:sldId id="4244" r:id="rId4"/>
+    <p:sldId id="4219" r:id="rId5"/>
+    <p:sldId id="4241" r:id="rId6"/>
+    <p:sldId id="4272" r:id="rId7"/>
+    <p:sldId id="4305" r:id="rId8"/>
+    <p:sldId id="4245" r:id="rId9"/>
+    <p:sldId id="4273" r:id="rId10"/>
+    <p:sldId id="4274" r:id="rId11"/>
+    <p:sldId id="4317" r:id="rId12"/>
+    <p:sldId id="4275" r:id="rId13"/>
+    <p:sldId id="4316" r:id="rId14"/>
+    <p:sldId id="4277" r:id="rId15"/>
+    <p:sldId id="4299" r:id="rId16"/>
+    <p:sldId id="4326" r:id="rId17"/>
+    <p:sldId id="4279" r:id="rId18"/>
+    <p:sldId id="4276" r:id="rId19"/>
+    <p:sldId id="4298" r:id="rId20"/>
+    <p:sldId id="4280" r:id="rId21"/>
   </p:sldIdLst>
   <p:sldSz cx="12858750" cy="7232650"/>
   <p:notesSz cx="6858000" cy="9144000"/>
@@ -159,6 +159,45 @@
       </a:defRPr>
     </a:lvl9pPr>
   </p:defaultTextStyle>
+  <p:extLst>
+    <p:ext uri="{EFAFB233-063F-42B5-8137-9DF3F51BA10A}">
+      <p15:sldGuideLst xmlns:p15="http://schemas.microsoft.com/office/powerpoint/2012/main">
+        <p15:guide id="1" orient="horz" pos="311">
+          <p15:clr>
+            <a:srgbClr val="A4A3A4"/>
+          </p15:clr>
+        </p15:guide>
+        <p15:guide id="2" pos="4040">
+          <p15:clr>
+            <a:srgbClr val="A4A3A4"/>
+          </p15:clr>
+        </p15:guide>
+        <p15:guide id="3" pos="592">
+          <p15:clr>
+            <a:srgbClr val="A4A3A4"/>
+          </p15:clr>
+        </p15:guide>
+        <p15:guide id="4" orient="horz" pos="4182">
+          <p15:clr>
+            <a:srgbClr val="A4A3A4"/>
+          </p15:clr>
+        </p15:guide>
+        <p15:guide id="5" pos="7513">
+          <p15:clr>
+            <a:srgbClr val="A4A3A4"/>
+          </p15:clr>
+        </p15:guide>
+        <p15:guide id="6" pos="6912">
+          <p15:clr>
+            <a:srgbClr val="A4A3A4"/>
+          </p15:clr>
+        </p15:guide>
+      </p15:sldGuideLst>
+    </p:ext>
+    <p:ext uri="{2D200454-40CA-4A62-9FC3-DE9A4176ACB9}">
+      <p15:notesGuideLst xmlns:p15="http://schemas.microsoft.com/office/powerpoint/2012/main"/>
+    </p:ext>
+  </p:extLst>
 </p:presentation>
 </file>
 
@@ -244,6 +283,7 @@
           <a:p>
             <a:fld id="{E9630DBF-D010-4114-9DE3-41E342A27C18}" type="datetimeFigureOut">
               <a:rPr lang="zh-CN" altLang="en-US" smtClean="0"/>
+              <a:t>2021/1/4</a:t>
             </a:fld>
             <a:endParaRPr lang="zh-CN" altLang="en-US"/>
           </a:p>
@@ -309,12 +349,18 @@
           <a:p>
             <a:fld id="{D4D1D107-4CC9-43CA-8CA8-36E1DF70D5F2}" type="slidenum">
               <a:rPr lang="zh-CN" altLang="en-US" smtClean="0"/>
+              <a:t>‹#›</a:t>
             </a:fld>
             <a:endParaRPr lang="zh-CN" altLang="en-US"/>
           </a:p>
         </p:txBody>
       </p:sp>
     </p:spTree>
+    <p:extLst>
+      <p:ext uri="{BB962C8B-B14F-4D97-AF65-F5344CB8AC3E}">
+        <p14:creationId xmlns:p14="http://schemas.microsoft.com/office/powerpoint/2010/main" val="1"/>
+      </p:ext>
+    </p:extLst>
   </p:cSld>
   <p:clrMap bg1="lt1" tx1="dk1" bg2="lt2" tx2="dk2" accent1="accent1" accent2="accent2" accent3="accent3" accent4="accent4" accent5="accent5" accent6="accent6" hlink="hlink" folHlink="folHlink"/>
 </p:handoutMaster>
@@ -408,6 +454,7 @@
             </a:pPr>
             <a:fld id="{06024D97-E667-405D-B634-E583E2108D71}" type="datetimeFigureOut">
               <a:rPr lang="zh-CN" altLang="en-US"/>
+              <a:t>2021/1/4</a:t>
             </a:fld>
             <a:endParaRPr lang="zh-CN" altLang="en-US"/>
           </a:p>
@@ -475,7 +522,6 @@
               <a:rPr lang="zh-CN" altLang="en-US" noProof="0"/>
               <a:t>单击此处编辑母版文本样式</a:t>
             </a:r>
-            <a:endParaRPr lang="zh-CN" altLang="en-US" noProof="0"/>
           </a:p>
           <a:p>
             <a:pPr lvl="1"/>
@@ -483,7 +529,6 @@
               <a:rPr lang="zh-CN" altLang="en-US" noProof="0"/>
               <a:t>第二级</a:t>
             </a:r>
-            <a:endParaRPr lang="zh-CN" altLang="en-US" noProof="0"/>
           </a:p>
           <a:p>
             <a:pPr lvl="2"/>
@@ -491,7 +536,6 @@
               <a:rPr lang="zh-CN" altLang="en-US" noProof="0"/>
               <a:t>第三级</a:t>
             </a:r>
-            <a:endParaRPr lang="zh-CN" altLang="en-US" noProof="0"/>
           </a:p>
           <a:p>
             <a:pPr lvl="3"/>
@@ -499,7 +543,6 @@
               <a:rPr lang="zh-CN" altLang="en-US" noProof="0"/>
               <a:t>第四级</a:t>
             </a:r>
-            <a:endParaRPr lang="zh-CN" altLang="en-US" noProof="0"/>
           </a:p>
           <a:p>
             <a:pPr lvl="4"/>
@@ -507,7 +550,6 @@
               <a:rPr lang="zh-CN" altLang="en-US" noProof="0"/>
               <a:t>第五级</a:t>
             </a:r>
-            <a:endParaRPr lang="zh-CN" altLang="en-US" noProof="0"/>
           </a:p>
         </p:txBody>
       </p:sp>
@@ -574,6 +616,7 @@
           <a:p>
             <a:fld id="{418F03C3-53C1-4F10-8DAF-D1F318E96C6E}" type="slidenum">
               <a:rPr lang="zh-CN" altLang="en-US"/>
+              <a:t>‹#›</a:t>
             </a:fld>
             <a:endParaRPr lang="zh-CN" altLang="en-US"/>
           </a:p>
@@ -772,6 +815,7 @@
           <a:p>
             <a:fld id="{418F03C3-53C1-4F10-8DAF-D1F318E96C6E}" type="slidenum">
               <a:rPr lang="zh-CN" altLang="en-US" smtClean="0"/>
+              <a:t>1</a:t>
             </a:fld>
             <a:endParaRPr lang="zh-CN" altLang="en-US"/>
           </a:p>
@@ -850,6 +894,7 @@
           <a:p>
             <a:fld id="{418F03C3-53C1-4F10-8DAF-D1F318E96C6E}" type="slidenum">
               <a:rPr lang="zh-CN" altLang="en-US" smtClean="0"/>
+              <a:t>10</a:t>
             </a:fld>
             <a:endParaRPr lang="zh-CN" altLang="en-US"/>
           </a:p>
@@ -928,6 +973,7 @@
           <a:p>
             <a:fld id="{418F03C3-53C1-4F10-8DAF-D1F318E96C6E}" type="slidenum">
               <a:rPr lang="zh-CN" altLang="en-US" smtClean="0"/>
+              <a:t>11</a:t>
             </a:fld>
             <a:endParaRPr lang="zh-CN" altLang="en-US"/>
           </a:p>
@@ -1006,6 +1052,7 @@
           <a:p>
             <a:fld id="{418F03C3-53C1-4F10-8DAF-D1F318E96C6E}" type="slidenum">
               <a:rPr lang="zh-CN" altLang="en-US" smtClean="0"/>
+              <a:t>12</a:t>
             </a:fld>
             <a:endParaRPr lang="zh-CN" altLang="en-US"/>
           </a:p>
@@ -1084,6 +1131,7 @@
           <a:p>
             <a:fld id="{418F03C3-53C1-4F10-8DAF-D1F318E96C6E}" type="slidenum">
               <a:rPr lang="zh-CN" altLang="en-US" smtClean="0"/>
+              <a:t>13</a:t>
             </a:fld>
             <a:endParaRPr lang="zh-CN" altLang="en-US"/>
           </a:p>
@@ -1162,6 +1210,7 @@
           <a:p>
             <a:fld id="{418F03C3-53C1-4F10-8DAF-D1F318E96C6E}" type="slidenum">
               <a:rPr lang="zh-CN" altLang="en-US" smtClean="0"/>
+              <a:t>14</a:t>
             </a:fld>
             <a:endParaRPr lang="zh-CN" altLang="en-US"/>
           </a:p>
@@ -1240,6 +1289,7 @@
           <a:p>
             <a:fld id="{418F03C3-53C1-4F10-8DAF-D1F318E96C6E}" type="slidenum">
               <a:rPr lang="zh-CN" altLang="en-US" smtClean="0"/>
+              <a:t>15</a:t>
             </a:fld>
             <a:endParaRPr lang="zh-CN" altLang="en-US"/>
           </a:p>
@@ -1318,6 +1368,7 @@
           <a:p>
             <a:fld id="{418F03C3-53C1-4F10-8DAF-D1F318E96C6E}" type="slidenum">
               <a:rPr lang="zh-CN" altLang="en-US" smtClean="0"/>
+              <a:t>16</a:t>
             </a:fld>
             <a:endParaRPr lang="zh-CN" altLang="en-US"/>
           </a:p>
@@ -1396,6 +1447,7 @@
           <a:p>
             <a:fld id="{418F03C3-53C1-4F10-8DAF-D1F318E96C6E}" type="slidenum">
               <a:rPr lang="zh-CN" altLang="en-US" smtClean="0"/>
+              <a:t>17</a:t>
             </a:fld>
             <a:endParaRPr lang="zh-CN" altLang="en-US"/>
           </a:p>
@@ -1474,6 +1526,7 @@
           <a:p>
             <a:fld id="{418F03C3-53C1-4F10-8DAF-D1F318E96C6E}" type="slidenum">
               <a:rPr lang="zh-CN" altLang="en-US" smtClean="0"/>
+              <a:t>18</a:t>
             </a:fld>
             <a:endParaRPr lang="zh-CN" altLang="en-US"/>
           </a:p>
@@ -1552,6 +1605,7 @@
           <a:p>
             <a:fld id="{418F03C3-53C1-4F10-8DAF-D1F318E96C6E}" type="slidenum">
               <a:rPr lang="zh-CN" altLang="en-US" smtClean="0"/>
+              <a:t>19</a:t>
             </a:fld>
             <a:endParaRPr lang="zh-CN" altLang="en-US"/>
           </a:p>
@@ -1630,6 +1684,7 @@
           <a:p>
             <a:fld id="{63EF2083-0386-4B43-BE3F-5071C6BB4FA7}" type="slidenum">
               <a:rPr lang="zh-CN" altLang="en-US" smtClean="0"/>
+              <a:t>2</a:t>
             </a:fld>
             <a:endParaRPr lang="zh-CN" altLang="en-US"/>
           </a:p>
@@ -1708,6 +1763,7 @@
           <a:p>
             <a:fld id="{418F03C3-53C1-4F10-8DAF-D1F318E96C6E}" type="slidenum">
               <a:rPr lang="zh-CN" altLang="en-US" smtClean="0"/>
+              <a:t>20</a:t>
             </a:fld>
             <a:endParaRPr lang="zh-CN" altLang="en-US"/>
           </a:p>
@@ -1786,6 +1842,7 @@
           <a:p>
             <a:fld id="{418F03C3-53C1-4F10-8DAF-D1F318E96C6E}" type="slidenum">
               <a:rPr lang="zh-CN" altLang="en-US" smtClean="0"/>
+              <a:t>3</a:t>
             </a:fld>
             <a:endParaRPr lang="zh-CN" altLang="en-US"/>
           </a:p>
@@ -1864,6 +1921,7 @@
           <a:p>
             <a:fld id="{418F03C3-53C1-4F10-8DAF-D1F318E96C6E}" type="slidenum">
               <a:rPr lang="zh-CN" altLang="en-US" smtClean="0"/>
+              <a:t>4</a:t>
             </a:fld>
             <a:endParaRPr lang="zh-CN" altLang="en-US"/>
           </a:p>
@@ -1942,6 +2000,7 @@
           <a:p>
             <a:fld id="{418F03C3-53C1-4F10-8DAF-D1F318E96C6E}" type="slidenum">
               <a:rPr lang="zh-CN" altLang="en-US" smtClean="0"/>
+              <a:t>5</a:t>
             </a:fld>
             <a:endParaRPr lang="zh-CN" altLang="en-US"/>
           </a:p>
@@ -2020,6 +2079,7 @@
           <a:p>
             <a:fld id="{418F03C3-53C1-4F10-8DAF-D1F318E96C6E}" type="slidenum">
               <a:rPr lang="zh-CN" altLang="en-US" smtClean="0"/>
+              <a:t>6</a:t>
             </a:fld>
             <a:endParaRPr lang="zh-CN" altLang="en-US"/>
           </a:p>
@@ -2098,6 +2158,7 @@
           <a:p>
             <a:fld id="{418F03C3-53C1-4F10-8DAF-D1F318E96C6E}" type="slidenum">
               <a:rPr lang="zh-CN" altLang="en-US" smtClean="0"/>
+              <a:t>7</a:t>
             </a:fld>
             <a:endParaRPr lang="zh-CN" altLang="en-US"/>
           </a:p>
@@ -2176,6 +2237,7 @@
           <a:p>
             <a:fld id="{418F03C3-53C1-4F10-8DAF-D1F318E96C6E}" type="slidenum">
               <a:rPr lang="zh-CN" altLang="en-US" smtClean="0"/>
+              <a:t>8</a:t>
             </a:fld>
             <a:endParaRPr lang="zh-CN" altLang="en-US"/>
           </a:p>
@@ -2254,6 +2316,7 @@
           <a:p>
             <a:fld id="{418F03C3-53C1-4F10-8DAF-D1F318E96C6E}" type="slidenum">
               <a:rPr lang="zh-CN" altLang="en-US" smtClean="0"/>
+              <a:t>9</a:t>
             </a:fld>
             <a:endParaRPr lang="zh-CN" altLang="en-US"/>
           </a:p>
@@ -2301,6 +2364,7 @@
           <a:p>
             <a:fld id="{32BF82D2-7A68-459D-A996-9BDDA2518FA4}" type="datetimeFigureOut">
               <a:rPr lang="zh-CN" altLang="en-US" smtClean="0"/>
+              <a:t>2021/1/4</a:t>
             </a:fld>
             <a:endParaRPr lang="zh-CN" altLang="en-US"/>
           </a:p>
@@ -2342,6 +2406,7 @@
           <a:p>
             <a:fld id="{3E01EE5D-26FB-46D5-A381-ECFB35BF1D34}" type="slidenum">
               <a:rPr lang="zh-CN" altLang="en-US" smtClean="0"/>
+              <a:t>‹#›</a:t>
             </a:fld>
             <a:endParaRPr lang="zh-CN" altLang="en-US"/>
           </a:p>
@@ -2352,11 +2417,11 @@
   <p:clrMapOvr>
     <a:masterClrMapping/>
   </p:clrMapOvr>
-  <mc:AlternateContent xmlns:mc="http://schemas.openxmlformats.org/markup-compatibility/2006">
-    <mc:Choice xmlns:p14="http://schemas.microsoft.com/office/powerpoint/2010/main" Requires="p14">
+  <mc:AlternateContent xmlns:mc="http://schemas.openxmlformats.org/markup-compatibility/2006" xmlns:p14="http://schemas.microsoft.com/office/powerpoint/2010/main">
+    <mc:Choice Requires="p14">
       <p:transition spd="slow" p14:dur="1250"/>
     </mc:Choice>
-    <mc:Fallback>
+    <mc:Fallback xmlns="">
       <p:transition spd="slow"/>
     </mc:Fallback>
   </mc:AlternateContent>
@@ -2420,7 +2485,6 @@
               <a:rPr lang="en-US" dirty="0"/>
               <a:t>Click To Edit Master Title Style</a:t>
             </a:r>
-            <a:endParaRPr lang="en-US" dirty="0"/>
           </a:p>
         </p:txBody>
       </p:sp>
@@ -2497,7 +2561,6 @@
               <a:rPr lang="en-US" dirty="0"/>
               <a:t>Subtext Goes Here</a:t>
             </a:r>
-            <a:endParaRPr lang="en-US" dirty="0"/>
           </a:p>
         </p:txBody>
       </p:sp>
@@ -2506,11 +2569,11 @@
   <p:clrMapOvr>
     <a:masterClrMapping/>
   </p:clrMapOvr>
-  <mc:AlternateContent xmlns:mc="http://schemas.openxmlformats.org/markup-compatibility/2006">
-    <mc:Choice xmlns:p14="http://schemas.microsoft.com/office/powerpoint/2010/main" Requires="p14">
+  <mc:AlternateContent xmlns:mc="http://schemas.openxmlformats.org/markup-compatibility/2006" xmlns:p14="http://schemas.microsoft.com/office/powerpoint/2010/main">
+    <mc:Choice Requires="p14">
       <p:transition spd="slow" p14:dur="1250"/>
     </mc:Choice>
-    <mc:Fallback>
+    <mc:Fallback xmlns="">
       <p:transition spd="slow"/>
     </mc:Fallback>
   </mc:AlternateContent>
@@ -2723,11 +2786,11 @@
   <p:clrMapOvr>
     <a:masterClrMapping/>
   </p:clrMapOvr>
-  <mc:AlternateContent xmlns:mc="http://schemas.openxmlformats.org/markup-compatibility/2006">
-    <mc:Choice xmlns:p14="http://schemas.microsoft.com/office/powerpoint/2010/main" Requires="p14">
+  <mc:AlternateContent xmlns:mc="http://schemas.openxmlformats.org/markup-compatibility/2006" xmlns:p14="http://schemas.microsoft.com/office/powerpoint/2010/main">
+    <mc:Choice Requires="p14">
       <p:transition spd="slow" p14:dur="1250"/>
     </mc:Choice>
-    <mc:Fallback>
+    <mc:Fallback xmlns="">
       <p:transition spd="slow"/>
     </mc:Fallback>
   </mc:AlternateContent>
@@ -2785,7 +2848,6 @@
               <a:rPr lang="zh-CN" altLang="en-US"/>
               <a:t>单击此处编辑母版标题样式</a:t>
             </a:r>
-            <a:endParaRPr lang="zh-CN" altLang="en-US"/>
           </a:p>
         </p:txBody>
       </p:sp>
@@ -2819,7 +2881,6 @@
               <a:rPr lang="zh-CN" altLang="en-US"/>
               <a:t>单击此处编辑母版文本样式</a:t>
             </a:r>
-            <a:endParaRPr lang="zh-CN" altLang="en-US"/>
           </a:p>
           <a:p>
             <a:pPr lvl="1"/>
@@ -2827,7 +2888,6 @@
               <a:rPr lang="zh-CN" altLang="en-US"/>
               <a:t>第二级</a:t>
             </a:r>
-            <a:endParaRPr lang="zh-CN" altLang="en-US"/>
           </a:p>
           <a:p>
             <a:pPr lvl="2"/>
@@ -2835,7 +2895,6 @@
               <a:rPr lang="zh-CN" altLang="en-US"/>
               <a:t>第三级</a:t>
             </a:r>
-            <a:endParaRPr lang="zh-CN" altLang="en-US"/>
           </a:p>
           <a:p>
             <a:pPr lvl="3"/>
@@ -2843,7 +2902,6 @@
               <a:rPr lang="zh-CN" altLang="en-US"/>
               <a:t>第四级</a:t>
             </a:r>
-            <a:endParaRPr lang="zh-CN" altLang="en-US"/>
           </a:p>
           <a:p>
             <a:pPr lvl="4"/>
@@ -2851,7 +2909,6 @@
               <a:rPr lang="zh-CN" altLang="en-US"/>
               <a:t>第五级</a:t>
             </a:r>
-            <a:endParaRPr lang="zh-CN" altLang="en-US"/>
           </a:p>
         </p:txBody>
       </p:sp>
@@ -2890,6 +2947,7 @@
           <a:p>
             <a:fld id="{32BF82D2-7A68-459D-A996-9BDDA2518FA4}" type="datetimeFigureOut">
               <a:rPr lang="zh-CN" altLang="en-US" smtClean="0"/>
+              <a:t>2021/1/4</a:t>
             </a:fld>
             <a:endParaRPr lang="zh-CN" altLang="en-US"/>
           </a:p>
@@ -2967,6 +3025,7 @@
           <a:p>
             <a:fld id="{3E01EE5D-26FB-46D5-A381-ECFB35BF1D34}" type="slidenum">
               <a:rPr lang="zh-CN" altLang="en-US" smtClean="0"/>
+              <a:t>‹#›</a:t>
             </a:fld>
             <a:endParaRPr lang="zh-CN" altLang="en-US"/>
           </a:p>
@@ -2980,11 +3039,11 @@
     <p:sldLayoutId id="2147483650" r:id="rId2"/>
     <p:sldLayoutId id="2147483651" r:id="rId3"/>
   </p:sldLayoutIdLst>
-  <mc:AlternateContent xmlns:mc="http://schemas.openxmlformats.org/markup-compatibility/2006">
-    <mc:Choice xmlns:p14="http://schemas.microsoft.com/office/powerpoint/2010/main" Requires="p14">
+  <mc:AlternateContent xmlns:mc="http://schemas.openxmlformats.org/markup-compatibility/2006" xmlns:p14="http://schemas.microsoft.com/office/powerpoint/2010/main">
+    <mc:Choice Requires="p14">
       <p:transition spd="slow" p14:dur="1250"/>
     </mc:Choice>
-    <mc:Fallback>
+    <mc:Fallback xmlns="">
       <p:transition spd="slow"/>
     </mc:Fallback>
   </mc:AlternateContent>
@@ -4606,13 +4665,6 @@
               </a:rPr>
               <a:t>CHat CHat Talk</a:t>
             </a:r>
-            <a:endParaRPr lang="en-US" sz="6000" b="1" cap="all" dirty="0">
-              <a:solidFill>
-                <a:schemeClr val="bg1"/>
-              </a:solidFill>
-              <a:latin typeface="Arial" panose="020B0604020202090204" pitchFamily="34" charset="0"/>
-              <a:cs typeface="Arial" panose="020B0604020202090204" pitchFamily="34" charset="0"/>
-            </a:endParaRPr>
           </a:p>
         </p:txBody>
       </p:sp>
@@ -4823,12 +4875,6 @@
               </a:rPr>
               <a:t>JAVA PRESENTATION PPT</a:t>
             </a:r>
-            <a:endParaRPr lang="en-US" altLang="zh-CN" sz="2000" dirty="0">
-              <a:solidFill>
-                <a:schemeClr val="bg1"/>
-              </a:solidFill>
-              <a:cs typeface="Arial" panose="020B0604020202090204" pitchFamily="34" charset="0"/>
-            </a:endParaRPr>
           </a:p>
         </p:txBody>
       </p:sp>
@@ -4841,7 +4887,7 @@
           <p:nvPr/>
         </p:nvPicPr>
         <p:blipFill>
-          <a:blip r:embed="rId1"/>
+          <a:blip r:embed="rId3"/>
           <a:stretch>
             <a:fillRect/>
           </a:stretch>
@@ -4865,7 +4911,7 @@
           <p:nvPr/>
         </p:nvPicPr>
         <p:blipFill>
-          <a:blip r:embed="rId2"/>
+          <a:blip r:embed="rId4"/>
           <a:stretch>
             <a:fillRect/>
           </a:stretch>
@@ -4885,21 +4931,14 @@
   <p:clrMapOvr>
     <a:masterClrMapping/>
   </p:clrMapOvr>
-  <mc:AlternateContent xmlns:mc="http://schemas.openxmlformats.org/markup-compatibility/2006">
-    <mc:Choice xmlns:p14="http://schemas.microsoft.com/office/powerpoint/2010/main" Requires="p14">
-      <p:transition spd="slow" p14:dur="100"/>
+  <mc:AlternateContent xmlns:mc="http://schemas.openxmlformats.org/markup-compatibility/2006" xmlns:p14="http://schemas.microsoft.com/office/powerpoint/2010/main">
+    <mc:Choice Requires="p14">
+      <p:transition p14:dur="100"/>
     </mc:Choice>
-    <mc:Fallback>
+    <mc:Fallback xmlns="">
       <p:transition spd="slow"/>
     </mc:Fallback>
   </mc:AlternateContent>
-  <p:timing>
-    <p:tnLst>
-      <p:par>
-        <p:cTn id="1" dur="indefinite" restart="never" nodeType="tmRoot"/>
-      </p:par>
-    </p:tnLst>
-  </p:timing>
 </p:sld>
 </file>
 
@@ -5792,21 +5831,6 @@
               </a:rPr>
               <a:t>多线程</a:t>
             </a:r>
-            <a:endParaRPr lang="zh-CN" altLang="en-US" sz="2800">
-              <a:solidFill>
-                <a:schemeClr val="accent1"/>
-              </a:solidFill>
-              <a:effectLst>
-                <a:outerShdw blurRad="38100" dist="25400" dir="5400000" algn="ctr" rotWithShape="0">
-                  <a:srgbClr val="6E747A">
-                    <a:alpha val="43000"/>
-                  </a:srgbClr>
-                </a:outerShdw>
-              </a:effectLst>
-              <a:latin typeface="Arial" panose="020B0604020202090204" pitchFamily="34" charset="0"/>
-              <a:ea typeface="微软雅黑" panose="020B0503020204020204" pitchFamily="34" charset="-122"/>
-              <a:sym typeface="Arial" panose="020B0604020202090204" pitchFamily="34" charset="0"/>
-            </a:endParaRPr>
           </a:p>
         </p:txBody>
       </p:sp>
@@ -6022,21 +6046,6 @@
               </a:rPr>
               <a:t>在 Room 中使用了 Platform.runlater意味着如果需要从非GUI线程更新GUI组件，使用它将您的更新放在队列中，并且它将由GUI线程尽快处理。 </a:t>
             </a:r>
-            <a:endParaRPr lang="en-US" altLang="zh-CN" sz="1800" dirty="0">
-              <a:solidFill>
-                <a:schemeClr val="tx1"/>
-              </a:solidFill>
-              <a:effectLst>
-                <a:outerShdw blurRad="38100" dist="19050" dir="2700000" algn="tl" rotWithShape="0">
-                  <a:schemeClr val="dk1">
-                    <a:alpha val="40000"/>
-                  </a:schemeClr>
-                </a:outerShdw>
-              </a:effectLst>
-              <a:latin typeface="Arial" panose="020B0604020202090204" pitchFamily="34" charset="0"/>
-              <a:ea typeface="微软雅黑" panose="020B0503020204020204" pitchFamily="34" charset="-122"/>
-              <a:sym typeface="Arial" panose="020B0604020202090204" pitchFamily="34" charset="0"/>
-            </a:endParaRPr>
           </a:p>
         </p:txBody>
       </p:sp>
@@ -6308,11 +6317,6 @@
               </a:rPr>
               <a:t>5</a:t>
             </a:r>
-            <a:endParaRPr lang="en-US" altLang="es-ES_tradnl" dirty="0">
-              <a:latin typeface="Arial" panose="020B0604020202090204" pitchFamily="34" charset="0"/>
-              <a:ea typeface="微软雅黑" panose="020B0503020204020204" pitchFamily="34" charset="-122"/>
-              <a:sym typeface="Arial" panose="020B0604020202090204" pitchFamily="34" charset="0"/>
-            </a:endParaRPr>
           </a:p>
         </p:txBody>
       </p:sp>
@@ -6521,18 +6525,6 @@
               </a:rPr>
               <a:t>文件存储</a:t>
             </a:r>
-            <a:endParaRPr lang="zh-CN" altLang="en-US" sz="2800">
-              <a:effectLst>
-                <a:outerShdw blurRad="38100" dist="25400" dir="5400000" algn="ctr" rotWithShape="0">
-                  <a:srgbClr val="6E747A">
-                    <a:alpha val="43000"/>
-                  </a:srgbClr>
-                </a:outerShdw>
-              </a:effectLst>
-              <a:latin typeface="Arial" panose="020B0604020202090204" pitchFamily="34" charset="0"/>
-              <a:ea typeface="微软雅黑" panose="020B0503020204020204" pitchFamily="34" charset="-122"/>
-              <a:sym typeface="Arial" panose="020B0604020202090204" pitchFamily="34" charset="0"/>
-            </a:endParaRPr>
           </a:p>
           <a:p>
             <a:pPr fontAlgn="auto">
@@ -6765,21 +6757,6 @@
               </a:rPr>
               <a:t>采取文件读写将已注册用户信息，在线用户写入本地</a:t>
             </a:r>
-            <a:endParaRPr lang="en-US" altLang="zh-CN" sz="1800" dirty="0">
-              <a:solidFill>
-                <a:schemeClr val="tx1"/>
-              </a:solidFill>
-              <a:effectLst>
-                <a:outerShdw blurRad="38100" dist="19050" dir="2700000" algn="tl" rotWithShape="0">
-                  <a:schemeClr val="dk1">
-                    <a:alpha val="40000"/>
-                  </a:schemeClr>
-                </a:outerShdw>
-              </a:effectLst>
-              <a:latin typeface="Arial" panose="020B0604020202090204" pitchFamily="34" charset="0"/>
-              <a:ea typeface="微软雅黑" panose="020B0503020204020204" pitchFamily="34" charset="-122"/>
-              <a:sym typeface="Arial" panose="020B0604020202090204" pitchFamily="34" charset="0"/>
-            </a:endParaRPr>
           </a:p>
         </p:txBody>
       </p:sp>
@@ -7051,11 +7028,6 @@
               </a:rPr>
               <a:t>6</a:t>
             </a:r>
-            <a:endParaRPr lang="en-US" altLang="es-ES_tradnl" dirty="0">
-              <a:latin typeface="Arial" panose="020B0604020202090204" pitchFamily="34" charset="0"/>
-              <a:ea typeface="微软雅黑" panose="020B0503020204020204" pitchFamily="34" charset="-122"/>
-              <a:sym typeface="Arial" panose="020B0604020202090204" pitchFamily="34" charset="0"/>
-            </a:endParaRPr>
           </a:p>
         </p:txBody>
       </p:sp>
@@ -7272,21 +7244,6 @@
               </a:rPr>
               <a:t>网络编程</a:t>
             </a:r>
-            <a:endParaRPr lang="zh-CN" altLang="en-US" sz="2800">
-              <a:solidFill>
-                <a:schemeClr val="accent1"/>
-              </a:solidFill>
-              <a:effectLst>
-                <a:outerShdw blurRad="38100" dist="25400" dir="5400000" algn="ctr" rotWithShape="0">
-                  <a:srgbClr val="6E747A">
-                    <a:alpha val="43000"/>
-                  </a:srgbClr>
-                </a:outerShdw>
-              </a:effectLst>
-              <a:latin typeface="Arial" panose="020B0604020202090204" pitchFamily="34" charset="0"/>
-              <a:ea typeface="微软雅黑" panose="020B0503020204020204" pitchFamily="34" charset="-122"/>
-              <a:sym typeface="Arial" panose="020B0604020202090204" pitchFamily="34" charset="0"/>
-            </a:endParaRPr>
           </a:p>
         </p:txBody>
       </p:sp>
@@ -7502,21 +7459,6 @@
               </a:rPr>
               <a:t>使用 ServeSocket 与 Socket 实现了网络聊天室</a:t>
             </a:r>
-            <a:endParaRPr lang="en-US" altLang="zh-CN" sz="1800" dirty="0">
-              <a:solidFill>
-                <a:schemeClr val="tx1"/>
-              </a:solidFill>
-              <a:effectLst>
-                <a:outerShdw blurRad="38100" dist="19050" dir="2700000" algn="tl" rotWithShape="0">
-                  <a:schemeClr val="dk1">
-                    <a:alpha val="40000"/>
-                  </a:schemeClr>
-                </a:outerShdw>
-              </a:effectLst>
-              <a:latin typeface="Arial" panose="020B0604020202090204" pitchFamily="34" charset="0"/>
-              <a:ea typeface="微软雅黑" panose="020B0503020204020204" pitchFamily="34" charset="-122"/>
-              <a:sym typeface="Arial" panose="020B0604020202090204" pitchFamily="34" charset="0"/>
-            </a:endParaRPr>
           </a:p>
         </p:txBody>
       </p:sp>
@@ -7788,11 +7730,6 @@
               </a:rPr>
               <a:t>7</a:t>
             </a:r>
-            <a:endParaRPr lang="en-US" altLang="es-ES_tradnl" dirty="0">
-              <a:latin typeface="Arial" panose="020B0604020202090204" pitchFamily="34" charset="0"/>
-              <a:ea typeface="微软雅黑" panose="020B0503020204020204" pitchFamily="34" charset="-122"/>
-              <a:sym typeface="Arial" panose="020B0604020202090204" pitchFamily="34" charset="0"/>
-            </a:endParaRPr>
           </a:p>
         </p:txBody>
       </p:sp>
@@ -8027,21 +7964,6 @@
               </a:rPr>
               <a:t>ava图形界面</a:t>
             </a:r>
-            <a:endParaRPr lang="zh-CN" altLang="en-US" sz="2800">
-              <a:solidFill>
-                <a:schemeClr val="accent1"/>
-              </a:solidFill>
-              <a:effectLst>
-                <a:outerShdw blurRad="38100" dist="25400" dir="5400000" algn="ctr" rotWithShape="0">
-                  <a:srgbClr val="6E747A">
-                    <a:alpha val="43000"/>
-                  </a:srgbClr>
-                </a:outerShdw>
-              </a:effectLst>
-              <a:latin typeface="Arial" panose="020B0604020202090204" pitchFamily="34" charset="0"/>
-              <a:ea typeface="微软雅黑" panose="020B0503020204020204" pitchFamily="34" charset="-122"/>
-              <a:sym typeface="Arial" panose="020B0604020202090204" pitchFamily="34" charset="0"/>
-            </a:endParaRPr>
           </a:p>
         </p:txBody>
       </p:sp>
@@ -8257,21 +8179,6 @@
               </a:rPr>
               <a:t>使用 JavaFX 实现 Java 图形界面</a:t>
             </a:r>
-            <a:endParaRPr lang="en-US" altLang="zh-CN" sz="1800" dirty="0">
-              <a:solidFill>
-                <a:schemeClr val="tx1"/>
-              </a:solidFill>
-              <a:effectLst>
-                <a:outerShdw blurRad="38100" dist="19050" dir="2700000" algn="tl" rotWithShape="0">
-                  <a:schemeClr val="dk1">
-                    <a:alpha val="40000"/>
-                  </a:schemeClr>
-                </a:outerShdw>
-              </a:effectLst>
-              <a:latin typeface="Arial" panose="020B0604020202090204" pitchFamily="34" charset="0"/>
-              <a:ea typeface="微软雅黑" panose="020B0503020204020204" pitchFamily="34" charset="-122"/>
-              <a:sym typeface="Arial" panose="020B0604020202090204" pitchFamily="34" charset="0"/>
-            </a:endParaRPr>
           </a:p>
           <a:p>
             <a:pPr lvl="0">
@@ -8295,21 +8202,6 @@
               </a:rPr>
               <a:t>（具体说明见创新点）</a:t>
             </a:r>
-            <a:endParaRPr lang="zh-CN" altLang="en-US" sz="1800" dirty="0">
-              <a:solidFill>
-                <a:schemeClr val="tx1"/>
-              </a:solidFill>
-              <a:effectLst>
-                <a:outerShdw blurRad="38100" dist="19050" dir="2700000" algn="tl" rotWithShape="0">
-                  <a:schemeClr val="dk1">
-                    <a:alpha val="40000"/>
-                  </a:schemeClr>
-                </a:outerShdw>
-              </a:effectLst>
-              <a:latin typeface="Arial" panose="020B0604020202090204" pitchFamily="34" charset="0"/>
-              <a:ea typeface="微软雅黑" panose="020B0503020204020204" pitchFamily="34" charset="-122"/>
-              <a:sym typeface="Arial" panose="020B0604020202090204" pitchFamily="34" charset="0"/>
-            </a:endParaRPr>
           </a:p>
         </p:txBody>
       </p:sp>
@@ -8581,11 +8473,6 @@
               </a:rPr>
               <a:t>8</a:t>
             </a:r>
-            <a:endParaRPr lang="en-US" altLang="es-ES_tradnl" dirty="0">
-              <a:latin typeface="Arial" panose="020B0604020202090204" pitchFamily="34" charset="0"/>
-              <a:ea typeface="微软雅黑" panose="020B0503020204020204" pitchFamily="34" charset="-122"/>
-              <a:sym typeface="Arial" panose="020B0604020202090204" pitchFamily="34" charset="0"/>
-            </a:endParaRPr>
           </a:p>
         </p:txBody>
       </p:sp>
@@ -8598,7 +8485,7 @@
           <p:nvPr/>
         </p:nvPicPr>
         <p:blipFill>
-          <a:blip r:embed="rId1"/>
+          <a:blip r:embed="rId3"/>
           <a:stretch>
             <a:fillRect/>
           </a:stretch>
@@ -8637,6 +8524,7 @@
               <a:lightRig rig="threePt" dir="t"/>
             </a:scene3d>
           </a:bodyPr>
+          <a:lstStyle/>
           <a:p>
             <a:pPr algn="l"/>
             <a:r>
@@ -8677,22 +8565,6 @@
               </a:rPr>
               <a:t>知识点应用</a:t>
             </a:r>
-            <a:endParaRPr lang="zh-CN" altLang="en-US" sz="6600" dirty="0">
-              <a:solidFill>
-                <a:schemeClr val="accent1"/>
-              </a:solidFill>
-              <a:effectLst>
-                <a:outerShdw blurRad="38100" dist="25400" dir="5400000" algn="ctr" rotWithShape="0">
-                  <a:srgbClr val="6E747A">
-                    <a:alpha val="43000"/>
-                  </a:srgbClr>
-                </a:outerShdw>
-              </a:effectLst>
-              <a:latin typeface="Arial" panose="020B0604020202090204" pitchFamily="34" charset="0"/>
-              <a:ea typeface="微软雅黑" panose="020B0503020204020204" pitchFamily="34" charset="-122"/>
-              <a:cs typeface="+mn-ea"/>
-              <a:sym typeface="Arial" panose="020B0604020202090204" pitchFamily="34" charset="0"/>
-            </a:endParaRPr>
           </a:p>
         </p:txBody>
       </p:sp>
@@ -8705,7 +8577,7 @@
           <p:nvPr/>
         </p:nvPicPr>
         <p:blipFill>
-          <a:blip r:embed="rId2"/>
+          <a:blip r:embed="rId4"/>
           <a:stretch>
             <a:fillRect/>
           </a:stretch>
@@ -8725,21 +8597,14 @@
   <p:clrMapOvr>
     <a:masterClrMapping/>
   </p:clrMapOvr>
-  <mc:AlternateContent xmlns:mc="http://schemas.openxmlformats.org/markup-compatibility/2006">
-    <mc:Choice xmlns:p14="http://schemas.microsoft.com/office/powerpoint/2010/main" Requires="p14">
+  <mc:AlternateContent xmlns:mc="http://schemas.openxmlformats.org/markup-compatibility/2006" xmlns:p14="http://schemas.microsoft.com/office/powerpoint/2010/main">
+    <mc:Choice Requires="p14">
       <p:transition spd="slow" p14:dur="1200"/>
     </mc:Choice>
-    <mc:Fallback>
+    <mc:Fallback xmlns="">
       <p:transition spd="slow"/>
     </mc:Fallback>
   </mc:AlternateContent>
-  <p:timing>
-    <p:tnLst>
-      <p:par>
-        <p:cTn id="1" dur="indefinite" restart="never" nodeType="tmRoot"/>
-      </p:par>
-    </p:tnLst>
-  </p:timing>
 </p:sld>
 </file>
 
@@ -9632,21 +9497,6 @@
               </a:rPr>
               <a:t>Java JDBC</a:t>
             </a:r>
-            <a:endParaRPr lang="en-US" altLang="zh-CN" sz="2800">
-              <a:solidFill>
-                <a:schemeClr val="accent1"/>
-              </a:solidFill>
-              <a:effectLst>
-                <a:outerShdw blurRad="38100" dist="25400" dir="5400000" algn="ctr" rotWithShape="0">
-                  <a:srgbClr val="6E747A">
-                    <a:alpha val="43000"/>
-                  </a:srgbClr>
-                </a:outerShdw>
-              </a:effectLst>
-              <a:latin typeface="Arial" panose="020B0604020202090204" pitchFamily="34" charset="0"/>
-              <a:ea typeface="微软雅黑" panose="020B0503020204020204" pitchFamily="34" charset="-122"/>
-              <a:sym typeface="Arial" panose="020B0604020202090204" pitchFamily="34" charset="0"/>
-            </a:endParaRPr>
           </a:p>
         </p:txBody>
       </p:sp>
@@ -9862,21 +9712,6 @@
               </a:rPr>
               <a:t>采用了Mysql数据库进行对用户的数据管理和存储，可在代码里面看出。 </a:t>
             </a:r>
-            <a:endParaRPr lang="en-US" altLang="zh-CN" sz="1800" dirty="0">
-              <a:solidFill>
-                <a:schemeClr val="tx1"/>
-              </a:solidFill>
-              <a:effectLst>
-                <a:outerShdw blurRad="38100" dist="19050" dir="2700000" algn="tl" rotWithShape="0">
-                  <a:schemeClr val="dk1">
-                    <a:alpha val="40000"/>
-                  </a:schemeClr>
-                </a:outerShdw>
-              </a:effectLst>
-              <a:latin typeface="Arial" panose="020B0604020202090204" pitchFamily="34" charset="0"/>
-              <a:ea typeface="微软雅黑" panose="020B0503020204020204" pitchFamily="34" charset="-122"/>
-              <a:sym typeface="Arial" panose="020B0604020202090204" pitchFamily="34" charset="0"/>
-            </a:endParaRPr>
           </a:p>
         </p:txBody>
       </p:sp>
@@ -10148,11 +9983,6 @@
               </a:rPr>
               <a:t>9</a:t>
             </a:r>
-            <a:endParaRPr lang="en-US" altLang="es-ES_tradnl" dirty="0">
-              <a:latin typeface="Arial" panose="020B0604020202090204" pitchFamily="34" charset="0"/>
-              <a:ea typeface="微软雅黑" panose="020B0503020204020204" pitchFamily="34" charset="-122"/>
-              <a:sym typeface="Arial" panose="020B0604020202090204" pitchFamily="34" charset="0"/>
-            </a:endParaRPr>
           </a:p>
         </p:txBody>
       </p:sp>
@@ -10165,7 +9995,7 @@
           <p:nvPr/>
         </p:nvPicPr>
         <p:blipFill>
-          <a:blip r:embed="rId1"/>
+          <a:blip r:embed="rId3"/>
           <a:stretch>
             <a:fillRect/>
           </a:stretch>
@@ -10204,6 +10034,7 @@
               <a:lightRig rig="threePt" dir="t"/>
             </a:scene3d>
           </a:bodyPr>
+          <a:lstStyle/>
           <a:p>
             <a:pPr algn="l"/>
             <a:r>
@@ -10244,22 +10075,6 @@
               </a:rPr>
               <a:t>知识点应用</a:t>
             </a:r>
-            <a:endParaRPr lang="zh-CN" altLang="en-US" sz="6600" dirty="0">
-              <a:solidFill>
-                <a:schemeClr val="accent1"/>
-              </a:solidFill>
-              <a:effectLst>
-                <a:outerShdw blurRad="38100" dist="25400" dir="5400000" algn="ctr" rotWithShape="0">
-                  <a:srgbClr val="6E747A">
-                    <a:alpha val="43000"/>
-                  </a:srgbClr>
-                </a:outerShdw>
-              </a:effectLst>
-              <a:latin typeface="Arial" panose="020B0604020202090204" pitchFamily="34" charset="0"/>
-              <a:ea typeface="微软雅黑" panose="020B0503020204020204" pitchFamily="34" charset="-122"/>
-              <a:cs typeface="+mn-ea"/>
-              <a:sym typeface="Arial" panose="020B0604020202090204" pitchFamily="34" charset="0"/>
-            </a:endParaRPr>
           </a:p>
         </p:txBody>
       </p:sp>
@@ -10272,7 +10087,7 @@
           <p:nvPr/>
         </p:nvPicPr>
         <p:blipFill>
-          <a:blip r:embed="rId2"/>
+          <a:blip r:embed="rId4"/>
           <a:stretch>
             <a:fillRect/>
           </a:stretch>
@@ -10296,7 +10111,7 @@
           <p:nvPr/>
         </p:nvPicPr>
         <p:blipFill>
-          <a:blip r:embed="rId3"/>
+          <a:blip r:embed="rId5"/>
           <a:stretch>
             <a:fillRect/>
           </a:stretch>
@@ -10320,7 +10135,7 @@
           <p:nvPr/>
         </p:nvPicPr>
         <p:blipFill>
-          <a:blip r:embed="rId4"/>
+          <a:blip r:embed="rId6"/>
           <a:stretch>
             <a:fillRect/>
           </a:stretch>
@@ -10340,21 +10155,14 @@
   <p:clrMapOvr>
     <a:masterClrMapping/>
   </p:clrMapOvr>
-  <mc:AlternateContent xmlns:mc="http://schemas.openxmlformats.org/markup-compatibility/2006">
-    <mc:Choice xmlns:p14="http://schemas.microsoft.com/office/powerpoint/2010/main" Requires="p14">
+  <mc:AlternateContent xmlns:mc="http://schemas.openxmlformats.org/markup-compatibility/2006" xmlns:p14="http://schemas.microsoft.com/office/powerpoint/2010/main">
+    <mc:Choice Requires="p14">
       <p:transition spd="slow" p14:dur="1200"/>
     </mc:Choice>
-    <mc:Fallback>
+    <mc:Fallback xmlns="">
       <p:transition spd="slow"/>
     </mc:Fallback>
   </mc:AlternateContent>
-  <p:timing>
-    <p:tnLst>
-      <p:par>
-        <p:cTn id="1" dur="indefinite" restart="never" nodeType="tmRoot"/>
-      </p:par>
-    </p:tnLst>
-  </p:timing>
 </p:sld>
 </file>
 
@@ -11759,21 +11567,6 @@
               </a:rPr>
               <a:t>使用git进行版本管理</a:t>
             </a:r>
-            <a:endParaRPr lang="zh-CN" altLang="en-US" sz="1800" dirty="0">
-              <a:solidFill>
-                <a:schemeClr val="tx1"/>
-              </a:solidFill>
-              <a:effectLst>
-                <a:outerShdw blurRad="38100" dist="19050" dir="2700000" algn="tl" rotWithShape="0">
-                  <a:schemeClr val="dk1">
-                    <a:alpha val="40000"/>
-                  </a:schemeClr>
-                </a:outerShdw>
-              </a:effectLst>
-              <a:latin typeface="Arial" panose="020B0604020202090204" pitchFamily="34" charset="0"/>
-              <a:ea typeface="微软雅黑" panose="020B0503020204020204" pitchFamily="34" charset="-122"/>
-              <a:sym typeface="Arial" panose="020B0604020202090204" pitchFamily="34" charset="0"/>
-            </a:endParaRPr>
           </a:p>
         </p:txBody>
       </p:sp>
@@ -11844,7 +11637,7 @@
                 <a:ea typeface="微软雅黑" panose="020B0503020204020204" pitchFamily="34" charset="-122"/>
                 <a:sym typeface="Arial" panose="020B0604020202090204" pitchFamily="34" charset="0"/>
               </a:rPr>
-              <a:t>,</a:t>
+              <a:t>, </a:t>
             </a:r>
             <a:r>
               <a:rPr lang="zh-CN" altLang="en-US" sz="1800" dirty="0">
@@ -11864,21 +11657,6 @@
               </a:rPr>
               <a:t>Scene Builder, Material Design 实现 Java 图形界面</a:t>
             </a:r>
-            <a:endParaRPr lang="zh-CN" altLang="en-US" sz="1800" dirty="0">
-              <a:solidFill>
-                <a:schemeClr val="tx1"/>
-              </a:solidFill>
-              <a:effectLst>
-                <a:outerShdw blurRad="38100" dist="19050" dir="2700000" algn="tl" rotWithShape="0">
-                  <a:schemeClr val="dk1">
-                    <a:alpha val="40000"/>
-                  </a:schemeClr>
-                </a:outerShdw>
-              </a:effectLst>
-              <a:latin typeface="Arial" panose="020B0604020202090204" pitchFamily="34" charset="0"/>
-              <a:ea typeface="微软雅黑" panose="020B0503020204020204" pitchFamily="34" charset="-122"/>
-              <a:sym typeface="Arial" panose="020B0604020202090204" pitchFamily="34" charset="0"/>
-            </a:endParaRPr>
           </a:p>
           <a:p>
             <a:pPr marL="285750" indent="-285750" algn="l">
@@ -11906,21 +11684,6 @@
               </a:rPr>
               <a:t>并且引入了 AnimateFX, commons-lang, fontawesomefx, jfoenix 等库优化，图形界面较为美观，更为现代。尽管如今用java做桌面平台应用以为少数，但我们认为在开源背景下的 javaFX 仍然有可用空间与前景。</a:t>
             </a:r>
-            <a:endParaRPr lang="zh-CN" altLang="en-US" sz="1800" dirty="0">
-              <a:solidFill>
-                <a:schemeClr val="tx1"/>
-              </a:solidFill>
-              <a:effectLst>
-                <a:outerShdw blurRad="38100" dist="19050" dir="2700000" algn="tl" rotWithShape="0">
-                  <a:schemeClr val="dk1">
-                    <a:alpha val="40000"/>
-                  </a:schemeClr>
-                </a:outerShdw>
-              </a:effectLst>
-              <a:latin typeface="Arial" panose="020B0604020202090204" pitchFamily="34" charset="0"/>
-              <a:ea typeface="微软雅黑" panose="020B0503020204020204" pitchFamily="34" charset="-122"/>
-              <a:sym typeface="Arial" panose="020B0604020202090204" pitchFamily="34" charset="0"/>
-            </a:endParaRPr>
           </a:p>
         </p:txBody>
       </p:sp>
@@ -11975,21 +11738,6 @@
               </a:rPr>
               <a:t>采取类似网络应用开发的前后端分离的形式</a:t>
             </a:r>
-            <a:endParaRPr lang="zh-CN" altLang="en-US" sz="1800" dirty="0">
-              <a:solidFill>
-                <a:schemeClr val="tx1"/>
-              </a:solidFill>
-              <a:effectLst>
-                <a:outerShdw blurRad="38100" dist="19050" dir="2700000" algn="tl" rotWithShape="0">
-                  <a:schemeClr val="dk1">
-                    <a:alpha val="40000"/>
-                  </a:schemeClr>
-                </a:outerShdw>
-              </a:effectLst>
-              <a:latin typeface="Arial" panose="020B0604020202090204" pitchFamily="34" charset="0"/>
-              <a:ea typeface="微软雅黑" panose="020B0503020204020204" pitchFamily="34" charset="-122"/>
-              <a:sym typeface="Arial" panose="020B0604020202090204" pitchFamily="34" charset="0"/>
-            </a:endParaRPr>
           </a:p>
         </p:txBody>
       </p:sp>
@@ -12002,7 +11750,7 @@
           <p:nvPr/>
         </p:nvPicPr>
         <p:blipFill>
-          <a:blip r:embed="rId1"/>
+          <a:blip r:embed="rId3"/>
           <a:stretch>
             <a:fillRect/>
           </a:stretch>
@@ -12041,6 +11789,7 @@
               <a:lightRig rig="threePt" dir="t"/>
             </a:scene3d>
           </a:bodyPr>
+          <a:lstStyle/>
           <a:p>
             <a:pPr algn="l"/>
             <a:r>
@@ -12081,22 +11830,6 @@
               </a:rPr>
               <a:t>创新点</a:t>
             </a:r>
-            <a:endParaRPr lang="zh-CN" altLang="en-US" sz="6600" dirty="0">
-              <a:solidFill>
-                <a:schemeClr val="accent1"/>
-              </a:solidFill>
-              <a:effectLst>
-                <a:outerShdw blurRad="38100" dist="25400" dir="5400000" algn="ctr" rotWithShape="0">
-                  <a:srgbClr val="6E747A">
-                    <a:alpha val="43000"/>
-                  </a:srgbClr>
-                </a:outerShdw>
-              </a:effectLst>
-              <a:latin typeface="Arial" panose="020B0604020202090204" pitchFamily="34" charset="0"/>
-              <a:ea typeface="微软雅黑" panose="020B0503020204020204" pitchFamily="34" charset="-122"/>
-              <a:cs typeface="+mn-ea"/>
-              <a:sym typeface="Arial" panose="020B0604020202090204" pitchFamily="34" charset="0"/>
-            </a:endParaRPr>
           </a:p>
         </p:txBody>
       </p:sp>
@@ -12109,7 +11842,7 @@
           <p:nvPr/>
         </p:nvPicPr>
         <p:blipFill>
-          <a:blip r:embed="rId2"/>
+          <a:blip r:embed="rId4"/>
           <a:stretch>
             <a:fillRect/>
           </a:stretch>
@@ -12129,21 +11862,14 @@
   <p:clrMapOvr>
     <a:masterClrMapping/>
   </p:clrMapOvr>
-  <mc:AlternateContent xmlns:mc="http://schemas.openxmlformats.org/markup-compatibility/2006">
-    <mc:Choice xmlns:p14="http://schemas.microsoft.com/office/powerpoint/2010/main" Requires="p14">
+  <mc:AlternateContent xmlns:mc="http://schemas.openxmlformats.org/markup-compatibility/2006" xmlns:p14="http://schemas.microsoft.com/office/powerpoint/2010/main">
+    <mc:Choice Requires="p14">
       <p:transition spd="slow" p14:dur="1200"/>
     </mc:Choice>
-    <mc:Fallback>
+    <mc:Fallback xmlns="">
       <p:transition spd="slow"/>
     </mc:Fallback>
   </mc:AlternateContent>
-  <p:timing>
-    <p:tnLst>
-      <p:par>
-        <p:cTn id="1" dur="indefinite" restart="never" nodeType="tmRoot"/>
-      </p:par>
-    </p:tnLst>
-  </p:timing>
 </p:sld>
 </file>
 
@@ -12215,21 +11941,6 @@
               </a:rPr>
               <a:t>使用git进行版本管理</a:t>
             </a:r>
-            <a:endParaRPr lang="zh-CN" altLang="en-US" sz="1800" dirty="0">
-              <a:solidFill>
-                <a:schemeClr val="tx1"/>
-              </a:solidFill>
-              <a:effectLst>
-                <a:outerShdw blurRad="38100" dist="19050" dir="2700000" algn="tl" rotWithShape="0">
-                  <a:schemeClr val="dk1">
-                    <a:alpha val="40000"/>
-                  </a:schemeClr>
-                </a:outerShdw>
-              </a:effectLst>
-              <a:latin typeface="Arial" panose="020B0604020202090204" pitchFamily="34" charset="0"/>
-              <a:ea typeface="微软雅黑" panose="020B0503020204020204" pitchFamily="34" charset="-122"/>
-              <a:sym typeface="Arial" panose="020B0604020202090204" pitchFamily="34" charset="0"/>
-            </a:endParaRPr>
           </a:p>
         </p:txBody>
       </p:sp>
@@ -12242,7 +11953,7 @@
           <p:nvPr/>
         </p:nvPicPr>
         <p:blipFill>
-          <a:blip r:embed="rId1"/>
+          <a:blip r:embed="rId3"/>
           <a:stretch>
             <a:fillRect/>
           </a:stretch>
@@ -12281,6 +11992,7 @@
               <a:lightRig rig="threePt" dir="t"/>
             </a:scene3d>
           </a:bodyPr>
+          <a:lstStyle/>
           <a:p>
             <a:pPr algn="l"/>
             <a:r>
@@ -12321,22 +12033,6 @@
               </a:rPr>
               <a:t>创新点</a:t>
             </a:r>
-            <a:endParaRPr lang="zh-CN" altLang="en-US" sz="6600" dirty="0">
-              <a:solidFill>
-                <a:schemeClr val="accent1"/>
-              </a:solidFill>
-              <a:effectLst>
-                <a:outerShdw blurRad="38100" dist="25400" dir="5400000" algn="ctr" rotWithShape="0">
-                  <a:srgbClr val="6E747A">
-                    <a:alpha val="43000"/>
-                  </a:srgbClr>
-                </a:outerShdw>
-              </a:effectLst>
-              <a:latin typeface="Arial" panose="020B0604020202090204" pitchFamily="34" charset="0"/>
-              <a:ea typeface="微软雅黑" panose="020B0503020204020204" pitchFamily="34" charset="-122"/>
-              <a:cs typeface="+mn-ea"/>
-              <a:sym typeface="Arial" panose="020B0604020202090204" pitchFamily="34" charset="0"/>
-            </a:endParaRPr>
           </a:p>
         </p:txBody>
       </p:sp>
@@ -12349,7 +12045,7 @@
           <p:nvPr/>
         </p:nvPicPr>
         <p:blipFill>
-          <a:blip r:embed="rId2"/>
+          <a:blip r:embed="rId4"/>
           <a:stretch>
             <a:fillRect/>
           </a:stretch>
@@ -12373,7 +12069,7 @@
           <p:nvPr/>
         </p:nvPicPr>
         <p:blipFill>
-          <a:blip r:embed="rId3"/>
+          <a:blip r:embed="rId5"/>
           <a:stretch>
             <a:fillRect/>
           </a:stretch>
@@ -12393,21 +12089,14 @@
   <p:clrMapOvr>
     <a:masterClrMapping/>
   </p:clrMapOvr>
-  <mc:AlternateContent xmlns:mc="http://schemas.openxmlformats.org/markup-compatibility/2006">
-    <mc:Choice xmlns:p14="http://schemas.microsoft.com/office/powerpoint/2010/main" Requires="p14">
+  <mc:AlternateContent xmlns:mc="http://schemas.openxmlformats.org/markup-compatibility/2006" xmlns:p14="http://schemas.microsoft.com/office/powerpoint/2010/main">
+    <mc:Choice Requires="p14">
       <p:transition spd="slow" p14:dur="1200"/>
     </mc:Choice>
-    <mc:Fallback>
+    <mc:Fallback xmlns="">
       <p:transition spd="slow"/>
     </mc:Fallback>
   </mc:AlternateContent>
-  <p:timing>
-    <p:tnLst>
-      <p:par>
-        <p:cTn id="1" dur="indefinite" restart="never" nodeType="tmRoot"/>
-      </p:par>
-    </p:tnLst>
-  </p:timing>
 </p:sld>
 </file>
 
@@ -12789,7 +12478,7 @@
           <p:nvPr/>
         </p:nvPicPr>
         <p:blipFill>
-          <a:blip r:embed="rId2"/>
+          <a:blip r:embed="rId4"/>
           <a:stretch>
             <a:fillRect/>
           </a:stretch>
@@ -12813,7 +12502,7 @@
           <p:nvPr/>
         </p:nvPicPr>
         <p:blipFill>
-          <a:blip r:embed="rId3"/>
+          <a:blip r:embed="rId5"/>
           <a:stretch>
             <a:fillRect/>
           </a:stretch>
@@ -12833,21 +12522,6 @@
   <p:clrMapOvr>
     <a:masterClrMapping/>
   </p:clrMapOvr>
-  <mc:AlternateContent xmlns:mc="http://schemas.openxmlformats.org/markup-compatibility/2006">
-    <mc:Choice xmlns:p14="http://schemas.microsoft.com/office/powerpoint/2010/main" Requires="p14">
-      <p:transition spd="slow" p14:dur="2000"/>
-    </mc:Choice>
-    <mc:Fallback>
-      <p:transition spd="slow"/>
-    </mc:Fallback>
-  </mc:AlternateContent>
-  <p:timing>
-    <p:tnLst>
-      <p:par>
-        <p:cTn id="1" dur="indefinite" restart="never" nodeType="tmRoot"/>
-      </p:par>
-    </p:tnLst>
-  </p:timing>
 </p:sld>
 </file>
 
@@ -13185,7 +12859,7 @@
           <p:nvPr/>
         </p:nvPicPr>
         <p:blipFill>
-          <a:blip r:embed="rId1"/>
+          <a:blip r:embed="rId3"/>
           <a:stretch>
             <a:fillRect/>
           </a:stretch>
@@ -13224,6 +12898,7 @@
               <a:lightRig rig="threePt" dir="t"/>
             </a:scene3d>
           </a:bodyPr>
+          <a:lstStyle/>
           <a:p>
             <a:pPr algn="l"/>
             <a:r>
@@ -13264,22 +12939,6 @@
               </a:rPr>
               <a:t>存在的不足与展望</a:t>
             </a:r>
-            <a:endParaRPr lang="zh-CN" altLang="en-US" sz="6600" dirty="0">
-              <a:solidFill>
-                <a:schemeClr val="accent1"/>
-              </a:solidFill>
-              <a:effectLst>
-                <a:outerShdw blurRad="38100" dist="25400" dir="5400000" algn="ctr" rotWithShape="0">
-                  <a:srgbClr val="6E747A">
-                    <a:alpha val="43000"/>
-                  </a:srgbClr>
-                </a:outerShdw>
-              </a:effectLst>
-              <a:latin typeface="Arial" panose="020B0604020202090204" pitchFamily="34" charset="0"/>
-              <a:ea typeface="微软雅黑" panose="020B0503020204020204" pitchFamily="34" charset="-122"/>
-              <a:cs typeface="+mn-ea"/>
-              <a:sym typeface="Arial" panose="020B0604020202090204" pitchFamily="34" charset="0"/>
-            </a:endParaRPr>
           </a:p>
         </p:txBody>
       </p:sp>
@@ -13292,7 +12951,7 @@
           <p:nvPr/>
         </p:nvPicPr>
         <p:blipFill>
-          <a:blip r:embed="rId2"/>
+          <a:blip r:embed="rId4"/>
           <a:stretch>
             <a:fillRect/>
           </a:stretch>
@@ -13553,9 +13212,9 @@
         <p:grpSpPr bwMode="auto">
           <a:xfrm>
             <a:off x="1878330" y="3261360"/>
-            <a:ext cx="3336925" cy="2031366"/>
+            <a:ext cx="3336925" cy="1999959"/>
             <a:chOff x="7045224" y="2078155"/>
-            <a:chExt cx="4137667" cy="1927213"/>
+            <a:chExt cx="4137667" cy="1897416"/>
           </a:xfrm>
         </p:grpSpPr>
         <p:sp>
@@ -13731,22 +13390,6 @@
                 </a:rPr>
                 <a:t>消息队列过多时，无法自动定位到最新的消息。</a:t>
               </a:r>
-              <a:endParaRPr lang="zh-CN" altLang="en-US" sz="2000" dirty="0">
-                <a:solidFill>
-                  <a:schemeClr val="tx1"/>
-                </a:solidFill>
-                <a:effectLst>
-                  <a:outerShdw blurRad="38100" dist="19050" dir="2700000" algn="tl" rotWithShape="0">
-                    <a:schemeClr val="dk1">
-                      <a:alpha val="40000"/>
-                    </a:schemeClr>
-                  </a:outerShdw>
-                </a:effectLst>
-                <a:latin typeface="Arial" panose="020B0604020202090204" pitchFamily="34" charset="0"/>
-                <a:ea typeface="微软雅黑" panose="020B0503020204020204" pitchFamily="34" charset="-122"/>
-                <a:cs typeface="+mn-ea"/>
-                <a:sym typeface="Arial" panose="020B0604020202090204" pitchFamily="34" charset="0"/>
-              </a:endParaRPr>
             </a:p>
           </p:txBody>
         </p:sp>
@@ -13761,7 +13404,7 @@
           <p:spPr bwMode="auto">
             <a:xfrm>
               <a:off x="7045224" y="3655349"/>
-              <a:ext cx="4137667" cy="350019"/>
+              <a:ext cx="4137667" cy="320222"/>
             </a:xfrm>
             <a:prstGeom prst="rect">
               <a:avLst/>
@@ -13925,24 +13568,8 @@
                   <a:cs typeface="+mn-ea"/>
                   <a:sym typeface="Arial" panose="020B0604020202090204" pitchFamily="34" charset="0"/>
                 </a:rPr>
-                <a:t>服务端无页面</a:t>
+                <a:t>服务端未实现页面</a:t>
               </a:r>
-              <a:endParaRPr lang="zh-CN" altLang="en-US" sz="2000" dirty="0">
-                <a:solidFill>
-                  <a:schemeClr val="tx1"/>
-                </a:solidFill>
-                <a:effectLst>
-                  <a:outerShdw blurRad="38100" dist="19050" dir="2700000" algn="tl" rotWithShape="0">
-                    <a:schemeClr val="dk1">
-                      <a:alpha val="40000"/>
-                    </a:schemeClr>
-                  </a:outerShdw>
-                </a:effectLst>
-                <a:latin typeface="Arial" panose="020B0604020202090204" pitchFamily="34" charset="0"/>
-                <a:ea typeface="微软雅黑" panose="020B0503020204020204" pitchFamily="34" charset="-122"/>
-                <a:cs typeface="+mn-ea"/>
-                <a:sym typeface="Arial" panose="020B0604020202090204" pitchFamily="34" charset="0"/>
-              </a:endParaRPr>
             </a:p>
           </p:txBody>
         </p:sp>
@@ -13957,7 +13584,7 @@
           <p:spPr bwMode="auto">
             <a:xfrm>
               <a:off x="7045224" y="2954153"/>
-              <a:ext cx="4137667" cy="350019"/>
+              <a:ext cx="4137667" cy="320222"/>
             </a:xfrm>
             <a:prstGeom prst="rect">
               <a:avLst/>
@@ -14121,24 +13748,8 @@
                   <a:cs typeface="+mn-ea"/>
                   <a:sym typeface="Arial" panose="020B0604020202090204" pitchFamily="34" charset="0"/>
                 </a:rPr>
-                <a:t>文件群发功能无法实现</a:t>
+                <a:t>文件群发功能还未实现</a:t>
               </a:r>
-              <a:endParaRPr lang="zh-CN" altLang="en-US" sz="2000" dirty="0">
-                <a:solidFill>
-                  <a:schemeClr val="tx1"/>
-                </a:solidFill>
-                <a:effectLst>
-                  <a:outerShdw blurRad="38100" dist="19050" dir="2700000" algn="tl" rotWithShape="0">
-                    <a:schemeClr val="dk1">
-                      <a:alpha val="40000"/>
-                    </a:schemeClr>
-                  </a:outerShdw>
-                </a:effectLst>
-                <a:latin typeface="Arial" panose="020B0604020202090204" pitchFamily="34" charset="0"/>
-                <a:ea typeface="微软雅黑" panose="020B0503020204020204" pitchFamily="34" charset="-122"/>
-                <a:cs typeface="+mn-ea"/>
-                <a:sym typeface="Arial" panose="020B0604020202090204" pitchFamily="34" charset="0"/>
-              </a:endParaRPr>
             </a:p>
           </p:txBody>
         </p:sp>
@@ -14309,10 +13920,10 @@
         </p:nvGrpSpPr>
         <p:grpSpPr bwMode="auto">
           <a:xfrm>
-            <a:off x="7552621" y="3167691"/>
-            <a:ext cx="4479290" cy="2599055"/>
-            <a:chOff x="7045224" y="2078155"/>
-            <a:chExt cx="8650315" cy="2465580"/>
+            <a:off x="7552621" y="3167692"/>
+            <a:ext cx="4481434" cy="1600170"/>
+            <a:chOff x="7045224" y="2078157"/>
+            <a:chExt cx="8654455" cy="2176573"/>
           </a:xfrm>
         </p:grpSpPr>
         <p:sp>
@@ -14325,8 +13936,8 @@
           </p:nvSpPr>
           <p:spPr bwMode="auto">
             <a:xfrm>
-              <a:off x="7045224" y="2078155"/>
-              <a:ext cx="8650315" cy="945149"/>
+              <a:off x="7045224" y="2078157"/>
+              <a:ext cx="8650315" cy="918855"/>
             </a:xfrm>
             <a:prstGeom prst="rect">
               <a:avLst/>
@@ -14492,22 +14103,6 @@
                 </a:rPr>
                 <a:t>无法显示他人头像</a:t>
               </a:r>
-              <a:endParaRPr lang="zh-CN" altLang="en-US" sz="1800" dirty="0">
-                <a:solidFill>
-                  <a:schemeClr val="tx1"/>
-                </a:solidFill>
-                <a:effectLst>
-                  <a:outerShdw blurRad="38100" dist="19050" dir="2700000" algn="tl" rotWithShape="0">
-                    <a:schemeClr val="dk1">
-                      <a:alpha val="40000"/>
-                    </a:schemeClr>
-                  </a:outerShdw>
-                </a:effectLst>
-                <a:latin typeface="Arial" panose="020B0604020202090204" pitchFamily="34" charset="0"/>
-                <a:ea typeface="微软雅黑" panose="020B0503020204020204" pitchFamily="34" charset="-122"/>
-                <a:cs typeface="+mn-ea"/>
-                <a:sym typeface="Arial" panose="020B0604020202090204" pitchFamily="34" charset="0"/>
-              </a:endParaRPr>
             </a:p>
             <a:p>
               <a:pPr algn="just" eaLnBrk="1" hangingPunct="1">
@@ -14538,24 +14133,65 @@
                   <a:cs typeface="+mn-ea"/>
                   <a:sym typeface="Arial" panose="020B0604020202090204" pitchFamily="34" charset="0"/>
                 </a:rPr>
-                <a:t>解决方案：需要在 User Model 加入头像类 ImageView</a:t>
+                <a:t>解决方案：采用 </a:t>
               </a:r>
-              <a:endParaRPr lang="zh-CN" altLang="en-US" sz="1800" dirty="0">
-                <a:solidFill>
-                  <a:schemeClr val="tx1"/>
-                </a:solidFill>
-                <a:effectLst>
-                  <a:outerShdw blurRad="38100" dist="19050" dir="2700000" algn="tl" rotWithShape="0">
-                    <a:schemeClr val="dk1">
-                      <a:alpha val="40000"/>
-                    </a:schemeClr>
-                  </a:outerShdw>
-                </a:effectLst>
-                <a:latin typeface="Arial" panose="020B0604020202090204" pitchFamily="34" charset="0"/>
-                <a:ea typeface="微软雅黑" panose="020B0503020204020204" pitchFamily="34" charset="-122"/>
-                <a:cs typeface="+mn-ea"/>
-                <a:sym typeface="Arial" panose="020B0604020202090204" pitchFamily="34" charset="0"/>
-              </a:endParaRPr>
+              <a:r>
+                <a:rPr lang="en-US" altLang="zh-CN" sz="1800" dirty="0" err="1">
+                  <a:solidFill>
+                    <a:schemeClr val="tx1"/>
+                  </a:solidFill>
+                  <a:effectLst>
+                    <a:outerShdw blurRad="38100" dist="19050" dir="2700000" algn="tl" rotWithShape="0">
+                      <a:schemeClr val="dk1">
+                        <a:alpha val="40000"/>
+                      </a:schemeClr>
+                    </a:outerShdw>
+                  </a:effectLst>
+                  <a:latin typeface="Arial" panose="020B0604020202090204" pitchFamily="34" charset="0"/>
+                  <a:ea typeface="微软雅黑" panose="020B0503020204020204" pitchFamily="34" charset="-122"/>
+                  <a:cs typeface="+mn-ea"/>
+                  <a:sym typeface="Arial" panose="020B0604020202090204" pitchFamily="34" charset="0"/>
+                </a:rPr>
+                <a:t>MySql</a:t>
+              </a:r>
+              <a:r>
+                <a:rPr lang="en-US" altLang="zh-CN" sz="1800" dirty="0">
+                  <a:solidFill>
+                    <a:schemeClr val="tx1"/>
+                  </a:solidFill>
+                  <a:effectLst>
+                    <a:outerShdw blurRad="38100" dist="19050" dir="2700000" algn="tl" rotWithShape="0">
+                      <a:schemeClr val="dk1">
+                        <a:alpha val="40000"/>
+                      </a:schemeClr>
+                    </a:outerShdw>
+                  </a:effectLst>
+                  <a:latin typeface="Arial" panose="020B0604020202090204" pitchFamily="34" charset="0"/>
+                  <a:ea typeface="微软雅黑" panose="020B0503020204020204" pitchFamily="34" charset="-122"/>
+                  <a:cs typeface="+mn-ea"/>
+                  <a:sym typeface="Arial" panose="020B0604020202090204" pitchFamily="34" charset="0"/>
+                </a:rPr>
+                <a:t> </a:t>
+              </a:r>
+              <a:r>
+                <a:rPr lang="zh-CN" altLang="en-US" sz="1800" dirty="0">
+                  <a:solidFill>
+                    <a:schemeClr val="tx1"/>
+                  </a:solidFill>
+                  <a:effectLst>
+                    <a:outerShdw blurRad="38100" dist="19050" dir="2700000" algn="tl" rotWithShape="0">
+                      <a:schemeClr val="dk1">
+                        <a:alpha val="40000"/>
+                      </a:schemeClr>
+                    </a:outerShdw>
+                  </a:effectLst>
+                  <a:latin typeface="Arial" panose="020B0604020202090204" pitchFamily="34" charset="0"/>
+                  <a:ea typeface="微软雅黑" panose="020B0503020204020204" pitchFamily="34" charset="-122"/>
+                  <a:cs typeface="+mn-ea"/>
+                  <a:sym typeface="Arial" panose="020B0604020202090204" pitchFamily="34" charset="0"/>
+                </a:rPr>
+                <a:t>建立数据库，方便获取用户头像与数据</a:t>
+              </a:r>
             </a:p>
           </p:txBody>
         </p:sp>
@@ -14569,8 +14205,8 @@
           </p:nvSpPr>
           <p:spPr bwMode="auto">
             <a:xfrm>
-              <a:off x="7045224" y="3283536"/>
-              <a:ext cx="8650315" cy="1260199"/>
+              <a:off x="7049364" y="3844111"/>
+              <a:ext cx="8650315" cy="410619"/>
             </a:xfrm>
             <a:prstGeom prst="rect">
               <a:avLst/>
@@ -14718,7 +14354,7 @@
                 </a:spcAft>
               </a:pPr>
               <a:r>
-                <a:rPr lang="zh-CN" altLang="en-US" sz="1800" dirty="0">
+                <a:rPr lang="en-US" altLang="zh-CN" sz="1800" dirty="0" err="1">
                   <a:solidFill>
                     <a:schemeClr val="tx1"/>
                   </a:solidFill>
@@ -14734,42 +14370,10 @@
                   <a:cs typeface="+mn-ea"/>
                   <a:sym typeface="Arial" panose="020B0604020202090204" pitchFamily="34" charset="0"/>
                 </a:rPr>
-                <a:t>full name 只在简介出现而非用户界面与聊天室，登录实际上用的 username</a:t>
+                <a:t>javaFX</a:t>
               </a:r>
-              <a:endParaRPr lang="zh-CN" altLang="en-US" sz="1800" dirty="0">
-                <a:solidFill>
-                  <a:schemeClr val="tx1"/>
-                </a:solidFill>
-                <a:effectLst>
-                  <a:outerShdw blurRad="38100" dist="19050" dir="2700000" algn="tl" rotWithShape="0">
-                    <a:schemeClr val="dk1">
-                      <a:alpha val="40000"/>
-                    </a:schemeClr>
-                  </a:outerShdw>
-                </a:effectLst>
-                <a:latin typeface="Arial" panose="020B0604020202090204" pitchFamily="34" charset="0"/>
-                <a:ea typeface="微软雅黑" panose="020B0503020204020204" pitchFamily="34" charset="-122"/>
-                <a:cs typeface="+mn-ea"/>
-                <a:sym typeface="Arial" panose="020B0604020202090204" pitchFamily="34" charset="0"/>
-              </a:endParaRPr>
-            </a:p>
-            <a:p>
-              <a:pPr algn="just" eaLnBrk="1" hangingPunct="1">
-                <a:lnSpc>
-                  <a:spcPct val="120000"/>
-                </a:lnSpc>
-                <a:spcBef>
-                  <a:spcPts val="0"/>
-                </a:spcBef>
-                <a:spcAft>
-                  <a:spcPts val="0"/>
-                </a:spcAft>
-              </a:pPr>
               <a:r>
-                <a:rPr lang="zh-CN" altLang="en-US" sz="1800" dirty="0">
-                  <a:solidFill>
-                    <a:schemeClr val="tx1"/>
-                  </a:solidFill>
+                <a:rPr lang="zh-CN" altLang="en-US" dirty="0">
                   <a:effectLst>
                     <a:outerShdw blurRad="38100" dist="19050" dir="2700000" algn="tl" rotWithShape="0">
                       <a:schemeClr val="dk1">
@@ -14782,7 +14386,7 @@
                   <a:cs typeface="+mn-ea"/>
                   <a:sym typeface="Arial" panose="020B0604020202090204" pitchFamily="34" charset="0"/>
                 </a:rPr>
-                <a:t>解决后：聊天界面标题显示 username，头像下方为 nickname，聊天均采用 nickname</a:t>
+                <a:t> 与后台的数据对接</a:t>
               </a:r>
               <a:endParaRPr lang="zh-CN" altLang="en-US" sz="1800" dirty="0">
                 <a:solidFill>
@@ -14813,10 +14417,10 @@
           <p:nvPr/>
         </p:nvPicPr>
         <p:blipFill>
-          <a:blip r:embed="rId3">
+          <a:blip r:embed="rId5">
             <a:extLst>
               <a:ext uri="{96DAC541-7B7A-43D3-8B79-37D633B846F1}">
-                <asvg:svgBlip xmlns:asvg="http://schemas.microsoft.com/office/drawing/2016/SVG/main" r:embed="rId4"/>
+                <asvg:svgBlip xmlns:asvg="http://schemas.microsoft.com/office/drawing/2016/SVG/main" r:embed="rId6"/>
               </a:ext>
             </a:extLst>
           </a:blip>
@@ -14843,10 +14447,10 @@
           <p:nvPr/>
         </p:nvPicPr>
         <p:blipFill>
-          <a:blip r:embed="rId5">
+          <a:blip r:embed="rId7">
             <a:extLst>
               <a:ext uri="{96DAC541-7B7A-43D3-8B79-37D633B846F1}">
-                <asvg:svgBlip xmlns:asvg="http://schemas.microsoft.com/office/drawing/2016/SVG/main" r:embed="rId6"/>
+                <asvg:svgBlip xmlns:asvg="http://schemas.microsoft.com/office/drawing/2016/SVG/main" r:embed="rId8"/>
               </a:ext>
             </a:extLst>
           </a:blip>
@@ -14888,6 +14492,7 @@
               <a:lightRig rig="threePt" dir="t"/>
             </a:scene3d>
           </a:bodyPr>
+          <a:lstStyle/>
           <a:p>
             <a:r>
               <a:rPr lang="zh-CN" altLang="en-US" sz="3200">
@@ -14904,18 +14509,6 @@
               </a:rPr>
               <a:t>未解决的难点</a:t>
             </a:r>
-            <a:endParaRPr lang="zh-CN" altLang="en-US" sz="3200">
-              <a:solidFill>
-                <a:schemeClr val="tx1"/>
-              </a:solidFill>
-              <a:effectLst>
-                <a:outerShdw blurRad="38100" dist="19050" dir="2700000" algn="tl" rotWithShape="0">
-                  <a:schemeClr val="dk1">
-                    <a:alpha val="40000"/>
-                  </a:schemeClr>
-                </a:outerShdw>
-              </a:effectLst>
-            </a:endParaRPr>
           </a:p>
         </p:txBody>
       </p:sp>
@@ -14943,6 +14536,7 @@
               <a:lightRig rig="threePt" dir="t"/>
             </a:scene3d>
           </a:bodyPr>
+          <a:lstStyle/>
           <a:p>
             <a:r>
               <a:rPr lang="zh-CN" altLang="en-US" sz="3200">
@@ -14959,18 +14553,6 @@
               </a:rPr>
               <a:t>已解决的难点</a:t>
             </a:r>
-            <a:endParaRPr lang="zh-CN" altLang="en-US" sz="3200">
-              <a:solidFill>
-                <a:schemeClr val="tx1"/>
-              </a:solidFill>
-              <a:effectLst>
-                <a:outerShdw blurRad="38100" dist="19050" dir="2700000" algn="tl" rotWithShape="0">
-                  <a:schemeClr val="dk1">
-                    <a:alpha val="40000"/>
-                  </a:schemeClr>
-                </a:outerShdw>
-              </a:effectLst>
-            </a:endParaRPr>
           </a:p>
         </p:txBody>
       </p:sp>
@@ -14979,21 +14561,14 @@
   <p:clrMapOvr>
     <a:masterClrMapping/>
   </p:clrMapOvr>
-  <mc:AlternateContent xmlns:mc="http://schemas.openxmlformats.org/markup-compatibility/2006">
-    <mc:Choice xmlns:p14="http://schemas.microsoft.com/office/powerpoint/2010/main" Requires="p14">
+  <mc:AlternateContent xmlns:mc="http://schemas.openxmlformats.org/markup-compatibility/2006" xmlns:p14="http://schemas.microsoft.com/office/powerpoint/2010/main">
+    <mc:Choice Requires="p14">
       <p:transition spd="slow" p14:dur="1250"/>
     </mc:Choice>
-    <mc:Fallback>
+    <mc:Fallback xmlns="">
       <p:transition spd="slow"/>
     </mc:Fallback>
   </mc:AlternateContent>
-  <p:timing>
-    <p:tnLst>
-      <p:par>
-        <p:cTn id="1" dur="indefinite" restart="never" nodeType="tmRoot"/>
-      </p:par>
-    </p:tnLst>
-  </p:timing>
 </p:sld>
 </file>
 
@@ -15113,7 +14688,7 @@
           <p:nvPr/>
         </p:nvPicPr>
         <p:blipFill>
-          <a:blip r:embed="rId1"/>
+          <a:blip r:embed="rId3"/>
           <a:stretch>
             <a:fillRect/>
           </a:stretch>
@@ -15152,6 +14727,7 @@
               <a:lightRig rig="threePt" dir="t"/>
             </a:scene3d>
           </a:bodyPr>
+          <a:lstStyle/>
           <a:p>
             <a:pPr algn="l"/>
             <a:r>
@@ -15192,22 +14768,6 @@
               </a:rPr>
               <a:t>存在的不足与展望</a:t>
             </a:r>
-            <a:endParaRPr lang="zh-CN" altLang="en-US" sz="6600" dirty="0">
-              <a:solidFill>
-                <a:schemeClr val="accent1"/>
-              </a:solidFill>
-              <a:effectLst>
-                <a:outerShdw blurRad="38100" dist="25400" dir="5400000" algn="ctr" rotWithShape="0">
-                  <a:srgbClr val="6E747A">
-                    <a:alpha val="43000"/>
-                  </a:srgbClr>
-                </a:outerShdw>
-              </a:effectLst>
-              <a:latin typeface="Arial" panose="020B0604020202090204" pitchFamily="34" charset="0"/>
-              <a:ea typeface="微软雅黑" panose="020B0503020204020204" pitchFamily="34" charset="-122"/>
-              <a:cs typeface="+mn-ea"/>
-              <a:sym typeface="Arial" panose="020B0604020202090204" pitchFamily="34" charset="0"/>
-            </a:endParaRPr>
           </a:p>
         </p:txBody>
       </p:sp>
@@ -15220,7 +14780,7 @@
           <p:nvPr/>
         </p:nvPicPr>
         <p:blipFill>
-          <a:blip r:embed="rId2"/>
+          <a:blip r:embed="rId4"/>
           <a:stretch>
             <a:fillRect/>
           </a:stretch>
@@ -15618,22 +15178,6 @@
                 </a:rPr>
                 <a:t>表情</a:t>
               </a:r>
-              <a:endParaRPr lang="zh-CN" altLang="en-US" sz="2400" dirty="0">
-                <a:solidFill>
-                  <a:schemeClr val="tx1"/>
-                </a:solidFill>
-                <a:effectLst>
-                  <a:outerShdw blurRad="38100" dist="19050" dir="2700000" algn="tl" rotWithShape="0">
-                    <a:schemeClr val="dk1">
-                      <a:alpha val="40000"/>
-                    </a:schemeClr>
-                  </a:outerShdw>
-                </a:effectLst>
-                <a:latin typeface="Arial" panose="020B0604020202090204" pitchFamily="34" charset="0"/>
-                <a:ea typeface="微软雅黑" panose="020B0503020204020204" pitchFamily="34" charset="-122"/>
-                <a:cs typeface="+mn-ea"/>
-                <a:sym typeface="Arial" panose="020B0604020202090204" pitchFamily="34" charset="0"/>
-              </a:endParaRPr>
             </a:p>
           </p:txBody>
         </p:sp>
@@ -15814,22 +15358,6 @@
                 </a:rPr>
                 <a:t>实现文件传送功能</a:t>
               </a:r>
-              <a:endParaRPr lang="zh-CN" altLang="en-US" sz="2400" dirty="0">
-                <a:solidFill>
-                  <a:schemeClr val="tx1"/>
-                </a:solidFill>
-                <a:effectLst>
-                  <a:outerShdw blurRad="38100" dist="19050" dir="2700000" algn="tl" rotWithShape="0">
-                    <a:schemeClr val="dk1">
-                      <a:alpha val="40000"/>
-                    </a:schemeClr>
-                  </a:outerShdw>
-                </a:effectLst>
-                <a:latin typeface="Arial" panose="020B0604020202090204" pitchFamily="34" charset="0"/>
-                <a:ea typeface="微软雅黑" panose="020B0503020204020204" pitchFamily="34" charset="-122"/>
-                <a:cs typeface="+mn-ea"/>
-                <a:sym typeface="Arial" panose="020B0604020202090204" pitchFamily="34" charset="0"/>
-              </a:endParaRPr>
             </a:p>
           </p:txBody>
         </p:sp>
@@ -15843,10 +15371,10 @@
           <p:nvPr/>
         </p:nvPicPr>
         <p:blipFill>
-          <a:blip r:embed="rId3">
+          <a:blip r:embed="rId5">
             <a:extLst>
               <a:ext uri="{96DAC541-7B7A-43D3-8B79-37D633B846F1}">
-                <asvg:svgBlip xmlns:asvg="http://schemas.microsoft.com/office/drawing/2016/SVG/main" r:embed="rId4"/>
+                <asvg:svgBlip xmlns:asvg="http://schemas.microsoft.com/office/drawing/2016/SVG/main" r:embed="rId6"/>
               </a:ext>
             </a:extLst>
           </a:blip>
@@ -15888,6 +15416,7 @@
               <a:lightRig rig="threePt" dir="t"/>
             </a:scene3d>
           </a:bodyPr>
+          <a:lstStyle/>
           <a:p>
             <a:r>
               <a:rPr lang="zh-CN" altLang="en-US" sz="3200">
@@ -15904,18 +15433,6 @@
               </a:rPr>
               <a:t>展望</a:t>
             </a:r>
-            <a:endParaRPr lang="zh-CN" altLang="en-US" sz="3200">
-              <a:solidFill>
-                <a:schemeClr val="tx1"/>
-              </a:solidFill>
-              <a:effectLst>
-                <a:outerShdw blurRad="38100" dist="19050" dir="2700000" algn="tl" rotWithShape="0">
-                  <a:schemeClr val="dk1">
-                    <a:alpha val="40000"/>
-                  </a:schemeClr>
-                </a:outerShdw>
-              </a:effectLst>
-            </a:endParaRPr>
           </a:p>
         </p:txBody>
       </p:sp>
@@ -15924,21 +15441,14 @@
   <p:clrMapOvr>
     <a:masterClrMapping/>
   </p:clrMapOvr>
-  <mc:AlternateContent xmlns:mc="http://schemas.openxmlformats.org/markup-compatibility/2006">
-    <mc:Choice xmlns:p14="http://schemas.microsoft.com/office/powerpoint/2010/main" Requires="p14">
+  <mc:AlternateContent xmlns:mc="http://schemas.openxmlformats.org/markup-compatibility/2006" xmlns:p14="http://schemas.microsoft.com/office/powerpoint/2010/main">
+    <mc:Choice Requires="p14">
       <p:transition spd="slow" p14:dur="1250"/>
     </mc:Choice>
-    <mc:Fallback>
+    <mc:Fallback xmlns="">
       <p:transition spd="slow"/>
     </mc:Fallback>
   </mc:AlternateContent>
-  <p:timing>
-    <p:tnLst>
-      <p:par>
-        <p:cTn id="1" dur="indefinite" restart="never" nodeType="tmRoot"/>
-      </p:par>
-    </p:tnLst>
-  </p:timing>
 </p:sld>
 </file>
 
@@ -16300,14 +15810,6 @@
               </a:rPr>
               <a:t>CODE AND PRESENTATION</a:t>
             </a:r>
-            <a:endParaRPr lang="en-US" altLang="zh-CN" sz="1400" dirty="0">
-              <a:solidFill>
-                <a:schemeClr val="bg1"/>
-              </a:solidFill>
-              <a:latin typeface="Arial" panose="020B0604020202090204" pitchFamily="34" charset="0"/>
-              <a:ea typeface="微软雅黑" panose="020B0503020204020204" pitchFamily="34" charset="-122"/>
-              <a:sym typeface="Arial" panose="020B0604020202090204" pitchFamily="34" charset="0"/>
-            </a:endParaRPr>
           </a:p>
         </p:txBody>
       </p:sp>
@@ -16320,7 +15822,7 @@
           <p:nvPr/>
         </p:nvPicPr>
         <p:blipFill>
-          <a:blip r:embed="rId2"/>
+          <a:blip r:embed="rId4"/>
           <a:stretch>
             <a:fillRect/>
           </a:stretch>
@@ -16344,7 +15846,7 @@
           <p:nvPr/>
         </p:nvPicPr>
         <p:blipFill>
-          <a:blip r:embed="rId3"/>
+          <a:blip r:embed="rId5"/>
           <a:stretch>
             <a:fillRect/>
           </a:stretch>
@@ -16364,21 +15866,6 @@
   <p:clrMapOvr>
     <a:masterClrMapping/>
   </p:clrMapOvr>
-  <mc:AlternateContent xmlns:mc="http://schemas.openxmlformats.org/markup-compatibility/2006">
-    <mc:Choice xmlns:p14="http://schemas.microsoft.com/office/powerpoint/2010/main" Requires="p14">
-      <p:transition spd="slow" p14:dur="2000"/>
-    </mc:Choice>
-    <mc:Fallback>
-      <p:transition spd="slow"/>
-    </mc:Fallback>
-  </mc:AlternateContent>
-  <p:timing>
-    <p:tnLst>
-      <p:par>
-        <p:cTn id="1" dur="indefinite" restart="never" nodeType="tmRoot"/>
-      </p:par>
-    </p:tnLst>
-  </p:timing>
 </p:sld>
 </file>
 
@@ -16530,7 +16017,7 @@
           <p:nvPr/>
         </p:nvPicPr>
         <p:blipFill>
-          <a:blip r:embed="rId1"/>
+          <a:blip r:embed="rId3"/>
           <a:stretch>
             <a:fillRect/>
           </a:stretch>
@@ -16554,7 +16041,7 @@
           <p:nvPr/>
         </p:nvPicPr>
         <p:blipFill>
-          <a:blip r:embed="rId2"/>
+          <a:blip r:embed="rId4"/>
           <a:stretch>
             <a:fillRect/>
           </a:stretch>
@@ -16578,7 +16065,7 @@
           <p:nvPr/>
         </p:nvPicPr>
         <p:blipFill>
-          <a:blip r:embed="rId3"/>
+          <a:blip r:embed="rId5"/>
           <a:stretch>
             <a:fillRect/>
           </a:stretch>
@@ -16602,7 +16089,7 @@
           <p:nvPr/>
         </p:nvPicPr>
         <p:blipFill>
-          <a:blip r:embed="rId4"/>
+          <a:blip r:embed="rId6"/>
           <a:stretch>
             <a:fillRect/>
           </a:stretch>
@@ -16622,21 +16109,14 @@
   <p:clrMapOvr>
     <a:masterClrMapping/>
   </p:clrMapOvr>
-  <mc:AlternateContent xmlns:mc="http://schemas.openxmlformats.org/markup-compatibility/2006">
-    <mc:Choice xmlns:p14="http://schemas.microsoft.com/office/powerpoint/2010/main" Requires="p14">
+  <mc:AlternateContent xmlns:mc="http://schemas.openxmlformats.org/markup-compatibility/2006" xmlns:p14="http://schemas.microsoft.com/office/powerpoint/2010/main">
+    <mc:Choice Requires="p14">
       <p:transition spd="slow" p14:dur="1250"/>
     </mc:Choice>
-    <mc:Fallback>
+    <mc:Fallback xmlns="">
       <p:transition spd="slow"/>
     </mc:Fallback>
   </mc:AlternateContent>
-  <p:timing>
-    <p:tnLst>
-      <p:par>
-        <p:cTn id="1" dur="indefinite" restart="never" nodeType="tmRoot"/>
-      </p:par>
-    </p:tnLst>
-  </p:timing>
 </p:sld>
 </file>
 
@@ -16776,7 +16256,7 @@
           <p:nvPr/>
         </p:nvPicPr>
         <p:blipFill>
-          <a:blip r:embed="rId1"/>
+          <a:blip r:embed="rId3"/>
           <a:stretch>
             <a:fillRect/>
           </a:stretch>
@@ -16800,7 +16280,7 @@
           <p:nvPr/>
         </p:nvPicPr>
         <p:blipFill>
-          <a:blip r:embed="rId2"/>
+          <a:blip r:embed="rId4"/>
           <a:stretch>
             <a:fillRect/>
           </a:stretch>
@@ -16824,7 +16304,7 @@
           <p:nvPr/>
         </p:nvPicPr>
         <p:blipFill>
-          <a:blip r:embed="rId3"/>
+          <a:blip r:embed="rId5"/>
           <a:stretch>
             <a:fillRect/>
           </a:stretch>
@@ -16848,7 +16328,7 @@
           <p:nvPr/>
         </p:nvPicPr>
         <p:blipFill>
-          <a:blip r:embed="rId4"/>
+          <a:blip r:embed="rId6"/>
           <a:stretch>
             <a:fillRect/>
           </a:stretch>
@@ -16868,21 +16348,14 @@
   <p:clrMapOvr>
     <a:masterClrMapping/>
   </p:clrMapOvr>
-  <mc:AlternateContent xmlns:mc="http://schemas.openxmlformats.org/markup-compatibility/2006">
-    <mc:Choice xmlns:p14="http://schemas.microsoft.com/office/powerpoint/2010/main" Requires="p14">
+  <mc:AlternateContent xmlns:mc="http://schemas.openxmlformats.org/markup-compatibility/2006" xmlns:p14="http://schemas.microsoft.com/office/powerpoint/2010/main">
+    <mc:Choice Requires="p14">
       <p:transition spd="slow" p14:dur="1250"/>
     </mc:Choice>
-    <mc:Fallback>
+    <mc:Fallback xmlns="">
       <p:transition spd="slow"/>
     </mc:Fallback>
   </mc:AlternateContent>
-  <p:timing>
-    <p:tnLst>
-      <p:par>
-        <p:cTn id="1" dur="indefinite" restart="never" nodeType="tmRoot"/>
-      </p:par>
-    </p:tnLst>
-  </p:timing>
 </p:sld>
 </file>
 
@@ -16911,7 +16384,7 @@
           </p:cNvSpPr>
           <p:nvPr>
             <p:custDataLst>
-              <p:tags r:id="rId1"/>
+              <p:tags r:id="rId2"/>
             </p:custDataLst>
           </p:nvPr>
         </p:nvSpPr>
@@ -17106,14 +16579,6 @@
               </a:rPr>
               <a:t>CODE AND SUCCESSFUL PROJECT</a:t>
             </a:r>
-            <a:endParaRPr lang="en-US" altLang="zh-CN" sz="1050" dirty="0">
-              <a:solidFill>
-                <a:schemeClr val="bg1"/>
-              </a:solidFill>
-              <a:latin typeface="Arial" panose="020B0604020202090204" pitchFamily="34" charset="0"/>
-              <a:ea typeface="微软雅黑" panose="020B0503020204020204" pitchFamily="34" charset="-122"/>
-              <a:sym typeface="Arial" panose="020B0604020202090204" pitchFamily="34" charset="0"/>
-            </a:endParaRPr>
           </a:p>
         </p:txBody>
       </p:sp>
@@ -17125,7 +16590,7 @@
           </p:cNvSpPr>
           <p:nvPr>
             <p:custDataLst>
-              <p:tags r:id="rId2"/>
+              <p:tags r:id="rId3"/>
             </p:custDataLst>
           </p:nvPr>
         </p:nvSpPr>
@@ -17159,7 +16624,7 @@
         </p:spPr>
         <p:txBody>
           <a:bodyPr lIns="0" tIns="0" rIns="0" bIns="0">
-            <a:normAutofit/>
+            <a:normAutofit fontScale="25000" lnSpcReduction="20000"/>
           </a:bodyPr>
           <a:lstStyle/>
           <a:p>
@@ -17185,7 +16650,7 @@
           </p:cNvSpPr>
           <p:nvPr>
             <p:custDataLst>
-              <p:tags r:id="rId3"/>
+              <p:tags r:id="rId4"/>
             </p:custDataLst>
           </p:nvPr>
         </p:nvSpPr>
@@ -17219,7 +16684,7 @@
         </p:spPr>
         <p:txBody>
           <a:bodyPr lIns="0" tIns="0" rIns="0" bIns="0">
-            <a:normAutofit/>
+            <a:normAutofit fontScale="25000" lnSpcReduction="20000"/>
           </a:bodyPr>
           <a:lstStyle/>
           <a:p>
@@ -17245,7 +16710,7 @@
           </p:cNvSpPr>
           <p:nvPr>
             <p:custDataLst>
-              <p:tags r:id="rId4"/>
+              <p:tags r:id="rId5"/>
             </p:custDataLst>
           </p:nvPr>
         </p:nvSpPr>
@@ -17279,7 +16744,7 @@
         </p:spPr>
         <p:txBody>
           <a:bodyPr lIns="0" tIns="0" rIns="0" bIns="0">
-            <a:normAutofit/>
+            <a:normAutofit fontScale="25000" lnSpcReduction="20000"/>
           </a:bodyPr>
           <a:lstStyle/>
           <a:p>
@@ -17305,7 +16770,7 @@
           </p:cNvSpPr>
           <p:nvPr>
             <p:custDataLst>
-              <p:tags r:id="rId5"/>
+              <p:tags r:id="rId6"/>
             </p:custDataLst>
           </p:nvPr>
         </p:nvSpPr>
@@ -17339,7 +16804,7 @@
         </p:spPr>
         <p:txBody>
           <a:bodyPr lIns="0" tIns="0" rIns="0" bIns="0">
-            <a:normAutofit/>
+            <a:normAutofit fontScale="25000" lnSpcReduction="20000"/>
           </a:bodyPr>
           <a:lstStyle/>
           <a:p>
@@ -17365,7 +16830,7 @@
           </p:cNvSpPr>
           <p:nvPr>
             <p:custDataLst>
-              <p:tags r:id="rId6"/>
+              <p:tags r:id="rId7"/>
             </p:custDataLst>
           </p:nvPr>
         </p:nvSpPr>
@@ -17579,7 +17044,7 @@
           </p:cNvSpPr>
           <p:nvPr>
             <p:custDataLst>
-              <p:tags r:id="rId7"/>
+              <p:tags r:id="rId8"/>
             </p:custDataLst>
           </p:nvPr>
         </p:nvSpPr>
@@ -17793,7 +17258,7 @@
           </p:cNvSpPr>
           <p:nvPr>
             <p:custDataLst>
-              <p:tags r:id="rId8"/>
+              <p:tags r:id="rId9"/>
             </p:custDataLst>
           </p:nvPr>
         </p:nvSpPr>
@@ -18007,7 +17472,7 @@
           </p:cNvSpPr>
           <p:nvPr>
             <p:custDataLst>
-              <p:tags r:id="rId9"/>
+              <p:tags r:id="rId10"/>
             </p:custDataLst>
           </p:nvPr>
         </p:nvSpPr>
@@ -18189,7 +17654,7 @@
           <p:cNvSpPr/>
           <p:nvPr>
             <p:custDataLst>
-              <p:tags r:id="rId10"/>
+              <p:tags r:id="rId11"/>
             </p:custDataLst>
           </p:nvPr>
         </p:nvSpPr>
@@ -18264,7 +17729,7 @@
           <p:nvPr/>
         </p:nvPicPr>
         <p:blipFill>
-          <a:blip r:embed="rId11"/>
+          <a:blip r:embed="rId14"/>
           <a:stretch>
             <a:fillRect/>
           </a:stretch>
@@ -18288,7 +17753,7 @@
           <p:nvPr/>
         </p:nvPicPr>
         <p:blipFill>
-          <a:blip r:embed="rId12"/>
+          <a:blip r:embed="rId15"/>
           <a:stretch>
             <a:fillRect/>
           </a:stretch>
@@ -18305,27 +17770,20 @@
       </p:pic>
     </p:spTree>
     <p:custDataLst>
-      <p:tags r:id="rId13"/>
+      <p:tags r:id="rId1"/>
     </p:custDataLst>
   </p:cSld>
   <p:clrMapOvr>
     <a:masterClrMapping/>
   </p:clrMapOvr>
-  <mc:AlternateContent xmlns:mc="http://schemas.openxmlformats.org/markup-compatibility/2006">
-    <mc:Choice xmlns:p14="http://schemas.microsoft.com/office/powerpoint/2010/main" Requires="p14">
-      <p:transition spd="slow" p14:dur="500"/>
+  <mc:AlternateContent xmlns:mc="http://schemas.openxmlformats.org/markup-compatibility/2006" xmlns:p14="http://schemas.microsoft.com/office/powerpoint/2010/main">
+    <mc:Choice Requires="p14">
+      <p:transition/>
     </mc:Choice>
-    <mc:Fallback>
+    <mc:Fallback xmlns="">
       <p:transition spd="slow"/>
     </mc:Fallback>
   </mc:AlternateContent>
-  <p:timing>
-    <p:tnLst>
-      <p:par>
-        <p:cTn id="1" dur="indefinite" restart="never" nodeType="tmRoot"/>
-      </p:par>
-    </p:tnLst>
-  </p:timing>
 </p:sld>
 </file>
 
@@ -19408,12 +18866,6 @@
               </a:rPr>
               <a:t>感谢聆听，批评指导</a:t>
             </a:r>
-            <a:endParaRPr lang="zh-CN" altLang="en-US" dirty="0">
-              <a:solidFill>
-                <a:schemeClr val="bg1"/>
-              </a:solidFill>
-              <a:cs typeface="Arial" panose="020B0604020202090204" pitchFamily="34" charset="0"/>
-            </a:endParaRPr>
           </a:p>
         </p:txBody>
       </p:sp>
@@ -19644,7 +19096,7 @@
           <p:nvPr/>
         </p:nvPicPr>
         <p:blipFill>
-          <a:blip r:embed="rId1"/>
+          <a:blip r:embed="rId3"/>
           <a:stretch>
             <a:fillRect/>
           </a:stretch>
@@ -19664,21 +19116,6 @@
   <p:clrMapOvr>
     <a:masterClrMapping/>
   </p:clrMapOvr>
-  <mc:AlternateContent xmlns:mc="http://schemas.openxmlformats.org/markup-compatibility/2006">
-    <mc:Choice xmlns:p14="http://schemas.microsoft.com/office/powerpoint/2010/main" Requires="p14">
-      <p:transition spd="slow" p14:dur="2000"/>
-    </mc:Choice>
-    <mc:Fallback>
-      <p:transition spd="slow"/>
-    </mc:Fallback>
-  </mc:AlternateContent>
-  <p:timing>
-    <p:tnLst>
-      <p:par>
-        <p:cTn id="1" dur="indefinite" restart="never" nodeType="tmRoot"/>
-      </p:par>
-    </p:tnLst>
-  </p:timing>
 </p:sld>
 </file>
 
@@ -20051,14 +19488,6 @@
               </a:rPr>
               <a:t>INTRODUCTION</a:t>
             </a:r>
-            <a:endParaRPr lang="en-US" altLang="zh-CN" sz="1400" dirty="0">
-              <a:solidFill>
-                <a:schemeClr val="bg1"/>
-              </a:solidFill>
-              <a:latin typeface="Arial" panose="020B0604020202090204" pitchFamily="34" charset="0"/>
-              <a:ea typeface="微软雅黑" panose="020B0503020204020204" pitchFamily="34" charset="-122"/>
-              <a:sym typeface="Arial" panose="020B0604020202090204" pitchFamily="34" charset="0"/>
-            </a:endParaRPr>
           </a:p>
         </p:txBody>
       </p:sp>
@@ -20071,7 +19500,7 @@
           <p:nvPr/>
         </p:nvPicPr>
         <p:blipFill>
-          <a:blip r:embed="rId2"/>
+          <a:blip r:embed="rId4"/>
           <a:stretch>
             <a:fillRect/>
           </a:stretch>
@@ -20095,7 +19524,7 @@
           <p:nvPr/>
         </p:nvPicPr>
         <p:blipFill>
-          <a:blip r:embed="rId3"/>
+          <a:blip r:embed="rId5"/>
           <a:stretch>
             <a:fillRect/>
           </a:stretch>
@@ -20115,21 +19544,14 @@
   <p:clrMapOvr>
     <a:masterClrMapping/>
   </p:clrMapOvr>
-  <mc:AlternateContent xmlns:mc="http://schemas.openxmlformats.org/markup-compatibility/2006">
-    <mc:Choice xmlns:p14="http://schemas.microsoft.com/office/powerpoint/2010/main" Requires="p14">
-      <p:transition spd="slow" p14:dur="100"/>
+  <mc:AlternateContent xmlns:mc="http://schemas.openxmlformats.org/markup-compatibility/2006" xmlns:p14="http://schemas.microsoft.com/office/powerpoint/2010/main">
+    <mc:Choice Requires="p14">
+      <p:transition p14:dur="100"/>
     </mc:Choice>
-    <mc:Fallback>
+    <mc:Fallback xmlns="">
       <p:transition spd="slow"/>
     </mc:Fallback>
   </mc:AlternateContent>
-  <p:timing>
-    <p:tnLst>
-      <p:par>
-        <p:cTn id="1" dur="indefinite" restart="never" nodeType="tmRoot"/>
-      </p:par>
-    </p:tnLst>
-  </p:timing>
 </p:sld>
 </file>
 
@@ -26399,22 +25821,6 @@
               </a:rPr>
               <a:t>。</a:t>
             </a:r>
-            <a:endParaRPr lang="zh-CN" sz="2800" dirty="0">
-              <a:solidFill>
-                <a:schemeClr val="tx1"/>
-              </a:solidFill>
-              <a:effectLst>
-                <a:outerShdw blurRad="38100" dist="19050" dir="2700000" algn="tl" rotWithShape="0">
-                  <a:schemeClr val="dk1">
-                    <a:alpha val="40000"/>
-                  </a:schemeClr>
-                </a:outerShdw>
-              </a:effectLst>
-              <a:latin typeface="Arial" panose="020B0604020202090204" pitchFamily="34" charset="0"/>
-              <a:ea typeface="微软雅黑" panose="020B0503020204020204" pitchFamily="34" charset="-122"/>
-              <a:cs typeface="+mn-ea"/>
-              <a:sym typeface="Arial" panose="020B0604020202090204" pitchFamily="34" charset="0"/>
-            </a:endParaRPr>
           </a:p>
           <a:p>
             <a:pPr marL="0" indent="0" algn="just">
@@ -26548,22 +25954,6 @@
               </a:rPr>
               <a:t>实现了前后端分离</a:t>
             </a:r>
-            <a:endParaRPr sz="2800" dirty="0">
-              <a:solidFill>
-                <a:schemeClr val="tx1"/>
-              </a:solidFill>
-              <a:effectLst>
-                <a:outerShdw blurRad="38100" dist="19050" dir="2700000" algn="tl" rotWithShape="0">
-                  <a:schemeClr val="dk1">
-                    <a:alpha val="40000"/>
-                  </a:schemeClr>
-                </a:outerShdw>
-              </a:effectLst>
-              <a:latin typeface="Arial" panose="020B0604020202090204" pitchFamily="34" charset="0"/>
-              <a:ea typeface="微软雅黑" panose="020B0503020204020204" pitchFamily="34" charset="-122"/>
-              <a:cs typeface="+mn-ea"/>
-              <a:sym typeface="Arial" panose="020B0604020202090204" pitchFamily="34" charset="0"/>
-            </a:endParaRPr>
           </a:p>
           <a:p>
             <a:pPr algn="just">
@@ -26597,22 +25987,6 @@
               </a:rPr>
               <a:t>具有注册、登入、登出、群聊、更换头像、发送信息等功能</a:t>
             </a:r>
-            <a:endParaRPr sz="2800" dirty="0">
-              <a:solidFill>
-                <a:schemeClr val="tx1"/>
-              </a:solidFill>
-              <a:effectLst>
-                <a:outerShdw blurRad="38100" dist="19050" dir="2700000" algn="tl" rotWithShape="0">
-                  <a:schemeClr val="dk1">
-                    <a:alpha val="40000"/>
-                  </a:schemeClr>
-                </a:outerShdw>
-              </a:effectLst>
-              <a:latin typeface="Arial" panose="020B0604020202090204" pitchFamily="34" charset="0"/>
-              <a:ea typeface="微软雅黑" panose="020B0503020204020204" pitchFamily="34" charset="-122"/>
-              <a:cs typeface="+mn-ea"/>
-              <a:sym typeface="Arial" panose="020B0604020202090204" pitchFamily="34" charset="0"/>
-            </a:endParaRPr>
           </a:p>
         </p:txBody>
       </p:sp>
@@ -26625,7 +25999,7 @@
           <p:nvPr/>
         </p:nvPicPr>
         <p:blipFill>
-          <a:blip r:embed="rId1"/>
+          <a:blip r:embed="rId3"/>
           <a:stretch>
             <a:fillRect/>
           </a:stretch>
@@ -26664,6 +26038,7 @@
               <a:lightRig rig="threePt" dir="t"/>
             </a:scene3d>
           </a:bodyPr>
+          <a:lstStyle/>
           <a:p>
             <a:pPr algn="l"/>
             <a:r>
@@ -26732,7 +26107,7 @@
           <p:nvPr/>
         </p:nvPicPr>
         <p:blipFill>
-          <a:blip r:embed="rId2"/>
+          <a:blip r:embed="rId4"/>
           <a:stretch>
             <a:fillRect/>
           </a:stretch>
@@ -26753,13 +26128,6 @@
     <a:masterClrMapping/>
   </p:clrMapOvr>
   <p:transition spd="slow"/>
-  <p:timing>
-    <p:tnLst>
-      <p:par>
-        <p:cTn id="1" dur="indefinite" restart="never" nodeType="tmRoot"/>
-      </p:par>
-    </p:tnLst>
-  </p:timing>
 </p:sld>
 </file>
 
@@ -29824,22 +29192,6 @@
               </a:rPr>
               <a:t>大作业要求</a:t>
             </a:r>
-            <a:endParaRPr lang="zh-CN" altLang="en-US" sz="1800" dirty="0">
-              <a:solidFill>
-                <a:schemeClr val="tx1"/>
-              </a:solidFill>
-              <a:effectLst>
-                <a:outerShdw blurRad="38100" dist="19050" dir="2700000" algn="tl" rotWithShape="0">
-                  <a:schemeClr val="dk1">
-                    <a:alpha val="40000"/>
-                  </a:schemeClr>
-                </a:outerShdw>
-              </a:effectLst>
-              <a:latin typeface="Arial" panose="020B0604020202090204" pitchFamily="34" charset="0"/>
-              <a:ea typeface="微软雅黑" panose="020B0503020204020204" pitchFamily="34" charset="-122"/>
-              <a:cs typeface="+mn-ea"/>
-              <a:sym typeface="Arial" panose="020B0604020202090204" pitchFamily="34" charset="0"/>
-            </a:endParaRPr>
           </a:p>
           <a:p>
             <a:pPr marL="285750" indent="-285750" algn="l">
@@ -29887,22 +29239,6 @@
               </a:rPr>
               <a:t>作业</a:t>
             </a:r>
-            <a:endParaRPr lang="zh-CN" altLang="en-US" sz="1800" dirty="0">
-              <a:solidFill>
-                <a:schemeClr val="tx1"/>
-              </a:solidFill>
-              <a:effectLst>
-                <a:outerShdw blurRad="38100" dist="19050" dir="2700000" algn="tl" rotWithShape="0">
-                  <a:schemeClr val="dk1">
-                    <a:alpha val="40000"/>
-                  </a:schemeClr>
-                </a:outerShdw>
-              </a:effectLst>
-              <a:latin typeface="Arial" panose="020B0604020202090204" pitchFamily="34" charset="0"/>
-              <a:ea typeface="微软雅黑" panose="020B0503020204020204" pitchFamily="34" charset="-122"/>
-              <a:cs typeface="+mn-ea"/>
-              <a:sym typeface="Arial" panose="020B0604020202090204" pitchFamily="34" charset="0"/>
-            </a:endParaRPr>
           </a:p>
           <a:p>
             <a:pPr marL="285750" indent="-285750" algn="l">
@@ -29975,22 +29311,6 @@
               </a:rPr>
               <a:t>各类聊天平台</a:t>
             </a:r>
-            <a:endParaRPr lang="zh-CN" altLang="en-US" sz="1800" dirty="0">
-              <a:solidFill>
-                <a:schemeClr val="tx1"/>
-              </a:solidFill>
-              <a:effectLst>
-                <a:outerShdw blurRad="38100" dist="19050" dir="2700000" algn="tl" rotWithShape="0">
-                  <a:schemeClr val="dk1">
-                    <a:alpha val="40000"/>
-                  </a:schemeClr>
-                </a:outerShdw>
-              </a:effectLst>
-              <a:latin typeface="Arial" panose="020B0604020202090204" pitchFamily="34" charset="0"/>
-              <a:ea typeface="微软雅黑" panose="020B0503020204020204" pitchFamily="34" charset="-122"/>
-              <a:cs typeface="+mn-ea"/>
-              <a:sym typeface="Arial" panose="020B0604020202090204" pitchFamily="34" charset="0"/>
-            </a:endParaRPr>
           </a:p>
         </p:txBody>
       </p:sp>
@@ -30057,21 +29377,6 @@
               </a:rPr>
               <a:t>选题及灵感</a:t>
             </a:r>
-            <a:endParaRPr lang="zh-CN" altLang="en-US" sz="2800" dirty="0">
-              <a:solidFill>
-                <a:schemeClr val="tx1"/>
-              </a:solidFill>
-              <a:effectLst>
-                <a:outerShdw blurRad="38100" dist="19050" dir="2700000" algn="tl" rotWithShape="0">
-                  <a:schemeClr val="dk1">
-                    <a:alpha val="40000"/>
-                  </a:schemeClr>
-                </a:outerShdw>
-              </a:effectLst>
-              <a:latin typeface="Arial" panose="020B0604020202090204" pitchFamily="34" charset="0"/>
-              <a:ea typeface="微软雅黑" panose="020B0503020204020204" pitchFamily="34" charset="-122"/>
-              <a:sym typeface="Arial" panose="020B0604020202090204" pitchFamily="34" charset="0"/>
-            </a:endParaRPr>
           </a:p>
         </p:txBody>
       </p:sp>
@@ -30084,7 +29389,7 @@
           <p:nvPr/>
         </p:nvPicPr>
         <p:blipFill>
-          <a:blip r:embed="rId1"/>
+          <a:blip r:embed="rId3"/>
           <a:stretch>
             <a:fillRect/>
           </a:stretch>
@@ -30123,6 +29428,7 @@
               <a:lightRig rig="threePt" dir="t"/>
             </a:scene3d>
           </a:bodyPr>
+          <a:lstStyle/>
           <a:p>
             <a:pPr algn="l"/>
             <a:r>
@@ -30163,22 +29469,6 @@
               </a:rPr>
               <a:t>设计流程</a:t>
             </a:r>
-            <a:endParaRPr lang="zh-CN" altLang="en-US" sz="6600" dirty="0">
-              <a:solidFill>
-                <a:schemeClr val="accent1"/>
-              </a:solidFill>
-              <a:effectLst>
-                <a:outerShdw blurRad="38100" dist="25400" dir="5400000" algn="ctr" rotWithShape="0">
-                  <a:srgbClr val="6E747A">
-                    <a:alpha val="43000"/>
-                  </a:srgbClr>
-                </a:outerShdw>
-              </a:effectLst>
-              <a:latin typeface="Arial" panose="020B0604020202090204" pitchFamily="34" charset="0"/>
-              <a:ea typeface="微软雅黑" panose="020B0503020204020204" pitchFamily="34" charset="-122"/>
-              <a:cs typeface="+mn-ea"/>
-              <a:sym typeface="Arial" panose="020B0604020202090204" pitchFamily="34" charset="0"/>
-            </a:endParaRPr>
           </a:p>
         </p:txBody>
       </p:sp>
@@ -30191,7 +29481,7 @@
           <p:nvPr/>
         </p:nvPicPr>
         <p:blipFill>
-          <a:blip r:embed="rId2"/>
+          <a:blip r:embed="rId4"/>
           <a:stretch>
             <a:fillRect/>
           </a:stretch>
@@ -30230,6 +29520,7 @@
               <a:lightRig rig="threePt" dir="t"/>
             </a:scene3d>
           </a:bodyPr>
+          <a:lstStyle/>
           <a:p>
             <a:pPr algn="l"/>
             <a:r>
@@ -30268,21 +29559,6 @@
               </a:rPr>
               <a:t>收集并学习相关内容</a:t>
             </a:r>
-            <a:endParaRPr lang="zh-CN" altLang="en-US" sz="2800" dirty="0">
-              <a:solidFill>
-                <a:schemeClr val="tx1"/>
-              </a:solidFill>
-              <a:effectLst>
-                <a:outerShdw blurRad="38100" dist="19050" dir="2700000" algn="tl" rotWithShape="0">
-                  <a:schemeClr val="dk1">
-                    <a:alpha val="40000"/>
-                  </a:schemeClr>
-                </a:outerShdw>
-              </a:effectLst>
-              <a:latin typeface="Arial" panose="020B0604020202090204" pitchFamily="34" charset="0"/>
-              <a:ea typeface="微软雅黑" panose="020B0503020204020204" pitchFamily="34" charset="-122"/>
-              <a:sym typeface="Arial" panose="020B0604020202090204" pitchFamily="34" charset="0"/>
-            </a:endParaRPr>
           </a:p>
           <a:p>
             <a:pPr algn="l"/>
@@ -30371,22 +29647,6 @@
               </a:rPr>
               <a:t>编辑器</a:t>
             </a:r>
-            <a:endParaRPr lang="zh-CN" altLang="en-US" sz="1800" dirty="0">
-              <a:solidFill>
-                <a:schemeClr val="tx1"/>
-              </a:solidFill>
-              <a:effectLst>
-                <a:outerShdw blurRad="38100" dist="19050" dir="2700000" algn="tl" rotWithShape="0">
-                  <a:schemeClr val="dk1">
-                    <a:alpha val="40000"/>
-                  </a:schemeClr>
-                </a:outerShdw>
-              </a:effectLst>
-              <a:latin typeface="Arial" panose="020B0604020202090204" pitchFamily="34" charset="0"/>
-              <a:ea typeface="微软雅黑" panose="020B0503020204020204" pitchFamily="34" charset="-122"/>
-              <a:cs typeface="+mn-ea"/>
-              <a:sym typeface="Arial" panose="020B0604020202090204" pitchFamily="34" charset="0"/>
-            </a:endParaRPr>
           </a:p>
           <a:p>
             <a:pPr marL="285750" indent="-285750" algn="l">
@@ -30459,22 +29719,6 @@
               </a:rPr>
               <a:t>功能实现：如更换头像</a:t>
             </a:r>
-            <a:endParaRPr lang="zh-CN" altLang="en-US" sz="1800" dirty="0">
-              <a:solidFill>
-                <a:schemeClr val="tx1"/>
-              </a:solidFill>
-              <a:effectLst>
-                <a:outerShdw blurRad="38100" dist="19050" dir="2700000" algn="tl" rotWithShape="0">
-                  <a:schemeClr val="dk1">
-                    <a:alpha val="40000"/>
-                  </a:schemeClr>
-                </a:outerShdw>
-              </a:effectLst>
-              <a:latin typeface="Arial" panose="020B0604020202090204" pitchFamily="34" charset="0"/>
-              <a:ea typeface="微软雅黑" panose="020B0503020204020204" pitchFamily="34" charset="-122"/>
-              <a:cs typeface="+mn-ea"/>
-              <a:sym typeface="Arial" panose="020B0604020202090204" pitchFamily="34" charset="0"/>
-            </a:endParaRPr>
           </a:p>
         </p:txBody>
       </p:sp>
@@ -30502,6 +29746,7 @@
               <a:lightRig rig="threePt" dir="t"/>
             </a:scene3d>
           </a:bodyPr>
+          <a:lstStyle/>
           <a:p>
             <a:pPr algn="r"/>
             <a:r>
@@ -30540,21 +29785,6 @@
               </a:rPr>
               <a:t>搭建框架及实现基本类</a:t>
             </a:r>
-            <a:endParaRPr lang="zh-CN" altLang="en-US" sz="2800" dirty="0">
-              <a:solidFill>
-                <a:schemeClr val="tx1"/>
-              </a:solidFill>
-              <a:effectLst>
-                <a:outerShdw blurRad="38100" dist="19050" dir="2700000" algn="tl" rotWithShape="0">
-                  <a:schemeClr val="dk1">
-                    <a:alpha val="40000"/>
-                  </a:schemeClr>
-                </a:outerShdw>
-              </a:effectLst>
-              <a:latin typeface="Arial" panose="020B0604020202090204" pitchFamily="34" charset="0"/>
-              <a:ea typeface="微软雅黑" panose="020B0503020204020204" pitchFamily="34" charset="-122"/>
-              <a:sym typeface="Arial" panose="020B0604020202090204" pitchFamily="34" charset="0"/>
-            </a:endParaRPr>
           </a:p>
         </p:txBody>
       </p:sp>
@@ -30582,6 +29812,7 @@
               <a:lightRig rig="threePt" dir="t"/>
             </a:scene3d>
           </a:bodyPr>
+          <a:lstStyle/>
           <a:p>
             <a:pPr algn="r"/>
             <a:r>
@@ -30656,21 +29887,6 @@
               </a:rPr>
               <a:t>界面及增加功能</a:t>
             </a:r>
-            <a:endParaRPr lang="zh-CN" altLang="en-US" sz="2800" dirty="0">
-              <a:solidFill>
-                <a:schemeClr val="tx1"/>
-              </a:solidFill>
-              <a:effectLst>
-                <a:outerShdw blurRad="38100" dist="19050" dir="2700000" algn="tl" rotWithShape="0">
-                  <a:schemeClr val="dk1">
-                    <a:alpha val="40000"/>
-                  </a:schemeClr>
-                </a:outerShdw>
-              </a:effectLst>
-              <a:latin typeface="Arial" panose="020B0604020202090204" pitchFamily="34" charset="0"/>
-              <a:ea typeface="微软雅黑" panose="020B0503020204020204" pitchFamily="34" charset="-122"/>
-              <a:sym typeface="Arial" panose="020B0604020202090204" pitchFamily="34" charset="0"/>
-            </a:endParaRPr>
           </a:p>
         </p:txBody>
       </p:sp>
@@ -30698,6 +29914,7 @@
               <a:lightRig rig="threePt" dir="t"/>
             </a:scene3d>
           </a:bodyPr>
+          <a:lstStyle/>
           <a:p>
             <a:pPr algn="r"/>
             <a:r>
@@ -30736,21 +29953,6 @@
               </a:rPr>
               <a:t>项目及后续工作</a:t>
             </a:r>
-            <a:endParaRPr lang="zh-CN" altLang="en-US" sz="2800" dirty="0">
-              <a:solidFill>
-                <a:schemeClr val="tx1"/>
-              </a:solidFill>
-              <a:effectLst>
-                <a:outerShdw blurRad="38100" dist="19050" dir="2700000" algn="tl" rotWithShape="0">
-                  <a:schemeClr val="dk1">
-                    <a:alpha val="40000"/>
-                  </a:schemeClr>
-                </a:outerShdw>
-              </a:effectLst>
-              <a:latin typeface="Arial" panose="020B0604020202090204" pitchFamily="34" charset="0"/>
-              <a:ea typeface="微软雅黑" panose="020B0503020204020204" pitchFamily="34" charset="-122"/>
-              <a:sym typeface="Arial" panose="020B0604020202090204" pitchFamily="34" charset="0"/>
-            </a:endParaRPr>
           </a:p>
         </p:txBody>
       </p:sp>
@@ -30759,21 +29961,6 @@
   <p:clrMapOvr>
     <a:masterClrMapping/>
   </p:clrMapOvr>
-  <mc:AlternateContent xmlns:mc="http://schemas.openxmlformats.org/markup-compatibility/2006">
-    <mc:Choice xmlns:p14="http://schemas.microsoft.com/office/powerpoint/2010/main" Requires="p14">
-      <p:transition spd="slow" p14:dur="2000"/>
-    </mc:Choice>
-    <mc:Fallback>
-      <p:transition spd="slow"/>
-    </mc:Fallback>
-  </mc:AlternateContent>
-  <p:timing>
-    <p:tnLst>
-      <p:par>
-        <p:cTn id="1" dur="indefinite" restart="never" nodeType="tmRoot"/>
-      </p:par>
-    </p:tnLst>
-  </p:timing>
 </p:sld>
 </file>
 
@@ -31080,15 +30267,6 @@
               </a:rPr>
               <a:t>项目结构</a:t>
             </a:r>
-            <a:endParaRPr lang="zh-CN" altLang="en-US" sz="4000" b="1" dirty="0">
-              <a:solidFill>
-                <a:schemeClr val="bg1"/>
-              </a:solidFill>
-              <a:latin typeface="Arial" panose="020B0604020202090204" pitchFamily="34" charset="0"/>
-              <a:ea typeface="微软雅黑" panose="020B0503020204020204" pitchFamily="34" charset="-122"/>
-              <a:cs typeface="Arial" panose="020B0604020202090204" pitchFamily="34" charset="0"/>
-              <a:sym typeface="Arial" panose="020B0604020202090204" pitchFamily="34" charset="0"/>
-            </a:endParaRPr>
           </a:p>
         </p:txBody>
       </p:sp>
@@ -31101,7 +30279,7 @@
           <p:nvPr/>
         </p:nvPicPr>
         <p:blipFill>
-          <a:blip r:embed="rId1"/>
+          <a:blip r:embed="rId3"/>
           <a:stretch>
             <a:fillRect/>
           </a:stretch>
@@ -31140,6 +30318,7 @@
               <a:lightRig rig="threePt" dir="t"/>
             </a:scene3d>
           </a:bodyPr>
+          <a:lstStyle/>
           <a:p>
             <a:pPr algn="l"/>
             <a:r>
@@ -31180,22 +30359,6 @@
               </a:rPr>
               <a:t>系统类图</a:t>
             </a:r>
-            <a:endParaRPr lang="zh-CN" altLang="en-US" sz="6600" dirty="0">
-              <a:solidFill>
-                <a:schemeClr val="accent1"/>
-              </a:solidFill>
-              <a:effectLst>
-                <a:outerShdw blurRad="38100" dist="25400" dir="5400000" algn="ctr" rotWithShape="0">
-                  <a:srgbClr val="6E747A">
-                    <a:alpha val="43000"/>
-                  </a:srgbClr>
-                </a:outerShdw>
-              </a:effectLst>
-              <a:latin typeface="Arial" panose="020B0604020202090204" pitchFamily="34" charset="0"/>
-              <a:ea typeface="微软雅黑" panose="020B0503020204020204" pitchFamily="34" charset="-122"/>
-              <a:cs typeface="+mn-ea"/>
-              <a:sym typeface="Arial" panose="020B0604020202090204" pitchFamily="34" charset="0"/>
-            </a:endParaRPr>
           </a:p>
         </p:txBody>
       </p:sp>
@@ -31208,7 +30371,7 @@
           <p:nvPr/>
         </p:nvPicPr>
         <p:blipFill>
-          <a:blip r:embed="rId2"/>
+          <a:blip r:embed="rId4"/>
           <a:stretch>
             <a:fillRect/>
           </a:stretch>
@@ -31232,7 +30395,7 @@
           <p:nvPr/>
         </p:nvPicPr>
         <p:blipFill>
-          <a:blip r:embed="rId3"/>
+          <a:blip r:embed="rId5"/>
           <a:srcRect b="54944"/>
           <a:stretch>
             <a:fillRect/>
@@ -31253,21 +30416,14 @@
   <p:clrMapOvr>
     <a:masterClrMapping/>
   </p:clrMapOvr>
-  <mc:AlternateContent xmlns:mc="http://schemas.openxmlformats.org/markup-compatibility/2006">
-    <mc:Choice xmlns:p14="http://schemas.microsoft.com/office/powerpoint/2010/main" Requires="p14">
+  <mc:AlternateContent xmlns:mc="http://schemas.openxmlformats.org/markup-compatibility/2006" xmlns:p14="http://schemas.microsoft.com/office/powerpoint/2010/main">
+    <mc:Choice Requires="p14">
       <p:transition spd="slow" p14:dur="1200"/>
     </mc:Choice>
-    <mc:Fallback>
+    <mc:Fallback xmlns="">
       <p:transition spd="slow"/>
     </mc:Fallback>
   </mc:AlternateContent>
-  <p:timing>
-    <p:tnLst>
-      <p:par>
-        <p:cTn id="1" dur="indefinite" restart="never" nodeType="tmRoot"/>
-      </p:par>
-    </p:tnLst>
-  </p:timing>
 </p:sld>
 </file>
 
@@ -31574,15 +30730,6 @@
               </a:rPr>
               <a:t>项目结构</a:t>
             </a:r>
-            <a:endParaRPr lang="zh-CN" altLang="en-US" sz="4000" b="1" dirty="0">
-              <a:solidFill>
-                <a:schemeClr val="bg1"/>
-              </a:solidFill>
-              <a:latin typeface="Arial" panose="020B0604020202090204" pitchFamily="34" charset="0"/>
-              <a:ea typeface="微软雅黑" panose="020B0503020204020204" pitchFamily="34" charset="-122"/>
-              <a:cs typeface="Arial" panose="020B0604020202090204" pitchFamily="34" charset="0"/>
-              <a:sym typeface="Arial" panose="020B0604020202090204" pitchFamily="34" charset="0"/>
-            </a:endParaRPr>
           </a:p>
         </p:txBody>
       </p:sp>
@@ -31595,7 +30742,7 @@
           <p:nvPr/>
         </p:nvPicPr>
         <p:blipFill>
-          <a:blip r:embed="rId1"/>
+          <a:blip r:embed="rId3"/>
           <a:stretch>
             <a:fillRect/>
           </a:stretch>
@@ -31634,6 +30781,7 @@
               <a:lightRig rig="threePt" dir="t"/>
             </a:scene3d>
           </a:bodyPr>
+          <a:lstStyle/>
           <a:p>
             <a:pPr algn="l"/>
             <a:r>
@@ -31674,22 +30822,6 @@
               </a:rPr>
               <a:t>系统类图</a:t>
             </a:r>
-            <a:endParaRPr lang="zh-CN" altLang="en-US" sz="6600" dirty="0">
-              <a:solidFill>
-                <a:schemeClr val="accent1"/>
-              </a:solidFill>
-              <a:effectLst>
-                <a:outerShdw blurRad="38100" dist="25400" dir="5400000" algn="ctr" rotWithShape="0">
-                  <a:srgbClr val="6E747A">
-                    <a:alpha val="43000"/>
-                  </a:srgbClr>
-                </a:outerShdw>
-              </a:effectLst>
-              <a:latin typeface="Arial" panose="020B0604020202090204" pitchFamily="34" charset="0"/>
-              <a:ea typeface="微软雅黑" panose="020B0503020204020204" pitchFamily="34" charset="-122"/>
-              <a:cs typeface="+mn-ea"/>
-              <a:sym typeface="Arial" panose="020B0604020202090204" pitchFamily="34" charset="0"/>
-            </a:endParaRPr>
           </a:p>
         </p:txBody>
       </p:sp>
@@ -31702,7 +30834,7 @@
           <p:nvPr/>
         </p:nvPicPr>
         <p:blipFill>
-          <a:blip r:embed="rId2"/>
+          <a:blip r:embed="rId4"/>
           <a:stretch>
             <a:fillRect/>
           </a:stretch>
@@ -31726,7 +30858,7 @@
           <p:nvPr/>
         </p:nvPicPr>
         <p:blipFill>
-          <a:blip r:embed="rId3"/>
+          <a:blip r:embed="rId5"/>
           <a:srcRect t="33934"/>
           <a:stretch>
             <a:fillRect/>
@@ -31747,21 +30879,14 @@
   <p:clrMapOvr>
     <a:masterClrMapping/>
   </p:clrMapOvr>
-  <mc:AlternateContent xmlns:mc="http://schemas.openxmlformats.org/markup-compatibility/2006">
-    <mc:Choice xmlns:p14="http://schemas.microsoft.com/office/powerpoint/2010/main" Requires="p14">
+  <mc:AlternateContent xmlns:mc="http://schemas.openxmlformats.org/markup-compatibility/2006" xmlns:p14="http://schemas.microsoft.com/office/powerpoint/2010/main">
+    <mc:Choice Requires="p14">
       <p:transition spd="slow" p14:dur="1200"/>
     </mc:Choice>
-    <mc:Fallback>
+    <mc:Fallback xmlns="">
       <p:transition spd="slow"/>
     </mc:Fallback>
   </mc:AlternateContent>
-  <p:timing>
-    <p:tnLst>
-      <p:par>
-        <p:cTn id="1" dur="indefinite" restart="never" nodeType="tmRoot"/>
-      </p:par>
-    </p:tnLst>
-  </p:timing>
 </p:sld>
 </file>
 
@@ -32123,14 +31248,6 @@
               </a:rPr>
               <a:t> KNOWLEDGE AND CREATIVE</a:t>
             </a:r>
-            <a:endParaRPr lang="en-US" altLang="zh-CN" sz="1400" dirty="0">
-              <a:solidFill>
-                <a:schemeClr val="bg1"/>
-              </a:solidFill>
-              <a:latin typeface="Arial" panose="020B0604020202090204" pitchFamily="34" charset="0"/>
-              <a:ea typeface="微软雅黑" panose="020B0503020204020204" pitchFamily="34" charset="-122"/>
-              <a:sym typeface="Arial" panose="020B0604020202090204" pitchFamily="34" charset="0"/>
-            </a:endParaRPr>
           </a:p>
         </p:txBody>
       </p:sp>
@@ -32143,7 +31260,7 @@
           <p:nvPr/>
         </p:nvPicPr>
         <p:blipFill>
-          <a:blip r:embed="rId2"/>
+          <a:blip r:embed="rId4"/>
           <a:stretch>
             <a:fillRect/>
           </a:stretch>
@@ -32167,7 +31284,7 @@
           <p:nvPr/>
         </p:nvPicPr>
         <p:blipFill>
-          <a:blip r:embed="rId3"/>
+          <a:blip r:embed="rId5"/>
           <a:stretch>
             <a:fillRect/>
           </a:stretch>
@@ -32187,21 +31304,6 @@
   <p:clrMapOvr>
     <a:masterClrMapping/>
   </p:clrMapOvr>
-  <mc:AlternateContent xmlns:mc="http://schemas.openxmlformats.org/markup-compatibility/2006">
-    <mc:Choice xmlns:p14="http://schemas.microsoft.com/office/powerpoint/2010/main" Requires="p14">
-      <p:transition spd="slow" p14:dur="2000"/>
-    </mc:Choice>
-    <mc:Fallback>
-      <p:transition spd="slow"/>
-    </mc:Fallback>
-  </mc:AlternateContent>
-  <p:timing>
-    <p:tnLst>
-      <p:par>
-        <p:cTn id="1" dur="indefinite" restart="never" nodeType="tmRoot"/>
-      </p:par>
-    </p:tnLst>
-  </p:timing>
 </p:sld>
 </file>
 
@@ -33324,21 +32426,6 @@
               </a:rPr>
               <a:t>Server 服务端</a:t>
             </a:r>
-            <a:endParaRPr lang="en-US" altLang="zh-CN" sz="1800" dirty="0">
-              <a:solidFill>
-                <a:schemeClr val="tx1"/>
-              </a:solidFill>
-              <a:effectLst>
-                <a:outerShdw blurRad="38100" dist="19050" dir="2700000" algn="tl" rotWithShape="0">
-                  <a:schemeClr val="dk1">
-                    <a:alpha val="40000"/>
-                  </a:schemeClr>
-                </a:outerShdw>
-              </a:effectLst>
-              <a:latin typeface="Arial" panose="020B0604020202090204" pitchFamily="34" charset="0"/>
-              <a:ea typeface="微软雅黑" panose="020B0503020204020204" pitchFamily="34" charset="-122"/>
-              <a:sym typeface="Arial" panose="020B0604020202090204" pitchFamily="34" charset="0"/>
-            </a:endParaRPr>
           </a:p>
           <a:p>
             <a:pPr lvl="0" algn="l">
@@ -33362,21 +32449,6 @@
               </a:rPr>
               <a:t>Server.Server</a:t>
             </a:r>
-            <a:endParaRPr lang="en-US" altLang="zh-CN" sz="1400" dirty="0">
-              <a:solidFill>
-                <a:schemeClr val="tx1"/>
-              </a:solidFill>
-              <a:effectLst>
-                <a:outerShdw blurRad="38100" dist="19050" dir="2700000" algn="tl" rotWithShape="0">
-                  <a:schemeClr val="dk1">
-                    <a:alpha val="40000"/>
-                  </a:schemeClr>
-                </a:outerShdw>
-              </a:effectLst>
-              <a:latin typeface="Arial" panose="020B0604020202090204" pitchFamily="34" charset="0"/>
-              <a:ea typeface="微软雅黑" panose="020B0503020204020204" pitchFamily="34" charset="-122"/>
-              <a:sym typeface="Arial" panose="020B0604020202090204" pitchFamily="34" charset="0"/>
-            </a:endParaRPr>
           </a:p>
           <a:p>
             <a:pPr lvl="0" algn="l">
@@ -33400,21 +32472,6 @@
               </a:rPr>
               <a:t>Server.Service</a:t>
             </a:r>
-            <a:endParaRPr lang="en-US" altLang="zh-CN" sz="1400" dirty="0">
-              <a:solidFill>
-                <a:schemeClr val="tx1"/>
-              </a:solidFill>
-              <a:effectLst>
-                <a:outerShdw blurRad="38100" dist="19050" dir="2700000" algn="tl" rotWithShape="0">
-                  <a:schemeClr val="dk1">
-                    <a:alpha val="40000"/>
-                  </a:schemeClr>
-                </a:outerShdw>
-              </a:effectLst>
-              <a:latin typeface="Arial" panose="020B0604020202090204" pitchFamily="34" charset="0"/>
-              <a:ea typeface="微软雅黑" panose="020B0503020204020204" pitchFamily="34" charset="-122"/>
-              <a:sym typeface="Arial" panose="020B0604020202090204" pitchFamily="34" charset="0"/>
-            </a:endParaRPr>
           </a:p>
           <a:p>
             <a:pPr lvl="0" algn="l">
@@ -33438,21 +32495,6 @@
               </a:rPr>
               <a:t>Server.Service.ClientHandler</a:t>
             </a:r>
-            <a:endParaRPr lang="en-US" altLang="zh-CN" sz="1400" dirty="0">
-              <a:solidFill>
-                <a:schemeClr val="tx1"/>
-              </a:solidFill>
-              <a:effectLst>
-                <a:outerShdw blurRad="38100" dist="19050" dir="2700000" algn="tl" rotWithShape="0">
-                  <a:schemeClr val="dk1">
-                    <a:alpha val="40000"/>
-                  </a:schemeClr>
-                </a:outerShdw>
-              </a:effectLst>
-              <a:latin typeface="Arial" panose="020B0604020202090204" pitchFamily="34" charset="0"/>
-              <a:ea typeface="微软雅黑" panose="020B0503020204020204" pitchFamily="34" charset="-122"/>
-              <a:sym typeface="Arial" panose="020B0604020202090204" pitchFamily="34" charset="0"/>
-            </a:endParaRPr>
           </a:p>
           <a:p>
             <a:pPr marL="285750" lvl="0" indent="-285750" algn="l">
@@ -33495,21 +32537,6 @@
               </a:rPr>
               <a:t>客户端</a:t>
             </a:r>
-            <a:endParaRPr lang="zh-CN" altLang="en-US" sz="1800" dirty="0">
-              <a:solidFill>
-                <a:schemeClr val="tx1"/>
-              </a:solidFill>
-              <a:effectLst>
-                <a:outerShdw blurRad="38100" dist="19050" dir="2700000" algn="tl" rotWithShape="0">
-                  <a:schemeClr val="dk1">
-                    <a:alpha val="40000"/>
-                  </a:schemeClr>
-                </a:outerShdw>
-              </a:effectLst>
-              <a:latin typeface="Arial" panose="020B0604020202090204" pitchFamily="34" charset="0"/>
-              <a:ea typeface="微软雅黑" panose="020B0503020204020204" pitchFamily="34" charset="-122"/>
-              <a:sym typeface="Arial" panose="020B0604020202090204" pitchFamily="34" charset="0"/>
-            </a:endParaRPr>
           </a:p>
           <a:p>
             <a:pPr lvl="0" algn="l">
@@ -33533,21 +32560,6 @@
               </a:rPr>
               <a:t>Client.Model    Client.Modal.User</a:t>
             </a:r>
-            <a:endParaRPr lang="zh-CN" altLang="en-US" sz="1400" dirty="0">
-              <a:solidFill>
-                <a:schemeClr val="tx1"/>
-              </a:solidFill>
-              <a:effectLst>
-                <a:outerShdw blurRad="38100" dist="19050" dir="2700000" algn="tl" rotWithShape="0">
-                  <a:schemeClr val="dk1">
-                    <a:alpha val="40000"/>
-                  </a:schemeClr>
-                </a:outerShdw>
-              </a:effectLst>
-              <a:latin typeface="Arial" panose="020B0604020202090204" pitchFamily="34" charset="0"/>
-              <a:ea typeface="微软雅黑" panose="020B0503020204020204" pitchFamily="34" charset="-122"/>
-              <a:sym typeface="Arial" panose="020B0604020202090204" pitchFamily="34" charset="0"/>
-            </a:endParaRPr>
           </a:p>
           <a:p>
             <a:pPr lvl="0" algn="l">
@@ -33571,21 +32583,6 @@
               </a:rPr>
               <a:t>Client.Service Client.Service.Controller</a:t>
             </a:r>
-            <a:endParaRPr lang="zh-CN" altLang="en-US" sz="1400" dirty="0">
-              <a:solidFill>
-                <a:schemeClr val="tx1"/>
-              </a:solidFill>
-              <a:effectLst>
-                <a:outerShdw blurRad="38100" dist="19050" dir="2700000" algn="tl" rotWithShape="0">
-                  <a:schemeClr val="dk1">
-                    <a:alpha val="40000"/>
-                  </a:schemeClr>
-                </a:outerShdw>
-              </a:effectLst>
-              <a:latin typeface="Arial" panose="020B0604020202090204" pitchFamily="34" charset="0"/>
-              <a:ea typeface="微软雅黑" panose="020B0503020204020204" pitchFamily="34" charset="-122"/>
-              <a:sym typeface="Arial" panose="020B0604020202090204" pitchFamily="34" charset="0"/>
-            </a:endParaRPr>
           </a:p>
           <a:p>
             <a:pPr lvl="0" algn="l">
@@ -33609,21 +32606,6 @@
               </a:rPr>
               <a:t>Client.Service.DataBuffer Client.Service.Room</a:t>
             </a:r>
-            <a:endParaRPr lang="zh-CN" altLang="en-US" sz="1400" dirty="0">
-              <a:solidFill>
-                <a:schemeClr val="tx1"/>
-              </a:solidFill>
-              <a:effectLst>
-                <a:outerShdw blurRad="38100" dist="19050" dir="2700000" algn="tl" rotWithShape="0">
-                  <a:schemeClr val="dk1">
-                    <a:alpha val="40000"/>
-                  </a:schemeClr>
-                </a:outerShdw>
-              </a:effectLst>
-              <a:latin typeface="Arial" panose="020B0604020202090204" pitchFamily="34" charset="0"/>
-              <a:ea typeface="微软雅黑" panose="020B0503020204020204" pitchFamily="34" charset="-122"/>
-              <a:sym typeface="Arial" panose="020B0604020202090204" pitchFamily="34" charset="0"/>
-            </a:endParaRPr>
           </a:p>
           <a:p>
             <a:pPr lvl="0" algn="l">
@@ -33647,21 +32629,6 @@
               </a:rPr>
               <a:t>Client.Service.UserDataService  Client.UI</a:t>
             </a:r>
-            <a:endParaRPr lang="zh-CN" altLang="en-US" sz="1400" dirty="0">
-              <a:solidFill>
-                <a:schemeClr val="tx1"/>
-              </a:solidFill>
-              <a:effectLst>
-                <a:outerShdw blurRad="38100" dist="19050" dir="2700000" algn="tl" rotWithShape="0">
-                  <a:schemeClr val="dk1">
-                    <a:alpha val="40000"/>
-                  </a:schemeClr>
-                </a:outerShdw>
-              </a:effectLst>
-              <a:latin typeface="Arial" panose="020B0604020202090204" pitchFamily="34" charset="0"/>
-              <a:ea typeface="微软雅黑" panose="020B0503020204020204" pitchFamily="34" charset="-122"/>
-              <a:sym typeface="Arial" panose="020B0604020202090204" pitchFamily="34" charset="0"/>
-            </a:endParaRPr>
           </a:p>
           <a:p>
             <a:pPr lvl="0" algn="l">
@@ -33945,11 +32912,6 @@
               </a:rPr>
               <a:t>01</a:t>
             </a:r>
-            <a:endParaRPr lang="es-ES_tradnl" dirty="0">
-              <a:latin typeface="Arial" panose="020B0604020202090204" pitchFamily="34" charset="0"/>
-              <a:ea typeface="微软雅黑" panose="020B0503020204020204" pitchFamily="34" charset="-122"/>
-              <a:sym typeface="Arial" panose="020B0604020202090204" pitchFamily="34" charset="0"/>
-            </a:endParaRPr>
           </a:p>
         </p:txBody>
       </p:sp>
@@ -34391,21 +33353,6 @@
               </a:rPr>
               <a:t>ClientHandler 继承了 Thread 类，不断监听客户端的接入。</a:t>
             </a:r>
-            <a:endParaRPr lang="en-US" altLang="zh-CN" sz="1800" dirty="0">
-              <a:solidFill>
-                <a:schemeClr val="tx1"/>
-              </a:solidFill>
-              <a:effectLst>
-                <a:outerShdw blurRad="38100" dist="19050" dir="2700000" algn="tl" rotWithShape="0">
-                  <a:schemeClr val="dk1">
-                    <a:alpha val="40000"/>
-                  </a:schemeClr>
-                </a:outerShdw>
-              </a:effectLst>
-              <a:latin typeface="Arial" panose="020B0604020202090204" pitchFamily="34" charset="0"/>
-              <a:ea typeface="微软雅黑" panose="020B0503020204020204" pitchFamily="34" charset="-122"/>
-              <a:sym typeface="Arial" panose="020B0604020202090204" pitchFamily="34" charset="0"/>
-            </a:endParaRPr>
           </a:p>
           <a:p>
             <a:pPr marL="285750" lvl="0" indent="-285750">
@@ -34430,21 +33377,6 @@
               </a:rPr>
               <a:t>Client 继承了 Application 类，使用 JavaFX 实现了图形界面。</a:t>
             </a:r>
-            <a:endParaRPr lang="en-US" altLang="zh-CN" sz="1800" dirty="0">
-              <a:solidFill>
-                <a:schemeClr val="tx1"/>
-              </a:solidFill>
-              <a:effectLst>
-                <a:outerShdw blurRad="38100" dist="19050" dir="2700000" algn="tl" rotWithShape="0">
-                  <a:schemeClr val="dk1">
-                    <a:alpha val="40000"/>
-                  </a:schemeClr>
-                </a:outerShdw>
-              </a:effectLst>
-              <a:latin typeface="Arial" panose="020B0604020202090204" pitchFamily="34" charset="0"/>
-              <a:ea typeface="微软雅黑" panose="020B0503020204020204" pitchFamily="34" charset="-122"/>
-              <a:sym typeface="Arial" panose="020B0604020202090204" pitchFamily="34" charset="0"/>
-            </a:endParaRPr>
           </a:p>
         </p:txBody>
       </p:sp>
@@ -34708,11 +33640,6 @@
               </a:rPr>
               <a:t>02</a:t>
             </a:r>
-            <a:endParaRPr lang="es-ES_tradnl" dirty="0">
-              <a:latin typeface="Arial" panose="020B0604020202090204" pitchFamily="34" charset="0"/>
-              <a:ea typeface="微软雅黑" panose="020B0503020204020204" pitchFamily="34" charset="-122"/>
-              <a:sym typeface="Arial" panose="020B0604020202090204" pitchFamily="34" charset="0"/>
-            </a:endParaRPr>
           </a:p>
         </p:txBody>
       </p:sp>
@@ -35177,21 +34104,6 @@
               </a:rPr>
               <a:t>。</a:t>
             </a:r>
-            <a:endParaRPr lang="zh-CN" altLang="en-US" sz="1800" dirty="0">
-              <a:solidFill>
-                <a:schemeClr val="tx1"/>
-              </a:solidFill>
-              <a:effectLst>
-                <a:outerShdw blurRad="38100" dist="19050" dir="2700000" algn="tl" rotWithShape="0">
-                  <a:schemeClr val="dk1">
-                    <a:alpha val="40000"/>
-                  </a:schemeClr>
-                </a:outerShdw>
-              </a:effectLst>
-              <a:latin typeface="Arial" panose="020B0604020202090204" pitchFamily="34" charset="0"/>
-              <a:ea typeface="微软雅黑" panose="020B0503020204020204" pitchFamily="34" charset="-122"/>
-              <a:sym typeface="Arial" panose="020B0604020202090204" pitchFamily="34" charset="0"/>
-            </a:endParaRPr>
           </a:p>
           <a:p>
             <a:pPr marL="285750" lvl="0" indent="-285750" algn="l">
@@ -35216,21 +34128,6 @@
               </a:rPr>
               <a:t>Room 实现了 Initializable 接口，对接 JavaFX 图形界面，进行联系与发送数据。</a:t>
             </a:r>
-            <a:endParaRPr lang="en-US" altLang="zh-CN" sz="1800" dirty="0">
-              <a:solidFill>
-                <a:schemeClr val="tx1"/>
-              </a:solidFill>
-              <a:effectLst>
-                <a:outerShdw blurRad="38100" dist="19050" dir="2700000" algn="tl" rotWithShape="0">
-                  <a:schemeClr val="dk1">
-                    <a:alpha val="40000"/>
-                  </a:schemeClr>
-                </a:outerShdw>
-              </a:effectLst>
-              <a:latin typeface="Arial" panose="020B0604020202090204" pitchFamily="34" charset="0"/>
-              <a:ea typeface="微软雅黑" panose="020B0503020204020204" pitchFamily="34" charset="-122"/>
-              <a:sym typeface="Arial" panose="020B0604020202090204" pitchFamily="34" charset="0"/>
-            </a:endParaRPr>
           </a:p>
         </p:txBody>
       </p:sp>
@@ -35494,11 +34391,6 @@
               </a:rPr>
               <a:t>03</a:t>
             </a:r>
-            <a:endParaRPr lang="es-ES_tradnl" dirty="0">
-              <a:latin typeface="Arial" panose="020B0604020202090204" pitchFamily="34" charset="0"/>
-              <a:ea typeface="微软雅黑" panose="020B0503020204020204" pitchFamily="34" charset="-122"/>
-              <a:sym typeface="Arial" panose="020B0604020202090204" pitchFamily="34" charset="0"/>
-            </a:endParaRPr>
           </a:p>
         </p:txBody>
       </p:sp>
@@ -36020,21 +34912,6 @@
               </a:rPr>
               <a:t>。</a:t>
             </a:r>
-            <a:endParaRPr lang="zh-CN" altLang="en-US" sz="1800" dirty="0">
-              <a:solidFill>
-                <a:schemeClr val="tx1"/>
-              </a:solidFill>
-              <a:effectLst>
-                <a:outerShdw blurRad="38100" dist="19050" dir="2700000" algn="tl" rotWithShape="0">
-                  <a:schemeClr val="dk1">
-                    <a:alpha val="40000"/>
-                  </a:schemeClr>
-                </a:outerShdw>
-              </a:effectLst>
-              <a:latin typeface="Arial" panose="020B0604020202090204" pitchFamily="34" charset="0"/>
-              <a:ea typeface="微软雅黑" panose="020B0503020204020204" pitchFamily="34" charset="-122"/>
-              <a:sym typeface="Arial" panose="020B0604020202090204" pitchFamily="34" charset="0"/>
-            </a:endParaRPr>
           </a:p>
         </p:txBody>
       </p:sp>
@@ -36298,11 +35175,6 @@
               </a:rPr>
               <a:t>04</a:t>
             </a:r>
-            <a:endParaRPr lang="es-ES_tradnl" dirty="0">
-              <a:latin typeface="Arial" panose="020B0604020202090204" pitchFamily="34" charset="0"/>
-              <a:ea typeface="微软雅黑" panose="020B0503020204020204" pitchFamily="34" charset="-122"/>
-              <a:sym typeface="Arial" panose="020B0604020202090204" pitchFamily="34" charset="0"/>
-            </a:endParaRPr>
           </a:p>
         </p:txBody>
       </p:sp>
@@ -36315,7 +35187,7 @@
           <p:nvPr/>
         </p:nvPicPr>
         <p:blipFill>
-          <a:blip r:embed="rId1"/>
+          <a:blip r:embed="rId3"/>
           <a:stretch>
             <a:fillRect/>
           </a:stretch>
@@ -36354,6 +35226,7 @@
               <a:lightRig rig="threePt" dir="t"/>
             </a:scene3d>
           </a:bodyPr>
+          <a:lstStyle/>
           <a:p>
             <a:pPr algn="l"/>
             <a:r>
@@ -36394,22 +35267,6 @@
               </a:rPr>
               <a:t>知识点应用</a:t>
             </a:r>
-            <a:endParaRPr lang="zh-CN" altLang="en-US" sz="6600" dirty="0">
-              <a:solidFill>
-                <a:schemeClr val="accent1"/>
-              </a:solidFill>
-              <a:effectLst>
-                <a:outerShdw blurRad="38100" dist="25400" dir="5400000" algn="ctr" rotWithShape="0">
-                  <a:srgbClr val="6E747A">
-                    <a:alpha val="43000"/>
-                  </a:srgbClr>
-                </a:outerShdw>
-              </a:effectLst>
-              <a:latin typeface="Arial" panose="020B0604020202090204" pitchFamily="34" charset="0"/>
-              <a:ea typeface="微软雅黑" panose="020B0503020204020204" pitchFamily="34" charset="-122"/>
-              <a:cs typeface="+mn-ea"/>
-              <a:sym typeface="Arial" panose="020B0604020202090204" pitchFamily="34" charset="0"/>
-            </a:endParaRPr>
           </a:p>
         </p:txBody>
       </p:sp>
@@ -36422,7 +35279,7 @@
           <p:nvPr/>
         </p:nvPicPr>
         <p:blipFill>
-          <a:blip r:embed="rId2"/>
+          <a:blip r:embed="rId4"/>
           <a:stretch>
             <a:fillRect/>
           </a:stretch>
@@ -36442,44 +35299,19 @@
   <p:clrMapOvr>
     <a:masterClrMapping/>
   </p:clrMapOvr>
-  <mc:AlternateContent xmlns:mc="http://schemas.openxmlformats.org/markup-compatibility/2006">
-    <mc:Choice xmlns:p14="http://schemas.microsoft.com/office/powerpoint/2010/main" Requires="p14">
+  <mc:AlternateContent xmlns:mc="http://schemas.openxmlformats.org/markup-compatibility/2006" xmlns:p14="http://schemas.microsoft.com/office/powerpoint/2010/main">
+    <mc:Choice Requires="p14">
       <p:transition spd="slow" p14:dur="1200"/>
     </mc:Choice>
-    <mc:Fallback>
+    <mc:Fallback xmlns="">
       <p:transition spd="slow"/>
     </mc:Fallback>
   </mc:AlternateContent>
-  <p:timing>
-    <p:tnLst>
-      <p:par>
-        <p:cTn id="1" dur="indefinite" restart="never" nodeType="tmRoot"/>
-      </p:par>
-    </p:tnLst>
-  </p:timing>
 </p:sld>
 </file>
 
 <file path=ppt/tags/tag1.xml><?xml version="1.0" encoding="utf-8"?>
-<p:tagLst xmlns:p="http://schemas.openxmlformats.org/presentationml/2006/main">
-  <p:tag name="MH" val="20161022181333"/>
-  <p:tag name="MH_LIBRARY" val="GRAPHIC"/>
-  <p:tag name="MH_TYPE" val="SubTitle"/>
-  <p:tag name="MH_ORDER" val="4"/>
-</p:tagLst>
-</file>
-
-<file path=ppt/tags/tag10.xml><?xml version="1.0" encoding="utf-8"?>
-<p:tagLst xmlns:p="http://schemas.openxmlformats.org/presentationml/2006/main">
-  <p:tag name="MH" val="20161022181333"/>
-  <p:tag name="MH_LIBRARY" val="GRAPHIC"/>
-  <p:tag name="MH_TYPE" val="Title"/>
-  <p:tag name="MH_ORDER" val="1"/>
-</p:tagLst>
-</file>
-
-<file path=ppt/tags/tag11.xml><?xml version="1.0" encoding="utf-8"?>
-<p:tagLst xmlns:p="http://schemas.openxmlformats.org/presentationml/2006/main">
+<p:tagLst xmlns:a="http://schemas.openxmlformats.org/drawingml/2006/main" xmlns:r="http://schemas.openxmlformats.org/officeDocument/2006/relationships" xmlns:p="http://schemas.openxmlformats.org/presentationml/2006/main">
   <p:tag name="MH_TYPE" val="#NeiR#"/>
   <p:tag name="MH_NUMBER" val="4"/>
   <p:tag name="MH_CATEGORY" val="#YinZJG#"/>
@@ -36489,8 +35321,26 @@
 </p:tagLst>
 </file>
 
+<file path=ppt/tags/tag10.xml><?xml version="1.0" encoding="utf-8"?>
+<p:tagLst xmlns:a="http://schemas.openxmlformats.org/drawingml/2006/main" xmlns:r="http://schemas.openxmlformats.org/officeDocument/2006/relationships" xmlns:p="http://schemas.openxmlformats.org/presentationml/2006/main">
+  <p:tag name="MH" val="20161022181333"/>
+  <p:tag name="MH_LIBRARY" val="GRAPHIC"/>
+  <p:tag name="MH_TYPE" val="Other"/>
+  <p:tag name="MH_ORDER" val="5"/>
+</p:tagLst>
+</file>
+
+<file path=ppt/tags/tag11.xml><?xml version="1.0" encoding="utf-8"?>
+<p:tagLst xmlns:a="http://schemas.openxmlformats.org/drawingml/2006/main" xmlns:r="http://schemas.openxmlformats.org/officeDocument/2006/relationships" xmlns:p="http://schemas.openxmlformats.org/presentationml/2006/main">
+  <p:tag name="MH" val="20161022181333"/>
+  <p:tag name="MH_LIBRARY" val="GRAPHIC"/>
+  <p:tag name="MH_TYPE" val="Title"/>
+  <p:tag name="MH_ORDER" val="1"/>
+</p:tagLst>
+</file>
+
 <file path=ppt/tags/tag12.xml><?xml version="1.0" encoding="utf-8"?>
-<p:tagLst xmlns:p="http://schemas.openxmlformats.org/presentationml/2006/main">
+<p:tagLst xmlns:a="http://schemas.openxmlformats.org/drawingml/2006/main" xmlns:r="http://schemas.openxmlformats.org/officeDocument/2006/relationships" xmlns:p="http://schemas.openxmlformats.org/presentationml/2006/main">
   <p:tag name="MH" val="20160830110146"/>
   <p:tag name="MH_LIBRARY" val="CONTENTS"/>
   <p:tag name="MH_TYPE" val="ENTRY"/>
@@ -36500,7 +35350,7 @@
 </file>
 
 <file path=ppt/tags/tag13.xml><?xml version="1.0" encoding="utf-8"?>
-<p:tagLst xmlns:p="http://schemas.openxmlformats.org/presentationml/2006/main">
+<p:tagLst xmlns:a="http://schemas.openxmlformats.org/drawingml/2006/main" xmlns:r="http://schemas.openxmlformats.org/officeDocument/2006/relationships" xmlns:p="http://schemas.openxmlformats.org/presentationml/2006/main">
   <p:tag name="MH" val="20160830110146"/>
   <p:tag name="MH_LIBRARY" val="CONTENTS"/>
   <p:tag name="MH_TYPE" val="ENTRY"/>
@@ -36510,7 +35360,7 @@
 </file>
 
 <file path=ppt/tags/tag14.xml><?xml version="1.0" encoding="utf-8"?>
-<p:tagLst xmlns:p="http://schemas.openxmlformats.org/presentationml/2006/main">
+<p:tagLst xmlns:a="http://schemas.openxmlformats.org/drawingml/2006/main" xmlns:r="http://schemas.openxmlformats.org/officeDocument/2006/relationships" xmlns:p="http://schemas.openxmlformats.org/presentationml/2006/main">
   <p:tag name="MH" val="20160830110146"/>
   <p:tag name="MH_LIBRARY" val="CONTENTS"/>
   <p:tag name="MH_TYPE" val="ENTRY"/>
@@ -36520,7 +35370,7 @@
 </file>
 
 <file path=ppt/tags/tag15.xml><?xml version="1.0" encoding="utf-8"?>
-<p:tagLst xmlns:p="http://schemas.openxmlformats.org/presentationml/2006/main">
+<p:tagLst xmlns:a="http://schemas.openxmlformats.org/drawingml/2006/main" xmlns:r="http://schemas.openxmlformats.org/officeDocument/2006/relationships" xmlns:p="http://schemas.openxmlformats.org/presentationml/2006/main">
   <p:tag name="MH" val="20160830110146"/>
   <p:tag name="MH_LIBRARY" val="CONTENTS"/>
   <p:tag name="MH_TYPE" val="ENTRY"/>
@@ -36530,7 +35380,16 @@
 </file>
 
 <file path=ppt/tags/tag2.xml><?xml version="1.0" encoding="utf-8"?>
-<p:tagLst xmlns:p="http://schemas.openxmlformats.org/presentationml/2006/main">
+<p:tagLst xmlns:a="http://schemas.openxmlformats.org/drawingml/2006/main" xmlns:r="http://schemas.openxmlformats.org/officeDocument/2006/relationships" xmlns:p="http://schemas.openxmlformats.org/presentationml/2006/main">
+  <p:tag name="MH" val="20161022181333"/>
+  <p:tag name="MH_LIBRARY" val="GRAPHIC"/>
+  <p:tag name="MH_TYPE" val="SubTitle"/>
+  <p:tag name="MH_ORDER" val="4"/>
+</p:tagLst>
+</file>
+
+<file path=ppt/tags/tag3.xml><?xml version="1.0" encoding="utf-8"?>
+<p:tagLst xmlns:a="http://schemas.openxmlformats.org/drawingml/2006/main" xmlns:r="http://schemas.openxmlformats.org/officeDocument/2006/relationships" xmlns:p="http://schemas.openxmlformats.org/presentationml/2006/main">
   <p:tag name="MH" val="20161022181333"/>
   <p:tag name="MH_LIBRARY" val="GRAPHIC"/>
   <p:tag name="MH_TYPE" val="Other"/>
@@ -36538,8 +35397,8 @@
 </p:tagLst>
 </file>
 
-<file path=ppt/tags/tag3.xml><?xml version="1.0" encoding="utf-8"?>
-<p:tagLst xmlns:p="http://schemas.openxmlformats.org/presentationml/2006/main">
+<file path=ppt/tags/tag4.xml><?xml version="1.0" encoding="utf-8"?>
+<p:tagLst xmlns:a="http://schemas.openxmlformats.org/drawingml/2006/main" xmlns:r="http://schemas.openxmlformats.org/officeDocument/2006/relationships" xmlns:p="http://schemas.openxmlformats.org/presentationml/2006/main">
   <p:tag name="MH" val="20161022181333"/>
   <p:tag name="MH_LIBRARY" val="GRAPHIC"/>
   <p:tag name="MH_TYPE" val="Other"/>
@@ -36547,8 +35406,8 @@
 </p:tagLst>
 </file>
 
-<file path=ppt/tags/tag4.xml><?xml version="1.0" encoding="utf-8"?>
-<p:tagLst xmlns:p="http://schemas.openxmlformats.org/presentationml/2006/main">
+<file path=ppt/tags/tag5.xml><?xml version="1.0" encoding="utf-8"?>
+<p:tagLst xmlns:a="http://schemas.openxmlformats.org/drawingml/2006/main" xmlns:r="http://schemas.openxmlformats.org/officeDocument/2006/relationships" xmlns:p="http://schemas.openxmlformats.org/presentationml/2006/main">
   <p:tag name="MH" val="20161022181333"/>
   <p:tag name="MH_LIBRARY" val="GRAPHIC"/>
   <p:tag name="MH_TYPE" val="Other"/>
@@ -36556,8 +35415,8 @@
 </p:tagLst>
 </file>
 
-<file path=ppt/tags/tag5.xml><?xml version="1.0" encoding="utf-8"?>
-<p:tagLst xmlns:p="http://schemas.openxmlformats.org/presentationml/2006/main">
+<file path=ppt/tags/tag6.xml><?xml version="1.0" encoding="utf-8"?>
+<p:tagLst xmlns:a="http://schemas.openxmlformats.org/drawingml/2006/main" xmlns:r="http://schemas.openxmlformats.org/officeDocument/2006/relationships" xmlns:p="http://schemas.openxmlformats.org/presentationml/2006/main">
   <p:tag name="MH" val="20161022181333"/>
   <p:tag name="MH_LIBRARY" val="GRAPHIC"/>
   <p:tag name="MH_TYPE" val="Other"/>
@@ -36565,8 +35424,8 @@
 </p:tagLst>
 </file>
 
-<file path=ppt/tags/tag6.xml><?xml version="1.0" encoding="utf-8"?>
-<p:tagLst xmlns:p="http://schemas.openxmlformats.org/presentationml/2006/main">
+<file path=ppt/tags/tag7.xml><?xml version="1.0" encoding="utf-8"?>
+<p:tagLst xmlns:a="http://schemas.openxmlformats.org/drawingml/2006/main" xmlns:r="http://schemas.openxmlformats.org/officeDocument/2006/relationships" xmlns:p="http://schemas.openxmlformats.org/presentationml/2006/main">
   <p:tag name="MH" val="20161022181333"/>
   <p:tag name="MH_LIBRARY" val="GRAPHIC"/>
   <p:tag name="MH_TYPE" val="SubTitle"/>
@@ -36574,8 +35433,8 @@
 </p:tagLst>
 </file>
 
-<file path=ppt/tags/tag7.xml><?xml version="1.0" encoding="utf-8"?>
-<p:tagLst xmlns:p="http://schemas.openxmlformats.org/presentationml/2006/main">
+<file path=ppt/tags/tag8.xml><?xml version="1.0" encoding="utf-8"?>
+<p:tagLst xmlns:a="http://schemas.openxmlformats.org/drawingml/2006/main" xmlns:r="http://schemas.openxmlformats.org/officeDocument/2006/relationships" xmlns:p="http://schemas.openxmlformats.org/presentationml/2006/main">
   <p:tag name="MH" val="20161022181333"/>
   <p:tag name="MH_LIBRARY" val="GRAPHIC"/>
   <p:tag name="MH_TYPE" val="SubTitle"/>
@@ -36583,21 +35442,12 @@
 </p:tagLst>
 </file>
 
-<file path=ppt/tags/tag8.xml><?xml version="1.0" encoding="utf-8"?>
-<p:tagLst xmlns:p="http://schemas.openxmlformats.org/presentationml/2006/main">
+<file path=ppt/tags/tag9.xml><?xml version="1.0" encoding="utf-8"?>
+<p:tagLst xmlns:a="http://schemas.openxmlformats.org/drawingml/2006/main" xmlns:r="http://schemas.openxmlformats.org/officeDocument/2006/relationships" xmlns:p="http://schemas.openxmlformats.org/presentationml/2006/main">
   <p:tag name="MH" val="20161022181333"/>
   <p:tag name="MH_LIBRARY" val="GRAPHIC"/>
   <p:tag name="MH_TYPE" val="SubTitle"/>
   <p:tag name="MH_ORDER" val="3"/>
-</p:tagLst>
-</file>
-
-<file path=ppt/tags/tag9.xml><?xml version="1.0" encoding="utf-8"?>
-<p:tagLst xmlns:p="http://schemas.openxmlformats.org/presentationml/2006/main">
-  <p:tag name="MH" val="20161022181333"/>
-  <p:tag name="MH_LIBRARY" val="GRAPHIC"/>
-  <p:tag name="MH_TYPE" val="Other"/>
-  <p:tag name="MH_ORDER" val="5"/>
 </p:tagLst>
 </file>
 
@@ -36852,6 +35702,8 @@
       </a:bgFillStyleLst>
     </a:fmtScheme>
   </a:themeElements>
+  <a:objectDefaults/>
+  <a:extraClrSchemeLst/>
   <a:extLst>
     <a:ext uri="{05A4C25C-085E-4340-85A3-A5531E510DB2}">
       <thm15:themeFamily xmlns:thm15="http://schemas.microsoft.com/office/thememl/2012/main" name="Office Theme" id="{62F939B6-93AF-4DB8-9C6B-D6C7DFDC589F}" vid="{4A3C46E8-61CC-4603-A589-7422A47A8E4A}"/>
@@ -37140,6 +35992,8 @@
       </a:bgFillStyleLst>
     </a:fmtScheme>
   </a:themeElements>
+  <a:objectDefaults/>
+  <a:extraClrSchemeLst/>
   <a:extLst>
     <a:ext uri="{05A4C25C-085E-4340-85A3-A5531E510DB2}">
       <thm15:themeFamily xmlns:thm15="http://schemas.microsoft.com/office/thememl/2012/main" name="Office Theme" id="{62F939B6-93AF-4DB8-9C6B-D6C7DFDC589F}" vid="{4A3C46E8-61CC-4603-A589-7422A47A8E4A}"/>
@@ -37399,6 +36253,8 @@
       </a:bgFillStyleLst>
     </a:fmtScheme>
   </a:themeElements>
+  <a:objectDefaults/>
+  <a:extraClrSchemeLst/>
   <a:extLst>
     <a:ext uri="{05A4C25C-085E-4340-85A3-A5531E510DB2}">
       <thm15:themeFamily xmlns:thm15="http://schemas.microsoft.com/office/thememl/2012/main" name="Office Theme" id="{62F939B6-93AF-4DB8-9C6B-D6C7DFDC589F}" vid="{4A3C46E8-61CC-4603-A589-7422A47A8E4A}"/>
